--- a/Fulfillment 중간발표.pptx
+++ b/Fulfillment 중간발표.pptx
@@ -5,10 +5,10 @@
     <p:sldMasterId id="2147483648" r:id="rId1"/>
   </p:sldMasterIdLst>
   <p:notesMasterIdLst>
-    <p:notesMasterId r:id="rId22"/>
+    <p:notesMasterId r:id="rId19"/>
   </p:notesMasterIdLst>
   <p:handoutMasterIdLst>
-    <p:handoutMasterId r:id="rId23"/>
+    <p:handoutMasterId r:id="rId20"/>
   </p:handoutMasterIdLst>
   <p:sldIdLst>
     <p:sldId id="256" r:id="rId2"/>
@@ -17,20 +17,17 @@
     <p:sldId id="259" r:id="rId5"/>
     <p:sldId id="260" r:id="rId6"/>
     <p:sldId id="261" r:id="rId7"/>
-    <p:sldId id="262" r:id="rId8"/>
+    <p:sldId id="265" r:id="rId8"/>
     <p:sldId id="263" r:id="rId9"/>
-    <p:sldId id="264" r:id="rId10"/>
-    <p:sldId id="265" r:id="rId11"/>
-    <p:sldId id="266" r:id="rId12"/>
-    <p:sldId id="267" r:id="rId13"/>
-    <p:sldId id="268" r:id="rId14"/>
-    <p:sldId id="269" r:id="rId15"/>
-    <p:sldId id="271" r:id="rId16"/>
-    <p:sldId id="272" r:id="rId17"/>
-    <p:sldId id="273" r:id="rId18"/>
-    <p:sldId id="274" r:id="rId19"/>
-    <p:sldId id="275" r:id="rId20"/>
-    <p:sldId id="276" r:id="rId21"/>
+    <p:sldId id="262" r:id="rId10"/>
+    <p:sldId id="268" r:id="rId11"/>
+    <p:sldId id="269" r:id="rId12"/>
+    <p:sldId id="271" r:id="rId13"/>
+    <p:sldId id="272" r:id="rId14"/>
+    <p:sldId id="273" r:id="rId15"/>
+    <p:sldId id="274" r:id="rId16"/>
+    <p:sldId id="275" r:id="rId17"/>
+    <p:sldId id="276" r:id="rId18"/>
   </p:sldIdLst>
   <p:sldSz cx="12192000" cy="6858000"/>
   <p:notesSz cx="6858000" cy="9144000"/>
@@ -144,6 +141,9 @@
         </p15:guide>
       </p15:sldGuideLst>
     </p:ext>
+    <p:ext uri="{2D200454-40CA-4A62-9FC3-DE9A4176ACB9}">
+      <p15:notesGuideLst xmlns:p15="http://schemas.microsoft.com/office/powerpoint/2012/main"/>
+    </p:ext>
   </p:extLst>
 </p:presentation>
 </file>
@@ -242,7 +242,7 @@
           <a:p>
             <a:fld id="{A5342C6F-0661-41BA-BAF3-A0AA00500C49}" type="datetimeFigureOut">
               <a:rPr lang="ko-KR" altLang="en-US" smtClean="0"/>
-              <a:t>2019-05-08</a:t>
+              <a:t>2019-05-09</a:t>
             </a:fld>
             <a:endParaRPr lang="ko-KR" altLang="en-US"/>
           </a:p>
@@ -419,7 +419,7 @@
           <a:p>
             <a:fld id="{581DF995-EC49-4E0F-BB09-98D6D7AF5D52}" type="datetimeFigureOut">
               <a:rPr lang="ko-KR" altLang="en-US" smtClean="0"/>
-              <a:t>2019-05-08</a:t>
+              <a:t>2019-05-09</a:t>
             </a:fld>
             <a:endParaRPr lang="ko-KR" altLang="en-US"/>
           </a:p>
@@ -1555,7 +1555,6 @@
           </a:bodyPr>
           <a:lstStyle/>
           <a:p>
-            <a:pPr algn="l"/>
             <a:r>
               <a:rPr lang="en-US" altLang="ko-KR" sz="2400" dirty="0">
                 <a:solidFill>
@@ -1564,17 +1563,7 @@
                 <a:latin typeface="고도 B" panose="02000503000000020004" pitchFamily="2" charset="-127"/>
                 <a:ea typeface="고도 B" panose="02000503000000020004" pitchFamily="2" charset="-127"/>
               </a:rPr>
-              <a:t>3. </a:t>
-            </a:r>
-            <a:r>
-              <a:rPr lang="ko-KR" altLang="en-US" sz="2400" dirty="0" err="1">
-                <a:solidFill>
-                  <a:schemeClr val="bg1"/>
-                </a:solidFill>
-                <a:latin typeface="고도 B" panose="02000503000000020004" pitchFamily="2" charset="-127"/>
-                <a:ea typeface="고도 B" panose="02000503000000020004" pitchFamily="2" charset="-127"/>
-              </a:rPr>
-              <a:t>운송사</a:t>
+              <a:t>4. </a:t>
             </a:r>
             <a:r>
               <a:rPr lang="ko-KR" altLang="en-US" sz="2400" dirty="0">
@@ -1584,7 +1573,7 @@
                 <a:latin typeface="고도 B" panose="02000503000000020004" pitchFamily="2" charset="-127"/>
                 <a:ea typeface="고도 B" panose="02000503000000020004" pitchFamily="2" charset="-127"/>
               </a:rPr>
-              <a:t> </a:t>
+              <a:t>공급자 </a:t>
             </a:r>
             <a:r>
               <a:rPr lang="en-US" altLang="ko-KR" sz="2400" dirty="0">
@@ -1594,65 +1583,72 @@
                 <a:latin typeface="고도 B" panose="02000503000000020004" pitchFamily="2" charset="-127"/>
                 <a:ea typeface="고도 B" panose="02000503000000020004" pitchFamily="2" charset="-127"/>
               </a:rPr>
+              <a:t>Page –</a:t>
+            </a:r>
+            <a:r>
+              <a:rPr lang="ko-KR" altLang="en-US" sz="2400" dirty="0">
+                <a:solidFill>
+                  <a:schemeClr val="bg1"/>
+                </a:solidFill>
+                <a:latin typeface="고도 B" panose="02000503000000020004" pitchFamily="2" charset="-127"/>
+                <a:ea typeface="고도 B" panose="02000503000000020004" pitchFamily="2" charset="-127"/>
+              </a:rPr>
+              <a:t> 메인 </a:t>
+            </a:r>
+            <a:r>
+              <a:rPr lang="en-US" altLang="ko-KR" sz="2400" dirty="0">
+                <a:solidFill>
+                  <a:schemeClr val="bg1"/>
+                </a:solidFill>
+                <a:latin typeface="고도 B" panose="02000503000000020004" pitchFamily="2" charset="-127"/>
+                <a:ea typeface="고도 B" panose="02000503000000020004" pitchFamily="2" charset="-127"/>
+              </a:rPr>
               <a:t>Page</a:t>
             </a:r>
-            <a:r>
-              <a:rPr lang="ko-KR" altLang="en-US" sz="2400" dirty="0">
-                <a:solidFill>
-                  <a:schemeClr val="bg1"/>
-                </a:solidFill>
-                <a:latin typeface="고도 B" panose="02000503000000020004" pitchFamily="2" charset="-127"/>
-                <a:ea typeface="고도 B" panose="02000503000000020004" pitchFamily="2" charset="-127"/>
-              </a:rPr>
-              <a:t> </a:t>
-            </a:r>
-            <a:r>
-              <a:rPr lang="en-US" altLang="ko-KR" sz="2400" dirty="0">
-                <a:solidFill>
-                  <a:schemeClr val="bg1"/>
-                </a:solidFill>
-                <a:latin typeface="고도 B" panose="02000503000000020004" pitchFamily="2" charset="-127"/>
-                <a:ea typeface="고도 B" panose="02000503000000020004" pitchFamily="2" charset="-127"/>
-              </a:rPr>
-              <a:t>–</a:t>
-            </a:r>
-            <a:r>
-              <a:rPr lang="ko-KR" altLang="en-US" sz="2400" dirty="0">
-                <a:solidFill>
-                  <a:schemeClr val="bg1"/>
-                </a:solidFill>
-                <a:latin typeface="고도 B" panose="02000503000000020004" pitchFamily="2" charset="-127"/>
-                <a:ea typeface="고도 B" panose="02000503000000020004" pitchFamily="2" charset="-127"/>
-              </a:rPr>
-              <a:t> 일별 송장 목록 </a:t>
-            </a:r>
-            <a:r>
-              <a:rPr lang="en-US" altLang="ko-KR" sz="2400" dirty="0">
-                <a:solidFill>
-                  <a:schemeClr val="bg1"/>
-                </a:solidFill>
-                <a:latin typeface="고도 B" panose="02000503000000020004" pitchFamily="2" charset="-127"/>
-                <a:ea typeface="고도 B" panose="02000503000000020004" pitchFamily="2" charset="-127"/>
-              </a:rPr>
-              <a:t>Page</a:t>
-            </a:r>
-            <a:r>
-              <a:rPr lang="ko-KR" altLang="en-US" sz="2400" dirty="0">
-                <a:solidFill>
-                  <a:schemeClr val="bg1"/>
-                </a:solidFill>
-                <a:latin typeface="고도 B" panose="02000503000000020004" pitchFamily="2" charset="-127"/>
-                <a:ea typeface="고도 B" panose="02000503000000020004" pitchFamily="2" charset="-127"/>
-              </a:rPr>
-              <a:t> </a:t>
-            </a:r>
+            <a:endParaRPr lang="ko-KR" altLang="en-US" sz="2400" dirty="0">
+              <a:solidFill>
+                <a:schemeClr val="bg1"/>
+              </a:solidFill>
+              <a:latin typeface="고도 B" panose="02000503000000020004" pitchFamily="2" charset="-127"/>
+              <a:ea typeface="고도 B" panose="02000503000000020004" pitchFamily="2" charset="-127"/>
+            </a:endParaRPr>
           </a:p>
         </p:txBody>
       </p:sp>
+      <p:pic>
+        <p:nvPicPr>
+          <p:cNvPr id="2" name="그림 1">
+            <a:extLst>
+              <a:ext uri="{FF2B5EF4-FFF2-40B4-BE49-F238E27FC236}">
+                <a16:creationId xmlns:a16="http://schemas.microsoft.com/office/drawing/2014/main" id="{B2A5D6BD-795F-4A01-B4C2-3B0BBC9E69D8}"/>
+              </a:ext>
+            </a:extLst>
+          </p:cNvPr>
+          <p:cNvPicPr>
+            <a:picLocks noChangeAspect="1"/>
+          </p:cNvPicPr>
+          <p:nvPr/>
+        </p:nvPicPr>
+        <p:blipFill>
+          <a:blip r:embed="rId2"/>
+          <a:stretch>
+            <a:fillRect/>
+          </a:stretch>
+        </p:blipFill>
+        <p:spPr>
+          <a:xfrm>
+            <a:off x="551384" y="1299240"/>
+            <a:ext cx="7920000" cy="4290000"/>
+          </a:xfrm>
+          <a:prstGeom prst="rect">
+            <a:avLst/>
+          </a:prstGeom>
+        </p:spPr>
+      </p:pic>
     </p:spTree>
     <p:extLst>
       <p:ext uri="{BB962C8B-B14F-4D97-AF65-F5344CB8AC3E}">
-        <p14:creationId xmlns:p14="http://schemas.microsoft.com/office/powerpoint/2010/main" val="2579425048"/>
+        <p14:creationId xmlns:p14="http://schemas.microsoft.com/office/powerpoint/2010/main" val="2105647535"/>
       </p:ext>
     </p:extLst>
   </p:cSld>
@@ -1748,7 +1744,6 @@
           </a:bodyPr>
           <a:lstStyle/>
           <a:p>
-            <a:pPr algn="l"/>
             <a:r>
               <a:rPr lang="en-US" altLang="ko-KR" sz="2400" dirty="0">
                 <a:solidFill>
@@ -1757,17 +1752,7 @@
                 <a:latin typeface="고도 B" panose="02000503000000020004" pitchFamily="2" charset="-127"/>
                 <a:ea typeface="고도 B" panose="02000503000000020004" pitchFamily="2" charset="-127"/>
               </a:rPr>
-              <a:t>3. </a:t>
-            </a:r>
-            <a:r>
-              <a:rPr lang="ko-KR" altLang="en-US" sz="2400" dirty="0" err="1">
-                <a:solidFill>
-                  <a:schemeClr val="bg1"/>
-                </a:solidFill>
-                <a:latin typeface="고도 B" panose="02000503000000020004" pitchFamily="2" charset="-127"/>
-                <a:ea typeface="고도 B" panose="02000503000000020004" pitchFamily="2" charset="-127"/>
-              </a:rPr>
-              <a:t>운송사</a:t>
+              <a:t>4. </a:t>
             </a:r>
             <a:r>
               <a:rPr lang="ko-KR" altLang="en-US" sz="2400" dirty="0">
@@ -1777,7 +1762,7 @@
                 <a:latin typeface="고도 B" panose="02000503000000020004" pitchFamily="2" charset="-127"/>
                 <a:ea typeface="고도 B" panose="02000503000000020004" pitchFamily="2" charset="-127"/>
               </a:rPr>
-              <a:t> </a:t>
+              <a:t>공급자 </a:t>
             </a:r>
             <a:r>
               <a:rPr lang="en-US" altLang="ko-KR" sz="2400" dirty="0">
@@ -1787,7 +1772,7 @@
                 <a:latin typeface="고도 B" panose="02000503000000020004" pitchFamily="2" charset="-127"/>
                 <a:ea typeface="고도 B" panose="02000503000000020004" pitchFamily="2" charset="-127"/>
               </a:rPr>
-              <a:t>Page</a:t>
+              <a:t>Page –</a:t>
             </a:r>
             <a:r>
               <a:rPr lang="ko-KR" altLang="en-US" sz="2400" dirty="0">
@@ -1797,27 +1782,7 @@
                 <a:latin typeface="고도 B" panose="02000503000000020004" pitchFamily="2" charset="-127"/>
                 <a:ea typeface="고도 B" panose="02000503000000020004" pitchFamily="2" charset="-127"/>
               </a:rPr>
-              <a:t> </a:t>
-            </a:r>
-            <a:r>
-              <a:rPr lang="en-US" altLang="ko-KR" sz="2400" dirty="0">
-                <a:solidFill>
-                  <a:schemeClr val="bg1"/>
-                </a:solidFill>
-                <a:latin typeface="고도 B" panose="02000503000000020004" pitchFamily="2" charset="-127"/>
-                <a:ea typeface="고도 B" panose="02000503000000020004" pitchFamily="2" charset="-127"/>
-              </a:rPr>
-              <a:t>–</a:t>
-            </a:r>
-            <a:r>
-              <a:rPr lang="ko-KR" altLang="en-US" sz="2400" dirty="0">
-                <a:solidFill>
-                  <a:schemeClr val="bg1"/>
-                </a:solidFill>
-                <a:latin typeface="고도 B" panose="02000503000000020004" pitchFamily="2" charset="-127"/>
-                <a:ea typeface="고도 B" panose="02000503000000020004" pitchFamily="2" charset="-127"/>
-              </a:rPr>
-              <a:t> 월별 송장 목록 </a:t>
+              <a:t> 일별 수주 내역 </a:t>
             </a:r>
             <a:r>
               <a:rPr lang="en-US" altLang="ko-KR" sz="2400" dirty="0">
@@ -1839,10 +1804,40 @@
           </a:p>
         </p:txBody>
       </p:sp>
+      <p:pic>
+        <p:nvPicPr>
+          <p:cNvPr id="2" name="그림 1">
+            <a:extLst>
+              <a:ext uri="{FF2B5EF4-FFF2-40B4-BE49-F238E27FC236}">
+                <a16:creationId xmlns:a16="http://schemas.microsoft.com/office/drawing/2014/main" id="{E8F4FA65-458F-496B-9CF1-F961FAA0F399}"/>
+              </a:ext>
+            </a:extLst>
+          </p:cNvPr>
+          <p:cNvPicPr>
+            <a:picLocks noChangeAspect="1"/>
+          </p:cNvPicPr>
+          <p:nvPr/>
+        </p:nvPicPr>
+        <p:blipFill>
+          <a:blip r:embed="rId2"/>
+          <a:stretch>
+            <a:fillRect/>
+          </a:stretch>
+        </p:blipFill>
+        <p:spPr>
+          <a:xfrm>
+            <a:off x="552264" y="1299240"/>
+            <a:ext cx="7920000" cy="4290000"/>
+          </a:xfrm>
+          <a:prstGeom prst="rect">
+            <a:avLst/>
+          </a:prstGeom>
+        </p:spPr>
+      </p:pic>
     </p:spTree>
     <p:extLst>
       <p:ext uri="{BB962C8B-B14F-4D97-AF65-F5344CB8AC3E}">
-        <p14:creationId xmlns:p14="http://schemas.microsoft.com/office/powerpoint/2010/main" val="1981223919"/>
+        <p14:creationId xmlns:p14="http://schemas.microsoft.com/office/powerpoint/2010/main" val="2951615207"/>
       </p:ext>
     </p:extLst>
   </p:cSld>
@@ -1946,17 +1941,7 @@
                 <a:latin typeface="고도 B" panose="02000503000000020004" pitchFamily="2" charset="-127"/>
                 <a:ea typeface="고도 B" panose="02000503000000020004" pitchFamily="2" charset="-127"/>
               </a:rPr>
-              <a:t>3. </a:t>
-            </a:r>
-            <a:r>
-              <a:rPr lang="ko-KR" altLang="en-US" sz="2400" dirty="0" err="1">
-                <a:solidFill>
-                  <a:schemeClr val="bg1"/>
-                </a:solidFill>
-                <a:latin typeface="고도 B" panose="02000503000000020004" pitchFamily="2" charset="-127"/>
-                <a:ea typeface="고도 B" panose="02000503000000020004" pitchFamily="2" charset="-127"/>
-              </a:rPr>
-              <a:t>운송사</a:t>
+              <a:t>4. </a:t>
             </a:r>
             <a:r>
               <a:rPr lang="ko-KR" altLang="en-US" sz="2400" dirty="0">
@@ -1966,7 +1951,7 @@
                 <a:latin typeface="고도 B" panose="02000503000000020004" pitchFamily="2" charset="-127"/>
                 <a:ea typeface="고도 B" panose="02000503000000020004" pitchFamily="2" charset="-127"/>
               </a:rPr>
-              <a:t> </a:t>
+              <a:t>공급자 </a:t>
             </a:r>
             <a:r>
               <a:rPr lang="en-US" altLang="ko-KR" sz="2400" dirty="0">
@@ -1976,65 +1961,72 @@
                 <a:latin typeface="고도 B" panose="02000503000000020004" pitchFamily="2" charset="-127"/>
                 <a:ea typeface="고도 B" panose="02000503000000020004" pitchFamily="2" charset="-127"/>
               </a:rPr>
+              <a:t>Page –</a:t>
+            </a:r>
+            <a:r>
+              <a:rPr lang="ko-KR" altLang="en-US" sz="2400" dirty="0">
+                <a:solidFill>
+                  <a:schemeClr val="bg1"/>
+                </a:solidFill>
+                <a:latin typeface="고도 B" panose="02000503000000020004" pitchFamily="2" charset="-127"/>
+                <a:ea typeface="고도 B" panose="02000503000000020004" pitchFamily="2" charset="-127"/>
+              </a:rPr>
+              <a:t> 월별 납품 목록 </a:t>
+            </a:r>
+            <a:r>
+              <a:rPr lang="en-US" altLang="ko-KR" sz="2400" dirty="0">
+                <a:solidFill>
+                  <a:schemeClr val="bg1"/>
+                </a:solidFill>
+                <a:latin typeface="고도 B" panose="02000503000000020004" pitchFamily="2" charset="-127"/>
+                <a:ea typeface="고도 B" panose="02000503000000020004" pitchFamily="2" charset="-127"/>
+              </a:rPr>
               <a:t>Page</a:t>
             </a:r>
-            <a:r>
-              <a:rPr lang="ko-KR" altLang="en-US" sz="2400" dirty="0">
-                <a:solidFill>
-                  <a:schemeClr val="bg1"/>
-                </a:solidFill>
-                <a:latin typeface="고도 B" panose="02000503000000020004" pitchFamily="2" charset="-127"/>
-                <a:ea typeface="고도 B" panose="02000503000000020004" pitchFamily="2" charset="-127"/>
-              </a:rPr>
-              <a:t> </a:t>
-            </a:r>
-            <a:r>
-              <a:rPr lang="en-US" altLang="ko-KR" sz="2400" dirty="0">
-                <a:solidFill>
-                  <a:schemeClr val="bg1"/>
-                </a:solidFill>
-                <a:latin typeface="고도 B" panose="02000503000000020004" pitchFamily="2" charset="-127"/>
-                <a:ea typeface="고도 B" panose="02000503000000020004" pitchFamily="2" charset="-127"/>
-              </a:rPr>
-              <a:t>–</a:t>
-            </a:r>
-            <a:r>
-              <a:rPr lang="ko-KR" altLang="en-US" sz="2400" dirty="0">
-                <a:solidFill>
-                  <a:schemeClr val="bg1"/>
-                </a:solidFill>
-                <a:latin typeface="고도 B" panose="02000503000000020004" pitchFamily="2" charset="-127"/>
-                <a:ea typeface="고도 B" panose="02000503000000020004" pitchFamily="2" charset="-127"/>
-              </a:rPr>
-              <a:t> 송장 상세 목록 </a:t>
-            </a:r>
-            <a:r>
-              <a:rPr lang="en-US" altLang="ko-KR" sz="2400" dirty="0">
-                <a:solidFill>
-                  <a:schemeClr val="bg1"/>
-                </a:solidFill>
-                <a:latin typeface="고도 B" panose="02000503000000020004" pitchFamily="2" charset="-127"/>
-                <a:ea typeface="고도 B" panose="02000503000000020004" pitchFamily="2" charset="-127"/>
-              </a:rPr>
-              <a:t>Page</a:t>
-            </a:r>
-            <a:r>
-              <a:rPr lang="ko-KR" altLang="en-US" sz="2400" dirty="0">
-                <a:solidFill>
-                  <a:schemeClr val="bg1"/>
-                </a:solidFill>
-                <a:latin typeface="고도 B" panose="02000503000000020004" pitchFamily="2" charset="-127"/>
-                <a:ea typeface="고도 B" panose="02000503000000020004" pitchFamily="2" charset="-127"/>
-              </a:rPr>
-              <a:t> </a:t>
-            </a:r>
+            <a:endParaRPr lang="ko-KR" altLang="en-US" sz="2400" dirty="0">
+              <a:solidFill>
+                <a:schemeClr val="bg1"/>
+              </a:solidFill>
+              <a:latin typeface="고도 B" panose="02000503000000020004" pitchFamily="2" charset="-127"/>
+              <a:ea typeface="고도 B" panose="02000503000000020004" pitchFamily="2" charset="-127"/>
+            </a:endParaRPr>
           </a:p>
         </p:txBody>
       </p:sp>
+      <p:pic>
+        <p:nvPicPr>
+          <p:cNvPr id="2" name="그림 1">
+            <a:extLst>
+              <a:ext uri="{FF2B5EF4-FFF2-40B4-BE49-F238E27FC236}">
+                <a16:creationId xmlns:a16="http://schemas.microsoft.com/office/drawing/2014/main" id="{A8E98C00-CA04-4CE6-88D1-2D1EE9B62ADC}"/>
+              </a:ext>
+            </a:extLst>
+          </p:cNvPr>
+          <p:cNvPicPr>
+            <a:picLocks noChangeAspect="1"/>
+          </p:cNvPicPr>
+          <p:nvPr/>
+        </p:nvPicPr>
+        <p:blipFill>
+          <a:blip r:embed="rId2"/>
+          <a:stretch>
+            <a:fillRect/>
+          </a:stretch>
+        </p:blipFill>
+        <p:spPr>
+          <a:xfrm>
+            <a:off x="552264" y="1299240"/>
+            <a:ext cx="7920000" cy="4290000"/>
+          </a:xfrm>
+          <a:prstGeom prst="rect">
+            <a:avLst/>
+          </a:prstGeom>
+        </p:spPr>
+      </p:pic>
     </p:spTree>
     <p:extLst>
       <p:ext uri="{BB962C8B-B14F-4D97-AF65-F5344CB8AC3E}">
-        <p14:creationId xmlns:p14="http://schemas.microsoft.com/office/powerpoint/2010/main" val="382601666"/>
+        <p14:creationId xmlns:p14="http://schemas.microsoft.com/office/powerpoint/2010/main" val="1953855660"/>
       </p:ext>
     </p:extLst>
   </p:cSld>
@@ -2138,7 +2130,7 @@
                 <a:latin typeface="고도 B" panose="02000503000000020004" pitchFamily="2" charset="-127"/>
                 <a:ea typeface="고도 B" panose="02000503000000020004" pitchFamily="2" charset="-127"/>
               </a:rPr>
-              <a:t>4. </a:t>
+              <a:t>5.</a:t>
             </a:r>
             <a:r>
               <a:rPr lang="ko-KR" altLang="en-US" sz="2400" dirty="0">
@@ -2148,7 +2140,7 @@
                 <a:latin typeface="고도 B" panose="02000503000000020004" pitchFamily="2" charset="-127"/>
                 <a:ea typeface="고도 B" panose="02000503000000020004" pitchFamily="2" charset="-127"/>
               </a:rPr>
-              <a:t>공급자 </a:t>
+              <a:t>관리자 </a:t>
             </a:r>
             <a:r>
               <a:rPr lang="en-US" altLang="ko-KR" sz="2400" dirty="0">
@@ -2158,7 +2150,27 @@
                 <a:latin typeface="고도 B" panose="02000503000000020004" pitchFamily="2" charset="-127"/>
                 <a:ea typeface="고도 B" panose="02000503000000020004" pitchFamily="2" charset="-127"/>
               </a:rPr>
-              <a:t>Page –</a:t>
+              <a:t>Page</a:t>
+            </a:r>
+            <a:r>
+              <a:rPr lang="ko-KR" altLang="en-US" sz="2400" dirty="0">
+                <a:solidFill>
+                  <a:schemeClr val="bg1"/>
+                </a:solidFill>
+                <a:latin typeface="고도 B" panose="02000503000000020004" pitchFamily="2" charset="-127"/>
+                <a:ea typeface="고도 B" panose="02000503000000020004" pitchFamily="2" charset="-127"/>
+              </a:rPr>
+              <a:t> </a:t>
+            </a:r>
+            <a:r>
+              <a:rPr lang="en-US" altLang="ko-KR" sz="2400" dirty="0">
+                <a:solidFill>
+                  <a:schemeClr val="bg1"/>
+                </a:solidFill>
+                <a:latin typeface="고도 B" panose="02000503000000020004" pitchFamily="2" charset="-127"/>
+                <a:ea typeface="고도 B" panose="02000503000000020004" pitchFamily="2" charset="-127"/>
+              </a:rPr>
+              <a:t>–</a:t>
             </a:r>
             <a:r>
               <a:rPr lang="ko-KR" altLang="en-US" sz="2400" dirty="0">
@@ -2193,7 +2205,7 @@
     </p:spTree>
     <p:extLst>
       <p:ext uri="{BB962C8B-B14F-4D97-AF65-F5344CB8AC3E}">
-        <p14:creationId xmlns:p14="http://schemas.microsoft.com/office/powerpoint/2010/main" val="2105647535"/>
+        <p14:creationId xmlns:p14="http://schemas.microsoft.com/office/powerpoint/2010/main" val="2978325579"/>
       </p:ext>
     </p:extLst>
   </p:cSld>
@@ -2297,7 +2309,7 @@
                 <a:latin typeface="고도 B" panose="02000503000000020004" pitchFamily="2" charset="-127"/>
                 <a:ea typeface="고도 B" panose="02000503000000020004" pitchFamily="2" charset="-127"/>
               </a:rPr>
-              <a:t>4. </a:t>
+              <a:t>5.</a:t>
             </a:r>
             <a:r>
               <a:rPr lang="ko-KR" altLang="en-US" sz="2400" dirty="0">
@@ -2307,7 +2319,7 @@
                 <a:latin typeface="고도 B" panose="02000503000000020004" pitchFamily="2" charset="-127"/>
                 <a:ea typeface="고도 B" panose="02000503000000020004" pitchFamily="2" charset="-127"/>
               </a:rPr>
-              <a:t>공급자 </a:t>
+              <a:t>관리자 </a:t>
             </a:r>
             <a:r>
               <a:rPr lang="en-US" altLang="ko-KR" sz="2400" dirty="0">
@@ -2317,7 +2329,7 @@
                 <a:latin typeface="고도 B" panose="02000503000000020004" pitchFamily="2" charset="-127"/>
                 <a:ea typeface="고도 B" panose="02000503000000020004" pitchFamily="2" charset="-127"/>
               </a:rPr>
-              <a:t>Page –</a:t>
+              <a:t>Page</a:t>
             </a:r>
             <a:r>
               <a:rPr lang="ko-KR" altLang="en-US" sz="2400" dirty="0">
@@ -2327,7 +2339,7 @@
                 <a:latin typeface="고도 B" panose="02000503000000020004" pitchFamily="2" charset="-127"/>
                 <a:ea typeface="고도 B" panose="02000503000000020004" pitchFamily="2" charset="-127"/>
               </a:rPr>
-              <a:t> 일별 수주 목록 </a:t>
+              <a:t> </a:t>
             </a:r>
             <a:r>
               <a:rPr lang="en-US" altLang="ko-KR" sz="2400" dirty="0">
@@ -2337,22 +2349,25 @@
                 <a:latin typeface="고도 B" panose="02000503000000020004" pitchFamily="2" charset="-127"/>
                 <a:ea typeface="고도 B" panose="02000503000000020004" pitchFamily="2" charset="-127"/>
               </a:rPr>
-              <a:t>Page</a:t>
-            </a:r>
-            <a:endParaRPr lang="ko-KR" altLang="en-US" sz="2400" dirty="0">
-              <a:solidFill>
-                <a:schemeClr val="bg1"/>
-              </a:solidFill>
-              <a:latin typeface="고도 B" panose="02000503000000020004" pitchFamily="2" charset="-127"/>
-              <a:ea typeface="고도 B" panose="02000503000000020004" pitchFamily="2" charset="-127"/>
-            </a:endParaRPr>
+              <a:t>–</a:t>
+            </a:r>
+            <a:r>
+              <a:rPr lang="ko-KR" altLang="en-US" sz="2400" dirty="0">
+                <a:solidFill>
+                  <a:schemeClr val="bg1"/>
+                </a:solidFill>
+                <a:latin typeface="고도 B" panose="02000503000000020004" pitchFamily="2" charset="-127"/>
+                <a:ea typeface="고도 B" panose="02000503000000020004" pitchFamily="2" charset="-127"/>
+              </a:rPr>
+              <a:t> 월별 송장 목록</a:t>
+            </a:r>
           </a:p>
         </p:txBody>
       </p:sp>
     </p:spTree>
     <p:extLst>
       <p:ext uri="{BB962C8B-B14F-4D97-AF65-F5344CB8AC3E}">
-        <p14:creationId xmlns:p14="http://schemas.microsoft.com/office/powerpoint/2010/main" val="2951615207"/>
+        <p14:creationId xmlns:p14="http://schemas.microsoft.com/office/powerpoint/2010/main" val="1257833064"/>
       </p:ext>
     </p:extLst>
   </p:cSld>
@@ -2456,7 +2471,7 @@
                 <a:latin typeface="고도 B" panose="02000503000000020004" pitchFamily="2" charset="-127"/>
                 <a:ea typeface="고도 B" panose="02000503000000020004" pitchFamily="2" charset="-127"/>
               </a:rPr>
-              <a:t>4. </a:t>
+              <a:t>5.</a:t>
             </a:r>
             <a:r>
               <a:rPr lang="ko-KR" altLang="en-US" sz="2400" dirty="0">
@@ -2466,7 +2481,7 @@
                 <a:latin typeface="고도 B" panose="02000503000000020004" pitchFamily="2" charset="-127"/>
                 <a:ea typeface="고도 B" panose="02000503000000020004" pitchFamily="2" charset="-127"/>
               </a:rPr>
-              <a:t>공급자 </a:t>
+              <a:t>관리자 </a:t>
             </a:r>
             <a:r>
               <a:rPr lang="en-US" altLang="ko-KR" sz="2400" dirty="0">
@@ -2476,7 +2491,7 @@
                 <a:latin typeface="고도 B" panose="02000503000000020004" pitchFamily="2" charset="-127"/>
                 <a:ea typeface="고도 B" panose="02000503000000020004" pitchFamily="2" charset="-127"/>
               </a:rPr>
-              <a:t>Page –</a:t>
+              <a:t>Page</a:t>
             </a:r>
             <a:r>
               <a:rPr lang="ko-KR" altLang="en-US" sz="2400" dirty="0">
@@ -2486,7 +2501,7 @@
                 <a:latin typeface="고도 B" panose="02000503000000020004" pitchFamily="2" charset="-127"/>
                 <a:ea typeface="고도 B" panose="02000503000000020004" pitchFamily="2" charset="-127"/>
               </a:rPr>
-              <a:t> 월별 납품 목록 </a:t>
+              <a:t> </a:t>
             </a:r>
             <a:r>
               <a:rPr lang="en-US" altLang="ko-KR" sz="2400" dirty="0">
@@ -2496,22 +2511,25 @@
                 <a:latin typeface="고도 B" panose="02000503000000020004" pitchFamily="2" charset="-127"/>
                 <a:ea typeface="고도 B" panose="02000503000000020004" pitchFamily="2" charset="-127"/>
               </a:rPr>
-              <a:t>Page</a:t>
-            </a:r>
-            <a:endParaRPr lang="ko-KR" altLang="en-US" sz="2400" dirty="0">
-              <a:solidFill>
-                <a:schemeClr val="bg1"/>
-              </a:solidFill>
-              <a:latin typeface="고도 B" panose="02000503000000020004" pitchFamily="2" charset="-127"/>
-              <a:ea typeface="고도 B" panose="02000503000000020004" pitchFamily="2" charset="-127"/>
-            </a:endParaRPr>
+              <a:t>–</a:t>
+            </a:r>
+            <a:r>
+              <a:rPr lang="ko-KR" altLang="en-US" sz="2400" dirty="0">
+                <a:solidFill>
+                  <a:schemeClr val="bg1"/>
+                </a:solidFill>
+                <a:latin typeface="고도 B" panose="02000503000000020004" pitchFamily="2" charset="-127"/>
+                <a:ea typeface="고도 B" panose="02000503000000020004" pitchFamily="2" charset="-127"/>
+              </a:rPr>
+              <a:t> 월별 수주 목록</a:t>
+            </a:r>
           </a:p>
         </p:txBody>
       </p:sp>
     </p:spTree>
     <p:extLst>
       <p:ext uri="{BB962C8B-B14F-4D97-AF65-F5344CB8AC3E}">
-        <p14:creationId xmlns:p14="http://schemas.microsoft.com/office/powerpoint/2010/main" val="1953855660"/>
+        <p14:creationId xmlns:p14="http://schemas.microsoft.com/office/powerpoint/2010/main" val="1717588114"/>
       </p:ext>
     </p:extLst>
   </p:cSld>
@@ -2655,509 +2673,6 @@
                 <a:latin typeface="고도 B" panose="02000503000000020004" pitchFamily="2" charset="-127"/>
                 <a:ea typeface="고도 B" panose="02000503000000020004" pitchFamily="2" charset="-127"/>
               </a:rPr>
-              <a:t>–</a:t>
-            </a:r>
-            <a:r>
-              <a:rPr lang="ko-KR" altLang="en-US" sz="2400" dirty="0">
-                <a:solidFill>
-                  <a:schemeClr val="bg1"/>
-                </a:solidFill>
-                <a:latin typeface="고도 B" panose="02000503000000020004" pitchFamily="2" charset="-127"/>
-                <a:ea typeface="고도 B" panose="02000503000000020004" pitchFamily="2" charset="-127"/>
-              </a:rPr>
-              <a:t> 메인 </a:t>
-            </a:r>
-            <a:r>
-              <a:rPr lang="en-US" altLang="ko-KR" sz="2400" dirty="0">
-                <a:solidFill>
-                  <a:schemeClr val="bg1"/>
-                </a:solidFill>
-                <a:latin typeface="고도 B" panose="02000503000000020004" pitchFamily="2" charset="-127"/>
-                <a:ea typeface="고도 B" panose="02000503000000020004" pitchFamily="2" charset="-127"/>
-              </a:rPr>
-              <a:t>Page</a:t>
-            </a:r>
-            <a:endParaRPr lang="ko-KR" altLang="en-US" sz="2400" dirty="0">
-              <a:solidFill>
-                <a:schemeClr val="bg1"/>
-              </a:solidFill>
-              <a:latin typeface="고도 B" panose="02000503000000020004" pitchFamily="2" charset="-127"/>
-              <a:ea typeface="고도 B" panose="02000503000000020004" pitchFamily="2" charset="-127"/>
-            </a:endParaRPr>
-          </a:p>
-        </p:txBody>
-      </p:sp>
-    </p:spTree>
-    <p:extLst>
-      <p:ext uri="{BB962C8B-B14F-4D97-AF65-F5344CB8AC3E}">
-        <p14:creationId xmlns:p14="http://schemas.microsoft.com/office/powerpoint/2010/main" val="2978325579"/>
-      </p:ext>
-    </p:extLst>
-  </p:cSld>
-  <p:clrMapOvr>
-    <a:masterClrMapping/>
-  </p:clrMapOvr>
-</p:sld>
-</file>
-
-<file path=ppt/slides/slide17.xml><?xml version="1.0" encoding="utf-8"?>
-<p:sld xmlns:a="http://schemas.openxmlformats.org/drawingml/2006/main" xmlns:r="http://schemas.openxmlformats.org/officeDocument/2006/relationships" xmlns:p="http://schemas.openxmlformats.org/presentationml/2006/main">
-  <p:cSld>
-    <p:bg>
-      <p:bgPr>
-        <a:solidFill>
-          <a:schemeClr val="accent1">
-            <a:lumMod val="75000"/>
-            <a:alpha val="96000"/>
-          </a:schemeClr>
-        </a:solidFill>
-        <a:effectLst/>
-      </p:bgPr>
-    </p:bg>
-    <p:spTree>
-      <p:nvGrpSpPr>
-        <p:cNvPr id="1" name=""/>
-        <p:cNvGrpSpPr/>
-        <p:nvPr/>
-      </p:nvGrpSpPr>
-      <p:grpSpPr>
-        <a:xfrm>
-          <a:off x="0" y="0"/>
-          <a:ext cx="0" cy="0"/>
-          <a:chOff x="0" y="0"/>
-          <a:chExt cx="0" cy="0"/>
-        </a:xfrm>
-      </p:grpSpPr>
-      <p:sp>
-        <p:nvSpPr>
-          <p:cNvPr id="6" name="슬라이드 번호 개체 틀 5">
-            <a:extLst>
-              <a:ext uri="{FF2B5EF4-FFF2-40B4-BE49-F238E27FC236}">
-                <a16:creationId xmlns:a16="http://schemas.microsoft.com/office/drawing/2014/main" id="{D07836A0-38B7-45E1-B6C1-6BEEAC42BA58}"/>
-              </a:ext>
-            </a:extLst>
-          </p:cNvPr>
-          <p:cNvSpPr>
-            <a:spLocks noGrp="1"/>
-          </p:cNvSpPr>
-          <p:nvPr>
-            <p:ph type="sldNum" sz="quarter" idx="12"/>
-          </p:nvPr>
-        </p:nvSpPr>
-        <p:spPr/>
-        <p:txBody>
-          <a:bodyPr/>
-          <a:lstStyle/>
-          <a:p>
-            <a:fld id="{393AB653-6532-4FD2-BDDA-539C3EBBB613}" type="slidenum">
-              <a:rPr lang="ko-KR" altLang="en-US" smtClean="0"/>
-              <a:pPr/>
-              <a:t>17</a:t>
-            </a:fld>
-            <a:endParaRPr lang="ko-KR" altLang="en-US" dirty="0"/>
-          </a:p>
-        </p:txBody>
-      </p:sp>
-      <p:sp>
-        <p:nvSpPr>
-          <p:cNvPr id="9" name="TextBox 8">
-            <a:extLst>
-              <a:ext uri="{FF2B5EF4-FFF2-40B4-BE49-F238E27FC236}">
-                <a16:creationId xmlns:a16="http://schemas.microsoft.com/office/drawing/2014/main" id="{5D8B5EC4-A12D-4385-8680-5D64041688E4}"/>
-              </a:ext>
-            </a:extLst>
-          </p:cNvPr>
-          <p:cNvSpPr txBox="1"/>
-          <p:nvPr/>
-        </p:nvSpPr>
-        <p:spPr>
-          <a:xfrm>
-            <a:off x="479376" y="159023"/>
-            <a:ext cx="6840760" cy="461665"/>
-          </a:xfrm>
-          <a:prstGeom prst="rect">
-            <a:avLst/>
-          </a:prstGeom>
-          <a:noFill/>
-        </p:spPr>
-        <p:txBody>
-          <a:bodyPr wrap="square" rtlCol="0">
-            <a:spAutoFit/>
-          </a:bodyPr>
-          <a:lstStyle/>
-          <a:p>
-            <a:r>
-              <a:rPr lang="en-US" altLang="ko-KR" sz="2400" dirty="0">
-                <a:solidFill>
-                  <a:schemeClr val="bg1"/>
-                </a:solidFill>
-                <a:latin typeface="고도 B" panose="02000503000000020004" pitchFamily="2" charset="-127"/>
-                <a:ea typeface="고도 B" panose="02000503000000020004" pitchFamily="2" charset="-127"/>
-              </a:rPr>
-              <a:t>5.</a:t>
-            </a:r>
-            <a:r>
-              <a:rPr lang="ko-KR" altLang="en-US" sz="2400" dirty="0">
-                <a:solidFill>
-                  <a:schemeClr val="bg1"/>
-                </a:solidFill>
-                <a:latin typeface="고도 B" panose="02000503000000020004" pitchFamily="2" charset="-127"/>
-                <a:ea typeface="고도 B" panose="02000503000000020004" pitchFamily="2" charset="-127"/>
-              </a:rPr>
-              <a:t>관리자 </a:t>
-            </a:r>
-            <a:r>
-              <a:rPr lang="en-US" altLang="ko-KR" sz="2400" dirty="0">
-                <a:solidFill>
-                  <a:schemeClr val="bg1"/>
-                </a:solidFill>
-                <a:latin typeface="고도 B" panose="02000503000000020004" pitchFamily="2" charset="-127"/>
-                <a:ea typeface="고도 B" panose="02000503000000020004" pitchFamily="2" charset="-127"/>
-              </a:rPr>
-              <a:t>Page</a:t>
-            </a:r>
-            <a:r>
-              <a:rPr lang="ko-KR" altLang="en-US" sz="2400" dirty="0">
-                <a:solidFill>
-                  <a:schemeClr val="bg1"/>
-                </a:solidFill>
-                <a:latin typeface="고도 B" panose="02000503000000020004" pitchFamily="2" charset="-127"/>
-                <a:ea typeface="고도 B" panose="02000503000000020004" pitchFamily="2" charset="-127"/>
-              </a:rPr>
-              <a:t> </a:t>
-            </a:r>
-            <a:r>
-              <a:rPr lang="en-US" altLang="ko-KR" sz="2400" dirty="0">
-                <a:solidFill>
-                  <a:schemeClr val="bg1"/>
-                </a:solidFill>
-                <a:latin typeface="고도 B" panose="02000503000000020004" pitchFamily="2" charset="-127"/>
-                <a:ea typeface="고도 B" panose="02000503000000020004" pitchFamily="2" charset="-127"/>
-              </a:rPr>
-              <a:t>–</a:t>
-            </a:r>
-            <a:r>
-              <a:rPr lang="ko-KR" altLang="en-US" sz="2400" dirty="0">
-                <a:solidFill>
-                  <a:schemeClr val="bg1"/>
-                </a:solidFill>
-                <a:latin typeface="고도 B" panose="02000503000000020004" pitchFamily="2" charset="-127"/>
-                <a:ea typeface="고도 B" panose="02000503000000020004" pitchFamily="2" charset="-127"/>
-              </a:rPr>
-              <a:t> 월별 송장 목록</a:t>
-            </a:r>
-          </a:p>
-        </p:txBody>
-      </p:sp>
-    </p:spTree>
-    <p:extLst>
-      <p:ext uri="{BB962C8B-B14F-4D97-AF65-F5344CB8AC3E}">
-        <p14:creationId xmlns:p14="http://schemas.microsoft.com/office/powerpoint/2010/main" val="1257833064"/>
-      </p:ext>
-    </p:extLst>
-  </p:cSld>
-  <p:clrMapOvr>
-    <a:masterClrMapping/>
-  </p:clrMapOvr>
-</p:sld>
-</file>
-
-<file path=ppt/slides/slide18.xml><?xml version="1.0" encoding="utf-8"?>
-<p:sld xmlns:a="http://schemas.openxmlformats.org/drawingml/2006/main" xmlns:r="http://schemas.openxmlformats.org/officeDocument/2006/relationships" xmlns:p="http://schemas.openxmlformats.org/presentationml/2006/main">
-  <p:cSld>
-    <p:bg>
-      <p:bgPr>
-        <a:solidFill>
-          <a:schemeClr val="accent1">
-            <a:lumMod val="75000"/>
-            <a:alpha val="96000"/>
-          </a:schemeClr>
-        </a:solidFill>
-        <a:effectLst/>
-      </p:bgPr>
-    </p:bg>
-    <p:spTree>
-      <p:nvGrpSpPr>
-        <p:cNvPr id="1" name=""/>
-        <p:cNvGrpSpPr/>
-        <p:nvPr/>
-      </p:nvGrpSpPr>
-      <p:grpSpPr>
-        <a:xfrm>
-          <a:off x="0" y="0"/>
-          <a:ext cx="0" cy="0"/>
-          <a:chOff x="0" y="0"/>
-          <a:chExt cx="0" cy="0"/>
-        </a:xfrm>
-      </p:grpSpPr>
-      <p:sp>
-        <p:nvSpPr>
-          <p:cNvPr id="6" name="슬라이드 번호 개체 틀 5">
-            <a:extLst>
-              <a:ext uri="{FF2B5EF4-FFF2-40B4-BE49-F238E27FC236}">
-                <a16:creationId xmlns:a16="http://schemas.microsoft.com/office/drawing/2014/main" id="{D07836A0-38B7-45E1-B6C1-6BEEAC42BA58}"/>
-              </a:ext>
-            </a:extLst>
-          </p:cNvPr>
-          <p:cNvSpPr>
-            <a:spLocks noGrp="1"/>
-          </p:cNvSpPr>
-          <p:nvPr>
-            <p:ph type="sldNum" sz="quarter" idx="12"/>
-          </p:nvPr>
-        </p:nvSpPr>
-        <p:spPr/>
-        <p:txBody>
-          <a:bodyPr/>
-          <a:lstStyle/>
-          <a:p>
-            <a:fld id="{393AB653-6532-4FD2-BDDA-539C3EBBB613}" type="slidenum">
-              <a:rPr lang="ko-KR" altLang="en-US" smtClean="0"/>
-              <a:pPr/>
-              <a:t>18</a:t>
-            </a:fld>
-            <a:endParaRPr lang="ko-KR" altLang="en-US" dirty="0"/>
-          </a:p>
-        </p:txBody>
-      </p:sp>
-      <p:sp>
-        <p:nvSpPr>
-          <p:cNvPr id="9" name="TextBox 8">
-            <a:extLst>
-              <a:ext uri="{FF2B5EF4-FFF2-40B4-BE49-F238E27FC236}">
-                <a16:creationId xmlns:a16="http://schemas.microsoft.com/office/drawing/2014/main" id="{5D8B5EC4-A12D-4385-8680-5D64041688E4}"/>
-              </a:ext>
-            </a:extLst>
-          </p:cNvPr>
-          <p:cNvSpPr txBox="1"/>
-          <p:nvPr/>
-        </p:nvSpPr>
-        <p:spPr>
-          <a:xfrm>
-            <a:off x="479376" y="159023"/>
-            <a:ext cx="6840760" cy="461665"/>
-          </a:xfrm>
-          <a:prstGeom prst="rect">
-            <a:avLst/>
-          </a:prstGeom>
-          <a:noFill/>
-        </p:spPr>
-        <p:txBody>
-          <a:bodyPr wrap="square" rtlCol="0">
-            <a:spAutoFit/>
-          </a:bodyPr>
-          <a:lstStyle/>
-          <a:p>
-            <a:r>
-              <a:rPr lang="en-US" altLang="ko-KR" sz="2400" dirty="0">
-                <a:solidFill>
-                  <a:schemeClr val="bg1"/>
-                </a:solidFill>
-                <a:latin typeface="고도 B" panose="02000503000000020004" pitchFamily="2" charset="-127"/>
-                <a:ea typeface="고도 B" panose="02000503000000020004" pitchFamily="2" charset="-127"/>
-              </a:rPr>
-              <a:t>5.</a:t>
-            </a:r>
-            <a:r>
-              <a:rPr lang="ko-KR" altLang="en-US" sz="2400" dirty="0">
-                <a:solidFill>
-                  <a:schemeClr val="bg1"/>
-                </a:solidFill>
-                <a:latin typeface="고도 B" panose="02000503000000020004" pitchFamily="2" charset="-127"/>
-                <a:ea typeface="고도 B" panose="02000503000000020004" pitchFamily="2" charset="-127"/>
-              </a:rPr>
-              <a:t>관리자 </a:t>
-            </a:r>
-            <a:r>
-              <a:rPr lang="en-US" altLang="ko-KR" sz="2400" dirty="0">
-                <a:solidFill>
-                  <a:schemeClr val="bg1"/>
-                </a:solidFill>
-                <a:latin typeface="고도 B" panose="02000503000000020004" pitchFamily="2" charset="-127"/>
-                <a:ea typeface="고도 B" panose="02000503000000020004" pitchFamily="2" charset="-127"/>
-              </a:rPr>
-              <a:t>Page</a:t>
-            </a:r>
-            <a:r>
-              <a:rPr lang="ko-KR" altLang="en-US" sz="2400" dirty="0">
-                <a:solidFill>
-                  <a:schemeClr val="bg1"/>
-                </a:solidFill>
-                <a:latin typeface="고도 B" panose="02000503000000020004" pitchFamily="2" charset="-127"/>
-                <a:ea typeface="고도 B" panose="02000503000000020004" pitchFamily="2" charset="-127"/>
-              </a:rPr>
-              <a:t> </a:t>
-            </a:r>
-            <a:r>
-              <a:rPr lang="en-US" altLang="ko-KR" sz="2400" dirty="0">
-                <a:solidFill>
-                  <a:schemeClr val="bg1"/>
-                </a:solidFill>
-                <a:latin typeface="고도 B" panose="02000503000000020004" pitchFamily="2" charset="-127"/>
-                <a:ea typeface="고도 B" panose="02000503000000020004" pitchFamily="2" charset="-127"/>
-              </a:rPr>
-              <a:t>–</a:t>
-            </a:r>
-            <a:r>
-              <a:rPr lang="ko-KR" altLang="en-US" sz="2400" dirty="0">
-                <a:solidFill>
-                  <a:schemeClr val="bg1"/>
-                </a:solidFill>
-                <a:latin typeface="고도 B" panose="02000503000000020004" pitchFamily="2" charset="-127"/>
-                <a:ea typeface="고도 B" panose="02000503000000020004" pitchFamily="2" charset="-127"/>
-              </a:rPr>
-              <a:t> 월별 수주 목록</a:t>
-            </a:r>
-          </a:p>
-        </p:txBody>
-      </p:sp>
-    </p:spTree>
-    <p:extLst>
-      <p:ext uri="{BB962C8B-B14F-4D97-AF65-F5344CB8AC3E}">
-        <p14:creationId xmlns:p14="http://schemas.microsoft.com/office/powerpoint/2010/main" val="1717588114"/>
-      </p:ext>
-    </p:extLst>
-  </p:cSld>
-  <p:clrMapOvr>
-    <a:masterClrMapping/>
-  </p:clrMapOvr>
-</p:sld>
-</file>
-
-<file path=ppt/slides/slide19.xml><?xml version="1.0" encoding="utf-8"?>
-<p:sld xmlns:a="http://schemas.openxmlformats.org/drawingml/2006/main" xmlns:r="http://schemas.openxmlformats.org/officeDocument/2006/relationships" xmlns:p="http://schemas.openxmlformats.org/presentationml/2006/main">
-  <p:cSld>
-    <p:bg>
-      <p:bgPr>
-        <a:solidFill>
-          <a:schemeClr val="accent1">
-            <a:lumMod val="75000"/>
-            <a:alpha val="96000"/>
-          </a:schemeClr>
-        </a:solidFill>
-        <a:effectLst/>
-      </p:bgPr>
-    </p:bg>
-    <p:spTree>
-      <p:nvGrpSpPr>
-        <p:cNvPr id="1" name=""/>
-        <p:cNvGrpSpPr/>
-        <p:nvPr/>
-      </p:nvGrpSpPr>
-      <p:grpSpPr>
-        <a:xfrm>
-          <a:off x="0" y="0"/>
-          <a:ext cx="0" cy="0"/>
-          <a:chOff x="0" y="0"/>
-          <a:chExt cx="0" cy="0"/>
-        </a:xfrm>
-      </p:grpSpPr>
-      <p:sp>
-        <p:nvSpPr>
-          <p:cNvPr id="6" name="슬라이드 번호 개체 틀 5">
-            <a:extLst>
-              <a:ext uri="{FF2B5EF4-FFF2-40B4-BE49-F238E27FC236}">
-                <a16:creationId xmlns:a16="http://schemas.microsoft.com/office/drawing/2014/main" id="{D07836A0-38B7-45E1-B6C1-6BEEAC42BA58}"/>
-              </a:ext>
-            </a:extLst>
-          </p:cNvPr>
-          <p:cNvSpPr>
-            <a:spLocks noGrp="1"/>
-          </p:cNvSpPr>
-          <p:nvPr>
-            <p:ph type="sldNum" sz="quarter" idx="12"/>
-          </p:nvPr>
-        </p:nvSpPr>
-        <p:spPr/>
-        <p:txBody>
-          <a:bodyPr/>
-          <a:lstStyle/>
-          <a:p>
-            <a:fld id="{393AB653-6532-4FD2-BDDA-539C3EBBB613}" type="slidenum">
-              <a:rPr lang="ko-KR" altLang="en-US" smtClean="0"/>
-              <a:pPr/>
-              <a:t>19</a:t>
-            </a:fld>
-            <a:endParaRPr lang="ko-KR" altLang="en-US" dirty="0"/>
-          </a:p>
-        </p:txBody>
-      </p:sp>
-      <p:sp>
-        <p:nvSpPr>
-          <p:cNvPr id="9" name="TextBox 8">
-            <a:extLst>
-              <a:ext uri="{FF2B5EF4-FFF2-40B4-BE49-F238E27FC236}">
-                <a16:creationId xmlns:a16="http://schemas.microsoft.com/office/drawing/2014/main" id="{5D8B5EC4-A12D-4385-8680-5D64041688E4}"/>
-              </a:ext>
-            </a:extLst>
-          </p:cNvPr>
-          <p:cNvSpPr txBox="1"/>
-          <p:nvPr/>
-        </p:nvSpPr>
-        <p:spPr>
-          <a:xfrm>
-            <a:off x="479376" y="159023"/>
-            <a:ext cx="6840760" cy="461665"/>
-          </a:xfrm>
-          <a:prstGeom prst="rect">
-            <a:avLst/>
-          </a:prstGeom>
-          <a:noFill/>
-        </p:spPr>
-        <p:txBody>
-          <a:bodyPr wrap="square" rtlCol="0">
-            <a:spAutoFit/>
-          </a:bodyPr>
-          <a:lstStyle/>
-          <a:p>
-            <a:r>
-              <a:rPr lang="en-US" altLang="ko-KR" sz="2400" dirty="0">
-                <a:solidFill>
-                  <a:schemeClr val="bg1"/>
-                </a:solidFill>
-                <a:latin typeface="고도 B" panose="02000503000000020004" pitchFamily="2" charset="-127"/>
-                <a:ea typeface="고도 B" panose="02000503000000020004" pitchFamily="2" charset="-127"/>
-              </a:rPr>
-              <a:t>5.</a:t>
-            </a:r>
-            <a:r>
-              <a:rPr lang="ko-KR" altLang="en-US" sz="2400" dirty="0">
-                <a:solidFill>
-                  <a:schemeClr val="bg1"/>
-                </a:solidFill>
-                <a:latin typeface="고도 B" panose="02000503000000020004" pitchFamily="2" charset="-127"/>
-                <a:ea typeface="고도 B" panose="02000503000000020004" pitchFamily="2" charset="-127"/>
-              </a:rPr>
-              <a:t>관리자 </a:t>
-            </a:r>
-            <a:r>
-              <a:rPr lang="en-US" altLang="ko-KR" sz="2400" dirty="0">
-                <a:solidFill>
-                  <a:schemeClr val="bg1"/>
-                </a:solidFill>
-                <a:latin typeface="고도 B" panose="02000503000000020004" pitchFamily="2" charset="-127"/>
-                <a:ea typeface="고도 B" panose="02000503000000020004" pitchFamily="2" charset="-127"/>
-              </a:rPr>
-              <a:t>Page</a:t>
-            </a:r>
-            <a:r>
-              <a:rPr lang="ko-KR" altLang="en-US" sz="2400" dirty="0">
-                <a:solidFill>
-                  <a:schemeClr val="bg1"/>
-                </a:solidFill>
-                <a:latin typeface="고도 B" panose="02000503000000020004" pitchFamily="2" charset="-127"/>
-                <a:ea typeface="고도 B" panose="02000503000000020004" pitchFamily="2" charset="-127"/>
-              </a:rPr>
-              <a:t> </a:t>
-            </a:r>
-            <a:r>
-              <a:rPr lang="en-US" altLang="ko-KR" sz="2400" dirty="0">
-                <a:solidFill>
-                  <a:schemeClr val="bg1"/>
-                </a:solidFill>
-                <a:latin typeface="고도 B" panose="02000503000000020004" pitchFamily="2" charset="-127"/>
-                <a:ea typeface="고도 B" panose="02000503000000020004" pitchFamily="2" charset="-127"/>
-              </a:rPr>
               <a:t>– </a:t>
             </a:r>
             <a:r>
@@ -3206,337 +2721,7 @@
 </p:sld>
 </file>
 
-<file path=ppt/slides/slide2.xml><?xml version="1.0" encoding="utf-8"?>
-<p:sld xmlns:a="http://schemas.openxmlformats.org/drawingml/2006/main" xmlns:r="http://schemas.openxmlformats.org/officeDocument/2006/relationships" xmlns:p="http://schemas.openxmlformats.org/presentationml/2006/main">
-  <p:cSld>
-    <p:bg>
-      <p:bgPr>
-        <a:solidFill>
-          <a:schemeClr val="accent1">
-            <a:lumMod val="75000"/>
-            <a:alpha val="96000"/>
-          </a:schemeClr>
-        </a:solidFill>
-        <a:effectLst/>
-      </p:bgPr>
-    </p:bg>
-    <p:spTree>
-      <p:nvGrpSpPr>
-        <p:cNvPr id="1" name=""/>
-        <p:cNvGrpSpPr/>
-        <p:nvPr/>
-      </p:nvGrpSpPr>
-      <p:grpSpPr>
-        <a:xfrm>
-          <a:off x="0" y="0"/>
-          <a:ext cx="0" cy="0"/>
-          <a:chOff x="0" y="0"/>
-          <a:chExt cx="0" cy="0"/>
-        </a:xfrm>
-      </p:grpSpPr>
-      <p:sp>
-        <p:nvSpPr>
-          <p:cNvPr id="9" name="TextBox 8">
-            <a:extLst>
-              <a:ext uri="{FF2B5EF4-FFF2-40B4-BE49-F238E27FC236}">
-                <a16:creationId xmlns:a16="http://schemas.microsoft.com/office/drawing/2014/main" id="{2B672E7F-5D39-4B65-BDA3-4857130A7B88}"/>
-              </a:ext>
-            </a:extLst>
-          </p:cNvPr>
-          <p:cNvSpPr txBox="1"/>
-          <p:nvPr/>
-        </p:nvSpPr>
-        <p:spPr>
-          <a:xfrm>
-            <a:off x="3503712" y="951399"/>
-            <a:ext cx="5184576" cy="4955203"/>
-          </a:xfrm>
-          <a:prstGeom prst="rect">
-            <a:avLst/>
-          </a:prstGeom>
-          <a:noFill/>
-        </p:spPr>
-        <p:txBody>
-          <a:bodyPr wrap="square" rtlCol="0">
-            <a:spAutoFit/>
-          </a:bodyPr>
-          <a:lstStyle/>
-          <a:p>
-            <a:pPr algn="ctr"/>
-            <a:r>
-              <a:rPr lang="en-US" altLang="ko-KR" sz="3600" dirty="0">
-                <a:solidFill>
-                  <a:schemeClr val="bg1"/>
-                </a:solidFill>
-                <a:latin typeface="고도 B" panose="02000503000000020004" pitchFamily="2" charset="-127"/>
-                <a:ea typeface="고도 B" panose="02000503000000020004" pitchFamily="2" charset="-127"/>
-              </a:rPr>
-              <a:t>&lt;</a:t>
-            </a:r>
-            <a:r>
-              <a:rPr lang="ko-KR" altLang="en-US" sz="3600" dirty="0">
-                <a:solidFill>
-                  <a:schemeClr val="bg1"/>
-                </a:solidFill>
-                <a:latin typeface="고도 B" panose="02000503000000020004" pitchFamily="2" charset="-127"/>
-                <a:ea typeface="고도 B" panose="02000503000000020004" pitchFamily="2" charset="-127"/>
-              </a:rPr>
-              <a:t>목차</a:t>
-            </a:r>
-            <a:r>
-              <a:rPr lang="en-US" altLang="ko-KR" sz="3600" dirty="0">
-                <a:solidFill>
-                  <a:schemeClr val="bg1"/>
-                </a:solidFill>
-                <a:latin typeface="고도 B" panose="02000503000000020004" pitchFamily="2" charset="-127"/>
-                <a:ea typeface="고도 B" panose="02000503000000020004" pitchFamily="2" charset="-127"/>
-              </a:rPr>
-              <a:t>&gt;</a:t>
-            </a:r>
-          </a:p>
-          <a:p>
-            <a:pPr algn="ctr"/>
-            <a:endParaRPr lang="en-US" altLang="ko-KR" sz="2800" dirty="0">
-              <a:solidFill>
-                <a:schemeClr val="bg1"/>
-              </a:solidFill>
-              <a:latin typeface="고도 B" panose="02000503000000020004" pitchFamily="2" charset="-127"/>
-              <a:ea typeface="고도 B" panose="02000503000000020004" pitchFamily="2" charset="-127"/>
-            </a:endParaRPr>
-          </a:p>
-          <a:p>
-            <a:pPr marL="457200" indent="-457200" algn="ctr">
-              <a:buAutoNum type="arabicPeriod"/>
-            </a:pPr>
-            <a:r>
-              <a:rPr lang="ko-KR" altLang="en-US" sz="2800" dirty="0">
-                <a:solidFill>
-                  <a:schemeClr val="bg1"/>
-                </a:solidFill>
-                <a:latin typeface="고도 B" panose="02000503000000020004" pitchFamily="2" charset="-127"/>
-                <a:ea typeface="고도 B" panose="02000503000000020004" pitchFamily="2" charset="-127"/>
-              </a:rPr>
-              <a:t>로그인 기능</a:t>
-            </a:r>
-            <a:endParaRPr lang="en-US" altLang="ko-KR" sz="2800" dirty="0">
-              <a:solidFill>
-                <a:schemeClr val="bg1"/>
-              </a:solidFill>
-              <a:latin typeface="고도 B" panose="02000503000000020004" pitchFamily="2" charset="-127"/>
-              <a:ea typeface="고도 B" panose="02000503000000020004" pitchFamily="2" charset="-127"/>
-            </a:endParaRPr>
-          </a:p>
-          <a:p>
-            <a:pPr marL="457200" indent="-457200" algn="ctr">
-              <a:buAutoNum type="arabicPeriod"/>
-            </a:pPr>
-            <a:endParaRPr lang="en-US" altLang="ko-KR" sz="2800" dirty="0">
-              <a:solidFill>
-                <a:schemeClr val="bg1"/>
-              </a:solidFill>
-              <a:latin typeface="고도 B" panose="02000503000000020004" pitchFamily="2" charset="-127"/>
-              <a:ea typeface="고도 B" panose="02000503000000020004" pitchFamily="2" charset="-127"/>
-            </a:endParaRPr>
-          </a:p>
-          <a:p>
-            <a:pPr marL="457200" indent="-457200" algn="ctr">
-              <a:buAutoNum type="arabicPeriod"/>
-            </a:pPr>
-            <a:r>
-              <a:rPr lang="ko-KR" altLang="en-US" sz="2800" dirty="0">
-                <a:solidFill>
-                  <a:schemeClr val="bg1"/>
-                </a:solidFill>
-                <a:latin typeface="고도 B" panose="02000503000000020004" pitchFamily="2" charset="-127"/>
-                <a:ea typeface="고도 B" panose="02000503000000020004" pitchFamily="2" charset="-127"/>
-              </a:rPr>
-              <a:t>쇼핑몰 </a:t>
-            </a:r>
-            <a:r>
-              <a:rPr lang="en-US" altLang="ko-KR" sz="2800" dirty="0">
-                <a:solidFill>
-                  <a:schemeClr val="bg1"/>
-                </a:solidFill>
-                <a:latin typeface="고도 B" panose="02000503000000020004" pitchFamily="2" charset="-127"/>
-                <a:ea typeface="고도 B" panose="02000503000000020004" pitchFamily="2" charset="-127"/>
-              </a:rPr>
-              <a:t>Page</a:t>
-            </a:r>
-          </a:p>
-          <a:p>
-            <a:pPr marL="457200" indent="-457200" algn="ctr">
-              <a:buAutoNum type="arabicPeriod"/>
-            </a:pPr>
-            <a:endParaRPr lang="en-US" altLang="ko-KR" sz="2800" dirty="0">
-              <a:solidFill>
-                <a:schemeClr val="bg1"/>
-              </a:solidFill>
-              <a:latin typeface="고도 B" panose="02000503000000020004" pitchFamily="2" charset="-127"/>
-              <a:ea typeface="고도 B" panose="02000503000000020004" pitchFamily="2" charset="-127"/>
-            </a:endParaRPr>
-          </a:p>
-          <a:p>
-            <a:pPr marL="457200" indent="-457200" algn="ctr">
-              <a:buAutoNum type="arabicPeriod"/>
-            </a:pPr>
-            <a:r>
-              <a:rPr lang="ko-KR" altLang="en-US" sz="2800" dirty="0" err="1">
-                <a:solidFill>
-                  <a:schemeClr val="bg1"/>
-                </a:solidFill>
-                <a:latin typeface="고도 B" panose="02000503000000020004" pitchFamily="2" charset="-127"/>
-                <a:ea typeface="고도 B" panose="02000503000000020004" pitchFamily="2" charset="-127"/>
-              </a:rPr>
-              <a:t>운송사</a:t>
-            </a:r>
-            <a:r>
-              <a:rPr lang="ko-KR" altLang="en-US" sz="2800" dirty="0">
-                <a:solidFill>
-                  <a:schemeClr val="bg1"/>
-                </a:solidFill>
-                <a:latin typeface="고도 B" panose="02000503000000020004" pitchFamily="2" charset="-127"/>
-                <a:ea typeface="고도 B" panose="02000503000000020004" pitchFamily="2" charset="-127"/>
-              </a:rPr>
-              <a:t> </a:t>
-            </a:r>
-            <a:r>
-              <a:rPr lang="en-US" altLang="ko-KR" sz="2800" dirty="0">
-                <a:solidFill>
-                  <a:schemeClr val="bg1"/>
-                </a:solidFill>
-                <a:latin typeface="고도 B" panose="02000503000000020004" pitchFamily="2" charset="-127"/>
-                <a:ea typeface="고도 B" panose="02000503000000020004" pitchFamily="2" charset="-127"/>
-              </a:rPr>
-              <a:t>Page</a:t>
-            </a:r>
-          </a:p>
-          <a:p>
-            <a:pPr marL="457200" indent="-457200" algn="ctr">
-              <a:buAutoNum type="arabicPeriod"/>
-            </a:pPr>
-            <a:endParaRPr lang="en-US" altLang="ko-KR" sz="2800" dirty="0">
-              <a:solidFill>
-                <a:schemeClr val="bg1"/>
-              </a:solidFill>
-              <a:latin typeface="고도 B" panose="02000503000000020004" pitchFamily="2" charset="-127"/>
-              <a:ea typeface="고도 B" panose="02000503000000020004" pitchFamily="2" charset="-127"/>
-            </a:endParaRPr>
-          </a:p>
-          <a:p>
-            <a:pPr marL="457200" indent="-457200" algn="ctr">
-              <a:buAutoNum type="arabicPeriod"/>
-            </a:pPr>
-            <a:r>
-              <a:rPr lang="ko-KR" altLang="en-US" sz="2800" dirty="0">
-                <a:solidFill>
-                  <a:schemeClr val="bg1"/>
-                </a:solidFill>
-                <a:latin typeface="고도 B" panose="02000503000000020004" pitchFamily="2" charset="-127"/>
-                <a:ea typeface="고도 B" panose="02000503000000020004" pitchFamily="2" charset="-127"/>
-              </a:rPr>
-              <a:t>공급자 </a:t>
-            </a:r>
-            <a:r>
-              <a:rPr lang="en-US" altLang="ko-KR" sz="2800" dirty="0">
-                <a:solidFill>
-                  <a:schemeClr val="bg1"/>
-                </a:solidFill>
-                <a:latin typeface="고도 B" panose="02000503000000020004" pitchFamily="2" charset="-127"/>
-                <a:ea typeface="고도 B" panose="02000503000000020004" pitchFamily="2" charset="-127"/>
-              </a:rPr>
-              <a:t>Page</a:t>
-            </a:r>
-          </a:p>
-          <a:p>
-            <a:pPr marL="457200" indent="-457200" algn="ctr">
-              <a:buAutoNum type="arabicPeriod"/>
-            </a:pPr>
-            <a:endParaRPr lang="en-US" altLang="ko-KR" sz="2800" dirty="0">
-              <a:solidFill>
-                <a:schemeClr val="bg1"/>
-              </a:solidFill>
-              <a:latin typeface="고도 B" panose="02000503000000020004" pitchFamily="2" charset="-127"/>
-              <a:ea typeface="고도 B" panose="02000503000000020004" pitchFamily="2" charset="-127"/>
-            </a:endParaRPr>
-          </a:p>
-          <a:p>
-            <a:pPr marL="457200" indent="-457200" algn="ctr">
-              <a:buAutoNum type="arabicPeriod"/>
-            </a:pPr>
-            <a:r>
-              <a:rPr lang="ko-KR" altLang="en-US" sz="2800" dirty="0">
-                <a:solidFill>
-                  <a:schemeClr val="bg1"/>
-                </a:solidFill>
-                <a:latin typeface="고도 B" panose="02000503000000020004" pitchFamily="2" charset="-127"/>
-                <a:ea typeface="고도 B" panose="02000503000000020004" pitchFamily="2" charset="-127"/>
-              </a:rPr>
-              <a:t>관리자 </a:t>
-            </a:r>
-            <a:r>
-              <a:rPr lang="en-US" altLang="ko-KR" sz="2800" dirty="0">
-                <a:solidFill>
-                  <a:schemeClr val="bg1"/>
-                </a:solidFill>
-                <a:latin typeface="고도 B" panose="02000503000000020004" pitchFamily="2" charset="-127"/>
-                <a:ea typeface="고도 B" panose="02000503000000020004" pitchFamily="2" charset="-127"/>
-              </a:rPr>
-              <a:t>Page</a:t>
-            </a:r>
-            <a:endParaRPr lang="ko-KR" altLang="en-US" sz="2400" dirty="0">
-              <a:solidFill>
-                <a:schemeClr val="bg1"/>
-              </a:solidFill>
-              <a:latin typeface="고도 B" panose="02000503000000020004" pitchFamily="2" charset="-127"/>
-              <a:ea typeface="고도 B" panose="02000503000000020004" pitchFamily="2" charset="-127"/>
-            </a:endParaRPr>
-          </a:p>
-        </p:txBody>
-      </p:sp>
-      <p:sp>
-        <p:nvSpPr>
-          <p:cNvPr id="10" name="슬라이드 번호 개체 틀 9">
-            <a:extLst>
-              <a:ext uri="{FF2B5EF4-FFF2-40B4-BE49-F238E27FC236}">
-                <a16:creationId xmlns:a16="http://schemas.microsoft.com/office/drawing/2014/main" id="{069C1BCC-41E2-438E-9475-AABADC34D120}"/>
-              </a:ext>
-            </a:extLst>
-          </p:cNvPr>
-          <p:cNvSpPr>
-            <a:spLocks noGrp="1"/>
-          </p:cNvSpPr>
-          <p:nvPr>
-            <p:ph type="sldNum" sz="quarter" idx="12"/>
-          </p:nvPr>
-        </p:nvSpPr>
-        <p:spPr/>
-        <p:txBody>
-          <a:bodyPr/>
-          <a:lstStyle/>
-          <a:p>
-            <a:fld id="{393AB653-6532-4FD2-BDDA-539C3EBBB613}" type="slidenum">
-              <a:rPr lang="ko-KR" altLang="en-US" smtClean="0"/>
-              <a:pPr/>
-              <a:t>2</a:t>
-            </a:fld>
-            <a:endParaRPr lang="ko-KR" altLang="en-US" dirty="0"/>
-          </a:p>
-        </p:txBody>
-      </p:sp>
-    </p:spTree>
-    <p:extLst>
-      <p:ext uri="{BB962C8B-B14F-4D97-AF65-F5344CB8AC3E}">
-        <p14:creationId xmlns:p14="http://schemas.microsoft.com/office/powerpoint/2010/main" val="3745161209"/>
-      </p:ext>
-    </p:extLst>
-  </p:cSld>
-  <p:clrMapOvr>
-    <a:masterClrMapping/>
-  </p:clrMapOvr>
-</p:sld>
-</file>
-
-<file path=ppt/slides/slide20.xml><?xml version="1.0" encoding="utf-8"?>
+<file path=ppt/slides/slide17.xml><?xml version="1.0" encoding="utf-8"?>
 <p:sld xmlns:a="http://schemas.openxmlformats.org/drawingml/2006/main" xmlns:r="http://schemas.openxmlformats.org/officeDocument/2006/relationships" xmlns:p="http://schemas.openxmlformats.org/presentationml/2006/main">
   <p:cSld>
     <p:bg>
@@ -3679,6 +2864,319 @@
 </p:sld>
 </file>
 
+<file path=ppt/slides/slide2.xml><?xml version="1.0" encoding="utf-8"?>
+<p:sld xmlns:a="http://schemas.openxmlformats.org/drawingml/2006/main" xmlns:r="http://schemas.openxmlformats.org/officeDocument/2006/relationships" xmlns:p="http://schemas.openxmlformats.org/presentationml/2006/main">
+  <p:cSld>
+    <p:bg>
+      <p:bgPr>
+        <a:solidFill>
+          <a:schemeClr val="accent1">
+            <a:lumMod val="75000"/>
+            <a:alpha val="96000"/>
+          </a:schemeClr>
+        </a:solidFill>
+        <a:effectLst/>
+      </p:bgPr>
+    </p:bg>
+    <p:spTree>
+      <p:nvGrpSpPr>
+        <p:cNvPr id="1" name=""/>
+        <p:cNvGrpSpPr/>
+        <p:nvPr/>
+      </p:nvGrpSpPr>
+      <p:grpSpPr>
+        <a:xfrm>
+          <a:off x="0" y="0"/>
+          <a:ext cx="0" cy="0"/>
+          <a:chOff x="0" y="0"/>
+          <a:chExt cx="0" cy="0"/>
+        </a:xfrm>
+      </p:grpSpPr>
+      <p:sp>
+        <p:nvSpPr>
+          <p:cNvPr id="9" name="TextBox 8">
+            <a:extLst>
+              <a:ext uri="{FF2B5EF4-FFF2-40B4-BE49-F238E27FC236}">
+                <a16:creationId xmlns:a16="http://schemas.microsoft.com/office/drawing/2014/main" id="{2B672E7F-5D39-4B65-BDA3-4857130A7B88}"/>
+              </a:ext>
+            </a:extLst>
+          </p:cNvPr>
+          <p:cNvSpPr txBox="1"/>
+          <p:nvPr/>
+        </p:nvSpPr>
+        <p:spPr>
+          <a:xfrm>
+            <a:off x="3503712" y="951399"/>
+            <a:ext cx="5184576" cy="4093428"/>
+          </a:xfrm>
+          <a:prstGeom prst="rect">
+            <a:avLst/>
+          </a:prstGeom>
+          <a:noFill/>
+        </p:spPr>
+        <p:txBody>
+          <a:bodyPr wrap="square" rtlCol="0">
+            <a:spAutoFit/>
+          </a:bodyPr>
+          <a:lstStyle/>
+          <a:p>
+            <a:pPr algn="ctr"/>
+            <a:r>
+              <a:rPr lang="en-US" altLang="ko-KR" sz="3600" dirty="0">
+                <a:solidFill>
+                  <a:schemeClr val="bg1"/>
+                </a:solidFill>
+                <a:latin typeface="고도 B" panose="02000503000000020004" pitchFamily="2" charset="-127"/>
+                <a:ea typeface="고도 B" panose="02000503000000020004" pitchFamily="2" charset="-127"/>
+              </a:rPr>
+              <a:t>&lt;</a:t>
+            </a:r>
+            <a:r>
+              <a:rPr lang="ko-KR" altLang="en-US" sz="3600" dirty="0">
+                <a:solidFill>
+                  <a:schemeClr val="bg1"/>
+                </a:solidFill>
+                <a:latin typeface="고도 B" panose="02000503000000020004" pitchFamily="2" charset="-127"/>
+                <a:ea typeface="고도 B" panose="02000503000000020004" pitchFamily="2" charset="-127"/>
+              </a:rPr>
+              <a:t>목차</a:t>
+            </a:r>
+            <a:r>
+              <a:rPr lang="en-US" altLang="ko-KR" sz="3600" dirty="0">
+                <a:solidFill>
+                  <a:schemeClr val="bg1"/>
+                </a:solidFill>
+                <a:latin typeface="고도 B" panose="02000503000000020004" pitchFamily="2" charset="-127"/>
+                <a:ea typeface="고도 B" panose="02000503000000020004" pitchFamily="2" charset="-127"/>
+              </a:rPr>
+              <a:t>&gt;</a:t>
+            </a:r>
+          </a:p>
+          <a:p>
+            <a:pPr algn="ctr"/>
+            <a:endParaRPr lang="en-US" altLang="ko-KR" sz="2800" dirty="0">
+              <a:solidFill>
+                <a:schemeClr val="bg1"/>
+              </a:solidFill>
+              <a:latin typeface="고도 B" panose="02000503000000020004" pitchFamily="2" charset="-127"/>
+              <a:ea typeface="고도 B" panose="02000503000000020004" pitchFamily="2" charset="-127"/>
+            </a:endParaRPr>
+          </a:p>
+          <a:p>
+            <a:pPr marL="457200" indent="-457200" algn="ctr">
+              <a:buAutoNum type="arabicPeriod"/>
+            </a:pPr>
+            <a:r>
+              <a:rPr lang="ko-KR" altLang="en-US" sz="2800" dirty="0">
+                <a:solidFill>
+                  <a:schemeClr val="bg1"/>
+                </a:solidFill>
+                <a:latin typeface="고도 B" panose="02000503000000020004" pitchFamily="2" charset="-127"/>
+                <a:ea typeface="고도 B" panose="02000503000000020004" pitchFamily="2" charset="-127"/>
+              </a:rPr>
+              <a:t>로그인 기능</a:t>
+            </a:r>
+            <a:endParaRPr lang="en-US" altLang="ko-KR" sz="2800" dirty="0">
+              <a:solidFill>
+                <a:schemeClr val="bg1"/>
+              </a:solidFill>
+              <a:latin typeface="고도 B" panose="02000503000000020004" pitchFamily="2" charset="-127"/>
+              <a:ea typeface="고도 B" panose="02000503000000020004" pitchFamily="2" charset="-127"/>
+            </a:endParaRPr>
+          </a:p>
+          <a:p>
+            <a:pPr marL="457200" indent="-457200" algn="ctr">
+              <a:buAutoNum type="arabicPeriod"/>
+            </a:pPr>
+            <a:endParaRPr lang="en-US" altLang="ko-KR" sz="2800" dirty="0">
+              <a:solidFill>
+                <a:schemeClr val="bg1"/>
+              </a:solidFill>
+              <a:latin typeface="고도 B" panose="02000503000000020004" pitchFamily="2" charset="-127"/>
+              <a:ea typeface="고도 B" panose="02000503000000020004" pitchFamily="2" charset="-127"/>
+            </a:endParaRPr>
+          </a:p>
+          <a:p>
+            <a:pPr marL="457200" indent="-457200" algn="ctr">
+              <a:buAutoNum type="arabicPeriod"/>
+            </a:pPr>
+            <a:r>
+              <a:rPr lang="ko-KR" altLang="en-US" sz="2800" dirty="0">
+                <a:solidFill>
+                  <a:schemeClr val="bg1"/>
+                </a:solidFill>
+                <a:latin typeface="고도 B" panose="02000503000000020004" pitchFamily="2" charset="-127"/>
+                <a:ea typeface="고도 B" panose="02000503000000020004" pitchFamily="2" charset="-127"/>
+              </a:rPr>
+              <a:t>쇼핑몰</a:t>
+            </a:r>
+            <a:r>
+              <a:rPr lang="en-US" altLang="ko-KR" sz="2800" dirty="0">
+                <a:solidFill>
+                  <a:schemeClr val="bg1"/>
+                </a:solidFill>
+                <a:latin typeface="고도 B" panose="02000503000000020004" pitchFamily="2" charset="-127"/>
+                <a:ea typeface="고도 B" panose="02000503000000020004" pitchFamily="2" charset="-127"/>
+              </a:rPr>
+              <a:t>,</a:t>
+            </a:r>
+            <a:r>
+              <a:rPr lang="ko-KR" altLang="en-US" sz="2800" dirty="0" err="1">
+                <a:solidFill>
+                  <a:schemeClr val="bg1"/>
+                </a:solidFill>
+                <a:latin typeface="고도 B" panose="02000503000000020004" pitchFamily="2" charset="-127"/>
+                <a:ea typeface="고도 B" panose="02000503000000020004" pitchFamily="2" charset="-127"/>
+              </a:rPr>
+              <a:t>운송사</a:t>
+            </a:r>
+            <a:r>
+              <a:rPr lang="ko-KR" altLang="en-US" sz="2800" dirty="0">
+                <a:solidFill>
+                  <a:schemeClr val="bg1"/>
+                </a:solidFill>
+                <a:latin typeface="고도 B" panose="02000503000000020004" pitchFamily="2" charset="-127"/>
+                <a:ea typeface="고도 B" panose="02000503000000020004" pitchFamily="2" charset="-127"/>
+              </a:rPr>
+              <a:t> </a:t>
+            </a:r>
+            <a:r>
+              <a:rPr lang="en-US" altLang="ko-KR" sz="2800" dirty="0">
+                <a:solidFill>
+                  <a:schemeClr val="bg1"/>
+                </a:solidFill>
+                <a:latin typeface="고도 B" panose="02000503000000020004" pitchFamily="2" charset="-127"/>
+                <a:ea typeface="고도 B" panose="02000503000000020004" pitchFamily="2" charset="-127"/>
+              </a:rPr>
+              <a:t>Page</a:t>
+            </a:r>
+          </a:p>
+          <a:p>
+            <a:pPr marL="457200" indent="-457200" algn="ctr">
+              <a:buAutoNum type="arabicPeriod"/>
+            </a:pPr>
+            <a:endParaRPr lang="en-US" altLang="ko-KR" sz="2800" dirty="0">
+              <a:solidFill>
+                <a:schemeClr val="bg1"/>
+              </a:solidFill>
+              <a:latin typeface="고도 B" panose="02000503000000020004" pitchFamily="2" charset="-127"/>
+              <a:ea typeface="고도 B" panose="02000503000000020004" pitchFamily="2" charset="-127"/>
+            </a:endParaRPr>
+          </a:p>
+          <a:p>
+            <a:pPr marL="457200" indent="-457200" algn="ctr">
+              <a:buAutoNum type="arabicPeriod"/>
+            </a:pPr>
+            <a:r>
+              <a:rPr lang="ko-KR" altLang="en-US" sz="2800" dirty="0">
+                <a:solidFill>
+                  <a:schemeClr val="bg1"/>
+                </a:solidFill>
+                <a:latin typeface="고도 B" panose="02000503000000020004" pitchFamily="2" charset="-127"/>
+                <a:ea typeface="고도 B" panose="02000503000000020004" pitchFamily="2" charset="-127"/>
+              </a:rPr>
+              <a:t>공급자 </a:t>
+            </a:r>
+            <a:r>
+              <a:rPr lang="en-US" altLang="ko-KR" sz="2800" dirty="0">
+                <a:solidFill>
+                  <a:schemeClr val="bg1"/>
+                </a:solidFill>
+                <a:latin typeface="고도 B" panose="02000503000000020004" pitchFamily="2" charset="-127"/>
+                <a:ea typeface="고도 B" panose="02000503000000020004" pitchFamily="2" charset="-127"/>
+              </a:rPr>
+              <a:t>Page</a:t>
+            </a:r>
+          </a:p>
+          <a:p>
+            <a:pPr marL="457200" indent="-457200" algn="ctr">
+              <a:buAutoNum type="arabicPeriod"/>
+            </a:pPr>
+            <a:endParaRPr lang="en-US" altLang="ko-KR" sz="2800" dirty="0">
+              <a:solidFill>
+                <a:schemeClr val="bg1"/>
+              </a:solidFill>
+              <a:latin typeface="고도 B" panose="02000503000000020004" pitchFamily="2" charset="-127"/>
+              <a:ea typeface="고도 B" panose="02000503000000020004" pitchFamily="2" charset="-127"/>
+            </a:endParaRPr>
+          </a:p>
+          <a:p>
+            <a:pPr marL="457200" indent="-457200" algn="ctr">
+              <a:buAutoNum type="arabicPeriod"/>
+            </a:pPr>
+            <a:r>
+              <a:rPr lang="ko-KR" altLang="en-US" sz="2800" dirty="0">
+                <a:solidFill>
+                  <a:schemeClr val="bg1"/>
+                </a:solidFill>
+                <a:latin typeface="고도 B" panose="02000503000000020004" pitchFamily="2" charset="-127"/>
+                <a:ea typeface="고도 B" panose="02000503000000020004" pitchFamily="2" charset="-127"/>
+              </a:rPr>
+              <a:t>관리자 </a:t>
+            </a:r>
+            <a:r>
+              <a:rPr lang="en-US" altLang="ko-KR" sz="2800" dirty="0">
+                <a:solidFill>
+                  <a:schemeClr val="bg1"/>
+                </a:solidFill>
+                <a:latin typeface="고도 B" panose="02000503000000020004" pitchFamily="2" charset="-127"/>
+                <a:ea typeface="고도 B" panose="02000503000000020004" pitchFamily="2" charset="-127"/>
+              </a:rPr>
+              <a:t>Page</a:t>
+            </a:r>
+            <a:endParaRPr lang="ko-KR" altLang="en-US" sz="2400" dirty="0">
+              <a:solidFill>
+                <a:schemeClr val="bg1"/>
+              </a:solidFill>
+              <a:latin typeface="고도 B" panose="02000503000000020004" pitchFamily="2" charset="-127"/>
+              <a:ea typeface="고도 B" panose="02000503000000020004" pitchFamily="2" charset="-127"/>
+            </a:endParaRPr>
+          </a:p>
+        </p:txBody>
+      </p:sp>
+      <p:sp>
+        <p:nvSpPr>
+          <p:cNvPr id="10" name="슬라이드 번호 개체 틀 9">
+            <a:extLst>
+              <a:ext uri="{FF2B5EF4-FFF2-40B4-BE49-F238E27FC236}">
+                <a16:creationId xmlns:a16="http://schemas.microsoft.com/office/drawing/2014/main" id="{069C1BCC-41E2-438E-9475-AABADC34D120}"/>
+              </a:ext>
+            </a:extLst>
+          </p:cNvPr>
+          <p:cNvSpPr>
+            <a:spLocks noGrp="1"/>
+          </p:cNvSpPr>
+          <p:nvPr>
+            <p:ph type="sldNum" sz="quarter" idx="12"/>
+          </p:nvPr>
+        </p:nvSpPr>
+        <p:spPr/>
+        <p:txBody>
+          <a:bodyPr/>
+          <a:lstStyle/>
+          <a:p>
+            <a:fld id="{393AB653-6532-4FD2-BDDA-539C3EBBB613}" type="slidenum">
+              <a:rPr lang="ko-KR" altLang="en-US" smtClean="0"/>
+              <a:pPr/>
+              <a:t>2</a:t>
+            </a:fld>
+            <a:endParaRPr lang="ko-KR" altLang="en-US" dirty="0"/>
+          </a:p>
+        </p:txBody>
+      </p:sp>
+    </p:spTree>
+    <p:extLst>
+      <p:ext uri="{BB962C8B-B14F-4D97-AF65-F5344CB8AC3E}">
+        <p14:creationId xmlns:p14="http://schemas.microsoft.com/office/powerpoint/2010/main" val="3745161209"/>
+      </p:ext>
+    </p:extLst>
+  </p:cSld>
+  <p:clrMapOvr>
+    <a:masterClrMapping/>
+  </p:clrMapOvr>
+</p:sld>
+</file>
+
 <file path=ppt/slides/slide3.xml><?xml version="1.0" encoding="utf-8"?>
 <p:sld xmlns:a="http://schemas.openxmlformats.org/drawingml/2006/main" xmlns:r="http://schemas.openxmlformats.org/officeDocument/2006/relationships" xmlns:p="http://schemas.openxmlformats.org/presentationml/2006/main">
   <p:cSld>
@@ -3723,7 +3221,12 @@
             <p:ph type="sldNum" sz="quarter" idx="12"/>
           </p:nvPr>
         </p:nvSpPr>
-        <p:spPr/>
+        <p:spPr>
+          <a:xfrm>
+            <a:off x="9113440" y="6376243"/>
+            <a:ext cx="2743200" cy="365125"/>
+          </a:xfrm>
+        </p:spPr>
         <p:txBody>
           <a:bodyPr/>
           <a:lstStyle/>
@@ -3766,7 +3269,7 @@
           <a:lstStyle/>
           <a:p>
             <a:r>
-              <a:rPr lang="en-US" altLang="ko-KR" sz="2400" dirty="0">
+              <a:rPr lang="en-US" altLang="ko-KR" sz="2400">
                 <a:solidFill>
                   <a:schemeClr val="bg1"/>
                 </a:solidFill>
@@ -3776,7 +3279,7 @@
               <a:t>1. </a:t>
             </a:r>
             <a:r>
-              <a:rPr lang="ko-KR" altLang="en-US" sz="2400" dirty="0">
+              <a:rPr lang="ko-KR" altLang="en-US" sz="2400">
                 <a:solidFill>
                   <a:schemeClr val="bg1"/>
                 </a:solidFill>
@@ -3786,7 +3289,7 @@
               <a:t>로그인 기능 </a:t>
             </a:r>
             <a:r>
-              <a:rPr lang="en-US" altLang="ko-KR" sz="2400" dirty="0">
+              <a:rPr lang="en-US" altLang="ko-KR" sz="2400">
                 <a:solidFill>
                   <a:schemeClr val="bg1"/>
                 </a:solidFill>
@@ -3796,7 +3299,7 @@
               <a:t>– </a:t>
             </a:r>
             <a:r>
-              <a:rPr lang="ko-KR" altLang="en-US" sz="2400" dirty="0">
+              <a:rPr lang="ko-KR" altLang="en-US" sz="2400">
                 <a:solidFill>
                   <a:schemeClr val="bg1"/>
                 </a:solidFill>
@@ -3806,7 +3309,7 @@
               <a:t>로그인 메인 </a:t>
             </a:r>
             <a:r>
-              <a:rPr lang="en-US" altLang="ko-KR" sz="2400" dirty="0">
+              <a:rPr lang="en-US" altLang="ko-KR" sz="2400">
                 <a:solidFill>
                   <a:schemeClr val="bg1"/>
                 </a:solidFill>
@@ -3816,7 +3319,7 @@
               <a:t>Page</a:t>
             </a:r>
             <a:r>
-              <a:rPr lang="ko-KR" altLang="en-US" sz="2400" dirty="0">
+              <a:rPr lang="ko-KR" altLang="en-US" sz="2400">
                 <a:solidFill>
                   <a:schemeClr val="bg1"/>
                 </a:solidFill>
@@ -3825,9 +3328,75 @@
               </a:rPr>
               <a:t> </a:t>
             </a:r>
+            <a:endParaRPr lang="ko-KR" altLang="en-US" sz="2400" dirty="0">
+              <a:solidFill>
+                <a:schemeClr val="bg1"/>
+              </a:solidFill>
+              <a:latin typeface="고도 B" panose="02000503000000020004" pitchFamily="2" charset="-127"/>
+              <a:ea typeface="고도 B" panose="02000503000000020004" pitchFamily="2" charset="-127"/>
+            </a:endParaRPr>
           </a:p>
         </p:txBody>
       </p:sp>
+      <p:pic>
+        <p:nvPicPr>
+          <p:cNvPr id="2" name="그림 1">
+            <a:extLst>
+              <a:ext uri="{FF2B5EF4-FFF2-40B4-BE49-F238E27FC236}">
+                <a16:creationId xmlns:a16="http://schemas.microsoft.com/office/drawing/2014/main" id="{34833C88-7D7A-4EB0-990D-36564B16B450}"/>
+              </a:ext>
+            </a:extLst>
+          </p:cNvPr>
+          <p:cNvPicPr>
+            <a:picLocks noChangeAspect="1"/>
+          </p:cNvPicPr>
+          <p:nvPr/>
+        </p:nvPicPr>
+        <p:blipFill>
+          <a:blip r:embed="rId2"/>
+          <a:stretch>
+            <a:fillRect/>
+          </a:stretch>
+        </p:blipFill>
+        <p:spPr>
+          <a:xfrm>
+            <a:off x="552264" y="1299240"/>
+            <a:ext cx="7920000" cy="4290000"/>
+          </a:xfrm>
+          <a:prstGeom prst="rect">
+            <a:avLst/>
+          </a:prstGeom>
+        </p:spPr>
+      </p:pic>
+      <p:pic>
+        <p:nvPicPr>
+          <p:cNvPr id="7" name="그림 6">
+            <a:extLst>
+              <a:ext uri="{FF2B5EF4-FFF2-40B4-BE49-F238E27FC236}">
+                <a16:creationId xmlns:a16="http://schemas.microsoft.com/office/drawing/2014/main" id="{1174873C-EC9E-4B81-9C48-05A366E1EE82}"/>
+              </a:ext>
+            </a:extLst>
+          </p:cNvPr>
+          <p:cNvPicPr>
+            <a:picLocks noChangeAspect="1"/>
+          </p:cNvPicPr>
+          <p:nvPr/>
+        </p:nvPicPr>
+        <p:blipFill rotWithShape="1">
+          <a:blip r:embed="rId2"/>
+          <a:srcRect l="25340" t="12522" r="25564" b="37123"/>
+          <a:stretch/>
+        </p:blipFill>
+        <p:spPr>
+          <a:xfrm>
+            <a:off x="1631504" y="1798342"/>
+            <a:ext cx="6768752" cy="3760418"/>
+          </a:xfrm>
+          <a:prstGeom prst="rect">
+            <a:avLst/>
+          </a:prstGeom>
+        </p:spPr>
+      </p:pic>
     </p:spTree>
     <p:extLst>
       <p:ext uri="{BB962C8B-B14F-4D97-AF65-F5344CB8AC3E}">
@@ -3991,6 +3560,65 @@
           </a:p>
         </p:txBody>
       </p:sp>
+      <p:pic>
+        <p:nvPicPr>
+          <p:cNvPr id="2" name="그림 1">
+            <a:extLst>
+              <a:ext uri="{FF2B5EF4-FFF2-40B4-BE49-F238E27FC236}">
+                <a16:creationId xmlns:a16="http://schemas.microsoft.com/office/drawing/2014/main" id="{E2D1C716-06DD-4F42-B6FE-6394F759BDB5}"/>
+              </a:ext>
+            </a:extLst>
+          </p:cNvPr>
+          <p:cNvPicPr>
+            <a:picLocks noChangeAspect="1"/>
+          </p:cNvPicPr>
+          <p:nvPr/>
+        </p:nvPicPr>
+        <p:blipFill>
+          <a:blip r:embed="rId2"/>
+          <a:stretch>
+            <a:fillRect/>
+          </a:stretch>
+        </p:blipFill>
+        <p:spPr>
+          <a:xfrm>
+            <a:off x="552264" y="1299240"/>
+            <a:ext cx="7920000" cy="4290000"/>
+          </a:xfrm>
+          <a:prstGeom prst="rect">
+            <a:avLst/>
+          </a:prstGeom>
+        </p:spPr>
+      </p:pic>
+      <p:pic>
+        <p:nvPicPr>
+          <p:cNvPr id="5" name="그림 4">
+            <a:extLst>
+              <a:ext uri="{FF2B5EF4-FFF2-40B4-BE49-F238E27FC236}">
+                <a16:creationId xmlns:a16="http://schemas.microsoft.com/office/drawing/2014/main" id="{4FFA0AF7-59D8-487E-8A53-EE6DC57AA3E3}"/>
+              </a:ext>
+            </a:extLst>
+          </p:cNvPr>
+          <p:cNvPicPr>
+            <a:picLocks noChangeAspect="1"/>
+          </p:cNvPicPr>
+          <p:nvPr/>
+        </p:nvPicPr>
+        <p:blipFill rotWithShape="1">
+          <a:blip r:embed="rId2"/>
+          <a:srcRect l="20795" t="12523" r="21017" b="40480"/>
+          <a:stretch/>
+        </p:blipFill>
+        <p:spPr>
+          <a:xfrm>
+            <a:off x="1343472" y="1916832"/>
+            <a:ext cx="7077358" cy="3096344"/>
+          </a:xfrm>
+          <a:prstGeom prst="rect">
+            <a:avLst/>
+          </a:prstGeom>
+        </p:spPr>
+      </p:pic>
     </p:spTree>
     <p:extLst>
       <p:ext uri="{BB962C8B-B14F-4D97-AF65-F5344CB8AC3E}">
@@ -4109,7 +3737,37 @@
                 <a:latin typeface="고도 B" panose="02000503000000020004" pitchFamily="2" charset="-127"/>
                 <a:ea typeface="고도 B" panose="02000503000000020004" pitchFamily="2" charset="-127"/>
               </a:rPr>
-              <a:t>쇼핑몰 </a:t>
+              <a:t>쇼핑몰</a:t>
+            </a:r>
+            <a:r>
+              <a:rPr lang="en-US" altLang="ko-KR" sz="2400" dirty="0">
+                <a:solidFill>
+                  <a:schemeClr val="bg1"/>
+                </a:solidFill>
+                <a:latin typeface="고도 B" panose="02000503000000020004" pitchFamily="2" charset="-127"/>
+                <a:ea typeface="고도 B" panose="02000503000000020004" pitchFamily="2" charset="-127"/>
+              </a:rPr>
+              <a:t>, </a:t>
+            </a:r>
+            <a:r>
+              <a:rPr lang="ko-KR" altLang="en-US" sz="2400" dirty="0" err="1">
+                <a:solidFill>
+                  <a:schemeClr val="bg1"/>
+                </a:solidFill>
+                <a:latin typeface="고도 B" panose="02000503000000020004" pitchFamily="2" charset="-127"/>
+                <a:ea typeface="고도 B" panose="02000503000000020004" pitchFamily="2" charset="-127"/>
+              </a:rPr>
+              <a:t>운송사</a:t>
+            </a:r>
+            <a:r>
+              <a:rPr lang="ko-KR" altLang="en-US" sz="2400" dirty="0">
+                <a:solidFill>
+                  <a:schemeClr val="bg1"/>
+                </a:solidFill>
+                <a:latin typeface="고도 B" panose="02000503000000020004" pitchFamily="2" charset="-127"/>
+                <a:ea typeface="고도 B" panose="02000503000000020004" pitchFamily="2" charset="-127"/>
+              </a:rPr>
+              <a:t> </a:t>
             </a:r>
             <a:r>
               <a:rPr lang="en-US" altLang="ko-KR" sz="2400" dirty="0">
@@ -4171,6 +3829,36 @@
           </a:p>
         </p:txBody>
       </p:sp>
+      <p:pic>
+        <p:nvPicPr>
+          <p:cNvPr id="2" name="그림 1">
+            <a:extLst>
+              <a:ext uri="{FF2B5EF4-FFF2-40B4-BE49-F238E27FC236}">
+                <a16:creationId xmlns:a16="http://schemas.microsoft.com/office/drawing/2014/main" id="{73CBE348-2F07-49AF-9D80-3877171A75DE}"/>
+              </a:ext>
+            </a:extLst>
+          </p:cNvPr>
+          <p:cNvPicPr>
+            <a:picLocks noChangeAspect="1"/>
+          </p:cNvPicPr>
+          <p:nvPr/>
+        </p:nvPicPr>
+        <p:blipFill>
+          <a:blip r:embed="rId2"/>
+          <a:stretch>
+            <a:fillRect/>
+          </a:stretch>
+        </p:blipFill>
+        <p:spPr>
+          <a:xfrm>
+            <a:off x="552264" y="1299240"/>
+            <a:ext cx="7920000" cy="4290000"/>
+          </a:xfrm>
+          <a:prstGeom prst="rect">
+            <a:avLst/>
+          </a:prstGeom>
+        </p:spPr>
+      </p:pic>
     </p:spTree>
     <p:extLst>
       <p:ext uri="{BB962C8B-B14F-4D97-AF65-F5344CB8AC3E}">
@@ -4257,7 +3945,7 @@
         <p:spPr>
           <a:xfrm>
             <a:off x="479376" y="159023"/>
-            <a:ext cx="6840760" cy="461665"/>
+            <a:ext cx="8496944" cy="461665"/>
           </a:xfrm>
           <a:prstGeom prst="rect">
             <a:avLst/>
@@ -4270,7 +3958,6 @@
           </a:bodyPr>
           <a:lstStyle/>
           <a:p>
-            <a:pPr algn="l"/>
             <a:r>
               <a:rPr lang="en-US" altLang="ko-KR" sz="2400" dirty="0">
                 <a:solidFill>
@@ -4289,7 +3976,7 @@
                 <a:latin typeface="고도 B" panose="02000503000000020004" pitchFamily="2" charset="-127"/>
                 <a:ea typeface="고도 B" panose="02000503000000020004" pitchFamily="2" charset="-127"/>
               </a:rPr>
-              <a:t>쇼핑몰 </a:t>
+              <a:t>쇼핑몰</a:t>
             </a:r>
             <a:r>
               <a:rPr lang="en-US" altLang="ko-KR" sz="2400" dirty="0">
@@ -4299,6 +3986,36 @@
                 <a:latin typeface="고도 B" panose="02000503000000020004" pitchFamily="2" charset="-127"/>
                 <a:ea typeface="고도 B" panose="02000503000000020004" pitchFamily="2" charset="-127"/>
               </a:rPr>
+              <a:t>, </a:t>
+            </a:r>
+            <a:r>
+              <a:rPr lang="ko-KR" altLang="en-US" sz="2400" dirty="0" err="1">
+                <a:solidFill>
+                  <a:schemeClr val="bg1"/>
+                </a:solidFill>
+                <a:latin typeface="고도 B" panose="02000503000000020004" pitchFamily="2" charset="-127"/>
+                <a:ea typeface="고도 B" panose="02000503000000020004" pitchFamily="2" charset="-127"/>
+              </a:rPr>
+              <a:t>운송사</a:t>
+            </a:r>
+            <a:r>
+              <a:rPr lang="ko-KR" altLang="en-US" sz="2400" dirty="0">
+                <a:solidFill>
+                  <a:schemeClr val="bg1"/>
+                </a:solidFill>
+                <a:latin typeface="고도 B" panose="02000503000000020004" pitchFamily="2" charset="-127"/>
+                <a:ea typeface="고도 B" panose="02000503000000020004" pitchFamily="2" charset="-127"/>
+              </a:rPr>
+              <a:t> </a:t>
+            </a:r>
+            <a:r>
+              <a:rPr lang="en-US" altLang="ko-KR" sz="2400" dirty="0">
+                <a:solidFill>
+                  <a:schemeClr val="bg1"/>
+                </a:solidFill>
+                <a:latin typeface="고도 B" panose="02000503000000020004" pitchFamily="2" charset="-127"/>
+                <a:ea typeface="고도 B" panose="02000503000000020004" pitchFamily="2" charset="-127"/>
+              </a:rPr>
               <a:t>Page</a:t>
             </a:r>
             <a:r>
@@ -4329,7 +4046,7 @@
                 <a:latin typeface="고도 B" panose="02000503000000020004" pitchFamily="2" charset="-127"/>
                 <a:ea typeface="고도 B" panose="02000503000000020004" pitchFamily="2" charset="-127"/>
               </a:rPr>
-              <a:t> 일별 송장 목록 </a:t>
+              <a:t> 쇼핑몰 일별 송장 목록 </a:t>
             </a:r>
             <a:r>
               <a:rPr lang="en-US" altLang="ko-KR" sz="2400" dirty="0">
@@ -4351,6 +4068,36 @@
           </a:p>
         </p:txBody>
       </p:sp>
+      <p:pic>
+        <p:nvPicPr>
+          <p:cNvPr id="3" name="그림 2">
+            <a:extLst>
+              <a:ext uri="{FF2B5EF4-FFF2-40B4-BE49-F238E27FC236}">
+                <a16:creationId xmlns:a16="http://schemas.microsoft.com/office/drawing/2014/main" id="{7F8B7E87-2E94-4670-8411-7D2E2A65EBFE}"/>
+              </a:ext>
+            </a:extLst>
+          </p:cNvPr>
+          <p:cNvPicPr>
+            <a:picLocks noChangeAspect="1"/>
+          </p:cNvPicPr>
+          <p:nvPr/>
+        </p:nvPicPr>
+        <p:blipFill>
+          <a:blip r:embed="rId2"/>
+          <a:stretch>
+            <a:fillRect/>
+          </a:stretch>
+        </p:blipFill>
+        <p:spPr>
+          <a:xfrm>
+            <a:off x="552264" y="1299240"/>
+            <a:ext cx="7920000" cy="4290000"/>
+          </a:xfrm>
+          <a:prstGeom prst="rect">
+            <a:avLst/>
+          </a:prstGeom>
+        </p:spPr>
+      </p:pic>
     </p:spTree>
     <p:extLst>
       <p:ext uri="{BB962C8B-B14F-4D97-AF65-F5344CB8AC3E}">
@@ -4424,10 +4171,10 @@
       </p:sp>
       <p:sp>
         <p:nvSpPr>
-          <p:cNvPr id="9" name="TextBox 8">
+          <p:cNvPr id="4" name="TextBox 3">
             <a:extLst>
               <a:ext uri="{FF2B5EF4-FFF2-40B4-BE49-F238E27FC236}">
-                <a16:creationId xmlns:a16="http://schemas.microsoft.com/office/drawing/2014/main" id="{5D8B5EC4-A12D-4385-8680-5D64041688E4}"/>
+                <a16:creationId xmlns:a16="http://schemas.microsoft.com/office/drawing/2014/main" id="{80EB905D-CFC6-429B-8E13-E71F3BAB749E}"/>
               </a:ext>
             </a:extLst>
           </p:cNvPr>
@@ -4437,7 +4184,7 @@
         <p:spPr>
           <a:xfrm>
             <a:off x="479376" y="159023"/>
-            <a:ext cx="6840760" cy="461665"/>
+            <a:ext cx="8496944" cy="461665"/>
           </a:xfrm>
           <a:prstGeom prst="rect">
             <a:avLst/>
@@ -4450,7 +4197,6 @@
           </a:bodyPr>
           <a:lstStyle/>
           <a:p>
-            <a:pPr algn="l"/>
             <a:r>
               <a:rPr lang="en-US" altLang="ko-KR" sz="2400" dirty="0">
                 <a:solidFill>
@@ -4469,7 +4215,7 @@
                 <a:latin typeface="고도 B" panose="02000503000000020004" pitchFamily="2" charset="-127"/>
                 <a:ea typeface="고도 B" panose="02000503000000020004" pitchFamily="2" charset="-127"/>
               </a:rPr>
-              <a:t>쇼핑몰 </a:t>
+              <a:t>쇼핑몰</a:t>
             </a:r>
             <a:r>
               <a:rPr lang="en-US" altLang="ko-KR" sz="2400" dirty="0">
@@ -4479,6 +4225,36 @@
                 <a:latin typeface="고도 B" panose="02000503000000020004" pitchFamily="2" charset="-127"/>
                 <a:ea typeface="고도 B" panose="02000503000000020004" pitchFamily="2" charset="-127"/>
               </a:rPr>
+              <a:t>, </a:t>
+            </a:r>
+            <a:r>
+              <a:rPr lang="ko-KR" altLang="en-US" sz="2400" dirty="0" err="1">
+                <a:solidFill>
+                  <a:schemeClr val="bg1"/>
+                </a:solidFill>
+                <a:latin typeface="고도 B" panose="02000503000000020004" pitchFamily="2" charset="-127"/>
+                <a:ea typeface="고도 B" panose="02000503000000020004" pitchFamily="2" charset="-127"/>
+              </a:rPr>
+              <a:t>운송사</a:t>
+            </a:r>
+            <a:r>
+              <a:rPr lang="ko-KR" altLang="en-US" sz="2400" dirty="0">
+                <a:solidFill>
+                  <a:schemeClr val="bg1"/>
+                </a:solidFill>
+                <a:latin typeface="고도 B" panose="02000503000000020004" pitchFamily="2" charset="-127"/>
+                <a:ea typeface="고도 B" panose="02000503000000020004" pitchFamily="2" charset="-127"/>
+              </a:rPr>
+              <a:t> </a:t>
+            </a:r>
+            <a:r>
+              <a:rPr lang="en-US" altLang="ko-KR" sz="2400" dirty="0">
+                <a:solidFill>
+                  <a:schemeClr val="bg1"/>
+                </a:solidFill>
+                <a:latin typeface="고도 B" panose="02000503000000020004" pitchFamily="2" charset="-127"/>
+                <a:ea typeface="고도 B" panose="02000503000000020004" pitchFamily="2" charset="-127"/>
+              </a:rPr>
               <a:t>Page</a:t>
             </a:r>
             <a:r>
@@ -4509,7 +4285,27 @@
                 <a:latin typeface="고도 B" panose="02000503000000020004" pitchFamily="2" charset="-127"/>
                 <a:ea typeface="고도 B" panose="02000503000000020004" pitchFamily="2" charset="-127"/>
               </a:rPr>
-              <a:t> 월별 송장 목록 </a:t>
+              <a:t> </a:t>
+            </a:r>
+            <a:r>
+              <a:rPr lang="ko-KR" altLang="en-US" sz="2400" dirty="0" err="1">
+                <a:solidFill>
+                  <a:schemeClr val="bg1"/>
+                </a:solidFill>
+                <a:latin typeface="고도 B" panose="02000503000000020004" pitchFamily="2" charset="-127"/>
+                <a:ea typeface="고도 B" panose="02000503000000020004" pitchFamily="2" charset="-127"/>
+              </a:rPr>
+              <a:t>운송사</a:t>
+            </a:r>
+            <a:r>
+              <a:rPr lang="ko-KR" altLang="en-US" sz="2400" dirty="0">
+                <a:solidFill>
+                  <a:schemeClr val="bg1"/>
+                </a:solidFill>
+                <a:latin typeface="고도 B" panose="02000503000000020004" pitchFamily="2" charset="-127"/>
+                <a:ea typeface="고도 B" panose="02000503000000020004" pitchFamily="2" charset="-127"/>
+              </a:rPr>
+              <a:t> 일별 송장 목록 </a:t>
             </a:r>
             <a:r>
               <a:rPr lang="en-US" altLang="ko-KR" sz="2400" dirty="0">
@@ -4531,10 +4327,40 @@
           </a:p>
         </p:txBody>
       </p:sp>
+      <p:pic>
+        <p:nvPicPr>
+          <p:cNvPr id="3" name="그림 2">
+            <a:extLst>
+              <a:ext uri="{FF2B5EF4-FFF2-40B4-BE49-F238E27FC236}">
+                <a16:creationId xmlns:a16="http://schemas.microsoft.com/office/drawing/2014/main" id="{660C6231-27ED-45ED-BADF-0F0BCF8CE8B3}"/>
+              </a:ext>
+            </a:extLst>
+          </p:cNvPr>
+          <p:cNvPicPr>
+            <a:picLocks noChangeAspect="1"/>
+          </p:cNvPicPr>
+          <p:nvPr/>
+        </p:nvPicPr>
+        <p:blipFill>
+          <a:blip r:embed="rId2"/>
+          <a:stretch>
+            <a:fillRect/>
+          </a:stretch>
+        </p:blipFill>
+        <p:spPr>
+          <a:xfrm>
+            <a:off x="551384" y="1299240"/>
+            <a:ext cx="7920000" cy="4290000"/>
+          </a:xfrm>
+          <a:prstGeom prst="rect">
+            <a:avLst/>
+          </a:prstGeom>
+        </p:spPr>
+      </p:pic>
     </p:spTree>
     <p:extLst>
       <p:ext uri="{BB962C8B-B14F-4D97-AF65-F5344CB8AC3E}">
-        <p14:creationId xmlns:p14="http://schemas.microsoft.com/office/powerpoint/2010/main" val="3700811006"/>
+        <p14:creationId xmlns:p14="http://schemas.microsoft.com/office/powerpoint/2010/main" val="2579425048"/>
       </p:ext>
     </p:extLst>
   </p:cSld>
@@ -4648,7 +4474,37 @@
                 <a:latin typeface="고도 B" panose="02000503000000020004" pitchFamily="2" charset="-127"/>
                 <a:ea typeface="고도 B" panose="02000503000000020004" pitchFamily="2" charset="-127"/>
               </a:rPr>
-              <a:t>쇼핑몰 </a:t>
+              <a:t>쇼핑몰</a:t>
+            </a:r>
+            <a:r>
+              <a:rPr lang="en-US" altLang="ko-KR" sz="2400" dirty="0">
+                <a:solidFill>
+                  <a:schemeClr val="bg1"/>
+                </a:solidFill>
+                <a:latin typeface="고도 B" panose="02000503000000020004" pitchFamily="2" charset="-127"/>
+                <a:ea typeface="고도 B" panose="02000503000000020004" pitchFamily="2" charset="-127"/>
+              </a:rPr>
+              <a:t>, </a:t>
+            </a:r>
+            <a:r>
+              <a:rPr lang="ko-KR" altLang="en-US" sz="2400" dirty="0" err="1">
+                <a:solidFill>
+                  <a:schemeClr val="bg1"/>
+                </a:solidFill>
+                <a:latin typeface="고도 B" panose="02000503000000020004" pitchFamily="2" charset="-127"/>
+                <a:ea typeface="고도 B" panose="02000503000000020004" pitchFamily="2" charset="-127"/>
+              </a:rPr>
+              <a:t>운송사</a:t>
+            </a:r>
+            <a:r>
+              <a:rPr lang="ko-KR" altLang="en-US" sz="2400" dirty="0">
+                <a:solidFill>
+                  <a:schemeClr val="bg1"/>
+                </a:solidFill>
+                <a:latin typeface="고도 B" panose="02000503000000020004" pitchFamily="2" charset="-127"/>
+                <a:ea typeface="고도 B" panose="02000503000000020004" pitchFamily="2" charset="-127"/>
+              </a:rPr>
+              <a:t> </a:t>
             </a:r>
             <a:r>
               <a:rPr lang="en-US" altLang="ko-KR" sz="2400" dirty="0">
@@ -4710,6 +4566,36 @@
           </a:p>
         </p:txBody>
       </p:sp>
+      <p:pic>
+        <p:nvPicPr>
+          <p:cNvPr id="2" name="그림 1">
+            <a:extLst>
+              <a:ext uri="{FF2B5EF4-FFF2-40B4-BE49-F238E27FC236}">
+                <a16:creationId xmlns:a16="http://schemas.microsoft.com/office/drawing/2014/main" id="{72DEFCE2-6A09-4296-A6C8-04861BD85BF0}"/>
+              </a:ext>
+            </a:extLst>
+          </p:cNvPr>
+          <p:cNvPicPr>
+            <a:picLocks noChangeAspect="1"/>
+          </p:cNvPicPr>
+          <p:nvPr/>
+        </p:nvPicPr>
+        <p:blipFill>
+          <a:blip r:embed="rId2"/>
+          <a:stretch>
+            <a:fillRect/>
+          </a:stretch>
+        </p:blipFill>
+        <p:spPr>
+          <a:xfrm>
+            <a:off x="551384" y="1299240"/>
+            <a:ext cx="7920000" cy="4290000"/>
+          </a:xfrm>
+          <a:prstGeom prst="rect">
+            <a:avLst/>
+          </a:prstGeom>
+        </p:spPr>
+      </p:pic>
     </p:spTree>
     <p:extLst>
       <p:ext uri="{BB962C8B-B14F-4D97-AF65-F5344CB8AC3E}">
@@ -4809,7 +4695,6 @@
           </a:bodyPr>
           <a:lstStyle/>
           <a:p>
-            <a:pPr algn="l"/>
             <a:r>
               <a:rPr lang="en-US" altLang="ko-KR" sz="2400" dirty="0">
                 <a:solidFill>
@@ -4818,7 +4703,27 @@
                 <a:latin typeface="고도 B" panose="02000503000000020004" pitchFamily="2" charset="-127"/>
                 <a:ea typeface="고도 B" panose="02000503000000020004" pitchFamily="2" charset="-127"/>
               </a:rPr>
-              <a:t>3. </a:t>
+              <a:t>2. </a:t>
+            </a:r>
+            <a:r>
+              <a:rPr lang="ko-KR" altLang="en-US" sz="2400" dirty="0">
+                <a:solidFill>
+                  <a:schemeClr val="bg1"/>
+                </a:solidFill>
+                <a:latin typeface="고도 B" panose="02000503000000020004" pitchFamily="2" charset="-127"/>
+                <a:ea typeface="고도 B" panose="02000503000000020004" pitchFamily="2" charset="-127"/>
+              </a:rPr>
+              <a:t>쇼핑몰</a:t>
+            </a:r>
+            <a:r>
+              <a:rPr lang="en-US" altLang="ko-KR" sz="2400" dirty="0">
+                <a:solidFill>
+                  <a:schemeClr val="bg1"/>
+                </a:solidFill>
+                <a:latin typeface="고도 B" panose="02000503000000020004" pitchFamily="2" charset="-127"/>
+                <a:ea typeface="고도 B" panose="02000503000000020004" pitchFamily="2" charset="-127"/>
+              </a:rPr>
+              <a:t>, </a:t>
             </a:r>
             <a:r>
               <a:rPr lang="ko-KR" altLang="en-US" sz="2400" dirty="0" err="1">
@@ -4878,7 +4783,7 @@
                 <a:latin typeface="고도 B" panose="02000503000000020004" pitchFamily="2" charset="-127"/>
                 <a:ea typeface="고도 B" panose="02000503000000020004" pitchFamily="2" charset="-127"/>
               </a:rPr>
-              <a:t> 메인 </a:t>
+              <a:t> 월별 송장 목록 </a:t>
             </a:r>
             <a:r>
               <a:rPr lang="en-US" altLang="ko-KR" sz="2400" dirty="0">
@@ -4890,23 +4795,50 @@
               </a:rPr>
               <a:t>Page</a:t>
             </a:r>
-            <a:r>
-              <a:rPr lang="ko-KR" altLang="en-US" sz="2400" dirty="0">
-                <a:solidFill>
-                  <a:schemeClr val="bg1"/>
-                </a:solidFill>
-                <a:latin typeface="고도 B" panose="02000503000000020004" pitchFamily="2" charset="-127"/>
-                <a:ea typeface="고도 B" panose="02000503000000020004" pitchFamily="2" charset="-127"/>
-              </a:rPr>
-              <a:t> </a:t>
-            </a:r>
+            <a:endParaRPr lang="ko-KR" altLang="en-US" sz="2400" dirty="0">
+              <a:solidFill>
+                <a:schemeClr val="bg1"/>
+              </a:solidFill>
+              <a:latin typeface="고도 B" panose="02000503000000020004" pitchFamily="2" charset="-127"/>
+              <a:ea typeface="고도 B" panose="02000503000000020004" pitchFamily="2" charset="-127"/>
+            </a:endParaRPr>
           </a:p>
         </p:txBody>
       </p:sp>
+      <p:pic>
+        <p:nvPicPr>
+          <p:cNvPr id="3" name="그림 2">
+            <a:extLst>
+              <a:ext uri="{FF2B5EF4-FFF2-40B4-BE49-F238E27FC236}">
+                <a16:creationId xmlns:a16="http://schemas.microsoft.com/office/drawing/2014/main" id="{38090483-4565-4A36-95BC-5AAE1E4A2DC3}"/>
+              </a:ext>
+            </a:extLst>
+          </p:cNvPr>
+          <p:cNvPicPr>
+            <a:picLocks noChangeAspect="1"/>
+          </p:cNvPicPr>
+          <p:nvPr/>
+        </p:nvPicPr>
+        <p:blipFill>
+          <a:blip r:embed="rId2"/>
+          <a:stretch>
+            <a:fillRect/>
+          </a:stretch>
+        </p:blipFill>
+        <p:spPr>
+          <a:xfrm>
+            <a:off x="551384" y="1299240"/>
+            <a:ext cx="7920000" cy="4290000"/>
+          </a:xfrm>
+          <a:prstGeom prst="rect">
+            <a:avLst/>
+          </a:prstGeom>
+        </p:spPr>
+      </p:pic>
     </p:spTree>
     <p:extLst>
       <p:ext uri="{BB962C8B-B14F-4D97-AF65-F5344CB8AC3E}">
-        <p14:creationId xmlns:p14="http://schemas.microsoft.com/office/powerpoint/2010/main" val="3804788061"/>
+        <p14:creationId xmlns:p14="http://schemas.microsoft.com/office/powerpoint/2010/main" val="3700811006"/>
       </p:ext>
     </p:extLst>
   </p:cSld>

--- a/Fulfillment 중간발표.pptx
+++ b/Fulfillment 중간발표.pptx
@@ -5,29 +5,31 @@
     <p:sldMasterId id="2147483648" r:id="rId1"/>
   </p:sldMasterIdLst>
   <p:notesMasterIdLst>
-    <p:notesMasterId r:id="rId19"/>
+    <p:notesMasterId r:id="rId21"/>
   </p:notesMasterIdLst>
   <p:handoutMasterIdLst>
-    <p:handoutMasterId r:id="rId20"/>
+    <p:handoutMasterId r:id="rId22"/>
   </p:handoutMasterIdLst>
   <p:sldIdLst>
     <p:sldId id="256" r:id="rId2"/>
     <p:sldId id="257" r:id="rId3"/>
     <p:sldId id="258" r:id="rId4"/>
     <p:sldId id="259" r:id="rId5"/>
-    <p:sldId id="260" r:id="rId6"/>
-    <p:sldId id="261" r:id="rId7"/>
-    <p:sldId id="265" r:id="rId8"/>
-    <p:sldId id="263" r:id="rId9"/>
-    <p:sldId id="262" r:id="rId10"/>
-    <p:sldId id="268" r:id="rId11"/>
-    <p:sldId id="269" r:id="rId12"/>
-    <p:sldId id="271" r:id="rId13"/>
-    <p:sldId id="272" r:id="rId14"/>
-    <p:sldId id="273" r:id="rId15"/>
-    <p:sldId id="274" r:id="rId16"/>
-    <p:sldId id="275" r:id="rId17"/>
-    <p:sldId id="276" r:id="rId18"/>
+    <p:sldId id="275" r:id="rId6"/>
+    <p:sldId id="260" r:id="rId7"/>
+    <p:sldId id="261" r:id="rId8"/>
+    <p:sldId id="265" r:id="rId9"/>
+    <p:sldId id="263" r:id="rId10"/>
+    <p:sldId id="262" r:id="rId11"/>
+    <p:sldId id="268" r:id="rId12"/>
+    <p:sldId id="269" r:id="rId13"/>
+    <p:sldId id="271" r:id="rId14"/>
+    <p:sldId id="272" r:id="rId15"/>
+    <p:sldId id="273" r:id="rId16"/>
+    <p:sldId id="277" r:id="rId17"/>
+    <p:sldId id="278" r:id="rId18"/>
+    <p:sldId id="274" r:id="rId19"/>
+    <p:sldId id="276" r:id="rId20"/>
   </p:sldIdLst>
   <p:sldSz cx="12192000" cy="6858000"/>
   <p:notesSz cx="6858000" cy="9144000"/>
@@ -242,7 +244,7 @@
           <a:p>
             <a:fld id="{A5342C6F-0661-41BA-BAF3-A0AA00500C49}" type="datetimeFigureOut">
               <a:rPr lang="ko-KR" altLang="en-US" smtClean="0"/>
-              <a:t>2019-05-09</a:t>
+              <a:t>2019-05-10</a:t>
             </a:fld>
             <a:endParaRPr lang="ko-KR" altLang="en-US"/>
           </a:p>
@@ -419,7 +421,7 @@
           <a:p>
             <a:fld id="{581DF995-EC49-4E0F-BB09-98D6D7AF5D52}" type="datetimeFigureOut">
               <a:rPr lang="ko-KR" altLang="en-US" smtClean="0"/>
-              <a:t>2019-05-09</a:t>
+              <a:t>2019-05-10</a:t>
             </a:fld>
             <a:endParaRPr lang="ko-KR" altLang="en-US"/>
           </a:p>
@@ -1353,8 +1355,8 @@
         </p:nvSpPr>
         <p:spPr>
           <a:xfrm>
-            <a:off x="9480376" y="4869160"/>
-            <a:ext cx="2448272" cy="1661993"/>
+            <a:off x="6528048" y="4365104"/>
+            <a:ext cx="5184576" cy="2123658"/>
           </a:xfrm>
           <a:prstGeom prst="rect">
             <a:avLst/>
@@ -1376,7 +1378,7 @@
                 <a:latin typeface="고도 B" panose="02000503000000020004" pitchFamily="2" charset="-127"/>
                 <a:ea typeface="고도 B" panose="02000503000000020004" pitchFamily="2" charset="-127"/>
               </a:rPr>
-              <a:t>프로젝트 참여자</a:t>
+              <a:t>자바기반 전자정부 프레임 워크</a:t>
             </a:r>
             <a:endParaRPr lang="en-US" altLang="ko-KR" sz="2400" dirty="0">
               <a:solidFill>
@@ -1388,17 +1390,7 @@
           </a:p>
           <a:p>
             <a:pPr algn="r"/>
-            <a:r>
-              <a:rPr lang="ko-KR" altLang="en-US" sz="2000" dirty="0" err="1">
-                <a:solidFill>
-                  <a:schemeClr val="bg1"/>
-                </a:solidFill>
-                <a:latin typeface="고도 B" panose="02000503000000020004" pitchFamily="2" charset="-127"/>
-                <a:ea typeface="고도 B" panose="02000503000000020004" pitchFamily="2" charset="-127"/>
-              </a:rPr>
-              <a:t>권오인</a:t>
-            </a:r>
-            <a:endParaRPr lang="en-US" altLang="ko-KR" sz="2000" dirty="0">
+            <a:endParaRPr lang="en-US" altLang="ko-KR" sz="2400" dirty="0">
               <a:solidFill>
                 <a:schemeClr val="bg1"/>
               </a:solidFill>
@@ -1409,16 +1401,16 @@
           <a:p>
             <a:pPr algn="r"/>
             <a:r>
-              <a:rPr lang="ko-KR" altLang="en-US" sz="2000" dirty="0">
-                <a:solidFill>
-                  <a:schemeClr val="bg1"/>
-                </a:solidFill>
-                <a:latin typeface="고도 B" panose="02000503000000020004" pitchFamily="2" charset="-127"/>
-                <a:ea typeface="고도 B" panose="02000503000000020004" pitchFamily="2" charset="-127"/>
-              </a:rPr>
-              <a:t>김성현</a:t>
-            </a:r>
-            <a:endParaRPr lang="en-US" altLang="ko-KR" sz="2000" dirty="0">
+              <a:rPr lang="ko-KR" altLang="en-US" sz="2400" dirty="0">
+                <a:solidFill>
+                  <a:schemeClr val="bg1"/>
+                </a:solidFill>
+                <a:latin typeface="고도 B" panose="02000503000000020004" pitchFamily="2" charset="-127"/>
+                <a:ea typeface="고도 B" panose="02000503000000020004" pitchFamily="2" charset="-127"/>
+              </a:rPr>
+              <a:t>프로젝트 참여자</a:t>
+            </a:r>
+            <a:endParaRPr lang="en-US" altLang="ko-KR" sz="2400" dirty="0">
               <a:solidFill>
                 <a:schemeClr val="bg1"/>
               </a:solidFill>
@@ -1436,6 +1428,52 @@
                 <a:latin typeface="고도 B" panose="02000503000000020004" pitchFamily="2" charset="-127"/>
                 <a:ea typeface="고도 B" panose="02000503000000020004" pitchFamily="2" charset="-127"/>
               </a:rPr>
+              <a:t>권오인</a:t>
+            </a:r>
+            <a:r>
+              <a:rPr lang="en-US" altLang="ko-KR" sz="2000" dirty="0">
+                <a:solidFill>
+                  <a:schemeClr val="bg1"/>
+                </a:solidFill>
+                <a:latin typeface="고도 B" panose="02000503000000020004" pitchFamily="2" charset="-127"/>
+                <a:ea typeface="고도 B" panose="02000503000000020004" pitchFamily="2" charset="-127"/>
+              </a:rPr>
+              <a:t> </a:t>
+            </a:r>
+          </a:p>
+          <a:p>
+            <a:pPr algn="r"/>
+            <a:r>
+              <a:rPr lang="ko-KR" altLang="en-US" sz="2000" dirty="0">
+                <a:solidFill>
+                  <a:schemeClr val="bg1"/>
+                </a:solidFill>
+                <a:latin typeface="고도 B" panose="02000503000000020004" pitchFamily="2" charset="-127"/>
+                <a:ea typeface="고도 B" panose="02000503000000020004" pitchFamily="2" charset="-127"/>
+              </a:rPr>
+              <a:t>김성현</a:t>
+            </a:r>
+            <a:r>
+              <a:rPr lang="en-US" altLang="ko-KR" sz="2000" dirty="0">
+                <a:solidFill>
+                  <a:schemeClr val="bg1"/>
+                </a:solidFill>
+                <a:latin typeface="고도 B" panose="02000503000000020004" pitchFamily="2" charset="-127"/>
+                <a:ea typeface="고도 B" panose="02000503000000020004" pitchFamily="2" charset="-127"/>
+              </a:rPr>
+              <a:t> </a:t>
+            </a:r>
+          </a:p>
+          <a:p>
+            <a:pPr algn="r"/>
+            <a:r>
+              <a:rPr lang="ko-KR" altLang="en-US" sz="2000" dirty="0" err="1">
+                <a:solidFill>
+                  <a:schemeClr val="bg1"/>
+                </a:solidFill>
+                <a:latin typeface="고도 B" panose="02000503000000020004" pitchFamily="2" charset="-127"/>
+                <a:ea typeface="고도 B" panose="02000503000000020004" pitchFamily="2" charset="-127"/>
+              </a:rPr>
               <a:t>은정우</a:t>
             </a:r>
             <a:endParaRPr lang="en-US" altLang="ko-KR" sz="2000" dirty="0">
@@ -1444,14 +1482,6 @@
               </a:solidFill>
               <a:latin typeface="고도 B" panose="02000503000000020004" pitchFamily="2" charset="-127"/>
               <a:ea typeface="고도 B" panose="02000503000000020004" pitchFamily="2" charset="-127"/>
-            </a:endParaRPr>
-          </a:p>
-          <a:p>
-            <a:pPr algn="r"/>
-            <a:endParaRPr lang="en-US" altLang="ko-KR" dirty="0">
-              <a:solidFill>
-                <a:schemeClr val="bg1"/>
-              </a:solidFill>
             </a:endParaRPr>
           </a:p>
         </p:txBody>
@@ -1563,7 +1593,7 @@
                 <a:latin typeface="고도 B" panose="02000503000000020004" pitchFamily="2" charset="-127"/>
                 <a:ea typeface="고도 B" panose="02000503000000020004" pitchFamily="2" charset="-127"/>
               </a:rPr>
-              <a:t>4. </a:t>
+              <a:t>2. </a:t>
             </a:r>
             <a:r>
               <a:rPr lang="ko-KR" altLang="en-US" sz="2400" dirty="0">
@@ -1573,7 +1603,7 @@
                 <a:latin typeface="고도 B" panose="02000503000000020004" pitchFamily="2" charset="-127"/>
                 <a:ea typeface="고도 B" panose="02000503000000020004" pitchFamily="2" charset="-127"/>
               </a:rPr>
-              <a:t>공급자 </a:t>
+              <a:t>쇼핑몰</a:t>
             </a:r>
             <a:r>
               <a:rPr lang="en-US" altLang="ko-KR" sz="2400" dirty="0">
@@ -1583,7 +1613,17 @@
                 <a:latin typeface="고도 B" panose="02000503000000020004" pitchFamily="2" charset="-127"/>
                 <a:ea typeface="고도 B" panose="02000503000000020004" pitchFamily="2" charset="-127"/>
               </a:rPr>
-              <a:t>Page –</a:t>
+              <a:t>, </a:t>
+            </a:r>
+            <a:r>
+              <a:rPr lang="ko-KR" altLang="en-US" sz="2400" dirty="0" err="1">
+                <a:solidFill>
+                  <a:schemeClr val="bg1"/>
+                </a:solidFill>
+                <a:latin typeface="고도 B" panose="02000503000000020004" pitchFamily="2" charset="-127"/>
+                <a:ea typeface="고도 B" panose="02000503000000020004" pitchFamily="2" charset="-127"/>
+              </a:rPr>
+              <a:t>운송사</a:t>
             </a:r>
             <a:r>
               <a:rPr lang="ko-KR" altLang="en-US" sz="2400" dirty="0">
@@ -1593,7 +1633,47 @@
                 <a:latin typeface="고도 B" panose="02000503000000020004" pitchFamily="2" charset="-127"/>
                 <a:ea typeface="고도 B" panose="02000503000000020004" pitchFamily="2" charset="-127"/>
               </a:rPr>
-              <a:t> 메인 </a:t>
+              <a:t> </a:t>
+            </a:r>
+            <a:r>
+              <a:rPr lang="en-US" altLang="ko-KR" sz="2400" dirty="0">
+                <a:solidFill>
+                  <a:schemeClr val="bg1"/>
+                </a:solidFill>
+                <a:latin typeface="고도 B" panose="02000503000000020004" pitchFamily="2" charset="-127"/>
+                <a:ea typeface="고도 B" panose="02000503000000020004" pitchFamily="2" charset="-127"/>
+              </a:rPr>
+              <a:t>Page</a:t>
+            </a:r>
+            <a:r>
+              <a:rPr lang="ko-KR" altLang="en-US" sz="2400" dirty="0">
+                <a:solidFill>
+                  <a:schemeClr val="bg1"/>
+                </a:solidFill>
+                <a:latin typeface="고도 B" panose="02000503000000020004" pitchFamily="2" charset="-127"/>
+                <a:ea typeface="고도 B" panose="02000503000000020004" pitchFamily="2" charset="-127"/>
+              </a:rPr>
+              <a:t> </a:t>
+            </a:r>
+            <a:r>
+              <a:rPr lang="en-US" altLang="ko-KR" sz="2400" dirty="0">
+                <a:solidFill>
+                  <a:schemeClr val="bg1"/>
+                </a:solidFill>
+                <a:latin typeface="고도 B" panose="02000503000000020004" pitchFamily="2" charset="-127"/>
+                <a:ea typeface="고도 B" panose="02000503000000020004" pitchFamily="2" charset="-127"/>
+              </a:rPr>
+              <a:t>–</a:t>
+            </a:r>
+            <a:r>
+              <a:rPr lang="ko-KR" altLang="en-US" sz="2400" dirty="0">
+                <a:solidFill>
+                  <a:schemeClr val="bg1"/>
+                </a:solidFill>
+                <a:latin typeface="고도 B" panose="02000503000000020004" pitchFamily="2" charset="-127"/>
+                <a:ea typeface="고도 B" panose="02000503000000020004" pitchFamily="2" charset="-127"/>
+              </a:rPr>
+              <a:t> 월별 송장내역 </a:t>
             </a:r>
             <a:r>
               <a:rPr lang="en-US" altLang="ko-KR" sz="2400" dirty="0">
@@ -1617,10 +1697,10 @@
       </p:sp>
       <p:pic>
         <p:nvPicPr>
-          <p:cNvPr id="2" name="그림 1">
+          <p:cNvPr id="3" name="그림 2">
             <a:extLst>
               <a:ext uri="{FF2B5EF4-FFF2-40B4-BE49-F238E27FC236}">
-                <a16:creationId xmlns:a16="http://schemas.microsoft.com/office/drawing/2014/main" id="{B2A5D6BD-795F-4A01-B4C2-3B0BBC9E69D8}"/>
+                <a16:creationId xmlns:a16="http://schemas.microsoft.com/office/drawing/2014/main" id="{38090483-4565-4A36-95BC-5AAE1E4A2DC3}"/>
               </a:ext>
             </a:extLst>
           </p:cNvPr>
@@ -1645,16 +1725,719 @@
           </a:prstGeom>
         </p:spPr>
       </p:pic>
+      <p:pic>
+        <p:nvPicPr>
+          <p:cNvPr id="5" name="그림 4">
+            <a:extLst>
+              <a:ext uri="{FF2B5EF4-FFF2-40B4-BE49-F238E27FC236}">
+                <a16:creationId xmlns:a16="http://schemas.microsoft.com/office/drawing/2014/main" id="{7FEA5CFA-5A93-416A-9F3B-C65D862E8B67}"/>
+              </a:ext>
+            </a:extLst>
+          </p:cNvPr>
+          <p:cNvPicPr>
+            <a:picLocks noChangeAspect="1"/>
+          </p:cNvPicPr>
+          <p:nvPr/>
+        </p:nvPicPr>
+        <p:blipFill rotWithShape="1">
+          <a:blip r:embed="rId2"/>
+          <a:srcRect l="11714" t="17557" b="38801"/>
+          <a:stretch/>
+        </p:blipFill>
+        <p:spPr>
+          <a:xfrm>
+            <a:off x="1703512" y="3410617"/>
+            <a:ext cx="9681622" cy="2592289"/>
+          </a:xfrm>
+          <a:prstGeom prst="rect">
+            <a:avLst/>
+          </a:prstGeom>
+        </p:spPr>
+      </p:pic>
+      <p:pic>
+        <p:nvPicPr>
+          <p:cNvPr id="7" name="그림 6">
+            <a:extLst>
+              <a:ext uri="{FF2B5EF4-FFF2-40B4-BE49-F238E27FC236}">
+                <a16:creationId xmlns:a16="http://schemas.microsoft.com/office/drawing/2014/main" id="{CB7A81D5-6D58-4B9B-BA3E-53D9E4040F03}"/>
+              </a:ext>
+            </a:extLst>
+          </p:cNvPr>
+          <p:cNvPicPr>
+            <a:picLocks noChangeAspect="1"/>
+          </p:cNvPicPr>
+          <p:nvPr/>
+        </p:nvPicPr>
+        <p:blipFill rotWithShape="1">
+          <a:blip r:embed="rId2"/>
+          <a:srcRect l="83211" t="17557" b="60454"/>
+          <a:stretch/>
+        </p:blipFill>
+        <p:spPr>
+          <a:xfrm>
+            <a:off x="8552357" y="2652801"/>
+            <a:ext cx="1841134" cy="1306143"/>
+          </a:xfrm>
+          <a:prstGeom prst="rect">
+            <a:avLst/>
+          </a:prstGeom>
+        </p:spPr>
+      </p:pic>
+      <p:sp>
+        <p:nvSpPr>
+          <p:cNvPr id="8" name="직사각형 7">
+            <a:extLst>
+              <a:ext uri="{FF2B5EF4-FFF2-40B4-BE49-F238E27FC236}">
+                <a16:creationId xmlns:a16="http://schemas.microsoft.com/office/drawing/2014/main" id="{93605B57-59C7-4B45-BC88-B7BEB86AD134}"/>
+              </a:ext>
+            </a:extLst>
+          </p:cNvPr>
+          <p:cNvSpPr/>
+          <p:nvPr/>
+        </p:nvSpPr>
+        <p:spPr>
+          <a:xfrm>
+            <a:off x="1883092" y="4358930"/>
+            <a:ext cx="9325476" cy="1230310"/>
+          </a:xfrm>
+          <a:prstGeom prst="rect">
+            <a:avLst/>
+          </a:prstGeom>
+          <a:noFill/>
+          <a:ln w="38100">
+            <a:solidFill>
+              <a:srgbClr val="FF0000"/>
+            </a:solidFill>
+          </a:ln>
+        </p:spPr>
+        <p:style>
+          <a:lnRef idx="2">
+            <a:schemeClr val="accent1">
+              <a:shade val="50000"/>
+            </a:schemeClr>
+          </a:lnRef>
+          <a:fillRef idx="1">
+            <a:schemeClr val="accent1"/>
+          </a:fillRef>
+          <a:effectRef idx="0">
+            <a:schemeClr val="accent1"/>
+          </a:effectRef>
+          <a:fontRef idx="minor">
+            <a:schemeClr val="lt1"/>
+          </a:fontRef>
+        </p:style>
+        <p:txBody>
+          <a:bodyPr rot="0" spcFirstLastPara="0" vertOverflow="overflow" horzOverflow="overflow" vert="horz" wrap="square" lIns="91440" tIns="45720" rIns="91440" bIns="45720" numCol="1" spcCol="0" rtlCol="0" fromWordArt="0" anchor="ctr" anchorCtr="0" forceAA="0" compatLnSpc="1">
+            <a:prstTxWarp prst="textNoShape">
+              <a:avLst/>
+            </a:prstTxWarp>
+            <a:noAutofit/>
+          </a:bodyPr>
+          <a:lstStyle/>
+          <a:p>
+            <a:pPr algn="ctr"/>
+            <a:endParaRPr lang="ko-KR" altLang="en-US"/>
+          </a:p>
+        </p:txBody>
+      </p:sp>
+      <p:sp>
+        <p:nvSpPr>
+          <p:cNvPr id="10" name="TextBox 9">
+            <a:extLst>
+              <a:ext uri="{FF2B5EF4-FFF2-40B4-BE49-F238E27FC236}">
+                <a16:creationId xmlns:a16="http://schemas.microsoft.com/office/drawing/2014/main" id="{41A71638-794E-4B84-88DC-A5B64E0706A3}"/>
+              </a:ext>
+            </a:extLst>
+          </p:cNvPr>
+          <p:cNvSpPr txBox="1"/>
+          <p:nvPr/>
+        </p:nvSpPr>
+        <p:spPr>
+          <a:xfrm>
+            <a:off x="5015880" y="3800237"/>
+            <a:ext cx="2520280" cy="461665"/>
+          </a:xfrm>
+          <a:prstGeom prst="rect">
+            <a:avLst/>
+          </a:prstGeom>
+          <a:noFill/>
+        </p:spPr>
+        <p:txBody>
+          <a:bodyPr wrap="square" rtlCol="0">
+            <a:spAutoFit/>
+          </a:bodyPr>
+          <a:lstStyle/>
+          <a:p>
+            <a:pPr algn="ctr"/>
+            <a:r>
+              <a:rPr lang="ko-KR" altLang="en-US" sz="2400" dirty="0">
+                <a:ln w="12700">
+                  <a:solidFill>
+                    <a:schemeClr val="accent1">
+                      <a:lumMod val="75000"/>
+                    </a:schemeClr>
+                  </a:solidFill>
+                </a:ln>
+                <a:solidFill>
+                  <a:schemeClr val="bg1"/>
+                </a:solidFill>
+                <a:latin typeface="고도 B" panose="02000503000000020004" pitchFamily="2" charset="-127"/>
+                <a:ea typeface="고도 B" panose="02000503000000020004" pitchFamily="2" charset="-127"/>
+              </a:rPr>
+              <a:t>이번 달 송장 목록</a:t>
+            </a:r>
+          </a:p>
+        </p:txBody>
+      </p:sp>
+      <p:sp>
+        <p:nvSpPr>
+          <p:cNvPr id="12" name="직사각형 11">
+            <a:extLst>
+              <a:ext uri="{FF2B5EF4-FFF2-40B4-BE49-F238E27FC236}">
+                <a16:creationId xmlns:a16="http://schemas.microsoft.com/office/drawing/2014/main" id="{9E9F9C11-4AB5-48FB-9DF0-569F247D3A11}"/>
+              </a:ext>
+            </a:extLst>
+          </p:cNvPr>
+          <p:cNvSpPr/>
+          <p:nvPr/>
+        </p:nvSpPr>
+        <p:spPr>
+          <a:xfrm>
+            <a:off x="8471384" y="2580273"/>
+            <a:ext cx="2016224" cy="1437950"/>
+          </a:xfrm>
+          <a:prstGeom prst="rect">
+            <a:avLst/>
+          </a:prstGeom>
+          <a:noFill/>
+          <a:ln w="38100">
+            <a:solidFill>
+              <a:srgbClr val="FF0000"/>
+            </a:solidFill>
+          </a:ln>
+        </p:spPr>
+        <p:style>
+          <a:lnRef idx="2">
+            <a:schemeClr val="accent1">
+              <a:shade val="50000"/>
+            </a:schemeClr>
+          </a:lnRef>
+          <a:fillRef idx="1">
+            <a:schemeClr val="accent1"/>
+          </a:fillRef>
+          <a:effectRef idx="0">
+            <a:schemeClr val="accent1"/>
+          </a:effectRef>
+          <a:fontRef idx="minor">
+            <a:schemeClr val="lt1"/>
+          </a:fontRef>
+        </p:style>
+        <p:txBody>
+          <a:bodyPr rot="0" spcFirstLastPara="0" vertOverflow="overflow" horzOverflow="overflow" vert="horz" wrap="square" lIns="91440" tIns="45720" rIns="91440" bIns="45720" numCol="1" spcCol="0" rtlCol="0" fromWordArt="0" anchor="ctr" anchorCtr="0" forceAA="0" compatLnSpc="1">
+            <a:prstTxWarp prst="textNoShape">
+              <a:avLst/>
+            </a:prstTxWarp>
+            <a:noAutofit/>
+          </a:bodyPr>
+          <a:lstStyle/>
+          <a:p>
+            <a:pPr algn="ctr"/>
+            <a:endParaRPr lang="ko-KR" altLang="en-US"/>
+          </a:p>
+        </p:txBody>
+      </p:sp>
+      <p:sp>
+        <p:nvSpPr>
+          <p:cNvPr id="13" name="TextBox 12">
+            <a:extLst>
+              <a:ext uri="{FF2B5EF4-FFF2-40B4-BE49-F238E27FC236}">
+                <a16:creationId xmlns:a16="http://schemas.microsoft.com/office/drawing/2014/main" id="{57474A75-8FB6-409F-9C88-D511DF48FE99}"/>
+              </a:ext>
+            </a:extLst>
+          </p:cNvPr>
+          <p:cNvSpPr txBox="1"/>
+          <p:nvPr/>
+        </p:nvSpPr>
+        <p:spPr>
+          <a:xfrm>
+            <a:off x="10272464" y="2835881"/>
+            <a:ext cx="1584176" cy="461665"/>
+          </a:xfrm>
+          <a:prstGeom prst="rect">
+            <a:avLst/>
+          </a:prstGeom>
+          <a:noFill/>
+        </p:spPr>
+        <p:txBody>
+          <a:bodyPr wrap="square" rtlCol="0">
+            <a:spAutoFit/>
+          </a:bodyPr>
+          <a:lstStyle/>
+          <a:p>
+            <a:pPr algn="ctr"/>
+            <a:r>
+              <a:rPr lang="ko-KR" altLang="en-US" sz="2400" dirty="0">
+                <a:ln w="12700">
+                  <a:solidFill>
+                    <a:schemeClr val="accent1">
+                      <a:lumMod val="75000"/>
+                    </a:schemeClr>
+                  </a:solidFill>
+                </a:ln>
+                <a:solidFill>
+                  <a:schemeClr val="bg1"/>
+                </a:solidFill>
+                <a:latin typeface="고도 B" panose="02000503000000020004" pitchFamily="2" charset="-127"/>
+                <a:ea typeface="고도 B" panose="02000503000000020004" pitchFamily="2" charset="-127"/>
+              </a:rPr>
+              <a:t>월 선택</a:t>
+            </a:r>
+          </a:p>
+        </p:txBody>
+      </p:sp>
+      <p:sp>
+        <p:nvSpPr>
+          <p:cNvPr id="14" name="TextBox 13">
+            <a:extLst>
+              <a:ext uri="{FF2B5EF4-FFF2-40B4-BE49-F238E27FC236}">
+                <a16:creationId xmlns:a16="http://schemas.microsoft.com/office/drawing/2014/main" id="{8D5D628B-DD4D-45FD-8FFC-B3F842098B6C}"/>
+              </a:ext>
+            </a:extLst>
+          </p:cNvPr>
+          <p:cNvSpPr txBox="1"/>
+          <p:nvPr/>
+        </p:nvSpPr>
+        <p:spPr>
+          <a:xfrm>
+            <a:off x="335360" y="6381328"/>
+            <a:ext cx="7848872" cy="246221"/>
+          </a:xfrm>
+          <a:prstGeom prst="rect">
+            <a:avLst/>
+          </a:prstGeom>
+          <a:noFill/>
+        </p:spPr>
+        <p:txBody>
+          <a:bodyPr wrap="square" rtlCol="0">
+            <a:spAutoFit/>
+          </a:bodyPr>
+          <a:lstStyle/>
+          <a:p>
+            <a:pPr algn="l"/>
+            <a:r>
+              <a:rPr lang="ko-KR" altLang="en-US" sz="1000" dirty="0">
+                <a:solidFill>
+                  <a:schemeClr val="bg1"/>
+                </a:solidFill>
+                <a:latin typeface="고도 B" panose="02000503000000020004" pitchFamily="2" charset="-127"/>
+                <a:ea typeface="고도 B" panose="02000503000000020004" pitchFamily="2" charset="-127"/>
+              </a:rPr>
+              <a:t>페이지에 들어오면서 이번 달 송장 목록을 가져옵니다</a:t>
+            </a:r>
+            <a:r>
+              <a:rPr lang="en-US" altLang="ko-KR" sz="1000" dirty="0">
+                <a:solidFill>
+                  <a:schemeClr val="bg1"/>
+                </a:solidFill>
+                <a:latin typeface="고도 B" panose="02000503000000020004" pitchFamily="2" charset="-127"/>
+                <a:ea typeface="고도 B" panose="02000503000000020004" pitchFamily="2" charset="-127"/>
+              </a:rPr>
+              <a:t>. </a:t>
+            </a:r>
+            <a:r>
+              <a:rPr lang="ko-KR" altLang="en-US" sz="1000" dirty="0">
+                <a:solidFill>
+                  <a:schemeClr val="bg1"/>
+                </a:solidFill>
+                <a:latin typeface="고도 B" panose="02000503000000020004" pitchFamily="2" charset="-127"/>
+                <a:ea typeface="고도 B" panose="02000503000000020004" pitchFamily="2" charset="-127"/>
+              </a:rPr>
+              <a:t>월별 송장 내역 창에서는 날짜 대신 월을 선택할 수 있도록 설정 했습니다</a:t>
+            </a:r>
+            <a:r>
+              <a:rPr lang="en-US" altLang="ko-KR" sz="1000" dirty="0">
+                <a:solidFill>
+                  <a:schemeClr val="bg1"/>
+                </a:solidFill>
+                <a:latin typeface="고도 B" panose="02000503000000020004" pitchFamily="2" charset="-127"/>
+                <a:ea typeface="고도 B" panose="02000503000000020004" pitchFamily="2" charset="-127"/>
+              </a:rPr>
+              <a:t>.</a:t>
+            </a:r>
+            <a:endParaRPr lang="ko-KR" altLang="en-US" sz="1000" dirty="0">
+              <a:solidFill>
+                <a:schemeClr val="bg1"/>
+              </a:solidFill>
+              <a:latin typeface="고도 B" panose="02000503000000020004" pitchFamily="2" charset="-127"/>
+              <a:ea typeface="고도 B" panose="02000503000000020004" pitchFamily="2" charset="-127"/>
+            </a:endParaRPr>
+          </a:p>
+        </p:txBody>
+      </p:sp>
     </p:spTree>
     <p:extLst>
       <p:ext uri="{BB962C8B-B14F-4D97-AF65-F5344CB8AC3E}">
-        <p14:creationId xmlns:p14="http://schemas.microsoft.com/office/powerpoint/2010/main" val="2105647535"/>
+        <p14:creationId xmlns:p14="http://schemas.microsoft.com/office/powerpoint/2010/main" val="3700811006"/>
       </p:ext>
     </p:extLst>
   </p:cSld>
   <p:clrMapOvr>
     <a:masterClrMapping/>
   </p:clrMapOvr>
+  <p:timing>
+    <p:tnLst>
+      <p:par>
+        <p:cTn id="1" dur="indefinite" restart="never" nodeType="tmRoot">
+          <p:childTnLst>
+            <p:seq concurrent="1" nextAc="seek">
+              <p:cTn id="2" dur="indefinite" nodeType="mainSeq">
+                <p:childTnLst>
+                  <p:par>
+                    <p:cTn id="3" fill="hold">
+                      <p:stCondLst>
+                        <p:cond delay="indefinite"/>
+                      </p:stCondLst>
+                      <p:childTnLst>
+                        <p:par>
+                          <p:cTn id="4" fill="hold">
+                            <p:stCondLst>
+                              <p:cond delay="0"/>
+                            </p:stCondLst>
+                            <p:childTnLst>
+                              <p:par>
+                                <p:cTn id="5" presetID="10" presetClass="entr" presetSubtype="0" fill="hold" grpId="0" nodeType="clickEffect">
+                                  <p:stCondLst>
+                                    <p:cond delay="0"/>
+                                  </p:stCondLst>
+                                  <p:childTnLst>
+                                    <p:set>
+                                      <p:cBhvr>
+                                        <p:cTn id="6" dur="1" fill="hold">
+                                          <p:stCondLst>
+                                            <p:cond delay="0"/>
+                                          </p:stCondLst>
+                                        </p:cTn>
+                                        <p:tgtEl>
+                                          <p:spTgt spid="10"/>
+                                        </p:tgtEl>
+                                        <p:attrNameLst>
+                                          <p:attrName>style.visibility</p:attrName>
+                                        </p:attrNameLst>
+                                      </p:cBhvr>
+                                      <p:to>
+                                        <p:strVal val="visible"/>
+                                      </p:to>
+                                    </p:set>
+                                    <p:animEffect transition="in" filter="fade">
+                                      <p:cBhvr>
+                                        <p:cTn id="7" dur="500"/>
+                                        <p:tgtEl>
+                                          <p:spTgt spid="10"/>
+                                        </p:tgtEl>
+                                      </p:cBhvr>
+                                    </p:animEffect>
+                                  </p:childTnLst>
+                                </p:cTn>
+                              </p:par>
+                              <p:par>
+                                <p:cTn id="8" presetID="10" presetClass="entr" presetSubtype="0" fill="hold" nodeType="withEffect">
+                                  <p:stCondLst>
+                                    <p:cond delay="0"/>
+                                  </p:stCondLst>
+                                  <p:childTnLst>
+                                    <p:set>
+                                      <p:cBhvr>
+                                        <p:cTn id="9" dur="1" fill="hold">
+                                          <p:stCondLst>
+                                            <p:cond delay="0"/>
+                                          </p:stCondLst>
+                                        </p:cTn>
+                                        <p:tgtEl>
+                                          <p:spTgt spid="5"/>
+                                        </p:tgtEl>
+                                        <p:attrNameLst>
+                                          <p:attrName>style.visibility</p:attrName>
+                                        </p:attrNameLst>
+                                      </p:cBhvr>
+                                      <p:to>
+                                        <p:strVal val="visible"/>
+                                      </p:to>
+                                    </p:set>
+                                    <p:animEffect transition="in" filter="fade">
+                                      <p:cBhvr>
+                                        <p:cTn id="10" dur="500"/>
+                                        <p:tgtEl>
+                                          <p:spTgt spid="5"/>
+                                        </p:tgtEl>
+                                      </p:cBhvr>
+                                    </p:animEffect>
+                                  </p:childTnLst>
+                                </p:cTn>
+                              </p:par>
+                              <p:par>
+                                <p:cTn id="11" presetID="10" presetClass="entr" presetSubtype="0" fill="hold" grpId="0" nodeType="withEffect">
+                                  <p:stCondLst>
+                                    <p:cond delay="0"/>
+                                  </p:stCondLst>
+                                  <p:childTnLst>
+                                    <p:set>
+                                      <p:cBhvr>
+                                        <p:cTn id="12" dur="1" fill="hold">
+                                          <p:stCondLst>
+                                            <p:cond delay="0"/>
+                                          </p:stCondLst>
+                                        </p:cTn>
+                                        <p:tgtEl>
+                                          <p:spTgt spid="8"/>
+                                        </p:tgtEl>
+                                        <p:attrNameLst>
+                                          <p:attrName>style.visibility</p:attrName>
+                                        </p:attrNameLst>
+                                      </p:cBhvr>
+                                      <p:to>
+                                        <p:strVal val="visible"/>
+                                      </p:to>
+                                    </p:set>
+                                    <p:animEffect transition="in" filter="fade">
+                                      <p:cBhvr>
+                                        <p:cTn id="13" dur="500"/>
+                                        <p:tgtEl>
+                                          <p:spTgt spid="8"/>
+                                        </p:tgtEl>
+                                      </p:cBhvr>
+                                    </p:animEffect>
+                                  </p:childTnLst>
+                                </p:cTn>
+                              </p:par>
+                            </p:childTnLst>
+                          </p:cTn>
+                        </p:par>
+                      </p:childTnLst>
+                    </p:cTn>
+                  </p:par>
+                  <p:par>
+                    <p:cTn id="14" fill="hold">
+                      <p:stCondLst>
+                        <p:cond delay="indefinite"/>
+                      </p:stCondLst>
+                      <p:childTnLst>
+                        <p:par>
+                          <p:cTn id="15" fill="hold">
+                            <p:stCondLst>
+                              <p:cond delay="0"/>
+                            </p:stCondLst>
+                            <p:childTnLst>
+                              <p:par>
+                                <p:cTn id="16" presetID="10" presetClass="exit" presetSubtype="0" fill="hold" grpId="1" nodeType="clickEffect">
+                                  <p:stCondLst>
+                                    <p:cond delay="0"/>
+                                  </p:stCondLst>
+                                  <p:childTnLst>
+                                    <p:animEffect transition="out" filter="fade">
+                                      <p:cBhvr>
+                                        <p:cTn id="17" dur="500"/>
+                                        <p:tgtEl>
+                                          <p:spTgt spid="10"/>
+                                        </p:tgtEl>
+                                      </p:cBhvr>
+                                    </p:animEffect>
+                                    <p:set>
+                                      <p:cBhvr>
+                                        <p:cTn id="18" dur="1" fill="hold">
+                                          <p:stCondLst>
+                                            <p:cond delay="499"/>
+                                          </p:stCondLst>
+                                        </p:cTn>
+                                        <p:tgtEl>
+                                          <p:spTgt spid="10"/>
+                                        </p:tgtEl>
+                                        <p:attrNameLst>
+                                          <p:attrName>style.visibility</p:attrName>
+                                        </p:attrNameLst>
+                                      </p:cBhvr>
+                                      <p:to>
+                                        <p:strVal val="hidden"/>
+                                      </p:to>
+                                    </p:set>
+                                  </p:childTnLst>
+                                </p:cTn>
+                              </p:par>
+                              <p:par>
+                                <p:cTn id="19" presetID="10" presetClass="exit" presetSubtype="0" fill="hold" grpId="1" nodeType="withEffect">
+                                  <p:stCondLst>
+                                    <p:cond delay="0"/>
+                                  </p:stCondLst>
+                                  <p:childTnLst>
+                                    <p:animEffect transition="out" filter="fade">
+                                      <p:cBhvr>
+                                        <p:cTn id="20" dur="500"/>
+                                        <p:tgtEl>
+                                          <p:spTgt spid="8"/>
+                                        </p:tgtEl>
+                                      </p:cBhvr>
+                                    </p:animEffect>
+                                    <p:set>
+                                      <p:cBhvr>
+                                        <p:cTn id="21" dur="1" fill="hold">
+                                          <p:stCondLst>
+                                            <p:cond delay="499"/>
+                                          </p:stCondLst>
+                                        </p:cTn>
+                                        <p:tgtEl>
+                                          <p:spTgt spid="8"/>
+                                        </p:tgtEl>
+                                        <p:attrNameLst>
+                                          <p:attrName>style.visibility</p:attrName>
+                                        </p:attrNameLst>
+                                      </p:cBhvr>
+                                      <p:to>
+                                        <p:strVal val="hidden"/>
+                                      </p:to>
+                                    </p:set>
+                                  </p:childTnLst>
+                                </p:cTn>
+                              </p:par>
+                              <p:par>
+                                <p:cTn id="22" presetID="10" presetClass="entr" presetSubtype="0" fill="hold" grpId="0" nodeType="withEffect">
+                                  <p:stCondLst>
+                                    <p:cond delay="0"/>
+                                  </p:stCondLst>
+                                  <p:childTnLst>
+                                    <p:set>
+                                      <p:cBhvr>
+                                        <p:cTn id="23" dur="1" fill="hold">
+                                          <p:stCondLst>
+                                            <p:cond delay="0"/>
+                                          </p:stCondLst>
+                                        </p:cTn>
+                                        <p:tgtEl>
+                                          <p:spTgt spid="13"/>
+                                        </p:tgtEl>
+                                        <p:attrNameLst>
+                                          <p:attrName>style.visibility</p:attrName>
+                                        </p:attrNameLst>
+                                      </p:cBhvr>
+                                      <p:to>
+                                        <p:strVal val="visible"/>
+                                      </p:to>
+                                    </p:set>
+                                    <p:animEffect transition="in" filter="fade">
+                                      <p:cBhvr>
+                                        <p:cTn id="24" dur="500"/>
+                                        <p:tgtEl>
+                                          <p:spTgt spid="13"/>
+                                        </p:tgtEl>
+                                      </p:cBhvr>
+                                    </p:animEffect>
+                                  </p:childTnLst>
+                                </p:cTn>
+                              </p:par>
+                              <p:par>
+                                <p:cTn id="25" presetID="10" presetClass="entr" presetSubtype="0" fill="hold" nodeType="withEffect">
+                                  <p:stCondLst>
+                                    <p:cond delay="0"/>
+                                  </p:stCondLst>
+                                  <p:childTnLst>
+                                    <p:set>
+                                      <p:cBhvr>
+                                        <p:cTn id="26" dur="1" fill="hold">
+                                          <p:stCondLst>
+                                            <p:cond delay="0"/>
+                                          </p:stCondLst>
+                                        </p:cTn>
+                                        <p:tgtEl>
+                                          <p:spTgt spid="7"/>
+                                        </p:tgtEl>
+                                        <p:attrNameLst>
+                                          <p:attrName>style.visibility</p:attrName>
+                                        </p:attrNameLst>
+                                      </p:cBhvr>
+                                      <p:to>
+                                        <p:strVal val="visible"/>
+                                      </p:to>
+                                    </p:set>
+                                    <p:animEffect transition="in" filter="fade">
+                                      <p:cBhvr>
+                                        <p:cTn id="27" dur="500"/>
+                                        <p:tgtEl>
+                                          <p:spTgt spid="7"/>
+                                        </p:tgtEl>
+                                      </p:cBhvr>
+                                    </p:animEffect>
+                                  </p:childTnLst>
+                                </p:cTn>
+                              </p:par>
+                              <p:par>
+                                <p:cTn id="28" presetID="10" presetClass="entr" presetSubtype="0" fill="hold" grpId="0" nodeType="withEffect">
+                                  <p:stCondLst>
+                                    <p:cond delay="0"/>
+                                  </p:stCondLst>
+                                  <p:childTnLst>
+                                    <p:set>
+                                      <p:cBhvr>
+                                        <p:cTn id="29" dur="1" fill="hold">
+                                          <p:stCondLst>
+                                            <p:cond delay="0"/>
+                                          </p:stCondLst>
+                                        </p:cTn>
+                                        <p:tgtEl>
+                                          <p:spTgt spid="12"/>
+                                        </p:tgtEl>
+                                        <p:attrNameLst>
+                                          <p:attrName>style.visibility</p:attrName>
+                                        </p:attrNameLst>
+                                      </p:cBhvr>
+                                      <p:to>
+                                        <p:strVal val="visible"/>
+                                      </p:to>
+                                    </p:set>
+                                    <p:animEffect transition="in" filter="fade">
+                                      <p:cBhvr>
+                                        <p:cTn id="30" dur="500"/>
+                                        <p:tgtEl>
+                                          <p:spTgt spid="12"/>
+                                        </p:tgtEl>
+                                      </p:cBhvr>
+                                    </p:animEffect>
+                                  </p:childTnLst>
+                                </p:cTn>
+                              </p:par>
+                            </p:childTnLst>
+                          </p:cTn>
+                        </p:par>
+                      </p:childTnLst>
+                    </p:cTn>
+                  </p:par>
+                </p:childTnLst>
+              </p:cTn>
+              <p:prevCondLst>
+                <p:cond evt="onPrev" delay="0">
+                  <p:tgtEl>
+                    <p:sldTgt/>
+                  </p:tgtEl>
+                </p:cond>
+              </p:prevCondLst>
+              <p:nextCondLst>
+                <p:cond evt="onNext" delay="0">
+                  <p:tgtEl>
+                    <p:sldTgt/>
+                  </p:tgtEl>
+                </p:cond>
+              </p:nextCondLst>
+            </p:seq>
+          </p:childTnLst>
+        </p:cTn>
+      </p:par>
+    </p:tnLst>
+    <p:bldLst>
+      <p:bldP spid="8" grpId="0" animBg="1"/>
+      <p:bldP spid="8" grpId="1" animBg="1"/>
+      <p:bldP spid="10" grpId="0"/>
+      <p:bldP spid="10" grpId="1"/>
+      <p:bldP spid="12" grpId="0" animBg="1"/>
+      <p:bldP spid="13" grpId="0"/>
+    </p:bldLst>
+  </p:timing>
 </p:sld>
 </file>
 
@@ -1782,7 +2565,7 @@
                 <a:latin typeface="고도 B" panose="02000503000000020004" pitchFamily="2" charset="-127"/>
                 <a:ea typeface="고도 B" panose="02000503000000020004" pitchFamily="2" charset="-127"/>
               </a:rPr>
-              <a:t> 일별 수주 내역 </a:t>
+              <a:t> 메인 </a:t>
             </a:r>
             <a:r>
               <a:rPr lang="en-US" altLang="ko-KR" sz="2400" dirty="0">
@@ -1809,7 +2592,7 @@
           <p:cNvPr id="2" name="그림 1">
             <a:extLst>
               <a:ext uri="{FF2B5EF4-FFF2-40B4-BE49-F238E27FC236}">
-                <a16:creationId xmlns:a16="http://schemas.microsoft.com/office/drawing/2014/main" id="{E8F4FA65-458F-496B-9CF1-F961FAA0F399}"/>
+                <a16:creationId xmlns:a16="http://schemas.microsoft.com/office/drawing/2014/main" id="{B2A5D6BD-795F-4A01-B4C2-3B0BBC9E69D8}"/>
               </a:ext>
             </a:extLst>
           </p:cNvPr>
@@ -1826,7 +2609,7 @@
         </p:blipFill>
         <p:spPr>
           <a:xfrm>
-            <a:off x="552264" y="1299240"/>
+            <a:off x="551384" y="1299240"/>
             <a:ext cx="7920000" cy="4290000"/>
           </a:xfrm>
           <a:prstGeom prst="rect">
@@ -1837,7 +2620,7 @@
     </p:spTree>
     <p:extLst>
       <p:ext uri="{BB962C8B-B14F-4D97-AF65-F5344CB8AC3E}">
-        <p14:creationId xmlns:p14="http://schemas.microsoft.com/office/powerpoint/2010/main" val="2951615207"/>
+        <p14:creationId xmlns:p14="http://schemas.microsoft.com/office/powerpoint/2010/main" val="2105647535"/>
       </p:ext>
     </p:extLst>
   </p:cSld>
@@ -1971,7 +2754,7 @@
                 <a:latin typeface="고도 B" panose="02000503000000020004" pitchFamily="2" charset="-127"/>
                 <a:ea typeface="고도 B" panose="02000503000000020004" pitchFamily="2" charset="-127"/>
               </a:rPr>
-              <a:t> 월별 납품 목록 </a:t>
+              <a:t> 일별 수주 내역 </a:t>
             </a:r>
             <a:r>
               <a:rPr lang="en-US" altLang="ko-KR" sz="2400" dirty="0">
@@ -1998,7 +2781,7 @@
           <p:cNvPr id="2" name="그림 1">
             <a:extLst>
               <a:ext uri="{FF2B5EF4-FFF2-40B4-BE49-F238E27FC236}">
-                <a16:creationId xmlns:a16="http://schemas.microsoft.com/office/drawing/2014/main" id="{A8E98C00-CA04-4CE6-88D1-2D1EE9B62ADC}"/>
+                <a16:creationId xmlns:a16="http://schemas.microsoft.com/office/drawing/2014/main" id="{E8F4FA65-458F-496B-9CF1-F961FAA0F399}"/>
               </a:ext>
             </a:extLst>
           </p:cNvPr>
@@ -2026,7 +2809,7 @@
     </p:spTree>
     <p:extLst>
       <p:ext uri="{BB962C8B-B14F-4D97-AF65-F5344CB8AC3E}">
-        <p14:creationId xmlns:p14="http://schemas.microsoft.com/office/powerpoint/2010/main" val="1953855660"/>
+        <p14:creationId xmlns:p14="http://schemas.microsoft.com/office/powerpoint/2010/main" val="2951615207"/>
       </p:ext>
     </p:extLst>
   </p:cSld>
@@ -2130,7 +2913,7 @@
                 <a:latin typeface="고도 B" panose="02000503000000020004" pitchFamily="2" charset="-127"/>
                 <a:ea typeface="고도 B" panose="02000503000000020004" pitchFamily="2" charset="-127"/>
               </a:rPr>
-              <a:t>5.</a:t>
+              <a:t>4. </a:t>
             </a:r>
             <a:r>
               <a:rPr lang="ko-KR" altLang="en-US" sz="2400" dirty="0">
@@ -2140,7 +2923,7 @@
                 <a:latin typeface="고도 B" panose="02000503000000020004" pitchFamily="2" charset="-127"/>
                 <a:ea typeface="고도 B" panose="02000503000000020004" pitchFamily="2" charset="-127"/>
               </a:rPr>
-              <a:t>관리자 </a:t>
+              <a:t>공급자 </a:t>
             </a:r>
             <a:r>
               <a:rPr lang="en-US" altLang="ko-KR" sz="2400" dirty="0">
@@ -2150,7 +2933,7 @@
                 <a:latin typeface="고도 B" panose="02000503000000020004" pitchFamily="2" charset="-127"/>
                 <a:ea typeface="고도 B" panose="02000503000000020004" pitchFamily="2" charset="-127"/>
               </a:rPr>
-              <a:t>Page</a:t>
+              <a:t>Page –</a:t>
             </a:r>
             <a:r>
               <a:rPr lang="ko-KR" altLang="en-US" sz="2400" dirty="0">
@@ -2160,27 +2943,7 @@
                 <a:latin typeface="고도 B" panose="02000503000000020004" pitchFamily="2" charset="-127"/>
                 <a:ea typeface="고도 B" panose="02000503000000020004" pitchFamily="2" charset="-127"/>
               </a:rPr>
-              <a:t> </a:t>
-            </a:r>
-            <a:r>
-              <a:rPr lang="en-US" altLang="ko-KR" sz="2400" dirty="0">
-                <a:solidFill>
-                  <a:schemeClr val="bg1"/>
-                </a:solidFill>
-                <a:latin typeface="고도 B" panose="02000503000000020004" pitchFamily="2" charset="-127"/>
-                <a:ea typeface="고도 B" panose="02000503000000020004" pitchFamily="2" charset="-127"/>
-              </a:rPr>
-              <a:t>–</a:t>
-            </a:r>
-            <a:r>
-              <a:rPr lang="ko-KR" altLang="en-US" sz="2400" dirty="0">
-                <a:solidFill>
-                  <a:schemeClr val="bg1"/>
-                </a:solidFill>
-                <a:latin typeface="고도 B" panose="02000503000000020004" pitchFamily="2" charset="-127"/>
-                <a:ea typeface="고도 B" panose="02000503000000020004" pitchFamily="2" charset="-127"/>
-              </a:rPr>
-              <a:t> 메인 </a:t>
+              <a:t> 월별 납품 목록 </a:t>
             </a:r>
             <a:r>
               <a:rPr lang="en-US" altLang="ko-KR" sz="2400" dirty="0">
@@ -2202,10 +2965,40 @@
           </a:p>
         </p:txBody>
       </p:sp>
+      <p:pic>
+        <p:nvPicPr>
+          <p:cNvPr id="2" name="그림 1">
+            <a:extLst>
+              <a:ext uri="{FF2B5EF4-FFF2-40B4-BE49-F238E27FC236}">
+                <a16:creationId xmlns:a16="http://schemas.microsoft.com/office/drawing/2014/main" id="{A8E98C00-CA04-4CE6-88D1-2D1EE9B62ADC}"/>
+              </a:ext>
+            </a:extLst>
+          </p:cNvPr>
+          <p:cNvPicPr>
+            <a:picLocks noChangeAspect="1"/>
+          </p:cNvPicPr>
+          <p:nvPr/>
+        </p:nvPicPr>
+        <p:blipFill>
+          <a:blip r:embed="rId2"/>
+          <a:stretch>
+            <a:fillRect/>
+          </a:stretch>
+        </p:blipFill>
+        <p:spPr>
+          <a:xfrm>
+            <a:off x="552264" y="1299240"/>
+            <a:ext cx="7920000" cy="4290000"/>
+          </a:xfrm>
+          <a:prstGeom prst="rect">
+            <a:avLst/>
+          </a:prstGeom>
+        </p:spPr>
+      </p:pic>
     </p:spTree>
     <p:extLst>
       <p:ext uri="{BB962C8B-B14F-4D97-AF65-F5344CB8AC3E}">
-        <p14:creationId xmlns:p14="http://schemas.microsoft.com/office/powerpoint/2010/main" val="2978325579"/>
+        <p14:creationId xmlns:p14="http://schemas.microsoft.com/office/powerpoint/2010/main" val="1953855660"/>
       </p:ext>
     </p:extLst>
   </p:cSld>
@@ -2359,15 +3152,62 @@
                 <a:latin typeface="고도 B" panose="02000503000000020004" pitchFamily="2" charset="-127"/>
                 <a:ea typeface="고도 B" panose="02000503000000020004" pitchFamily="2" charset="-127"/>
               </a:rPr>
-              <a:t> 월별 송장 목록</a:t>
-            </a:r>
+              <a:t> 메인 </a:t>
+            </a:r>
+            <a:r>
+              <a:rPr lang="en-US" altLang="ko-KR" sz="2400" dirty="0">
+                <a:solidFill>
+                  <a:schemeClr val="bg1"/>
+                </a:solidFill>
+                <a:latin typeface="고도 B" panose="02000503000000020004" pitchFamily="2" charset="-127"/>
+                <a:ea typeface="고도 B" panose="02000503000000020004" pitchFamily="2" charset="-127"/>
+              </a:rPr>
+              <a:t>Page</a:t>
+            </a:r>
+            <a:endParaRPr lang="ko-KR" altLang="en-US" sz="2400" dirty="0">
+              <a:solidFill>
+                <a:schemeClr val="bg1"/>
+              </a:solidFill>
+              <a:latin typeface="고도 B" panose="02000503000000020004" pitchFamily="2" charset="-127"/>
+              <a:ea typeface="고도 B" panose="02000503000000020004" pitchFamily="2" charset="-127"/>
+            </a:endParaRPr>
           </a:p>
         </p:txBody>
       </p:sp>
+      <p:pic>
+        <p:nvPicPr>
+          <p:cNvPr id="2" name="그림 1">
+            <a:extLst>
+              <a:ext uri="{FF2B5EF4-FFF2-40B4-BE49-F238E27FC236}">
+                <a16:creationId xmlns:a16="http://schemas.microsoft.com/office/drawing/2014/main" id="{CB51494A-938D-45DB-BF1B-7FF61A6F9EE9}"/>
+              </a:ext>
+            </a:extLst>
+          </p:cNvPr>
+          <p:cNvPicPr>
+            <a:picLocks noChangeAspect="1"/>
+          </p:cNvPicPr>
+          <p:nvPr/>
+        </p:nvPicPr>
+        <p:blipFill>
+          <a:blip r:embed="rId2"/>
+          <a:stretch>
+            <a:fillRect/>
+          </a:stretch>
+        </p:blipFill>
+        <p:spPr>
+          <a:xfrm>
+            <a:off x="552264" y="1299240"/>
+            <a:ext cx="7920000" cy="4290000"/>
+          </a:xfrm>
+          <a:prstGeom prst="rect">
+            <a:avLst/>
+          </a:prstGeom>
+        </p:spPr>
+      </p:pic>
     </p:spTree>
     <p:extLst>
       <p:ext uri="{BB962C8B-B14F-4D97-AF65-F5344CB8AC3E}">
-        <p14:creationId xmlns:p14="http://schemas.microsoft.com/office/powerpoint/2010/main" val="1257833064"/>
+        <p14:creationId xmlns:p14="http://schemas.microsoft.com/office/powerpoint/2010/main" val="2978325579"/>
       </p:ext>
     </p:extLst>
   </p:cSld>
@@ -2521,15 +3361,45 @@
                 <a:latin typeface="고도 B" panose="02000503000000020004" pitchFamily="2" charset="-127"/>
                 <a:ea typeface="고도 B" panose="02000503000000020004" pitchFamily="2" charset="-127"/>
               </a:rPr>
-              <a:t> 월별 수주 목록</a:t>
+              <a:t> 재고 현황</a:t>
             </a:r>
           </a:p>
         </p:txBody>
       </p:sp>
+      <p:pic>
+        <p:nvPicPr>
+          <p:cNvPr id="2" name="그림 1">
+            <a:extLst>
+              <a:ext uri="{FF2B5EF4-FFF2-40B4-BE49-F238E27FC236}">
+                <a16:creationId xmlns:a16="http://schemas.microsoft.com/office/drawing/2014/main" id="{41E20EB0-07E9-4072-9661-8792FEF0CA75}"/>
+              </a:ext>
+            </a:extLst>
+          </p:cNvPr>
+          <p:cNvPicPr>
+            <a:picLocks noChangeAspect="1"/>
+          </p:cNvPicPr>
+          <p:nvPr/>
+        </p:nvPicPr>
+        <p:blipFill>
+          <a:blip r:embed="rId2"/>
+          <a:stretch>
+            <a:fillRect/>
+          </a:stretch>
+        </p:blipFill>
+        <p:spPr>
+          <a:xfrm>
+            <a:off x="552264" y="1299240"/>
+            <a:ext cx="7920000" cy="4290000"/>
+          </a:xfrm>
+          <a:prstGeom prst="rect">
+            <a:avLst/>
+          </a:prstGeom>
+        </p:spPr>
+      </p:pic>
     </p:spTree>
     <p:extLst>
       <p:ext uri="{BB962C8B-B14F-4D97-AF65-F5344CB8AC3E}">
-        <p14:creationId xmlns:p14="http://schemas.microsoft.com/office/powerpoint/2010/main" val="1717588114"/>
+        <p14:creationId xmlns:p14="http://schemas.microsoft.com/office/powerpoint/2010/main" val="1257833064"/>
       </p:ext>
     </p:extLst>
   </p:cSld>
@@ -2673,7 +3543,7 @@
                 <a:latin typeface="고도 B" panose="02000503000000020004" pitchFamily="2" charset="-127"/>
                 <a:ea typeface="고도 B" panose="02000503000000020004" pitchFamily="2" charset="-127"/>
               </a:rPr>
-              <a:t>– </a:t>
+              <a:t>–</a:t>
             </a:r>
             <a:r>
               <a:rPr lang="ko-KR" altLang="en-US" sz="2400" dirty="0">
@@ -2683,35 +3553,45 @@
                 <a:latin typeface="고도 B" panose="02000503000000020004" pitchFamily="2" charset="-127"/>
                 <a:ea typeface="고도 B" panose="02000503000000020004" pitchFamily="2" charset="-127"/>
               </a:rPr>
-              <a:t>제품 카탈로그 </a:t>
-            </a:r>
-            <a:r>
-              <a:rPr lang="en-US" altLang="ko-KR" sz="2400" dirty="0">
-                <a:solidFill>
-                  <a:schemeClr val="bg1"/>
-                </a:solidFill>
-                <a:latin typeface="고도 B" panose="02000503000000020004" pitchFamily="2" charset="-127"/>
-                <a:ea typeface="고도 B" panose="02000503000000020004" pitchFamily="2" charset="-127"/>
-              </a:rPr>
-              <a:t>Page</a:t>
-            </a:r>
-            <a:r>
-              <a:rPr lang="ko-KR" altLang="en-US" sz="2400" dirty="0">
-                <a:solidFill>
-                  <a:schemeClr val="bg1"/>
-                </a:solidFill>
-                <a:latin typeface="고도 B" panose="02000503000000020004" pitchFamily="2" charset="-127"/>
-                <a:ea typeface="고도 B" panose="02000503000000020004" pitchFamily="2" charset="-127"/>
-              </a:rPr>
-              <a:t> </a:t>
+              <a:t> 월별 판매 내역</a:t>
             </a:r>
           </a:p>
         </p:txBody>
       </p:sp>
+      <p:pic>
+        <p:nvPicPr>
+          <p:cNvPr id="3" name="그림 2">
+            <a:extLst>
+              <a:ext uri="{FF2B5EF4-FFF2-40B4-BE49-F238E27FC236}">
+                <a16:creationId xmlns:a16="http://schemas.microsoft.com/office/drawing/2014/main" id="{0BE2D8F4-39EB-48B3-96D9-737A7F00CA59}"/>
+              </a:ext>
+            </a:extLst>
+          </p:cNvPr>
+          <p:cNvPicPr>
+            <a:picLocks noChangeAspect="1"/>
+          </p:cNvPicPr>
+          <p:nvPr/>
+        </p:nvPicPr>
+        <p:blipFill>
+          <a:blip r:embed="rId2"/>
+          <a:stretch>
+            <a:fillRect/>
+          </a:stretch>
+        </p:blipFill>
+        <p:spPr>
+          <a:xfrm>
+            <a:off x="552264" y="1299240"/>
+            <a:ext cx="7920000" cy="4290000"/>
+          </a:xfrm>
+          <a:prstGeom prst="rect">
+            <a:avLst/>
+          </a:prstGeom>
+        </p:spPr>
+      </p:pic>
     </p:spTree>
     <p:extLst>
       <p:ext uri="{BB962C8B-B14F-4D97-AF65-F5344CB8AC3E}">
-        <p14:creationId xmlns:p14="http://schemas.microsoft.com/office/powerpoint/2010/main" val="2031045616"/>
+        <p14:creationId xmlns:p14="http://schemas.microsoft.com/office/powerpoint/2010/main" val="566022506"/>
       </p:ext>
     </p:extLst>
   </p:cSld>
@@ -2722,6 +3602,390 @@
 </file>
 
 <file path=ppt/slides/slide17.xml><?xml version="1.0" encoding="utf-8"?>
+<p:sld xmlns:a="http://schemas.openxmlformats.org/drawingml/2006/main" xmlns:r="http://schemas.openxmlformats.org/officeDocument/2006/relationships" xmlns:p="http://schemas.openxmlformats.org/presentationml/2006/main">
+  <p:cSld>
+    <p:bg>
+      <p:bgPr>
+        <a:solidFill>
+          <a:schemeClr val="accent1">
+            <a:lumMod val="75000"/>
+            <a:alpha val="96000"/>
+          </a:schemeClr>
+        </a:solidFill>
+        <a:effectLst/>
+      </p:bgPr>
+    </p:bg>
+    <p:spTree>
+      <p:nvGrpSpPr>
+        <p:cNvPr id="1" name=""/>
+        <p:cNvGrpSpPr/>
+        <p:nvPr/>
+      </p:nvGrpSpPr>
+      <p:grpSpPr>
+        <a:xfrm>
+          <a:off x="0" y="0"/>
+          <a:ext cx="0" cy="0"/>
+          <a:chOff x="0" y="0"/>
+          <a:chExt cx="0" cy="0"/>
+        </a:xfrm>
+      </p:grpSpPr>
+      <p:sp>
+        <p:nvSpPr>
+          <p:cNvPr id="6" name="슬라이드 번호 개체 틀 5">
+            <a:extLst>
+              <a:ext uri="{FF2B5EF4-FFF2-40B4-BE49-F238E27FC236}">
+                <a16:creationId xmlns:a16="http://schemas.microsoft.com/office/drawing/2014/main" id="{D07836A0-38B7-45E1-B6C1-6BEEAC42BA58}"/>
+              </a:ext>
+            </a:extLst>
+          </p:cNvPr>
+          <p:cNvSpPr>
+            <a:spLocks noGrp="1"/>
+          </p:cNvSpPr>
+          <p:nvPr>
+            <p:ph type="sldNum" sz="quarter" idx="12"/>
+          </p:nvPr>
+        </p:nvSpPr>
+        <p:spPr/>
+        <p:txBody>
+          <a:bodyPr/>
+          <a:lstStyle/>
+          <a:p>
+            <a:fld id="{393AB653-6532-4FD2-BDDA-539C3EBBB613}" type="slidenum">
+              <a:rPr lang="ko-KR" altLang="en-US" smtClean="0"/>
+              <a:pPr/>
+              <a:t>17</a:t>
+            </a:fld>
+            <a:endParaRPr lang="ko-KR" altLang="en-US" dirty="0"/>
+          </a:p>
+        </p:txBody>
+      </p:sp>
+      <p:sp>
+        <p:nvSpPr>
+          <p:cNvPr id="9" name="TextBox 8">
+            <a:extLst>
+              <a:ext uri="{FF2B5EF4-FFF2-40B4-BE49-F238E27FC236}">
+                <a16:creationId xmlns:a16="http://schemas.microsoft.com/office/drawing/2014/main" id="{5D8B5EC4-A12D-4385-8680-5D64041688E4}"/>
+              </a:ext>
+            </a:extLst>
+          </p:cNvPr>
+          <p:cNvSpPr txBox="1"/>
+          <p:nvPr/>
+        </p:nvSpPr>
+        <p:spPr>
+          <a:xfrm>
+            <a:off x="479376" y="159023"/>
+            <a:ext cx="6840760" cy="461665"/>
+          </a:xfrm>
+          <a:prstGeom prst="rect">
+            <a:avLst/>
+          </a:prstGeom>
+          <a:noFill/>
+        </p:spPr>
+        <p:txBody>
+          <a:bodyPr wrap="square" rtlCol="0">
+            <a:spAutoFit/>
+          </a:bodyPr>
+          <a:lstStyle/>
+          <a:p>
+            <a:r>
+              <a:rPr lang="en-US" altLang="ko-KR" sz="2400" dirty="0">
+                <a:solidFill>
+                  <a:schemeClr val="bg1"/>
+                </a:solidFill>
+                <a:latin typeface="고도 B" panose="02000503000000020004" pitchFamily="2" charset="-127"/>
+                <a:ea typeface="고도 B" panose="02000503000000020004" pitchFamily="2" charset="-127"/>
+              </a:rPr>
+              <a:t>5.</a:t>
+            </a:r>
+            <a:r>
+              <a:rPr lang="ko-KR" altLang="en-US" sz="2400" dirty="0">
+                <a:solidFill>
+                  <a:schemeClr val="bg1"/>
+                </a:solidFill>
+                <a:latin typeface="고도 B" panose="02000503000000020004" pitchFamily="2" charset="-127"/>
+                <a:ea typeface="고도 B" panose="02000503000000020004" pitchFamily="2" charset="-127"/>
+              </a:rPr>
+              <a:t>관리자 </a:t>
+            </a:r>
+            <a:r>
+              <a:rPr lang="en-US" altLang="ko-KR" sz="2400" dirty="0">
+                <a:solidFill>
+                  <a:schemeClr val="bg1"/>
+                </a:solidFill>
+                <a:latin typeface="고도 B" panose="02000503000000020004" pitchFamily="2" charset="-127"/>
+                <a:ea typeface="고도 B" panose="02000503000000020004" pitchFamily="2" charset="-127"/>
+              </a:rPr>
+              <a:t>Page</a:t>
+            </a:r>
+            <a:r>
+              <a:rPr lang="ko-KR" altLang="en-US" sz="2400" dirty="0">
+                <a:solidFill>
+                  <a:schemeClr val="bg1"/>
+                </a:solidFill>
+                <a:latin typeface="고도 B" panose="02000503000000020004" pitchFamily="2" charset="-127"/>
+                <a:ea typeface="고도 B" panose="02000503000000020004" pitchFamily="2" charset="-127"/>
+              </a:rPr>
+              <a:t> </a:t>
+            </a:r>
+            <a:r>
+              <a:rPr lang="en-US" altLang="ko-KR" sz="2400" dirty="0">
+                <a:solidFill>
+                  <a:schemeClr val="bg1"/>
+                </a:solidFill>
+                <a:latin typeface="고도 B" panose="02000503000000020004" pitchFamily="2" charset="-127"/>
+                <a:ea typeface="고도 B" panose="02000503000000020004" pitchFamily="2" charset="-127"/>
+              </a:rPr>
+              <a:t>–</a:t>
+            </a:r>
+            <a:r>
+              <a:rPr lang="ko-KR" altLang="en-US" sz="2400" dirty="0">
+                <a:solidFill>
+                  <a:schemeClr val="bg1"/>
+                </a:solidFill>
+                <a:latin typeface="고도 B" panose="02000503000000020004" pitchFamily="2" charset="-127"/>
+                <a:ea typeface="고도 B" panose="02000503000000020004" pitchFamily="2" charset="-127"/>
+              </a:rPr>
+              <a:t> 월별 운송 내역</a:t>
+            </a:r>
+          </a:p>
+        </p:txBody>
+      </p:sp>
+      <p:pic>
+        <p:nvPicPr>
+          <p:cNvPr id="3" name="그림 2">
+            <a:extLst>
+              <a:ext uri="{FF2B5EF4-FFF2-40B4-BE49-F238E27FC236}">
+                <a16:creationId xmlns:a16="http://schemas.microsoft.com/office/drawing/2014/main" id="{24668C20-734D-4A70-BB34-5C69ED98B0BD}"/>
+              </a:ext>
+            </a:extLst>
+          </p:cNvPr>
+          <p:cNvPicPr>
+            <a:picLocks noChangeAspect="1"/>
+          </p:cNvPicPr>
+          <p:nvPr/>
+        </p:nvPicPr>
+        <p:blipFill>
+          <a:blip r:embed="rId2"/>
+          <a:stretch>
+            <a:fillRect/>
+          </a:stretch>
+        </p:blipFill>
+        <p:spPr>
+          <a:xfrm>
+            <a:off x="552264" y="1299240"/>
+            <a:ext cx="7920000" cy="4290000"/>
+          </a:xfrm>
+          <a:prstGeom prst="rect">
+            <a:avLst/>
+          </a:prstGeom>
+        </p:spPr>
+      </p:pic>
+    </p:spTree>
+    <p:extLst>
+      <p:ext uri="{BB962C8B-B14F-4D97-AF65-F5344CB8AC3E}">
+        <p14:creationId xmlns:p14="http://schemas.microsoft.com/office/powerpoint/2010/main" val="1935039011"/>
+      </p:ext>
+    </p:extLst>
+  </p:cSld>
+  <p:clrMapOvr>
+    <a:masterClrMapping/>
+  </p:clrMapOvr>
+</p:sld>
+</file>
+
+<file path=ppt/slides/slide18.xml><?xml version="1.0" encoding="utf-8"?>
+<p:sld xmlns:a="http://schemas.openxmlformats.org/drawingml/2006/main" xmlns:r="http://schemas.openxmlformats.org/officeDocument/2006/relationships" xmlns:p="http://schemas.openxmlformats.org/presentationml/2006/main">
+  <p:cSld>
+    <p:bg>
+      <p:bgPr>
+        <a:solidFill>
+          <a:schemeClr val="accent1">
+            <a:lumMod val="75000"/>
+            <a:alpha val="96000"/>
+          </a:schemeClr>
+        </a:solidFill>
+        <a:effectLst/>
+      </p:bgPr>
+    </p:bg>
+    <p:spTree>
+      <p:nvGrpSpPr>
+        <p:cNvPr id="1" name=""/>
+        <p:cNvGrpSpPr/>
+        <p:nvPr/>
+      </p:nvGrpSpPr>
+      <p:grpSpPr>
+        <a:xfrm>
+          <a:off x="0" y="0"/>
+          <a:ext cx="0" cy="0"/>
+          <a:chOff x="0" y="0"/>
+          <a:chExt cx="0" cy="0"/>
+        </a:xfrm>
+      </p:grpSpPr>
+      <p:sp>
+        <p:nvSpPr>
+          <p:cNvPr id="6" name="슬라이드 번호 개체 틀 5">
+            <a:extLst>
+              <a:ext uri="{FF2B5EF4-FFF2-40B4-BE49-F238E27FC236}">
+                <a16:creationId xmlns:a16="http://schemas.microsoft.com/office/drawing/2014/main" id="{D07836A0-38B7-45E1-B6C1-6BEEAC42BA58}"/>
+              </a:ext>
+            </a:extLst>
+          </p:cNvPr>
+          <p:cNvSpPr>
+            <a:spLocks noGrp="1"/>
+          </p:cNvSpPr>
+          <p:nvPr>
+            <p:ph type="sldNum" sz="quarter" idx="12"/>
+          </p:nvPr>
+        </p:nvSpPr>
+        <p:spPr/>
+        <p:txBody>
+          <a:bodyPr/>
+          <a:lstStyle/>
+          <a:p>
+            <a:fld id="{393AB653-6532-4FD2-BDDA-539C3EBBB613}" type="slidenum">
+              <a:rPr lang="ko-KR" altLang="en-US" smtClean="0"/>
+              <a:pPr/>
+              <a:t>18</a:t>
+            </a:fld>
+            <a:endParaRPr lang="ko-KR" altLang="en-US" dirty="0"/>
+          </a:p>
+        </p:txBody>
+      </p:sp>
+      <p:sp>
+        <p:nvSpPr>
+          <p:cNvPr id="9" name="TextBox 8">
+            <a:extLst>
+              <a:ext uri="{FF2B5EF4-FFF2-40B4-BE49-F238E27FC236}">
+                <a16:creationId xmlns:a16="http://schemas.microsoft.com/office/drawing/2014/main" id="{5D8B5EC4-A12D-4385-8680-5D64041688E4}"/>
+              </a:ext>
+            </a:extLst>
+          </p:cNvPr>
+          <p:cNvSpPr txBox="1"/>
+          <p:nvPr/>
+        </p:nvSpPr>
+        <p:spPr>
+          <a:xfrm>
+            <a:off x="479376" y="159023"/>
+            <a:ext cx="6840760" cy="461665"/>
+          </a:xfrm>
+          <a:prstGeom prst="rect">
+            <a:avLst/>
+          </a:prstGeom>
+          <a:noFill/>
+        </p:spPr>
+        <p:txBody>
+          <a:bodyPr wrap="square" rtlCol="0">
+            <a:spAutoFit/>
+          </a:bodyPr>
+          <a:lstStyle/>
+          <a:p>
+            <a:r>
+              <a:rPr lang="en-US" altLang="ko-KR" sz="2400" dirty="0">
+                <a:solidFill>
+                  <a:schemeClr val="bg1"/>
+                </a:solidFill>
+                <a:latin typeface="고도 B" panose="02000503000000020004" pitchFamily="2" charset="-127"/>
+                <a:ea typeface="고도 B" panose="02000503000000020004" pitchFamily="2" charset="-127"/>
+              </a:rPr>
+              <a:t>5.</a:t>
+            </a:r>
+            <a:r>
+              <a:rPr lang="ko-KR" altLang="en-US" sz="2400" dirty="0">
+                <a:solidFill>
+                  <a:schemeClr val="bg1"/>
+                </a:solidFill>
+                <a:latin typeface="고도 B" panose="02000503000000020004" pitchFamily="2" charset="-127"/>
+                <a:ea typeface="고도 B" panose="02000503000000020004" pitchFamily="2" charset="-127"/>
+              </a:rPr>
+              <a:t>관리자 </a:t>
+            </a:r>
+            <a:r>
+              <a:rPr lang="en-US" altLang="ko-KR" sz="2400" dirty="0">
+                <a:solidFill>
+                  <a:schemeClr val="bg1"/>
+                </a:solidFill>
+                <a:latin typeface="고도 B" panose="02000503000000020004" pitchFamily="2" charset="-127"/>
+                <a:ea typeface="고도 B" panose="02000503000000020004" pitchFamily="2" charset="-127"/>
+              </a:rPr>
+              <a:t>Page</a:t>
+            </a:r>
+            <a:r>
+              <a:rPr lang="ko-KR" altLang="en-US" sz="2400" dirty="0">
+                <a:solidFill>
+                  <a:schemeClr val="bg1"/>
+                </a:solidFill>
+                <a:latin typeface="고도 B" panose="02000503000000020004" pitchFamily="2" charset="-127"/>
+                <a:ea typeface="고도 B" panose="02000503000000020004" pitchFamily="2" charset="-127"/>
+              </a:rPr>
+              <a:t> </a:t>
+            </a:r>
+            <a:r>
+              <a:rPr lang="en-US" altLang="ko-KR" sz="2400" dirty="0">
+                <a:solidFill>
+                  <a:schemeClr val="bg1"/>
+                </a:solidFill>
+                <a:latin typeface="고도 B" panose="02000503000000020004" pitchFamily="2" charset="-127"/>
+                <a:ea typeface="고도 B" panose="02000503000000020004" pitchFamily="2" charset="-127"/>
+              </a:rPr>
+              <a:t>–</a:t>
+            </a:r>
+            <a:r>
+              <a:rPr lang="ko-KR" altLang="en-US" sz="2400" dirty="0">
+                <a:solidFill>
+                  <a:schemeClr val="bg1"/>
+                </a:solidFill>
+                <a:latin typeface="고도 B" panose="02000503000000020004" pitchFamily="2" charset="-127"/>
+                <a:ea typeface="고도 B" panose="02000503000000020004" pitchFamily="2" charset="-127"/>
+              </a:rPr>
+              <a:t> 월별 발주 내역</a:t>
+            </a:r>
+          </a:p>
+        </p:txBody>
+      </p:sp>
+      <p:pic>
+        <p:nvPicPr>
+          <p:cNvPr id="3" name="그림 2">
+            <a:extLst>
+              <a:ext uri="{FF2B5EF4-FFF2-40B4-BE49-F238E27FC236}">
+                <a16:creationId xmlns:a16="http://schemas.microsoft.com/office/drawing/2014/main" id="{E96EEE50-9ECE-45E7-9A27-2B6B18A59693}"/>
+              </a:ext>
+            </a:extLst>
+          </p:cNvPr>
+          <p:cNvPicPr>
+            <a:picLocks noChangeAspect="1"/>
+          </p:cNvPicPr>
+          <p:nvPr/>
+        </p:nvPicPr>
+        <p:blipFill>
+          <a:blip r:embed="rId2"/>
+          <a:stretch>
+            <a:fillRect/>
+          </a:stretch>
+        </p:blipFill>
+        <p:spPr>
+          <a:xfrm>
+            <a:off x="551384" y="1299240"/>
+            <a:ext cx="7920000" cy="4290000"/>
+          </a:xfrm>
+          <a:prstGeom prst="rect">
+            <a:avLst/>
+          </a:prstGeom>
+        </p:spPr>
+      </p:pic>
+    </p:spTree>
+    <p:extLst>
+      <p:ext uri="{BB962C8B-B14F-4D97-AF65-F5344CB8AC3E}">
+        <p14:creationId xmlns:p14="http://schemas.microsoft.com/office/powerpoint/2010/main" val="1717588114"/>
+      </p:ext>
+    </p:extLst>
+  </p:cSld>
+  <p:clrMapOvr>
+    <a:masterClrMapping/>
+  </p:clrMapOvr>
+</p:sld>
+</file>
+
+<file path=ppt/slides/slide19.xml><?xml version="1.0" encoding="utf-8"?>
 <p:sld xmlns:a="http://schemas.openxmlformats.org/drawingml/2006/main" xmlns:r="http://schemas.openxmlformats.org/officeDocument/2006/relationships" xmlns:p="http://schemas.openxmlformats.org/presentationml/2006/main">
   <p:cSld>
     <p:bg>
@@ -3368,35 +4632,270 @@
           </a:prstGeom>
         </p:spPr>
       </p:pic>
-      <p:pic>
-        <p:nvPicPr>
-          <p:cNvPr id="7" name="그림 6">
+      <p:grpSp>
+        <p:nvGrpSpPr>
+          <p:cNvPr id="11" name="그룹 10">
             <a:extLst>
               <a:ext uri="{FF2B5EF4-FFF2-40B4-BE49-F238E27FC236}">
-                <a16:creationId xmlns:a16="http://schemas.microsoft.com/office/drawing/2014/main" id="{1174873C-EC9E-4B81-9C48-05A366E1EE82}"/>
+                <a16:creationId xmlns:a16="http://schemas.microsoft.com/office/drawing/2014/main" id="{05803DF7-13BD-4639-8F99-659C3878EE25}"/>
               </a:ext>
             </a:extLst>
           </p:cNvPr>
-          <p:cNvPicPr>
-            <a:picLocks noChangeAspect="1"/>
-          </p:cNvPicPr>
+          <p:cNvGrpSpPr/>
           <p:nvPr/>
-        </p:nvPicPr>
-        <p:blipFill rotWithShape="1">
-          <a:blip r:embed="rId2"/>
-          <a:srcRect l="25340" t="12522" r="25564" b="37123"/>
-          <a:stretch/>
-        </p:blipFill>
+        </p:nvGrpSpPr>
+        <p:grpSpPr>
+          <a:xfrm>
+            <a:off x="1847528" y="1556792"/>
+            <a:ext cx="10080240" cy="4360485"/>
+            <a:chOff x="1847528" y="1556792"/>
+            <a:chExt cx="10080240" cy="4360485"/>
+          </a:xfrm>
+        </p:grpSpPr>
+        <p:pic>
+          <p:nvPicPr>
+            <p:cNvPr id="7" name="그림 6">
+              <a:extLst>
+                <a:ext uri="{FF2B5EF4-FFF2-40B4-BE49-F238E27FC236}">
+                  <a16:creationId xmlns:a16="http://schemas.microsoft.com/office/drawing/2014/main" id="{1174873C-EC9E-4B81-9C48-05A366E1EE82}"/>
+                </a:ext>
+              </a:extLst>
+            </p:cNvPr>
+            <p:cNvPicPr>
+              <a:picLocks noChangeAspect="1"/>
+            </p:cNvPicPr>
+            <p:nvPr/>
+          </p:nvPicPr>
+          <p:blipFill rotWithShape="1">
+            <a:blip r:embed="rId2"/>
+            <a:srcRect l="25340" t="12522" r="25564" b="37123"/>
+            <a:stretch/>
+          </p:blipFill>
+          <p:spPr>
+            <a:xfrm>
+              <a:off x="1847528" y="1556792"/>
+              <a:ext cx="7848872" cy="4360485"/>
+            </a:xfrm>
+            <a:prstGeom prst="rect">
+              <a:avLst/>
+            </a:prstGeom>
+          </p:spPr>
+        </p:pic>
+        <p:sp>
+          <p:nvSpPr>
+            <p:cNvPr id="4" name="직사각형 3">
+              <a:extLst>
+                <a:ext uri="{FF2B5EF4-FFF2-40B4-BE49-F238E27FC236}">
+                  <a16:creationId xmlns:a16="http://schemas.microsoft.com/office/drawing/2014/main" id="{5EB9DE00-BA4F-4C08-BE6A-66C48EBA9292}"/>
+                </a:ext>
+              </a:extLst>
+            </p:cNvPr>
+            <p:cNvSpPr/>
+            <p:nvPr/>
+          </p:nvSpPr>
+          <p:spPr>
+            <a:xfrm>
+              <a:off x="6078107" y="3861048"/>
+              <a:ext cx="3312368" cy="1584176"/>
+            </a:xfrm>
+            <a:prstGeom prst="rect">
+              <a:avLst/>
+            </a:prstGeom>
+            <a:noFill/>
+            <a:ln w="38100">
+              <a:solidFill>
+                <a:srgbClr val="FF0000"/>
+              </a:solidFill>
+            </a:ln>
+          </p:spPr>
+          <p:style>
+            <a:lnRef idx="2">
+              <a:schemeClr val="accent1">
+                <a:shade val="50000"/>
+              </a:schemeClr>
+            </a:lnRef>
+            <a:fillRef idx="1">
+              <a:schemeClr val="accent1"/>
+            </a:fillRef>
+            <a:effectRef idx="0">
+              <a:schemeClr val="accent1"/>
+            </a:effectRef>
+            <a:fontRef idx="minor">
+              <a:schemeClr val="lt1"/>
+            </a:fontRef>
+          </p:style>
+          <p:txBody>
+            <a:bodyPr rtlCol="0" anchor="ctr"/>
+            <a:lstStyle/>
+            <a:p>
+              <a:pPr algn="ctr"/>
+              <a:endParaRPr lang="ko-KR" altLang="en-US"/>
+            </a:p>
+          </p:txBody>
+        </p:sp>
+        <p:sp>
+          <p:nvSpPr>
+            <p:cNvPr id="5" name="TextBox 4">
+              <a:extLst>
+                <a:ext uri="{FF2B5EF4-FFF2-40B4-BE49-F238E27FC236}">
+                  <a16:creationId xmlns:a16="http://schemas.microsoft.com/office/drawing/2014/main" id="{C8FF2BAF-566D-42C3-98FB-B217F7F83F06}"/>
+                </a:ext>
+              </a:extLst>
+            </p:cNvPr>
+            <p:cNvSpPr txBox="1"/>
+            <p:nvPr/>
+          </p:nvSpPr>
+          <p:spPr>
+            <a:xfrm>
+              <a:off x="9767528" y="2660719"/>
+              <a:ext cx="2160240" cy="1200329"/>
+            </a:xfrm>
+            <a:prstGeom prst="rect">
+              <a:avLst/>
+            </a:prstGeom>
+            <a:noFill/>
+          </p:spPr>
+          <p:txBody>
+            <a:bodyPr wrap="square" rtlCol="0">
+              <a:spAutoFit/>
+            </a:bodyPr>
+            <a:lstStyle/>
+            <a:p>
+              <a:pPr algn="ctr"/>
+              <a:r>
+                <a:rPr lang="ko-KR" altLang="en-US" sz="2400" dirty="0">
+                  <a:ln w="19050">
+                    <a:solidFill>
+                      <a:schemeClr val="accent1">
+                        <a:lumMod val="75000"/>
+                      </a:schemeClr>
+                    </a:solidFill>
+                  </a:ln>
+                  <a:solidFill>
+                    <a:schemeClr val="bg1"/>
+                  </a:solidFill>
+                  <a:latin typeface="고도 B" panose="02000503000000020004" pitchFamily="2" charset="-127"/>
+                  <a:ea typeface="고도 B" panose="02000503000000020004" pitchFamily="2" charset="-127"/>
+                </a:rPr>
+                <a:t>로그인 기능</a:t>
+              </a:r>
+              <a:endParaRPr lang="en-US" altLang="ko-KR" sz="2400" dirty="0">
+                <a:ln w="19050">
+                  <a:solidFill>
+                    <a:schemeClr val="accent1">
+                      <a:lumMod val="75000"/>
+                    </a:schemeClr>
+                  </a:solidFill>
+                </a:ln>
+                <a:solidFill>
+                  <a:schemeClr val="bg1"/>
+                </a:solidFill>
+                <a:latin typeface="고도 B" panose="02000503000000020004" pitchFamily="2" charset="-127"/>
+                <a:ea typeface="고도 B" panose="02000503000000020004" pitchFamily="2" charset="-127"/>
+              </a:endParaRPr>
+            </a:p>
+            <a:p>
+              <a:pPr algn="ctr"/>
+              <a:r>
+                <a:rPr lang="en-US" altLang="ko-KR" sz="2400" dirty="0">
+                  <a:ln w="19050">
+                    <a:solidFill>
+                      <a:schemeClr val="accent1">
+                        <a:lumMod val="75000"/>
+                      </a:schemeClr>
+                    </a:solidFill>
+                  </a:ln>
+                  <a:solidFill>
+                    <a:schemeClr val="bg1"/>
+                  </a:solidFill>
+                  <a:latin typeface="고도 B" panose="02000503000000020004" pitchFamily="2" charset="-127"/>
+                  <a:ea typeface="고도 B" panose="02000503000000020004" pitchFamily="2" charset="-127"/>
+                </a:rPr>
+                <a:t>+</a:t>
+              </a:r>
+            </a:p>
+            <a:p>
+              <a:pPr algn="ctr"/>
+              <a:r>
+                <a:rPr lang="ko-KR" altLang="en-US" sz="2400" dirty="0">
+                  <a:ln w="19050">
+                    <a:solidFill>
+                      <a:schemeClr val="accent1">
+                        <a:lumMod val="75000"/>
+                      </a:schemeClr>
+                    </a:solidFill>
+                  </a:ln>
+                  <a:solidFill>
+                    <a:schemeClr val="bg1"/>
+                  </a:solidFill>
+                  <a:latin typeface="고도 B" panose="02000503000000020004" pitchFamily="2" charset="-127"/>
+                  <a:ea typeface="고도 B" panose="02000503000000020004" pitchFamily="2" charset="-127"/>
+                </a:rPr>
+                <a:t>카탈로그 보기</a:t>
+              </a:r>
+            </a:p>
+          </p:txBody>
+        </p:sp>
+      </p:grpSp>
+      <p:sp>
+        <p:nvSpPr>
+          <p:cNvPr id="10" name="TextBox 9">
+            <a:extLst>
+              <a:ext uri="{FF2B5EF4-FFF2-40B4-BE49-F238E27FC236}">
+                <a16:creationId xmlns:a16="http://schemas.microsoft.com/office/drawing/2014/main" id="{980B082E-15CC-444C-9A8A-7C639A4EA216}"/>
+              </a:ext>
+            </a:extLst>
+          </p:cNvPr>
+          <p:cNvSpPr txBox="1"/>
+          <p:nvPr/>
+        </p:nvSpPr>
         <p:spPr>
           <a:xfrm>
-            <a:off x="1631504" y="1798342"/>
-            <a:ext cx="6768752" cy="3760418"/>
+            <a:off x="335360" y="6453336"/>
+            <a:ext cx="6984776" cy="246221"/>
           </a:xfrm>
           <a:prstGeom prst="rect">
             <a:avLst/>
           </a:prstGeom>
+          <a:noFill/>
         </p:spPr>
-      </p:pic>
+        <p:txBody>
+          <a:bodyPr wrap="square" rtlCol="0">
+            <a:spAutoFit/>
+          </a:bodyPr>
+          <a:lstStyle/>
+          <a:p>
+            <a:pPr algn="l"/>
+            <a:r>
+              <a:rPr lang="ko-KR" altLang="en-US" sz="1000" dirty="0">
+                <a:solidFill>
+                  <a:schemeClr val="bg1"/>
+                </a:solidFill>
+                <a:latin typeface="고도 B" panose="02000503000000020004" pitchFamily="2" charset="-127"/>
+                <a:ea typeface="고도 B" panose="02000503000000020004" pitchFamily="2" charset="-127"/>
+              </a:rPr>
+              <a:t>로그인 시 자동으로 로그인 유형을 검사하여 각 페이지로 연결 시켜준다</a:t>
+            </a:r>
+            <a:r>
+              <a:rPr lang="en-US" altLang="ko-KR" sz="1000" dirty="0">
+                <a:solidFill>
+                  <a:schemeClr val="bg1"/>
+                </a:solidFill>
+                <a:latin typeface="고도 B" panose="02000503000000020004" pitchFamily="2" charset="-127"/>
+                <a:ea typeface="고도 B" panose="02000503000000020004" pitchFamily="2" charset="-127"/>
+              </a:rPr>
+              <a:t>.</a:t>
+            </a:r>
+            <a:endParaRPr lang="ko-KR" altLang="en-US" sz="1000" dirty="0">
+              <a:solidFill>
+                <a:schemeClr val="bg1"/>
+              </a:solidFill>
+              <a:latin typeface="고도 B" panose="02000503000000020004" pitchFamily="2" charset="-127"/>
+              <a:ea typeface="고도 B" panose="02000503000000020004" pitchFamily="2" charset="-127"/>
+            </a:endParaRPr>
+          </a:p>
+        </p:txBody>
+      </p:sp>
     </p:spTree>
     <p:extLst>
       <p:ext uri="{BB962C8B-B14F-4D97-AF65-F5344CB8AC3E}">
@@ -3407,6 +4906,89 @@
   <p:clrMapOvr>
     <a:masterClrMapping/>
   </p:clrMapOvr>
+  <p:timing>
+    <p:tnLst>
+      <p:par>
+        <p:cTn id="1" dur="indefinite" restart="never" nodeType="tmRoot">
+          <p:childTnLst>
+            <p:seq concurrent="1" nextAc="seek">
+              <p:cTn id="2" dur="indefinite" nodeType="mainSeq">
+                <p:childTnLst>
+                  <p:par>
+                    <p:cTn id="3" fill="hold">
+                      <p:stCondLst>
+                        <p:cond delay="indefinite"/>
+                      </p:stCondLst>
+                      <p:childTnLst>
+                        <p:par>
+                          <p:cTn id="4" fill="hold">
+                            <p:stCondLst>
+                              <p:cond delay="0"/>
+                            </p:stCondLst>
+                            <p:childTnLst>
+                              <p:par>
+                                <p:cTn id="5" presetID="10" presetClass="entr" presetSubtype="0" fill="hold" nodeType="clickEffect">
+                                  <p:stCondLst>
+                                    <p:cond delay="0"/>
+                                  </p:stCondLst>
+                                  <p:childTnLst>
+                                    <p:set>
+                                      <p:cBhvr>
+                                        <p:cTn id="6" dur="1" fill="hold">
+                                          <p:stCondLst>
+                                            <p:cond delay="0"/>
+                                          </p:stCondLst>
+                                        </p:cTn>
+                                        <p:tgtEl>
+                                          <p:spTgt spid="11"/>
+                                        </p:tgtEl>
+                                        <p:attrNameLst>
+                                          <p:attrName>style.visibility</p:attrName>
+                                        </p:attrNameLst>
+                                      </p:cBhvr>
+                                      <p:to>
+                                        <p:strVal val="visible"/>
+                                      </p:to>
+                                    </p:set>
+                                    <p:animEffect transition="in" filter="fade">
+                                      <p:cBhvr>
+                                        <p:cTn id="7" dur="500"/>
+                                        <p:tgtEl>
+                                          <p:spTgt spid="11"/>
+                                        </p:tgtEl>
+                                      </p:cBhvr>
+                                    </p:animEffect>
+                                  </p:childTnLst>
+                                </p:cTn>
+                              </p:par>
+                            </p:childTnLst>
+                          </p:cTn>
+                        </p:par>
+                      </p:childTnLst>
+                    </p:cTn>
+                  </p:par>
+                </p:childTnLst>
+              </p:cTn>
+              <p:prevCondLst>
+                <p:cond evt="onPrev" delay="0">
+                  <p:tgtEl>
+                    <p:sldTgt/>
+                  </p:tgtEl>
+                </p:cond>
+              </p:prevCondLst>
+              <p:nextCondLst>
+                <p:cond evt="onNext" delay="0">
+                  <p:tgtEl>
+                    <p:sldTgt/>
+                  </p:tgtEl>
+                </p:cond>
+              </p:nextCondLst>
+            </p:seq>
+          </p:childTnLst>
+        </p:cTn>
+      </p:par>
+    </p:tnLst>
+  </p:timing>
 </p:sld>
 </file>
 
@@ -3590,6 +5172,55 @@
           </a:prstGeom>
         </p:spPr>
       </p:pic>
+      <p:sp>
+        <p:nvSpPr>
+          <p:cNvPr id="7" name="TextBox 6">
+            <a:extLst>
+              <a:ext uri="{FF2B5EF4-FFF2-40B4-BE49-F238E27FC236}">
+                <a16:creationId xmlns:a16="http://schemas.microsoft.com/office/drawing/2014/main" id="{FC727D4A-2592-454B-AE0C-923140038D4B}"/>
+              </a:ext>
+            </a:extLst>
+          </p:cNvPr>
+          <p:cNvSpPr txBox="1"/>
+          <p:nvPr/>
+        </p:nvSpPr>
+        <p:spPr>
+          <a:xfrm>
+            <a:off x="9696400" y="2615270"/>
+            <a:ext cx="2160240" cy="461665"/>
+          </a:xfrm>
+          <a:prstGeom prst="rect">
+            <a:avLst/>
+          </a:prstGeom>
+          <a:noFill/>
+        </p:spPr>
+        <p:txBody>
+          <a:bodyPr wrap="square" rtlCol="0">
+            <a:spAutoFit/>
+          </a:bodyPr>
+          <a:lstStyle/>
+          <a:p>
+            <a:pPr algn="ctr"/>
+            <a:r>
+              <a:rPr lang="ko-KR" altLang="en-US" sz="2400" dirty="0">
+                <a:ln w="12700">
+                  <a:solidFill>
+                    <a:schemeClr val="accent1">
+                      <a:lumMod val="75000"/>
+                    </a:schemeClr>
+                  </a:solidFill>
+                </a:ln>
+                <a:solidFill>
+                  <a:schemeClr val="bg1"/>
+                </a:solidFill>
+                <a:latin typeface="고도 B" panose="02000503000000020004" pitchFamily="2" charset="-127"/>
+                <a:ea typeface="고도 B" panose="02000503000000020004" pitchFamily="2" charset="-127"/>
+              </a:rPr>
+              <a:t>회원가입 폼</a:t>
+            </a:r>
+          </a:p>
+        </p:txBody>
+      </p:sp>
       <p:pic>
         <p:nvPicPr>
           <p:cNvPr id="5" name="그림 4">
@@ -3611,14 +5242,455 @@
         </p:blipFill>
         <p:spPr>
           <a:xfrm>
-            <a:off x="1343472" y="1916832"/>
-            <a:ext cx="7077358" cy="3096344"/>
+            <a:off x="1682881" y="2060848"/>
+            <a:ext cx="7920000" cy="3465000"/>
           </a:xfrm>
           <a:prstGeom prst="rect">
             <a:avLst/>
           </a:prstGeom>
         </p:spPr>
       </p:pic>
+      <p:sp>
+        <p:nvSpPr>
+          <p:cNvPr id="8" name="직사각형 7">
+            <a:extLst>
+              <a:ext uri="{FF2B5EF4-FFF2-40B4-BE49-F238E27FC236}">
+                <a16:creationId xmlns:a16="http://schemas.microsoft.com/office/drawing/2014/main" id="{8C2AF7B2-F034-4265-BF66-B18B7CB82578}"/>
+              </a:ext>
+            </a:extLst>
+          </p:cNvPr>
+          <p:cNvSpPr/>
+          <p:nvPr/>
+        </p:nvSpPr>
+        <p:spPr>
+          <a:xfrm>
+            <a:off x="5951984" y="3076935"/>
+            <a:ext cx="3401389" cy="1800200"/>
+          </a:xfrm>
+          <a:prstGeom prst="rect">
+            <a:avLst/>
+          </a:prstGeom>
+          <a:noFill/>
+          <a:ln w="38100">
+            <a:solidFill>
+              <a:srgbClr val="FF0000"/>
+            </a:solidFill>
+          </a:ln>
+        </p:spPr>
+        <p:style>
+          <a:lnRef idx="2">
+            <a:schemeClr val="accent1">
+              <a:shade val="50000"/>
+            </a:schemeClr>
+          </a:lnRef>
+          <a:fillRef idx="1">
+            <a:schemeClr val="accent1"/>
+          </a:fillRef>
+          <a:effectRef idx="0">
+            <a:schemeClr val="accent1"/>
+          </a:effectRef>
+          <a:fontRef idx="minor">
+            <a:schemeClr val="lt1"/>
+          </a:fontRef>
+        </p:style>
+        <p:txBody>
+          <a:bodyPr rtlCol="0" anchor="ctr"/>
+          <a:lstStyle/>
+          <a:p>
+            <a:pPr algn="ctr"/>
+            <a:endParaRPr lang="ko-KR" altLang="en-US"/>
+          </a:p>
+        </p:txBody>
+      </p:sp>
+      <p:pic>
+        <p:nvPicPr>
+          <p:cNvPr id="3" name="그림 2">
+            <a:extLst>
+              <a:ext uri="{FF2B5EF4-FFF2-40B4-BE49-F238E27FC236}">
+                <a16:creationId xmlns:a16="http://schemas.microsoft.com/office/drawing/2014/main" id="{CB7AFCAB-B987-4366-BDD9-FDF858306F48}"/>
+              </a:ext>
+            </a:extLst>
+          </p:cNvPr>
+          <p:cNvPicPr>
+            <a:picLocks noChangeAspect="1"/>
+          </p:cNvPicPr>
+          <p:nvPr/>
+        </p:nvPicPr>
+        <p:blipFill rotWithShape="1">
+          <a:blip r:embed="rId3"/>
+          <a:srcRect l="21222" t="13013" r="20590" b="35663"/>
+          <a:stretch/>
+        </p:blipFill>
+        <p:spPr>
+          <a:xfrm>
+            <a:off x="1668726" y="2085101"/>
+            <a:ext cx="7920000" cy="3783868"/>
+          </a:xfrm>
+          <a:prstGeom prst="rect">
+            <a:avLst/>
+          </a:prstGeom>
+        </p:spPr>
+      </p:pic>
+      <p:sp>
+        <p:nvSpPr>
+          <p:cNvPr id="11" name="TextBox 10">
+            <a:extLst>
+              <a:ext uri="{FF2B5EF4-FFF2-40B4-BE49-F238E27FC236}">
+                <a16:creationId xmlns:a16="http://schemas.microsoft.com/office/drawing/2014/main" id="{44F1D2B6-1DD6-4EAC-9CFC-8E0EB20EEC1A}"/>
+              </a:ext>
+            </a:extLst>
+          </p:cNvPr>
+          <p:cNvSpPr txBox="1"/>
+          <p:nvPr/>
+        </p:nvSpPr>
+        <p:spPr>
+          <a:xfrm>
+            <a:off x="9682245" y="2476770"/>
+            <a:ext cx="2160240" cy="1200329"/>
+          </a:xfrm>
+          <a:prstGeom prst="rect">
+            <a:avLst/>
+          </a:prstGeom>
+          <a:noFill/>
+        </p:spPr>
+        <p:txBody>
+          <a:bodyPr wrap="square" rtlCol="0">
+            <a:spAutoFit/>
+          </a:bodyPr>
+          <a:lstStyle/>
+          <a:p>
+            <a:pPr algn="ctr"/>
+            <a:r>
+              <a:rPr lang="ko-KR" altLang="en-US" sz="2400" dirty="0" err="1">
+                <a:ln w="12700">
+                  <a:solidFill>
+                    <a:schemeClr val="accent1">
+                      <a:lumMod val="75000"/>
+                    </a:schemeClr>
+                  </a:solidFill>
+                </a:ln>
+                <a:solidFill>
+                  <a:schemeClr val="bg1"/>
+                </a:solidFill>
+                <a:latin typeface="고도 B" panose="02000503000000020004" pitchFamily="2" charset="-127"/>
+                <a:ea typeface="고도 B" panose="02000503000000020004" pitchFamily="2" charset="-127"/>
+              </a:rPr>
+              <a:t>운송사</a:t>
+            </a:r>
+            <a:r>
+              <a:rPr lang="ko-KR" altLang="en-US" sz="2400" dirty="0">
+                <a:ln w="12700">
+                  <a:solidFill>
+                    <a:schemeClr val="accent1">
+                      <a:lumMod val="75000"/>
+                    </a:schemeClr>
+                  </a:solidFill>
+                </a:ln>
+                <a:solidFill>
+                  <a:schemeClr val="bg1"/>
+                </a:solidFill>
+                <a:latin typeface="고도 B" panose="02000503000000020004" pitchFamily="2" charset="-127"/>
+                <a:ea typeface="고도 B" panose="02000503000000020004" pitchFamily="2" charset="-127"/>
+              </a:rPr>
+              <a:t> </a:t>
+            </a:r>
+            <a:r>
+              <a:rPr lang="ko-KR" altLang="en-US" sz="2400" dirty="0" err="1">
+                <a:ln w="12700">
+                  <a:solidFill>
+                    <a:schemeClr val="accent1">
+                      <a:lumMod val="75000"/>
+                    </a:schemeClr>
+                  </a:solidFill>
+                </a:ln>
+                <a:solidFill>
+                  <a:schemeClr val="bg1"/>
+                </a:solidFill>
+                <a:latin typeface="고도 B" panose="02000503000000020004" pitchFamily="2" charset="-127"/>
+                <a:ea typeface="고도 B" panose="02000503000000020004" pitchFamily="2" charset="-127"/>
+              </a:rPr>
+              <a:t>선택시</a:t>
+            </a:r>
+            <a:r>
+              <a:rPr lang="ko-KR" altLang="en-US" sz="2400" dirty="0">
+                <a:ln w="12700">
+                  <a:solidFill>
+                    <a:schemeClr val="accent1">
+                      <a:lumMod val="75000"/>
+                    </a:schemeClr>
+                  </a:solidFill>
+                </a:ln>
+                <a:solidFill>
+                  <a:schemeClr val="bg1"/>
+                </a:solidFill>
+                <a:latin typeface="고도 B" panose="02000503000000020004" pitchFamily="2" charset="-127"/>
+                <a:ea typeface="고도 B" panose="02000503000000020004" pitchFamily="2" charset="-127"/>
+              </a:rPr>
+              <a:t> </a:t>
+            </a:r>
+            <a:endParaRPr lang="en-US" altLang="ko-KR" sz="2400" dirty="0">
+              <a:ln w="12700">
+                <a:solidFill>
+                  <a:schemeClr val="accent1">
+                    <a:lumMod val="75000"/>
+                  </a:schemeClr>
+                </a:solidFill>
+              </a:ln>
+              <a:solidFill>
+                <a:schemeClr val="bg1"/>
+              </a:solidFill>
+              <a:latin typeface="고도 B" panose="02000503000000020004" pitchFamily="2" charset="-127"/>
+              <a:ea typeface="고도 B" panose="02000503000000020004" pitchFamily="2" charset="-127"/>
+            </a:endParaRPr>
+          </a:p>
+          <a:p>
+            <a:pPr algn="ctr"/>
+            <a:r>
+              <a:rPr lang="ko-KR" altLang="en-US" sz="2400" dirty="0">
+                <a:ln w="12700">
+                  <a:solidFill>
+                    <a:schemeClr val="accent1">
+                      <a:lumMod val="75000"/>
+                    </a:schemeClr>
+                  </a:solidFill>
+                </a:ln>
+                <a:solidFill>
+                  <a:schemeClr val="bg1"/>
+                </a:solidFill>
+                <a:latin typeface="고도 B" panose="02000503000000020004" pitchFamily="2" charset="-127"/>
+                <a:ea typeface="고도 B" panose="02000503000000020004" pitchFamily="2" charset="-127"/>
+              </a:rPr>
+              <a:t>지역 선택 창 </a:t>
+            </a:r>
+            <a:endParaRPr lang="en-US" altLang="ko-KR" sz="2400" dirty="0">
+              <a:ln w="12700">
+                <a:solidFill>
+                  <a:schemeClr val="accent1">
+                    <a:lumMod val="75000"/>
+                  </a:schemeClr>
+                </a:solidFill>
+              </a:ln>
+              <a:solidFill>
+                <a:schemeClr val="bg1"/>
+              </a:solidFill>
+              <a:latin typeface="고도 B" panose="02000503000000020004" pitchFamily="2" charset="-127"/>
+              <a:ea typeface="고도 B" panose="02000503000000020004" pitchFamily="2" charset="-127"/>
+            </a:endParaRPr>
+          </a:p>
+          <a:p>
+            <a:pPr algn="ctr"/>
+            <a:r>
+              <a:rPr lang="ko-KR" altLang="en-US" sz="2400" dirty="0">
+                <a:ln w="12700">
+                  <a:solidFill>
+                    <a:schemeClr val="accent1">
+                      <a:lumMod val="75000"/>
+                    </a:schemeClr>
+                  </a:solidFill>
+                </a:ln>
+                <a:solidFill>
+                  <a:schemeClr val="bg1"/>
+                </a:solidFill>
+                <a:latin typeface="고도 B" panose="02000503000000020004" pitchFamily="2" charset="-127"/>
+                <a:ea typeface="고도 B" panose="02000503000000020004" pitchFamily="2" charset="-127"/>
+              </a:rPr>
+              <a:t>표시</a:t>
+            </a:r>
+          </a:p>
+        </p:txBody>
+      </p:sp>
+      <p:sp>
+        <p:nvSpPr>
+          <p:cNvPr id="4" name="직사각형 3">
+            <a:extLst>
+              <a:ext uri="{FF2B5EF4-FFF2-40B4-BE49-F238E27FC236}">
+                <a16:creationId xmlns:a16="http://schemas.microsoft.com/office/drawing/2014/main" id="{711F3D76-B57D-4CC9-9BB6-4605D7A43708}"/>
+              </a:ext>
+            </a:extLst>
+          </p:cNvPr>
+          <p:cNvSpPr/>
+          <p:nvPr/>
+        </p:nvSpPr>
+        <p:spPr>
+          <a:xfrm>
+            <a:off x="5951984" y="3076935"/>
+            <a:ext cx="3312368" cy="2008249"/>
+          </a:xfrm>
+          <a:prstGeom prst="rect">
+            <a:avLst/>
+          </a:prstGeom>
+          <a:noFill/>
+          <a:ln w="38100">
+            <a:solidFill>
+              <a:srgbClr val="FF0000"/>
+            </a:solidFill>
+          </a:ln>
+        </p:spPr>
+        <p:style>
+          <a:lnRef idx="2">
+            <a:schemeClr val="accent1">
+              <a:shade val="50000"/>
+            </a:schemeClr>
+          </a:lnRef>
+          <a:fillRef idx="1">
+            <a:schemeClr val="accent1"/>
+          </a:fillRef>
+          <a:effectRef idx="0">
+            <a:schemeClr val="accent1"/>
+          </a:effectRef>
+          <a:fontRef idx="minor">
+            <a:schemeClr val="lt1"/>
+          </a:fontRef>
+        </p:style>
+        <p:txBody>
+          <a:bodyPr rot="0" spcFirstLastPara="0" vertOverflow="overflow" horzOverflow="overflow" vert="horz" wrap="square" lIns="91440" tIns="45720" rIns="91440" bIns="45720" numCol="1" spcCol="0" rtlCol="0" fromWordArt="0" anchor="ctr" anchorCtr="0" forceAA="0" compatLnSpc="1">
+            <a:prstTxWarp prst="textNoShape">
+              <a:avLst/>
+            </a:prstTxWarp>
+            <a:noAutofit/>
+          </a:bodyPr>
+          <a:lstStyle/>
+          <a:p>
+            <a:pPr algn="ctr"/>
+            <a:endParaRPr lang="ko-KR" altLang="en-US"/>
+          </a:p>
+        </p:txBody>
+      </p:sp>
+      <p:sp>
+        <p:nvSpPr>
+          <p:cNvPr id="12" name="TextBox 11">
+            <a:extLst>
+              <a:ext uri="{FF2B5EF4-FFF2-40B4-BE49-F238E27FC236}">
+                <a16:creationId xmlns:a16="http://schemas.microsoft.com/office/drawing/2014/main" id="{1DF99A48-0DE5-49B2-A8DA-2C62FE1AB170}"/>
+              </a:ext>
+            </a:extLst>
+          </p:cNvPr>
+          <p:cNvSpPr txBox="1"/>
+          <p:nvPr/>
+        </p:nvSpPr>
+        <p:spPr>
+          <a:xfrm>
+            <a:off x="335360" y="6381328"/>
+            <a:ext cx="6984776" cy="400110"/>
+          </a:xfrm>
+          <a:prstGeom prst="rect">
+            <a:avLst/>
+          </a:prstGeom>
+          <a:noFill/>
+        </p:spPr>
+        <p:txBody>
+          <a:bodyPr wrap="square" rtlCol="0">
+            <a:spAutoFit/>
+          </a:bodyPr>
+          <a:lstStyle/>
+          <a:p>
+            <a:pPr algn="l"/>
+            <a:r>
+              <a:rPr lang="ko-KR" altLang="en-US" sz="1000" dirty="0" err="1">
+                <a:solidFill>
+                  <a:schemeClr val="bg1"/>
+                </a:solidFill>
+                <a:latin typeface="고도 B" panose="02000503000000020004" pitchFamily="2" charset="-127"/>
+                <a:ea typeface="고도 B" panose="02000503000000020004" pitchFamily="2" charset="-127"/>
+              </a:rPr>
+              <a:t>운송사</a:t>
+            </a:r>
+            <a:r>
+              <a:rPr lang="ko-KR" altLang="en-US" sz="1000" dirty="0">
+                <a:solidFill>
+                  <a:schemeClr val="bg1"/>
+                </a:solidFill>
+                <a:latin typeface="고도 B" panose="02000503000000020004" pitchFamily="2" charset="-127"/>
+                <a:ea typeface="고도 B" panose="02000503000000020004" pitchFamily="2" charset="-127"/>
+              </a:rPr>
+              <a:t> 선택 시에는 따로 지역을 선택하여 </a:t>
+            </a:r>
+            <a:r>
+              <a:rPr lang="en-US" altLang="ko-KR" sz="1000" dirty="0">
+                <a:solidFill>
+                  <a:schemeClr val="bg1"/>
+                </a:solidFill>
+                <a:latin typeface="고도 B" panose="02000503000000020004" pitchFamily="2" charset="-127"/>
+                <a:ea typeface="고도 B" panose="02000503000000020004" pitchFamily="2" charset="-127"/>
+              </a:rPr>
+              <a:t>4</a:t>
+            </a:r>
+            <a:r>
+              <a:rPr lang="ko-KR" altLang="en-US" sz="1000" dirty="0">
+                <a:solidFill>
+                  <a:schemeClr val="bg1"/>
+                </a:solidFill>
+                <a:latin typeface="고도 B" panose="02000503000000020004" pitchFamily="2" charset="-127"/>
+                <a:ea typeface="고도 B" panose="02000503000000020004" pitchFamily="2" charset="-127"/>
+              </a:rPr>
+              <a:t>개의 지역 운송사만 생성될 수 있도록 한다</a:t>
+            </a:r>
+            <a:r>
+              <a:rPr lang="en-US" altLang="ko-KR" sz="1000" dirty="0">
+                <a:solidFill>
+                  <a:schemeClr val="bg1"/>
+                </a:solidFill>
+                <a:latin typeface="고도 B" panose="02000503000000020004" pitchFamily="2" charset="-127"/>
+                <a:ea typeface="고도 B" panose="02000503000000020004" pitchFamily="2" charset="-127"/>
+              </a:rPr>
+              <a:t>. </a:t>
+            </a:r>
+          </a:p>
+          <a:p>
+            <a:pPr algn="l"/>
+            <a:r>
+              <a:rPr lang="ko-KR" altLang="en-US" sz="1000" dirty="0">
+                <a:solidFill>
+                  <a:schemeClr val="bg1"/>
+                </a:solidFill>
+                <a:latin typeface="고도 B" panose="02000503000000020004" pitchFamily="2" charset="-127"/>
+                <a:ea typeface="고도 B" panose="02000503000000020004" pitchFamily="2" charset="-127"/>
+              </a:rPr>
+              <a:t>추후 </a:t>
+            </a:r>
+            <a:r>
+              <a:rPr lang="en-US" altLang="ko-KR" sz="1000" dirty="0">
+                <a:solidFill>
+                  <a:schemeClr val="bg1"/>
+                </a:solidFill>
+                <a:latin typeface="고도 B" panose="02000503000000020004" pitchFamily="2" charset="-127"/>
+                <a:ea typeface="고도 B" panose="02000503000000020004" pitchFamily="2" charset="-127"/>
+              </a:rPr>
+              <a:t>4</a:t>
+            </a:r>
+            <a:r>
+              <a:rPr lang="ko-KR" altLang="en-US" sz="1000" dirty="0">
+                <a:solidFill>
+                  <a:schemeClr val="bg1"/>
+                </a:solidFill>
+                <a:latin typeface="고도 B" panose="02000503000000020004" pitchFamily="2" charset="-127"/>
+                <a:ea typeface="고도 B" panose="02000503000000020004" pitchFamily="2" charset="-127"/>
+              </a:rPr>
+              <a:t>개의 운송사가 존재하면 </a:t>
+            </a:r>
+            <a:r>
+              <a:rPr lang="ko-KR" altLang="en-US" sz="1000" dirty="0" err="1">
+                <a:solidFill>
+                  <a:schemeClr val="bg1"/>
+                </a:solidFill>
+                <a:latin typeface="고도 B" panose="02000503000000020004" pitchFamily="2" charset="-127"/>
+                <a:ea typeface="고도 B" panose="02000503000000020004" pitchFamily="2" charset="-127"/>
+              </a:rPr>
+              <a:t>운송사</a:t>
+            </a:r>
+            <a:r>
+              <a:rPr lang="ko-KR" altLang="en-US" sz="1000" dirty="0">
+                <a:solidFill>
+                  <a:schemeClr val="bg1"/>
+                </a:solidFill>
+                <a:latin typeface="고도 B" panose="02000503000000020004" pitchFamily="2" charset="-127"/>
+                <a:ea typeface="고도 B" panose="02000503000000020004" pitchFamily="2" charset="-127"/>
+              </a:rPr>
+              <a:t> 회원가입을 하지 못하도록 비활성화 기능을 추가할 예정</a:t>
+            </a:r>
+          </a:p>
+        </p:txBody>
+      </p:sp>
     </p:spTree>
     <p:extLst>
       <p:ext uri="{BB962C8B-B14F-4D97-AF65-F5344CB8AC3E}">
@@ -3629,23 +5701,401 @@
   <p:clrMapOvr>
     <a:masterClrMapping/>
   </p:clrMapOvr>
+  <p:timing>
+    <p:tnLst>
+      <p:par>
+        <p:cTn id="1" dur="indefinite" restart="never" nodeType="tmRoot">
+          <p:childTnLst>
+            <p:seq concurrent="1" nextAc="seek">
+              <p:cTn id="2" dur="indefinite" nodeType="mainSeq">
+                <p:childTnLst>
+                  <p:par>
+                    <p:cTn id="3" fill="hold">
+                      <p:stCondLst>
+                        <p:cond delay="indefinite"/>
+                      </p:stCondLst>
+                      <p:childTnLst>
+                        <p:par>
+                          <p:cTn id="4" fill="hold">
+                            <p:stCondLst>
+                              <p:cond delay="0"/>
+                            </p:stCondLst>
+                            <p:childTnLst>
+                              <p:par>
+                                <p:cTn id="5" presetID="10" presetClass="entr" presetSubtype="0" fill="hold" grpId="0" nodeType="clickEffect">
+                                  <p:stCondLst>
+                                    <p:cond delay="0"/>
+                                  </p:stCondLst>
+                                  <p:childTnLst>
+                                    <p:set>
+                                      <p:cBhvr>
+                                        <p:cTn id="6" dur="1" fill="hold">
+                                          <p:stCondLst>
+                                            <p:cond delay="0"/>
+                                          </p:stCondLst>
+                                        </p:cTn>
+                                        <p:tgtEl>
+                                          <p:spTgt spid="8"/>
+                                        </p:tgtEl>
+                                        <p:attrNameLst>
+                                          <p:attrName>style.visibility</p:attrName>
+                                        </p:attrNameLst>
+                                      </p:cBhvr>
+                                      <p:to>
+                                        <p:strVal val="visible"/>
+                                      </p:to>
+                                    </p:set>
+                                    <p:animEffect transition="in" filter="fade">
+                                      <p:cBhvr>
+                                        <p:cTn id="7" dur="500"/>
+                                        <p:tgtEl>
+                                          <p:spTgt spid="8"/>
+                                        </p:tgtEl>
+                                      </p:cBhvr>
+                                    </p:animEffect>
+                                  </p:childTnLst>
+                                </p:cTn>
+                              </p:par>
+                              <p:par>
+                                <p:cTn id="8" presetID="10" presetClass="entr" presetSubtype="0" fill="hold" grpId="0" nodeType="withEffect">
+                                  <p:stCondLst>
+                                    <p:cond delay="0"/>
+                                  </p:stCondLst>
+                                  <p:childTnLst>
+                                    <p:set>
+                                      <p:cBhvr>
+                                        <p:cTn id="9" dur="1" fill="hold">
+                                          <p:stCondLst>
+                                            <p:cond delay="0"/>
+                                          </p:stCondLst>
+                                        </p:cTn>
+                                        <p:tgtEl>
+                                          <p:spTgt spid="7"/>
+                                        </p:tgtEl>
+                                        <p:attrNameLst>
+                                          <p:attrName>style.visibility</p:attrName>
+                                        </p:attrNameLst>
+                                      </p:cBhvr>
+                                      <p:to>
+                                        <p:strVal val="visible"/>
+                                      </p:to>
+                                    </p:set>
+                                    <p:animEffect transition="in" filter="fade">
+                                      <p:cBhvr>
+                                        <p:cTn id="10" dur="500"/>
+                                        <p:tgtEl>
+                                          <p:spTgt spid="7"/>
+                                        </p:tgtEl>
+                                      </p:cBhvr>
+                                    </p:animEffect>
+                                  </p:childTnLst>
+                                </p:cTn>
+                              </p:par>
+                              <p:par>
+                                <p:cTn id="11" presetID="10" presetClass="entr" presetSubtype="0" fill="hold" nodeType="withEffect">
+                                  <p:stCondLst>
+                                    <p:cond delay="0"/>
+                                  </p:stCondLst>
+                                  <p:childTnLst>
+                                    <p:set>
+                                      <p:cBhvr>
+                                        <p:cTn id="12" dur="1" fill="hold">
+                                          <p:stCondLst>
+                                            <p:cond delay="0"/>
+                                          </p:stCondLst>
+                                        </p:cTn>
+                                        <p:tgtEl>
+                                          <p:spTgt spid="5"/>
+                                        </p:tgtEl>
+                                        <p:attrNameLst>
+                                          <p:attrName>style.visibility</p:attrName>
+                                        </p:attrNameLst>
+                                      </p:cBhvr>
+                                      <p:to>
+                                        <p:strVal val="visible"/>
+                                      </p:to>
+                                    </p:set>
+                                    <p:animEffect transition="in" filter="fade">
+                                      <p:cBhvr>
+                                        <p:cTn id="13" dur="500"/>
+                                        <p:tgtEl>
+                                          <p:spTgt spid="5"/>
+                                        </p:tgtEl>
+                                      </p:cBhvr>
+                                    </p:animEffect>
+                                  </p:childTnLst>
+                                </p:cTn>
+                              </p:par>
+                            </p:childTnLst>
+                          </p:cTn>
+                        </p:par>
+                      </p:childTnLst>
+                    </p:cTn>
+                  </p:par>
+                  <p:par>
+                    <p:cTn id="14" fill="hold">
+                      <p:stCondLst>
+                        <p:cond delay="indefinite"/>
+                      </p:stCondLst>
+                      <p:childTnLst>
+                        <p:par>
+                          <p:cTn id="15" fill="hold">
+                            <p:stCondLst>
+                              <p:cond delay="0"/>
+                            </p:stCondLst>
+                            <p:childTnLst>
+                              <p:par>
+                                <p:cTn id="16" presetID="10" presetClass="exit" presetSubtype="0" fill="hold" grpId="1" nodeType="clickEffect">
+                                  <p:stCondLst>
+                                    <p:cond delay="0"/>
+                                  </p:stCondLst>
+                                  <p:childTnLst>
+                                    <p:animEffect transition="out" filter="fade">
+                                      <p:cBhvr>
+                                        <p:cTn id="17" dur="500"/>
+                                        <p:tgtEl>
+                                          <p:spTgt spid="8"/>
+                                        </p:tgtEl>
+                                      </p:cBhvr>
+                                    </p:animEffect>
+                                    <p:set>
+                                      <p:cBhvr>
+                                        <p:cTn id="18" dur="1" fill="hold">
+                                          <p:stCondLst>
+                                            <p:cond delay="499"/>
+                                          </p:stCondLst>
+                                        </p:cTn>
+                                        <p:tgtEl>
+                                          <p:spTgt spid="8"/>
+                                        </p:tgtEl>
+                                        <p:attrNameLst>
+                                          <p:attrName>style.visibility</p:attrName>
+                                        </p:attrNameLst>
+                                      </p:cBhvr>
+                                      <p:to>
+                                        <p:strVal val="hidden"/>
+                                      </p:to>
+                                    </p:set>
+                                  </p:childTnLst>
+                                </p:cTn>
+                              </p:par>
+                              <p:par>
+                                <p:cTn id="19" presetID="10" presetClass="exit" presetSubtype="0" fill="hold" nodeType="withEffect">
+                                  <p:stCondLst>
+                                    <p:cond delay="0"/>
+                                  </p:stCondLst>
+                                  <p:childTnLst>
+                                    <p:animEffect transition="out" filter="fade">
+                                      <p:cBhvr>
+                                        <p:cTn id="20" dur="500"/>
+                                        <p:tgtEl>
+                                          <p:spTgt spid="5"/>
+                                        </p:tgtEl>
+                                      </p:cBhvr>
+                                    </p:animEffect>
+                                    <p:set>
+                                      <p:cBhvr>
+                                        <p:cTn id="21" dur="1" fill="hold">
+                                          <p:stCondLst>
+                                            <p:cond delay="499"/>
+                                          </p:stCondLst>
+                                        </p:cTn>
+                                        <p:tgtEl>
+                                          <p:spTgt spid="5"/>
+                                        </p:tgtEl>
+                                        <p:attrNameLst>
+                                          <p:attrName>style.visibility</p:attrName>
+                                        </p:attrNameLst>
+                                      </p:cBhvr>
+                                      <p:to>
+                                        <p:strVal val="hidden"/>
+                                      </p:to>
+                                    </p:set>
+                                  </p:childTnLst>
+                                </p:cTn>
+                              </p:par>
+                              <p:par>
+                                <p:cTn id="22" presetID="10" presetClass="exit" presetSubtype="0" fill="hold" grpId="1" nodeType="withEffect">
+                                  <p:stCondLst>
+                                    <p:cond delay="0"/>
+                                  </p:stCondLst>
+                                  <p:childTnLst>
+                                    <p:animEffect transition="out" filter="fade">
+                                      <p:cBhvr>
+                                        <p:cTn id="23" dur="500"/>
+                                        <p:tgtEl>
+                                          <p:spTgt spid="7"/>
+                                        </p:tgtEl>
+                                      </p:cBhvr>
+                                    </p:animEffect>
+                                    <p:set>
+                                      <p:cBhvr>
+                                        <p:cTn id="24" dur="1" fill="hold">
+                                          <p:stCondLst>
+                                            <p:cond delay="499"/>
+                                          </p:stCondLst>
+                                        </p:cTn>
+                                        <p:tgtEl>
+                                          <p:spTgt spid="7"/>
+                                        </p:tgtEl>
+                                        <p:attrNameLst>
+                                          <p:attrName>style.visibility</p:attrName>
+                                        </p:attrNameLst>
+                                      </p:cBhvr>
+                                      <p:to>
+                                        <p:strVal val="hidden"/>
+                                      </p:to>
+                                    </p:set>
+                                  </p:childTnLst>
+                                </p:cTn>
+                              </p:par>
+                              <p:par>
+                                <p:cTn id="25" presetID="10" presetClass="entr" presetSubtype="0" fill="hold" nodeType="withEffect">
+                                  <p:stCondLst>
+                                    <p:cond delay="0"/>
+                                  </p:stCondLst>
+                                  <p:childTnLst>
+                                    <p:set>
+                                      <p:cBhvr>
+                                        <p:cTn id="26" dur="1" fill="hold">
+                                          <p:stCondLst>
+                                            <p:cond delay="0"/>
+                                          </p:stCondLst>
+                                        </p:cTn>
+                                        <p:tgtEl>
+                                          <p:spTgt spid="3"/>
+                                        </p:tgtEl>
+                                        <p:attrNameLst>
+                                          <p:attrName>style.visibility</p:attrName>
+                                        </p:attrNameLst>
+                                      </p:cBhvr>
+                                      <p:to>
+                                        <p:strVal val="visible"/>
+                                      </p:to>
+                                    </p:set>
+                                    <p:animEffect transition="in" filter="fade">
+                                      <p:cBhvr>
+                                        <p:cTn id="27" dur="500"/>
+                                        <p:tgtEl>
+                                          <p:spTgt spid="3"/>
+                                        </p:tgtEl>
+                                      </p:cBhvr>
+                                    </p:animEffect>
+                                  </p:childTnLst>
+                                </p:cTn>
+                              </p:par>
+                              <p:par>
+                                <p:cTn id="28" presetID="10" presetClass="entr" presetSubtype="0" fill="hold" grpId="0" nodeType="withEffect">
+                                  <p:stCondLst>
+                                    <p:cond delay="0"/>
+                                  </p:stCondLst>
+                                  <p:childTnLst>
+                                    <p:set>
+                                      <p:cBhvr>
+                                        <p:cTn id="29" dur="1" fill="hold">
+                                          <p:stCondLst>
+                                            <p:cond delay="0"/>
+                                          </p:stCondLst>
+                                        </p:cTn>
+                                        <p:tgtEl>
+                                          <p:spTgt spid="11"/>
+                                        </p:tgtEl>
+                                        <p:attrNameLst>
+                                          <p:attrName>style.visibility</p:attrName>
+                                        </p:attrNameLst>
+                                      </p:cBhvr>
+                                      <p:to>
+                                        <p:strVal val="visible"/>
+                                      </p:to>
+                                    </p:set>
+                                    <p:animEffect transition="in" filter="fade">
+                                      <p:cBhvr>
+                                        <p:cTn id="30" dur="500"/>
+                                        <p:tgtEl>
+                                          <p:spTgt spid="11"/>
+                                        </p:tgtEl>
+                                      </p:cBhvr>
+                                    </p:animEffect>
+                                  </p:childTnLst>
+                                </p:cTn>
+                              </p:par>
+                              <p:par>
+                                <p:cTn id="31" presetID="10" presetClass="entr" presetSubtype="0" fill="hold" grpId="0" nodeType="withEffect">
+                                  <p:stCondLst>
+                                    <p:cond delay="0"/>
+                                  </p:stCondLst>
+                                  <p:childTnLst>
+                                    <p:set>
+                                      <p:cBhvr>
+                                        <p:cTn id="32" dur="1" fill="hold">
+                                          <p:stCondLst>
+                                            <p:cond delay="0"/>
+                                          </p:stCondLst>
+                                        </p:cTn>
+                                        <p:tgtEl>
+                                          <p:spTgt spid="4"/>
+                                        </p:tgtEl>
+                                        <p:attrNameLst>
+                                          <p:attrName>style.visibility</p:attrName>
+                                        </p:attrNameLst>
+                                      </p:cBhvr>
+                                      <p:to>
+                                        <p:strVal val="visible"/>
+                                      </p:to>
+                                    </p:set>
+                                    <p:animEffect transition="in" filter="fade">
+                                      <p:cBhvr>
+                                        <p:cTn id="33" dur="500"/>
+                                        <p:tgtEl>
+                                          <p:spTgt spid="4"/>
+                                        </p:tgtEl>
+                                      </p:cBhvr>
+                                    </p:animEffect>
+                                  </p:childTnLst>
+                                </p:cTn>
+                              </p:par>
+                            </p:childTnLst>
+                          </p:cTn>
+                        </p:par>
+                      </p:childTnLst>
+                    </p:cTn>
+                  </p:par>
+                </p:childTnLst>
+              </p:cTn>
+              <p:prevCondLst>
+                <p:cond evt="onPrev" delay="0">
+                  <p:tgtEl>
+                    <p:sldTgt/>
+                  </p:tgtEl>
+                </p:cond>
+              </p:prevCondLst>
+              <p:nextCondLst>
+                <p:cond evt="onNext" delay="0">
+                  <p:tgtEl>
+                    <p:sldTgt/>
+                  </p:tgtEl>
+                </p:cond>
+              </p:nextCondLst>
+            </p:seq>
+          </p:childTnLst>
+        </p:cTn>
+      </p:par>
+    </p:tnLst>
+    <p:bldLst>
+      <p:bldP spid="7" grpId="0"/>
+      <p:bldP spid="7" grpId="1"/>
+      <p:bldP spid="8" grpId="0" animBg="1"/>
+      <p:bldP spid="8" grpId="1" animBg="1"/>
+      <p:bldP spid="11" grpId="0"/>
+      <p:bldP spid="4" grpId="0" animBg="1"/>
+    </p:bldLst>
+  </p:timing>
 </p:sld>
 </file>
 
 <file path=ppt/slides/slide5.xml><?xml version="1.0" encoding="utf-8"?>
 <p:sld xmlns:a="http://schemas.openxmlformats.org/drawingml/2006/main" xmlns:r="http://schemas.openxmlformats.org/officeDocument/2006/relationships" xmlns:p="http://schemas.openxmlformats.org/presentationml/2006/main">
   <p:cSld>
-    <p:bg>
-      <p:bgPr>
-        <a:solidFill>
-          <a:schemeClr val="accent1">
-            <a:lumMod val="75000"/>
-            <a:alpha val="96000"/>
-          </a:schemeClr>
-        </a:solidFill>
-        <a:effectLst/>
-      </p:bgPr>
-    </p:bg>
     <p:spTree>
       <p:nvGrpSpPr>
         <p:cNvPr id="1" name=""/>
@@ -3690,12 +6140,42 @@
           </a:p>
         </p:txBody>
       </p:sp>
+      <p:pic>
+        <p:nvPicPr>
+          <p:cNvPr id="2" name="그림 1">
+            <a:extLst>
+              <a:ext uri="{FF2B5EF4-FFF2-40B4-BE49-F238E27FC236}">
+                <a16:creationId xmlns:a16="http://schemas.microsoft.com/office/drawing/2014/main" id="{3BD0B9F1-420E-4F31-A347-12F8CD2CB861}"/>
+              </a:ext>
+            </a:extLst>
+          </p:cNvPr>
+          <p:cNvPicPr>
+            <a:picLocks noChangeAspect="1"/>
+          </p:cNvPicPr>
+          <p:nvPr/>
+        </p:nvPicPr>
+        <p:blipFill>
+          <a:blip r:embed="rId2"/>
+          <a:stretch>
+            <a:fillRect/>
+          </a:stretch>
+        </p:blipFill>
+        <p:spPr>
+          <a:xfrm>
+            <a:off x="551384" y="1299240"/>
+            <a:ext cx="7920000" cy="4290000"/>
+          </a:xfrm>
+          <a:prstGeom prst="rect">
+            <a:avLst/>
+          </a:prstGeom>
+        </p:spPr>
+      </p:pic>
       <p:sp>
         <p:nvSpPr>
-          <p:cNvPr id="9" name="TextBox 8">
+          <p:cNvPr id="7" name="TextBox 6">
             <a:extLst>
               <a:ext uri="{FF2B5EF4-FFF2-40B4-BE49-F238E27FC236}">
-                <a16:creationId xmlns:a16="http://schemas.microsoft.com/office/drawing/2014/main" id="{5D8B5EC4-A12D-4385-8680-5D64041688E4}"/>
+                <a16:creationId xmlns:a16="http://schemas.microsoft.com/office/drawing/2014/main" id="{17BE0842-C910-4D0C-B41F-8A4AD4D9262B}"/>
               </a:ext>
             </a:extLst>
           </p:cNvPr>
@@ -3727,7 +6207,7 @@
                 <a:latin typeface="고도 B" panose="02000503000000020004" pitchFamily="2" charset="-127"/>
                 <a:ea typeface="고도 B" panose="02000503000000020004" pitchFamily="2" charset="-127"/>
               </a:rPr>
-              <a:t>2. </a:t>
+              <a:t>1. </a:t>
             </a:r>
             <a:r>
               <a:rPr lang="ko-KR" altLang="en-US" sz="2400" dirty="0">
@@ -3737,7 +6217,7 @@
                 <a:latin typeface="고도 B" panose="02000503000000020004" pitchFamily="2" charset="-127"/>
                 <a:ea typeface="고도 B" panose="02000503000000020004" pitchFamily="2" charset="-127"/>
               </a:rPr>
-              <a:t>쇼핑몰</a:t>
+              <a:t>로그인 기능 </a:t>
             </a:r>
             <a:r>
               <a:rPr lang="en-US" altLang="ko-KR" sz="2400" dirty="0">
@@ -3747,17 +6227,7 @@
                 <a:latin typeface="고도 B" panose="02000503000000020004" pitchFamily="2" charset="-127"/>
                 <a:ea typeface="고도 B" panose="02000503000000020004" pitchFamily="2" charset="-127"/>
               </a:rPr>
-              <a:t>, </a:t>
-            </a:r>
-            <a:r>
-              <a:rPr lang="ko-KR" altLang="en-US" sz="2400" dirty="0" err="1">
-                <a:solidFill>
-                  <a:schemeClr val="bg1"/>
-                </a:solidFill>
-                <a:latin typeface="고도 B" panose="02000503000000020004" pitchFamily="2" charset="-127"/>
-                <a:ea typeface="고도 B" panose="02000503000000020004" pitchFamily="2" charset="-127"/>
-              </a:rPr>
-              <a:t>운송사</a:t>
+              <a:t>– </a:t>
             </a:r>
             <a:r>
               <a:rPr lang="ko-KR" altLang="en-US" sz="2400" dirty="0">
@@ -3767,102 +6237,35 @@
                 <a:latin typeface="고도 B" panose="02000503000000020004" pitchFamily="2" charset="-127"/>
                 <a:ea typeface="고도 B" panose="02000503000000020004" pitchFamily="2" charset="-127"/>
               </a:rPr>
+              <a:t>제품 카탈로그 </a:t>
+            </a:r>
+            <a:r>
+              <a:rPr lang="en-US" altLang="ko-KR" sz="2400" dirty="0">
+                <a:solidFill>
+                  <a:schemeClr val="bg1"/>
+                </a:solidFill>
+                <a:latin typeface="고도 B" panose="02000503000000020004" pitchFamily="2" charset="-127"/>
+                <a:ea typeface="고도 B" panose="02000503000000020004" pitchFamily="2" charset="-127"/>
+              </a:rPr>
+              <a:t>Page</a:t>
+            </a:r>
+            <a:r>
+              <a:rPr lang="ko-KR" altLang="en-US" sz="2400" dirty="0">
+                <a:solidFill>
+                  <a:schemeClr val="bg1"/>
+                </a:solidFill>
+                <a:latin typeface="고도 B" panose="02000503000000020004" pitchFamily="2" charset="-127"/>
+                <a:ea typeface="고도 B" panose="02000503000000020004" pitchFamily="2" charset="-127"/>
+              </a:rPr>
               <a:t> </a:t>
             </a:r>
-            <a:r>
-              <a:rPr lang="en-US" altLang="ko-KR" sz="2400" dirty="0">
-                <a:solidFill>
-                  <a:schemeClr val="bg1"/>
-                </a:solidFill>
-                <a:latin typeface="고도 B" panose="02000503000000020004" pitchFamily="2" charset="-127"/>
-                <a:ea typeface="고도 B" panose="02000503000000020004" pitchFamily="2" charset="-127"/>
-              </a:rPr>
-              <a:t>Page</a:t>
-            </a:r>
-            <a:r>
-              <a:rPr lang="ko-KR" altLang="en-US" sz="2400" dirty="0">
-                <a:solidFill>
-                  <a:schemeClr val="bg1"/>
-                </a:solidFill>
-                <a:latin typeface="고도 B" panose="02000503000000020004" pitchFamily="2" charset="-127"/>
-                <a:ea typeface="고도 B" panose="02000503000000020004" pitchFamily="2" charset="-127"/>
-              </a:rPr>
-              <a:t> </a:t>
-            </a:r>
-            <a:r>
-              <a:rPr lang="en-US" altLang="ko-KR" sz="2400" dirty="0">
-                <a:solidFill>
-                  <a:schemeClr val="bg1"/>
-                </a:solidFill>
-                <a:latin typeface="고도 B" panose="02000503000000020004" pitchFamily="2" charset="-127"/>
-                <a:ea typeface="고도 B" panose="02000503000000020004" pitchFamily="2" charset="-127"/>
-              </a:rPr>
-              <a:t>–</a:t>
-            </a:r>
-            <a:r>
-              <a:rPr lang="ko-KR" altLang="en-US" sz="2400" dirty="0">
-                <a:solidFill>
-                  <a:schemeClr val="bg1"/>
-                </a:solidFill>
-                <a:latin typeface="고도 B" panose="02000503000000020004" pitchFamily="2" charset="-127"/>
-                <a:ea typeface="고도 B" panose="02000503000000020004" pitchFamily="2" charset="-127"/>
-              </a:rPr>
-              <a:t> 메인 </a:t>
-            </a:r>
-            <a:r>
-              <a:rPr lang="en-US" altLang="ko-KR" sz="2400" dirty="0">
-                <a:solidFill>
-                  <a:schemeClr val="bg1"/>
-                </a:solidFill>
-                <a:latin typeface="고도 B" panose="02000503000000020004" pitchFamily="2" charset="-127"/>
-                <a:ea typeface="고도 B" panose="02000503000000020004" pitchFamily="2" charset="-127"/>
-              </a:rPr>
-              <a:t>Page</a:t>
-            </a:r>
-            <a:endParaRPr lang="ko-KR" altLang="en-US" sz="2400" dirty="0">
-              <a:solidFill>
-                <a:schemeClr val="bg1"/>
-              </a:solidFill>
-              <a:latin typeface="고도 B" panose="02000503000000020004" pitchFamily="2" charset="-127"/>
-              <a:ea typeface="고도 B" panose="02000503000000020004" pitchFamily="2" charset="-127"/>
-            </a:endParaRPr>
           </a:p>
         </p:txBody>
       </p:sp>
-      <p:pic>
-        <p:nvPicPr>
-          <p:cNvPr id="2" name="그림 1">
-            <a:extLst>
-              <a:ext uri="{FF2B5EF4-FFF2-40B4-BE49-F238E27FC236}">
-                <a16:creationId xmlns:a16="http://schemas.microsoft.com/office/drawing/2014/main" id="{73CBE348-2F07-49AF-9D80-3877171A75DE}"/>
-              </a:ext>
-            </a:extLst>
-          </p:cNvPr>
-          <p:cNvPicPr>
-            <a:picLocks noChangeAspect="1"/>
-          </p:cNvPicPr>
-          <p:nvPr/>
-        </p:nvPicPr>
-        <p:blipFill>
-          <a:blip r:embed="rId2"/>
-          <a:stretch>
-            <a:fillRect/>
-          </a:stretch>
-        </p:blipFill>
-        <p:spPr>
-          <a:xfrm>
-            <a:off x="552264" y="1299240"/>
-            <a:ext cx="7920000" cy="4290000"/>
-          </a:xfrm>
-          <a:prstGeom prst="rect">
-            <a:avLst/>
-          </a:prstGeom>
-        </p:spPr>
-      </p:pic>
     </p:spTree>
     <p:extLst>
       <p:ext uri="{BB962C8B-B14F-4D97-AF65-F5344CB8AC3E}">
-        <p14:creationId xmlns:p14="http://schemas.microsoft.com/office/powerpoint/2010/main" val="4072623298"/>
+        <p14:creationId xmlns:p14="http://schemas.microsoft.com/office/powerpoint/2010/main" val="967880854"/>
       </p:ext>
     </p:extLst>
   </p:cSld>
@@ -3945,7 +6348,7 @@
         <p:spPr>
           <a:xfrm>
             <a:off x="479376" y="159023"/>
-            <a:ext cx="8496944" cy="461665"/>
+            <a:ext cx="6840760" cy="461665"/>
           </a:xfrm>
           <a:prstGeom prst="rect">
             <a:avLst/>
@@ -3958,6 +6361,7 @@
           </a:bodyPr>
           <a:lstStyle/>
           <a:p>
+            <a:pPr algn="l"/>
             <a:r>
               <a:rPr lang="en-US" altLang="ko-KR" sz="2400" dirty="0">
                 <a:solidFill>
@@ -4046,7 +6450,7 @@
                 <a:latin typeface="고도 B" panose="02000503000000020004" pitchFamily="2" charset="-127"/>
                 <a:ea typeface="고도 B" panose="02000503000000020004" pitchFamily="2" charset="-127"/>
               </a:rPr>
-              <a:t> 쇼핑몰 일별 송장 목록 </a:t>
+              <a:t> 메인 </a:t>
             </a:r>
             <a:r>
               <a:rPr lang="en-US" altLang="ko-KR" sz="2400" dirty="0">
@@ -4070,10 +6474,10 @@
       </p:sp>
       <p:pic>
         <p:nvPicPr>
-          <p:cNvPr id="3" name="그림 2">
+          <p:cNvPr id="2" name="그림 1">
             <a:extLst>
               <a:ext uri="{FF2B5EF4-FFF2-40B4-BE49-F238E27FC236}">
-                <a16:creationId xmlns:a16="http://schemas.microsoft.com/office/drawing/2014/main" id="{7F8B7E87-2E94-4670-8411-7D2E2A65EBFE}"/>
+                <a16:creationId xmlns:a16="http://schemas.microsoft.com/office/drawing/2014/main" id="{73CBE348-2F07-49AF-9D80-3877171A75DE}"/>
               </a:ext>
             </a:extLst>
           </p:cNvPr>
@@ -4098,16 +6502,1064 @@
           </a:prstGeom>
         </p:spPr>
       </p:pic>
+      <p:pic>
+        <p:nvPicPr>
+          <p:cNvPr id="5" name="그림 4">
+            <a:extLst>
+              <a:ext uri="{FF2B5EF4-FFF2-40B4-BE49-F238E27FC236}">
+                <a16:creationId xmlns:a16="http://schemas.microsoft.com/office/drawing/2014/main" id="{6AE818D6-729E-4E7F-AA1F-42714DC4C877}"/>
+              </a:ext>
+            </a:extLst>
+          </p:cNvPr>
+          <p:cNvPicPr>
+            <a:picLocks noChangeAspect="1"/>
+          </p:cNvPicPr>
+          <p:nvPr/>
+        </p:nvPicPr>
+        <p:blipFill rotWithShape="1">
+          <a:blip r:embed="rId2"/>
+          <a:srcRect l="12612" t="17558" b="20338"/>
+          <a:stretch/>
+        </p:blipFill>
+        <p:spPr>
+          <a:xfrm>
+            <a:off x="1412941" y="2492896"/>
+            <a:ext cx="9360000" cy="3603130"/>
+          </a:xfrm>
+          <a:prstGeom prst="rect">
+            <a:avLst/>
+          </a:prstGeom>
+        </p:spPr>
+      </p:pic>
+      <p:sp>
+        <p:nvSpPr>
+          <p:cNvPr id="3" name="직사각형 2">
+            <a:extLst>
+              <a:ext uri="{FF2B5EF4-FFF2-40B4-BE49-F238E27FC236}">
+                <a16:creationId xmlns:a16="http://schemas.microsoft.com/office/drawing/2014/main" id="{3C9E187D-2C54-47A2-9168-23E2283C3EDE}"/>
+              </a:ext>
+            </a:extLst>
+          </p:cNvPr>
+          <p:cNvSpPr/>
+          <p:nvPr/>
+        </p:nvSpPr>
+        <p:spPr>
+          <a:xfrm>
+            <a:off x="1412941" y="2843683"/>
+            <a:ext cx="9291571" cy="667504"/>
+          </a:xfrm>
+          <a:prstGeom prst="rect">
+            <a:avLst/>
+          </a:prstGeom>
+          <a:noFill/>
+          <a:ln w="38100">
+            <a:solidFill>
+              <a:srgbClr val="FF0000"/>
+            </a:solidFill>
+          </a:ln>
+        </p:spPr>
+        <p:style>
+          <a:lnRef idx="2">
+            <a:schemeClr val="accent1">
+              <a:shade val="50000"/>
+            </a:schemeClr>
+          </a:lnRef>
+          <a:fillRef idx="1">
+            <a:schemeClr val="accent1"/>
+          </a:fillRef>
+          <a:effectRef idx="0">
+            <a:schemeClr val="accent1"/>
+          </a:effectRef>
+          <a:fontRef idx="minor">
+            <a:schemeClr val="lt1"/>
+          </a:fontRef>
+        </p:style>
+        <p:txBody>
+          <a:bodyPr rot="0" spcFirstLastPara="0" vertOverflow="overflow" horzOverflow="overflow" vert="horz" wrap="square" lIns="91440" tIns="45720" rIns="91440" bIns="45720" numCol="1" spcCol="0" rtlCol="0" fromWordArt="0" anchor="ctr" anchorCtr="0" forceAA="0" compatLnSpc="1">
+            <a:prstTxWarp prst="textNoShape">
+              <a:avLst/>
+            </a:prstTxWarp>
+            <a:noAutofit/>
+          </a:bodyPr>
+          <a:lstStyle/>
+          <a:p>
+            <a:pPr algn="ctr"/>
+            <a:endParaRPr lang="ko-KR" altLang="en-US"/>
+          </a:p>
+        </p:txBody>
+      </p:sp>
+      <p:sp>
+        <p:nvSpPr>
+          <p:cNvPr id="7" name="직사각형 6">
+            <a:extLst>
+              <a:ext uri="{FF2B5EF4-FFF2-40B4-BE49-F238E27FC236}">
+                <a16:creationId xmlns:a16="http://schemas.microsoft.com/office/drawing/2014/main" id="{8C492062-9869-493D-8A02-1E3E53381B71}"/>
+              </a:ext>
+            </a:extLst>
+          </p:cNvPr>
+          <p:cNvSpPr/>
+          <p:nvPr/>
+        </p:nvSpPr>
+        <p:spPr>
+          <a:xfrm>
+            <a:off x="1396969" y="3562152"/>
+            <a:ext cx="6192688" cy="2377875"/>
+          </a:xfrm>
+          <a:prstGeom prst="rect">
+            <a:avLst/>
+          </a:prstGeom>
+          <a:noFill/>
+          <a:ln w="38100">
+            <a:solidFill>
+              <a:srgbClr val="FF0000"/>
+            </a:solidFill>
+          </a:ln>
+        </p:spPr>
+        <p:style>
+          <a:lnRef idx="2">
+            <a:schemeClr val="accent1">
+              <a:shade val="50000"/>
+            </a:schemeClr>
+          </a:lnRef>
+          <a:fillRef idx="1">
+            <a:schemeClr val="accent1"/>
+          </a:fillRef>
+          <a:effectRef idx="0">
+            <a:schemeClr val="accent1"/>
+          </a:effectRef>
+          <a:fontRef idx="minor">
+            <a:schemeClr val="lt1"/>
+          </a:fontRef>
+        </p:style>
+        <p:txBody>
+          <a:bodyPr rot="0" spcFirstLastPara="0" vertOverflow="overflow" horzOverflow="overflow" vert="horz" wrap="square" lIns="91440" tIns="45720" rIns="91440" bIns="45720" numCol="1" spcCol="0" rtlCol="0" fromWordArt="0" anchor="ctr" anchorCtr="0" forceAA="0" compatLnSpc="1">
+            <a:prstTxWarp prst="textNoShape">
+              <a:avLst/>
+            </a:prstTxWarp>
+            <a:noAutofit/>
+          </a:bodyPr>
+          <a:lstStyle/>
+          <a:p>
+            <a:pPr algn="ctr"/>
+            <a:endParaRPr lang="ko-KR" altLang="en-US"/>
+          </a:p>
+        </p:txBody>
+      </p:sp>
+      <p:sp>
+        <p:nvSpPr>
+          <p:cNvPr id="8" name="직사각형 7">
+            <a:extLst>
+              <a:ext uri="{FF2B5EF4-FFF2-40B4-BE49-F238E27FC236}">
+                <a16:creationId xmlns:a16="http://schemas.microsoft.com/office/drawing/2014/main" id="{2DBF8EAC-4CF7-437D-887D-91E292C1B02E}"/>
+              </a:ext>
+            </a:extLst>
+          </p:cNvPr>
+          <p:cNvSpPr/>
+          <p:nvPr/>
+        </p:nvSpPr>
+        <p:spPr>
+          <a:xfrm>
+            <a:off x="7662246" y="3562152"/>
+            <a:ext cx="3042266" cy="2377875"/>
+          </a:xfrm>
+          <a:prstGeom prst="rect">
+            <a:avLst/>
+          </a:prstGeom>
+          <a:noFill/>
+          <a:ln w="38100">
+            <a:solidFill>
+              <a:srgbClr val="FF0000"/>
+            </a:solidFill>
+          </a:ln>
+        </p:spPr>
+        <p:style>
+          <a:lnRef idx="2">
+            <a:schemeClr val="accent1">
+              <a:shade val="50000"/>
+            </a:schemeClr>
+          </a:lnRef>
+          <a:fillRef idx="1">
+            <a:schemeClr val="accent1"/>
+          </a:fillRef>
+          <a:effectRef idx="0">
+            <a:schemeClr val="accent1"/>
+          </a:effectRef>
+          <a:fontRef idx="minor">
+            <a:schemeClr val="lt1"/>
+          </a:fontRef>
+        </p:style>
+        <p:txBody>
+          <a:bodyPr rot="0" spcFirstLastPara="0" vertOverflow="overflow" horzOverflow="overflow" vert="horz" wrap="square" lIns="91440" tIns="45720" rIns="91440" bIns="45720" numCol="1" spcCol="0" rtlCol="0" fromWordArt="0" anchor="ctr" anchorCtr="0" forceAA="0" compatLnSpc="1">
+            <a:prstTxWarp prst="textNoShape">
+              <a:avLst/>
+            </a:prstTxWarp>
+            <a:noAutofit/>
+          </a:bodyPr>
+          <a:lstStyle/>
+          <a:p>
+            <a:pPr algn="ctr"/>
+            <a:endParaRPr lang="ko-KR" altLang="en-US"/>
+          </a:p>
+        </p:txBody>
+      </p:sp>
+      <p:sp>
+        <p:nvSpPr>
+          <p:cNvPr id="10" name="TextBox 9">
+            <a:extLst>
+              <a:ext uri="{FF2B5EF4-FFF2-40B4-BE49-F238E27FC236}">
+                <a16:creationId xmlns:a16="http://schemas.microsoft.com/office/drawing/2014/main" id="{AEBA6E2B-4E08-4172-B1C3-D073279B670B}"/>
+              </a:ext>
+            </a:extLst>
+          </p:cNvPr>
+          <p:cNvSpPr txBox="1"/>
+          <p:nvPr/>
+        </p:nvSpPr>
+        <p:spPr>
+          <a:xfrm>
+            <a:off x="4978606" y="2012686"/>
+            <a:ext cx="2160240" cy="830997"/>
+          </a:xfrm>
+          <a:prstGeom prst="rect">
+            <a:avLst/>
+          </a:prstGeom>
+          <a:noFill/>
+        </p:spPr>
+        <p:txBody>
+          <a:bodyPr wrap="square" rtlCol="0">
+            <a:spAutoFit/>
+          </a:bodyPr>
+          <a:lstStyle/>
+          <a:p>
+            <a:pPr algn="ctr"/>
+            <a:r>
+              <a:rPr lang="ko-KR" altLang="en-US" sz="2400" dirty="0">
+                <a:ln w="12700">
+                  <a:solidFill>
+                    <a:schemeClr val="accent1">
+                      <a:lumMod val="75000"/>
+                    </a:schemeClr>
+                  </a:solidFill>
+                </a:ln>
+                <a:solidFill>
+                  <a:schemeClr val="bg1"/>
+                </a:solidFill>
+                <a:latin typeface="고도 B" panose="02000503000000020004" pitchFamily="2" charset="-127"/>
+                <a:ea typeface="고도 B" panose="02000503000000020004" pitchFamily="2" charset="-127"/>
+              </a:rPr>
+              <a:t>월별 총 매출액</a:t>
+            </a:r>
+            <a:endParaRPr lang="en-US" altLang="ko-KR" sz="2400" dirty="0">
+              <a:ln w="12700">
+                <a:solidFill>
+                  <a:schemeClr val="accent1">
+                    <a:lumMod val="75000"/>
+                  </a:schemeClr>
+                </a:solidFill>
+              </a:ln>
+              <a:solidFill>
+                <a:schemeClr val="bg1"/>
+              </a:solidFill>
+              <a:latin typeface="고도 B" panose="02000503000000020004" pitchFamily="2" charset="-127"/>
+              <a:ea typeface="고도 B" panose="02000503000000020004" pitchFamily="2" charset="-127"/>
+            </a:endParaRPr>
+          </a:p>
+          <a:p>
+            <a:pPr algn="ctr"/>
+            <a:r>
+              <a:rPr lang="ko-KR" altLang="en-US" sz="2400" dirty="0">
+                <a:ln w="12700">
+                  <a:solidFill>
+                    <a:schemeClr val="accent1">
+                      <a:lumMod val="75000"/>
+                    </a:schemeClr>
+                  </a:solidFill>
+                </a:ln>
+                <a:solidFill>
+                  <a:schemeClr val="bg1"/>
+                </a:solidFill>
+                <a:latin typeface="고도 B" panose="02000503000000020004" pitchFamily="2" charset="-127"/>
+                <a:ea typeface="고도 B" panose="02000503000000020004" pitchFamily="2" charset="-127"/>
+              </a:rPr>
+              <a:t>전월 총 매출액</a:t>
+            </a:r>
+          </a:p>
+        </p:txBody>
+      </p:sp>
+      <p:sp>
+        <p:nvSpPr>
+          <p:cNvPr id="11" name="TextBox 10">
+            <a:extLst>
+              <a:ext uri="{FF2B5EF4-FFF2-40B4-BE49-F238E27FC236}">
+                <a16:creationId xmlns:a16="http://schemas.microsoft.com/office/drawing/2014/main" id="{4F553B15-9ACE-40DD-907E-F8A78E827085}"/>
+              </a:ext>
+            </a:extLst>
+          </p:cNvPr>
+          <p:cNvSpPr txBox="1"/>
+          <p:nvPr/>
+        </p:nvSpPr>
+        <p:spPr>
+          <a:xfrm>
+            <a:off x="335360" y="6381328"/>
+            <a:ext cx="6984776" cy="400110"/>
+          </a:xfrm>
+          <a:prstGeom prst="rect">
+            <a:avLst/>
+          </a:prstGeom>
+          <a:noFill/>
+        </p:spPr>
+        <p:txBody>
+          <a:bodyPr wrap="square" rtlCol="0">
+            <a:spAutoFit/>
+          </a:bodyPr>
+          <a:lstStyle/>
+          <a:p>
+            <a:pPr algn="l"/>
+            <a:r>
+              <a:rPr lang="ko-KR" altLang="en-US" sz="1000" dirty="0">
+                <a:solidFill>
+                  <a:schemeClr val="bg1"/>
+                </a:solidFill>
+                <a:latin typeface="고도 B" panose="02000503000000020004" pitchFamily="2" charset="-127"/>
+                <a:ea typeface="고도 B" panose="02000503000000020004" pitchFamily="2" charset="-127"/>
+              </a:rPr>
+              <a:t>상단 카드에는 아직 어떤 값을 넣을지 의견 조율 중입니다</a:t>
+            </a:r>
+            <a:r>
+              <a:rPr lang="en-US" altLang="ko-KR" sz="1000" dirty="0">
+                <a:solidFill>
+                  <a:schemeClr val="bg1"/>
+                </a:solidFill>
+                <a:latin typeface="고도 B" panose="02000503000000020004" pitchFamily="2" charset="-127"/>
+                <a:ea typeface="고도 B" panose="02000503000000020004" pitchFamily="2" charset="-127"/>
+              </a:rPr>
+              <a:t>. </a:t>
+            </a:r>
+            <a:r>
+              <a:rPr lang="ko-KR" altLang="en-US" sz="1000" dirty="0" err="1">
+                <a:solidFill>
+                  <a:schemeClr val="bg1"/>
+                </a:solidFill>
+                <a:latin typeface="고도 B" panose="02000503000000020004" pitchFamily="2" charset="-127"/>
+                <a:ea typeface="고도 B" panose="02000503000000020004" pitchFamily="2" charset="-127"/>
+              </a:rPr>
+              <a:t>현재로써는</a:t>
+            </a:r>
+            <a:r>
+              <a:rPr lang="ko-KR" altLang="en-US" sz="1000" dirty="0">
+                <a:solidFill>
+                  <a:schemeClr val="bg1"/>
+                </a:solidFill>
+                <a:latin typeface="고도 B" panose="02000503000000020004" pitchFamily="2" charset="-127"/>
+                <a:ea typeface="고도 B" panose="02000503000000020004" pitchFamily="2" charset="-127"/>
+              </a:rPr>
+              <a:t> 이번 달 총 매출액</a:t>
+            </a:r>
+            <a:r>
+              <a:rPr lang="en-US" altLang="ko-KR" sz="1000" dirty="0">
+                <a:solidFill>
+                  <a:schemeClr val="bg1"/>
+                </a:solidFill>
+                <a:latin typeface="고도 B" panose="02000503000000020004" pitchFamily="2" charset="-127"/>
+                <a:ea typeface="고도 B" panose="02000503000000020004" pitchFamily="2" charset="-127"/>
+              </a:rPr>
+              <a:t>, </a:t>
+            </a:r>
+            <a:r>
+              <a:rPr lang="ko-KR" altLang="en-US" sz="1000" dirty="0">
+                <a:solidFill>
+                  <a:schemeClr val="bg1"/>
+                </a:solidFill>
+                <a:latin typeface="고도 B" panose="02000503000000020004" pitchFamily="2" charset="-127"/>
+                <a:ea typeface="고도 B" panose="02000503000000020004" pitchFamily="2" charset="-127"/>
+              </a:rPr>
+              <a:t>전월 총 매출액 등을 넣을 예정입니다</a:t>
+            </a:r>
+            <a:r>
+              <a:rPr lang="en-US" altLang="ko-KR" sz="1000" dirty="0">
+                <a:solidFill>
+                  <a:schemeClr val="bg1"/>
+                </a:solidFill>
+                <a:latin typeface="고도 B" panose="02000503000000020004" pitchFamily="2" charset="-127"/>
+                <a:ea typeface="고도 B" panose="02000503000000020004" pitchFamily="2" charset="-127"/>
+              </a:rPr>
+              <a:t>.</a:t>
+            </a:r>
+          </a:p>
+          <a:p>
+            <a:pPr algn="l"/>
+            <a:r>
+              <a:rPr lang="ko-KR" altLang="en-US" sz="1000" dirty="0">
+                <a:solidFill>
+                  <a:schemeClr val="bg1"/>
+                </a:solidFill>
+                <a:latin typeface="고도 B" panose="02000503000000020004" pitchFamily="2" charset="-127"/>
+                <a:ea typeface="고도 B" panose="02000503000000020004" pitchFamily="2" charset="-127"/>
+              </a:rPr>
+              <a:t>왼쪽 그래프에는 올해 월별 총 매출액 </a:t>
+            </a:r>
+            <a:r>
+              <a:rPr lang="en-US" altLang="ko-KR" sz="1000" dirty="0">
+                <a:solidFill>
+                  <a:schemeClr val="bg1"/>
+                </a:solidFill>
+                <a:latin typeface="고도 B" panose="02000503000000020004" pitchFamily="2" charset="-127"/>
+                <a:ea typeface="고도 B" panose="02000503000000020004" pitchFamily="2" charset="-127"/>
+              </a:rPr>
+              <a:t>, </a:t>
+            </a:r>
+            <a:r>
+              <a:rPr lang="ko-KR" altLang="en-US" sz="1000" dirty="0">
+                <a:solidFill>
+                  <a:schemeClr val="bg1"/>
+                </a:solidFill>
+                <a:latin typeface="고도 B" panose="02000503000000020004" pitchFamily="2" charset="-127"/>
+                <a:ea typeface="고도 B" panose="02000503000000020004" pitchFamily="2" charset="-127"/>
+              </a:rPr>
+              <a:t>오른쪽에는 분기별 총 매출액을 넣을 예정입니다</a:t>
+            </a:r>
+            <a:r>
+              <a:rPr lang="en-US" altLang="ko-KR" sz="1000" dirty="0">
+                <a:solidFill>
+                  <a:schemeClr val="bg1"/>
+                </a:solidFill>
+                <a:latin typeface="고도 B" panose="02000503000000020004" pitchFamily="2" charset="-127"/>
+                <a:ea typeface="고도 B" panose="02000503000000020004" pitchFamily="2" charset="-127"/>
+              </a:rPr>
+              <a:t>.</a:t>
+            </a:r>
+            <a:endParaRPr lang="ko-KR" altLang="en-US" sz="1000" dirty="0">
+              <a:solidFill>
+                <a:schemeClr val="bg1"/>
+              </a:solidFill>
+              <a:latin typeface="고도 B" panose="02000503000000020004" pitchFamily="2" charset="-127"/>
+              <a:ea typeface="고도 B" panose="02000503000000020004" pitchFamily="2" charset="-127"/>
+            </a:endParaRPr>
+          </a:p>
+        </p:txBody>
+      </p:sp>
+      <p:sp>
+        <p:nvSpPr>
+          <p:cNvPr id="12" name="TextBox 11">
+            <a:extLst>
+              <a:ext uri="{FF2B5EF4-FFF2-40B4-BE49-F238E27FC236}">
+                <a16:creationId xmlns:a16="http://schemas.microsoft.com/office/drawing/2014/main" id="{D7A03B6E-0CA8-42AB-9F8A-6AC966607EA4}"/>
+              </a:ext>
+            </a:extLst>
+          </p:cNvPr>
+          <p:cNvSpPr txBox="1"/>
+          <p:nvPr/>
+        </p:nvSpPr>
+        <p:spPr>
+          <a:xfrm>
+            <a:off x="2999656" y="3887776"/>
+            <a:ext cx="2160240" cy="830997"/>
+          </a:xfrm>
+          <a:prstGeom prst="rect">
+            <a:avLst/>
+          </a:prstGeom>
+          <a:noFill/>
+        </p:spPr>
+        <p:txBody>
+          <a:bodyPr wrap="square" rtlCol="0">
+            <a:spAutoFit/>
+          </a:bodyPr>
+          <a:lstStyle/>
+          <a:p>
+            <a:pPr algn="ctr"/>
+            <a:r>
+              <a:rPr lang="ko-KR" altLang="en-US" sz="2400" dirty="0">
+                <a:ln w="12700">
+                  <a:solidFill>
+                    <a:schemeClr val="accent1">
+                      <a:lumMod val="75000"/>
+                    </a:schemeClr>
+                  </a:solidFill>
+                </a:ln>
+                <a:solidFill>
+                  <a:schemeClr val="bg1"/>
+                </a:solidFill>
+                <a:latin typeface="고도 B" panose="02000503000000020004" pitchFamily="2" charset="-127"/>
+                <a:ea typeface="고도 B" panose="02000503000000020004" pitchFamily="2" charset="-127"/>
+              </a:rPr>
+              <a:t>이번 년도 월간 매출액</a:t>
+            </a:r>
+          </a:p>
+        </p:txBody>
+      </p:sp>
+      <p:sp>
+        <p:nvSpPr>
+          <p:cNvPr id="13" name="TextBox 12">
+            <a:extLst>
+              <a:ext uri="{FF2B5EF4-FFF2-40B4-BE49-F238E27FC236}">
+                <a16:creationId xmlns:a16="http://schemas.microsoft.com/office/drawing/2014/main" id="{979680B5-AED6-45D9-A034-867C432401B0}"/>
+              </a:ext>
+            </a:extLst>
+          </p:cNvPr>
+          <p:cNvSpPr txBox="1"/>
+          <p:nvPr/>
+        </p:nvSpPr>
+        <p:spPr>
+          <a:xfrm>
+            <a:off x="9404920" y="3562152"/>
+            <a:ext cx="2160240" cy="830997"/>
+          </a:xfrm>
+          <a:prstGeom prst="rect">
+            <a:avLst/>
+          </a:prstGeom>
+          <a:noFill/>
+        </p:spPr>
+        <p:txBody>
+          <a:bodyPr wrap="square" rtlCol="0">
+            <a:spAutoFit/>
+          </a:bodyPr>
+          <a:lstStyle/>
+          <a:p>
+            <a:pPr algn="ctr"/>
+            <a:r>
+              <a:rPr lang="ko-KR" altLang="en-US" sz="2400" dirty="0">
+                <a:ln w="12700">
+                  <a:solidFill>
+                    <a:schemeClr val="accent1">
+                      <a:lumMod val="75000"/>
+                    </a:schemeClr>
+                  </a:solidFill>
+                </a:ln>
+                <a:solidFill>
+                  <a:schemeClr val="bg1"/>
+                </a:solidFill>
+                <a:latin typeface="고도 B" panose="02000503000000020004" pitchFamily="2" charset="-127"/>
+                <a:ea typeface="고도 B" panose="02000503000000020004" pitchFamily="2" charset="-127"/>
+              </a:rPr>
+              <a:t>분기별 매출액 </a:t>
+            </a:r>
+            <a:endParaRPr lang="en-US" altLang="ko-KR" sz="2400" dirty="0">
+              <a:ln w="12700">
+                <a:solidFill>
+                  <a:schemeClr val="accent1">
+                    <a:lumMod val="75000"/>
+                  </a:schemeClr>
+                </a:solidFill>
+              </a:ln>
+              <a:solidFill>
+                <a:schemeClr val="bg1"/>
+              </a:solidFill>
+              <a:latin typeface="고도 B" panose="02000503000000020004" pitchFamily="2" charset="-127"/>
+              <a:ea typeface="고도 B" panose="02000503000000020004" pitchFamily="2" charset="-127"/>
+            </a:endParaRPr>
+          </a:p>
+          <a:p>
+            <a:pPr algn="ctr"/>
+            <a:r>
+              <a:rPr lang="ko-KR" altLang="en-US" sz="2400" dirty="0">
+                <a:ln w="12700">
+                  <a:solidFill>
+                    <a:schemeClr val="accent1">
+                      <a:lumMod val="75000"/>
+                    </a:schemeClr>
+                  </a:solidFill>
+                </a:ln>
+                <a:solidFill>
+                  <a:schemeClr val="bg1"/>
+                </a:solidFill>
+                <a:latin typeface="고도 B" panose="02000503000000020004" pitchFamily="2" charset="-127"/>
+                <a:ea typeface="고도 B" panose="02000503000000020004" pitchFamily="2" charset="-127"/>
+              </a:rPr>
+              <a:t>그래프</a:t>
+            </a:r>
+          </a:p>
+        </p:txBody>
+      </p:sp>
     </p:spTree>
     <p:extLst>
       <p:ext uri="{BB962C8B-B14F-4D97-AF65-F5344CB8AC3E}">
-        <p14:creationId xmlns:p14="http://schemas.microsoft.com/office/powerpoint/2010/main" val="3172231758"/>
+        <p14:creationId xmlns:p14="http://schemas.microsoft.com/office/powerpoint/2010/main" val="4072623298"/>
       </p:ext>
     </p:extLst>
   </p:cSld>
   <p:clrMapOvr>
     <a:masterClrMapping/>
   </p:clrMapOvr>
+  <p:timing>
+    <p:tnLst>
+      <p:par>
+        <p:cTn id="1" dur="indefinite" restart="never" nodeType="tmRoot">
+          <p:childTnLst>
+            <p:seq concurrent="1" nextAc="seek">
+              <p:cTn id="2" dur="indefinite" nodeType="mainSeq">
+                <p:childTnLst>
+                  <p:par>
+                    <p:cTn id="3" fill="hold">
+                      <p:stCondLst>
+                        <p:cond delay="indefinite"/>
+                      </p:stCondLst>
+                      <p:childTnLst>
+                        <p:par>
+                          <p:cTn id="4" fill="hold">
+                            <p:stCondLst>
+                              <p:cond delay="0"/>
+                            </p:stCondLst>
+                            <p:childTnLst>
+                              <p:par>
+                                <p:cTn id="5" presetID="10" presetClass="entr" presetSubtype="0" fill="hold" nodeType="clickEffect">
+                                  <p:stCondLst>
+                                    <p:cond delay="0"/>
+                                  </p:stCondLst>
+                                  <p:childTnLst>
+                                    <p:set>
+                                      <p:cBhvr>
+                                        <p:cTn id="6" dur="1" fill="hold">
+                                          <p:stCondLst>
+                                            <p:cond delay="0"/>
+                                          </p:stCondLst>
+                                        </p:cTn>
+                                        <p:tgtEl>
+                                          <p:spTgt spid="5"/>
+                                        </p:tgtEl>
+                                        <p:attrNameLst>
+                                          <p:attrName>style.visibility</p:attrName>
+                                        </p:attrNameLst>
+                                      </p:cBhvr>
+                                      <p:to>
+                                        <p:strVal val="visible"/>
+                                      </p:to>
+                                    </p:set>
+                                    <p:animEffect transition="in" filter="fade">
+                                      <p:cBhvr>
+                                        <p:cTn id="7" dur="500"/>
+                                        <p:tgtEl>
+                                          <p:spTgt spid="5"/>
+                                        </p:tgtEl>
+                                      </p:cBhvr>
+                                    </p:animEffect>
+                                  </p:childTnLst>
+                                </p:cTn>
+                              </p:par>
+                              <p:par>
+                                <p:cTn id="8" presetID="10" presetClass="entr" presetSubtype="0" fill="hold" grpId="0" nodeType="withEffect">
+                                  <p:stCondLst>
+                                    <p:cond delay="0"/>
+                                  </p:stCondLst>
+                                  <p:childTnLst>
+                                    <p:set>
+                                      <p:cBhvr>
+                                        <p:cTn id="9" dur="1" fill="hold">
+                                          <p:stCondLst>
+                                            <p:cond delay="0"/>
+                                          </p:stCondLst>
+                                        </p:cTn>
+                                        <p:tgtEl>
+                                          <p:spTgt spid="3"/>
+                                        </p:tgtEl>
+                                        <p:attrNameLst>
+                                          <p:attrName>style.visibility</p:attrName>
+                                        </p:attrNameLst>
+                                      </p:cBhvr>
+                                      <p:to>
+                                        <p:strVal val="visible"/>
+                                      </p:to>
+                                    </p:set>
+                                    <p:animEffect transition="in" filter="fade">
+                                      <p:cBhvr>
+                                        <p:cTn id="10" dur="500"/>
+                                        <p:tgtEl>
+                                          <p:spTgt spid="3"/>
+                                        </p:tgtEl>
+                                      </p:cBhvr>
+                                    </p:animEffect>
+                                  </p:childTnLst>
+                                </p:cTn>
+                              </p:par>
+                              <p:par>
+                                <p:cTn id="11" presetID="10" presetClass="entr" presetSubtype="0" fill="hold" grpId="0" nodeType="withEffect">
+                                  <p:stCondLst>
+                                    <p:cond delay="0"/>
+                                  </p:stCondLst>
+                                  <p:childTnLst>
+                                    <p:set>
+                                      <p:cBhvr>
+                                        <p:cTn id="12" dur="1" fill="hold">
+                                          <p:stCondLst>
+                                            <p:cond delay="0"/>
+                                          </p:stCondLst>
+                                        </p:cTn>
+                                        <p:tgtEl>
+                                          <p:spTgt spid="10"/>
+                                        </p:tgtEl>
+                                        <p:attrNameLst>
+                                          <p:attrName>style.visibility</p:attrName>
+                                        </p:attrNameLst>
+                                      </p:cBhvr>
+                                      <p:to>
+                                        <p:strVal val="visible"/>
+                                      </p:to>
+                                    </p:set>
+                                    <p:animEffect transition="in" filter="fade">
+                                      <p:cBhvr>
+                                        <p:cTn id="13" dur="500"/>
+                                        <p:tgtEl>
+                                          <p:spTgt spid="10"/>
+                                        </p:tgtEl>
+                                      </p:cBhvr>
+                                    </p:animEffect>
+                                  </p:childTnLst>
+                                </p:cTn>
+                              </p:par>
+                            </p:childTnLst>
+                          </p:cTn>
+                        </p:par>
+                      </p:childTnLst>
+                    </p:cTn>
+                  </p:par>
+                  <p:par>
+                    <p:cTn id="14" fill="hold">
+                      <p:stCondLst>
+                        <p:cond delay="indefinite"/>
+                      </p:stCondLst>
+                      <p:childTnLst>
+                        <p:par>
+                          <p:cTn id="15" fill="hold">
+                            <p:stCondLst>
+                              <p:cond delay="0"/>
+                            </p:stCondLst>
+                            <p:childTnLst>
+                              <p:par>
+                                <p:cTn id="16" presetID="10" presetClass="exit" presetSubtype="0" fill="hold" grpId="1" nodeType="clickEffect">
+                                  <p:stCondLst>
+                                    <p:cond delay="0"/>
+                                  </p:stCondLst>
+                                  <p:childTnLst>
+                                    <p:animEffect transition="out" filter="fade">
+                                      <p:cBhvr>
+                                        <p:cTn id="17" dur="500"/>
+                                        <p:tgtEl>
+                                          <p:spTgt spid="3"/>
+                                        </p:tgtEl>
+                                      </p:cBhvr>
+                                    </p:animEffect>
+                                    <p:set>
+                                      <p:cBhvr>
+                                        <p:cTn id="18" dur="1" fill="hold">
+                                          <p:stCondLst>
+                                            <p:cond delay="499"/>
+                                          </p:stCondLst>
+                                        </p:cTn>
+                                        <p:tgtEl>
+                                          <p:spTgt spid="3"/>
+                                        </p:tgtEl>
+                                        <p:attrNameLst>
+                                          <p:attrName>style.visibility</p:attrName>
+                                        </p:attrNameLst>
+                                      </p:cBhvr>
+                                      <p:to>
+                                        <p:strVal val="hidden"/>
+                                      </p:to>
+                                    </p:set>
+                                  </p:childTnLst>
+                                </p:cTn>
+                              </p:par>
+                              <p:par>
+                                <p:cTn id="19" presetID="10" presetClass="exit" presetSubtype="0" fill="hold" grpId="1" nodeType="withEffect">
+                                  <p:stCondLst>
+                                    <p:cond delay="0"/>
+                                  </p:stCondLst>
+                                  <p:childTnLst>
+                                    <p:animEffect transition="out" filter="fade">
+                                      <p:cBhvr>
+                                        <p:cTn id="20" dur="500"/>
+                                        <p:tgtEl>
+                                          <p:spTgt spid="10"/>
+                                        </p:tgtEl>
+                                      </p:cBhvr>
+                                    </p:animEffect>
+                                    <p:set>
+                                      <p:cBhvr>
+                                        <p:cTn id="21" dur="1" fill="hold">
+                                          <p:stCondLst>
+                                            <p:cond delay="499"/>
+                                          </p:stCondLst>
+                                        </p:cTn>
+                                        <p:tgtEl>
+                                          <p:spTgt spid="10"/>
+                                        </p:tgtEl>
+                                        <p:attrNameLst>
+                                          <p:attrName>style.visibility</p:attrName>
+                                        </p:attrNameLst>
+                                      </p:cBhvr>
+                                      <p:to>
+                                        <p:strVal val="hidden"/>
+                                      </p:to>
+                                    </p:set>
+                                  </p:childTnLst>
+                                </p:cTn>
+                              </p:par>
+                              <p:par>
+                                <p:cTn id="22" presetID="10" presetClass="entr" presetSubtype="0" fill="hold" grpId="0" nodeType="withEffect">
+                                  <p:stCondLst>
+                                    <p:cond delay="0"/>
+                                  </p:stCondLst>
+                                  <p:childTnLst>
+                                    <p:set>
+                                      <p:cBhvr>
+                                        <p:cTn id="23" dur="1" fill="hold">
+                                          <p:stCondLst>
+                                            <p:cond delay="0"/>
+                                          </p:stCondLst>
+                                        </p:cTn>
+                                        <p:tgtEl>
+                                          <p:spTgt spid="7"/>
+                                        </p:tgtEl>
+                                        <p:attrNameLst>
+                                          <p:attrName>style.visibility</p:attrName>
+                                        </p:attrNameLst>
+                                      </p:cBhvr>
+                                      <p:to>
+                                        <p:strVal val="visible"/>
+                                      </p:to>
+                                    </p:set>
+                                    <p:animEffect transition="in" filter="fade">
+                                      <p:cBhvr>
+                                        <p:cTn id="24" dur="500"/>
+                                        <p:tgtEl>
+                                          <p:spTgt spid="7"/>
+                                        </p:tgtEl>
+                                      </p:cBhvr>
+                                    </p:animEffect>
+                                  </p:childTnLst>
+                                </p:cTn>
+                              </p:par>
+                              <p:par>
+                                <p:cTn id="25" presetID="10" presetClass="entr" presetSubtype="0" fill="hold" grpId="0" nodeType="withEffect">
+                                  <p:stCondLst>
+                                    <p:cond delay="0"/>
+                                  </p:stCondLst>
+                                  <p:childTnLst>
+                                    <p:set>
+                                      <p:cBhvr>
+                                        <p:cTn id="26" dur="1" fill="hold">
+                                          <p:stCondLst>
+                                            <p:cond delay="0"/>
+                                          </p:stCondLst>
+                                        </p:cTn>
+                                        <p:tgtEl>
+                                          <p:spTgt spid="12"/>
+                                        </p:tgtEl>
+                                        <p:attrNameLst>
+                                          <p:attrName>style.visibility</p:attrName>
+                                        </p:attrNameLst>
+                                      </p:cBhvr>
+                                      <p:to>
+                                        <p:strVal val="visible"/>
+                                      </p:to>
+                                    </p:set>
+                                    <p:animEffect transition="in" filter="fade">
+                                      <p:cBhvr>
+                                        <p:cTn id="27" dur="500"/>
+                                        <p:tgtEl>
+                                          <p:spTgt spid="12"/>
+                                        </p:tgtEl>
+                                      </p:cBhvr>
+                                    </p:animEffect>
+                                  </p:childTnLst>
+                                </p:cTn>
+                              </p:par>
+                            </p:childTnLst>
+                          </p:cTn>
+                        </p:par>
+                      </p:childTnLst>
+                    </p:cTn>
+                  </p:par>
+                  <p:par>
+                    <p:cTn id="28" fill="hold">
+                      <p:stCondLst>
+                        <p:cond delay="indefinite"/>
+                      </p:stCondLst>
+                      <p:childTnLst>
+                        <p:par>
+                          <p:cTn id="29" fill="hold">
+                            <p:stCondLst>
+                              <p:cond delay="0"/>
+                            </p:stCondLst>
+                            <p:childTnLst>
+                              <p:par>
+                                <p:cTn id="30" presetID="10" presetClass="exit" presetSubtype="0" fill="hold" grpId="1" nodeType="clickEffect">
+                                  <p:stCondLst>
+                                    <p:cond delay="0"/>
+                                  </p:stCondLst>
+                                  <p:childTnLst>
+                                    <p:animEffect transition="out" filter="fade">
+                                      <p:cBhvr>
+                                        <p:cTn id="31" dur="500"/>
+                                        <p:tgtEl>
+                                          <p:spTgt spid="7"/>
+                                        </p:tgtEl>
+                                      </p:cBhvr>
+                                    </p:animEffect>
+                                    <p:set>
+                                      <p:cBhvr>
+                                        <p:cTn id="32" dur="1" fill="hold">
+                                          <p:stCondLst>
+                                            <p:cond delay="499"/>
+                                          </p:stCondLst>
+                                        </p:cTn>
+                                        <p:tgtEl>
+                                          <p:spTgt spid="7"/>
+                                        </p:tgtEl>
+                                        <p:attrNameLst>
+                                          <p:attrName>style.visibility</p:attrName>
+                                        </p:attrNameLst>
+                                      </p:cBhvr>
+                                      <p:to>
+                                        <p:strVal val="hidden"/>
+                                      </p:to>
+                                    </p:set>
+                                  </p:childTnLst>
+                                </p:cTn>
+                              </p:par>
+                              <p:par>
+                                <p:cTn id="33" presetID="10" presetClass="exit" presetSubtype="0" fill="hold" grpId="1" nodeType="withEffect">
+                                  <p:stCondLst>
+                                    <p:cond delay="0"/>
+                                  </p:stCondLst>
+                                  <p:childTnLst>
+                                    <p:animEffect transition="out" filter="fade">
+                                      <p:cBhvr>
+                                        <p:cTn id="34" dur="500"/>
+                                        <p:tgtEl>
+                                          <p:spTgt spid="12"/>
+                                        </p:tgtEl>
+                                      </p:cBhvr>
+                                    </p:animEffect>
+                                    <p:set>
+                                      <p:cBhvr>
+                                        <p:cTn id="35" dur="1" fill="hold">
+                                          <p:stCondLst>
+                                            <p:cond delay="499"/>
+                                          </p:stCondLst>
+                                        </p:cTn>
+                                        <p:tgtEl>
+                                          <p:spTgt spid="12"/>
+                                        </p:tgtEl>
+                                        <p:attrNameLst>
+                                          <p:attrName>style.visibility</p:attrName>
+                                        </p:attrNameLst>
+                                      </p:cBhvr>
+                                      <p:to>
+                                        <p:strVal val="hidden"/>
+                                      </p:to>
+                                    </p:set>
+                                  </p:childTnLst>
+                                </p:cTn>
+                              </p:par>
+                              <p:par>
+                                <p:cTn id="36" presetID="10" presetClass="entr" presetSubtype="0" fill="hold" grpId="0" nodeType="withEffect">
+                                  <p:stCondLst>
+                                    <p:cond delay="0"/>
+                                  </p:stCondLst>
+                                  <p:childTnLst>
+                                    <p:set>
+                                      <p:cBhvr>
+                                        <p:cTn id="37" dur="1" fill="hold">
+                                          <p:stCondLst>
+                                            <p:cond delay="0"/>
+                                          </p:stCondLst>
+                                        </p:cTn>
+                                        <p:tgtEl>
+                                          <p:spTgt spid="8"/>
+                                        </p:tgtEl>
+                                        <p:attrNameLst>
+                                          <p:attrName>style.visibility</p:attrName>
+                                        </p:attrNameLst>
+                                      </p:cBhvr>
+                                      <p:to>
+                                        <p:strVal val="visible"/>
+                                      </p:to>
+                                    </p:set>
+                                    <p:animEffect transition="in" filter="fade">
+                                      <p:cBhvr>
+                                        <p:cTn id="38" dur="500"/>
+                                        <p:tgtEl>
+                                          <p:spTgt spid="8"/>
+                                        </p:tgtEl>
+                                      </p:cBhvr>
+                                    </p:animEffect>
+                                  </p:childTnLst>
+                                </p:cTn>
+                              </p:par>
+                              <p:par>
+                                <p:cTn id="39" presetID="10" presetClass="entr" presetSubtype="0" fill="hold" grpId="0" nodeType="withEffect">
+                                  <p:stCondLst>
+                                    <p:cond delay="0"/>
+                                  </p:stCondLst>
+                                  <p:childTnLst>
+                                    <p:set>
+                                      <p:cBhvr>
+                                        <p:cTn id="40" dur="1" fill="hold">
+                                          <p:stCondLst>
+                                            <p:cond delay="0"/>
+                                          </p:stCondLst>
+                                        </p:cTn>
+                                        <p:tgtEl>
+                                          <p:spTgt spid="13"/>
+                                        </p:tgtEl>
+                                        <p:attrNameLst>
+                                          <p:attrName>style.visibility</p:attrName>
+                                        </p:attrNameLst>
+                                      </p:cBhvr>
+                                      <p:to>
+                                        <p:strVal val="visible"/>
+                                      </p:to>
+                                    </p:set>
+                                    <p:animEffect transition="in" filter="fade">
+                                      <p:cBhvr>
+                                        <p:cTn id="41" dur="500"/>
+                                        <p:tgtEl>
+                                          <p:spTgt spid="13"/>
+                                        </p:tgtEl>
+                                      </p:cBhvr>
+                                    </p:animEffect>
+                                  </p:childTnLst>
+                                </p:cTn>
+                              </p:par>
+                            </p:childTnLst>
+                          </p:cTn>
+                        </p:par>
+                      </p:childTnLst>
+                    </p:cTn>
+                  </p:par>
+                </p:childTnLst>
+              </p:cTn>
+              <p:prevCondLst>
+                <p:cond evt="onPrev" delay="0">
+                  <p:tgtEl>
+                    <p:sldTgt/>
+                  </p:tgtEl>
+                </p:cond>
+              </p:prevCondLst>
+              <p:nextCondLst>
+                <p:cond evt="onNext" delay="0">
+                  <p:tgtEl>
+                    <p:sldTgt/>
+                  </p:tgtEl>
+                </p:cond>
+              </p:nextCondLst>
+            </p:seq>
+          </p:childTnLst>
+        </p:cTn>
+      </p:par>
+    </p:tnLst>
+    <p:bldLst>
+      <p:bldP spid="3" grpId="0" animBg="1"/>
+      <p:bldP spid="3" grpId="1" animBg="1"/>
+      <p:bldP spid="7" grpId="0" animBg="1"/>
+      <p:bldP spid="7" grpId="1" animBg="1"/>
+      <p:bldP spid="8" grpId="0" animBg="1"/>
+      <p:bldP spid="10" grpId="0"/>
+      <p:bldP spid="10" grpId="1"/>
+      <p:bldP spid="12" grpId="0"/>
+      <p:bldP spid="12" grpId="1"/>
+      <p:bldP spid="13" grpId="0"/>
+    </p:bldLst>
+  </p:timing>
 </p:sld>
 </file>
 
@@ -4171,10 +7623,10 @@
       </p:sp>
       <p:sp>
         <p:nvSpPr>
-          <p:cNvPr id="4" name="TextBox 3">
+          <p:cNvPr id="9" name="TextBox 8">
             <a:extLst>
               <a:ext uri="{FF2B5EF4-FFF2-40B4-BE49-F238E27FC236}">
-                <a16:creationId xmlns:a16="http://schemas.microsoft.com/office/drawing/2014/main" id="{80EB905D-CFC6-429B-8E13-E71F3BAB749E}"/>
+                <a16:creationId xmlns:a16="http://schemas.microsoft.com/office/drawing/2014/main" id="{5D8B5EC4-A12D-4385-8680-5D64041688E4}"/>
               </a:ext>
             </a:extLst>
           </p:cNvPr>
@@ -4285,27 +7737,7 @@
                 <a:latin typeface="고도 B" panose="02000503000000020004" pitchFamily="2" charset="-127"/>
                 <a:ea typeface="고도 B" panose="02000503000000020004" pitchFamily="2" charset="-127"/>
               </a:rPr>
-              <a:t> </a:t>
-            </a:r>
-            <a:r>
-              <a:rPr lang="ko-KR" altLang="en-US" sz="2400" dirty="0" err="1">
-                <a:solidFill>
-                  <a:schemeClr val="bg1"/>
-                </a:solidFill>
-                <a:latin typeface="고도 B" panose="02000503000000020004" pitchFamily="2" charset="-127"/>
-                <a:ea typeface="고도 B" panose="02000503000000020004" pitchFamily="2" charset="-127"/>
-              </a:rPr>
-              <a:t>운송사</a:t>
-            </a:r>
-            <a:r>
-              <a:rPr lang="ko-KR" altLang="en-US" sz="2400" dirty="0">
-                <a:solidFill>
-                  <a:schemeClr val="bg1"/>
-                </a:solidFill>
-                <a:latin typeface="고도 B" panose="02000503000000020004" pitchFamily="2" charset="-127"/>
-                <a:ea typeface="고도 B" panose="02000503000000020004" pitchFamily="2" charset="-127"/>
-              </a:rPr>
-              <a:t> 일별 송장 목록 </a:t>
+              <a:t> 쇼핑몰 일별 송장내역 </a:t>
             </a:r>
             <a:r>
               <a:rPr lang="en-US" altLang="ko-KR" sz="2400" dirty="0">
@@ -4332,7 +7764,7 @@
           <p:cNvPr id="3" name="그림 2">
             <a:extLst>
               <a:ext uri="{FF2B5EF4-FFF2-40B4-BE49-F238E27FC236}">
-                <a16:creationId xmlns:a16="http://schemas.microsoft.com/office/drawing/2014/main" id="{660C6231-27ED-45ED-BADF-0F0BCF8CE8B3}"/>
+                <a16:creationId xmlns:a16="http://schemas.microsoft.com/office/drawing/2014/main" id="{7F8B7E87-2E94-4670-8411-7D2E2A65EBFE}"/>
               </a:ext>
             </a:extLst>
           </p:cNvPr>
@@ -4349,7 +7781,7 @@
         </p:blipFill>
         <p:spPr>
           <a:xfrm>
-            <a:off x="551384" y="1299240"/>
+            <a:off x="552264" y="1299240"/>
             <a:ext cx="7920000" cy="4290000"/>
           </a:xfrm>
           <a:prstGeom prst="rect">
@@ -4357,16 +7789,1090 @@
           </a:prstGeom>
         </p:spPr>
       </p:pic>
+      <p:pic>
+        <p:nvPicPr>
+          <p:cNvPr id="5" name="그림 4">
+            <a:extLst>
+              <a:ext uri="{FF2B5EF4-FFF2-40B4-BE49-F238E27FC236}">
+                <a16:creationId xmlns:a16="http://schemas.microsoft.com/office/drawing/2014/main" id="{C48A8B29-0C6F-4428-B773-3D0C3FE036AE}"/>
+              </a:ext>
+            </a:extLst>
+          </p:cNvPr>
+          <p:cNvPicPr>
+            <a:picLocks noChangeAspect="1"/>
+          </p:cNvPicPr>
+          <p:nvPr/>
+        </p:nvPicPr>
+        <p:blipFill rotWithShape="1">
+          <a:blip r:embed="rId2"/>
+          <a:srcRect l="12612" t="17557" r="106" b="35445"/>
+          <a:stretch/>
+        </p:blipFill>
+        <p:spPr>
+          <a:xfrm>
+            <a:off x="1158308" y="2924944"/>
+            <a:ext cx="9875383" cy="2880320"/>
+          </a:xfrm>
+          <a:prstGeom prst="rect">
+            <a:avLst/>
+          </a:prstGeom>
+        </p:spPr>
+      </p:pic>
+      <p:pic>
+        <p:nvPicPr>
+          <p:cNvPr id="7" name="그림 6">
+            <a:extLst>
+              <a:ext uri="{FF2B5EF4-FFF2-40B4-BE49-F238E27FC236}">
+                <a16:creationId xmlns:a16="http://schemas.microsoft.com/office/drawing/2014/main" id="{79A88F02-C206-427E-9E0A-C37FFD827E9A}"/>
+              </a:ext>
+            </a:extLst>
+          </p:cNvPr>
+          <p:cNvPicPr>
+            <a:picLocks noChangeAspect="1"/>
+          </p:cNvPicPr>
+          <p:nvPr/>
+        </p:nvPicPr>
+        <p:blipFill rotWithShape="1">
+          <a:blip r:embed="rId2"/>
+          <a:srcRect l="85455" t="17557" r="106" b="53206"/>
+          <a:stretch/>
+        </p:blipFill>
+        <p:spPr>
+          <a:xfrm>
+            <a:off x="7757197" y="1199247"/>
+            <a:ext cx="2438245" cy="2674217"/>
+          </a:xfrm>
+          <a:prstGeom prst="rect">
+            <a:avLst/>
+          </a:prstGeom>
+        </p:spPr>
+      </p:pic>
+      <p:sp>
+        <p:nvSpPr>
+          <p:cNvPr id="8" name="TextBox 7">
+            <a:extLst>
+              <a:ext uri="{FF2B5EF4-FFF2-40B4-BE49-F238E27FC236}">
+                <a16:creationId xmlns:a16="http://schemas.microsoft.com/office/drawing/2014/main" id="{AEAFA008-5642-47A2-AB78-D3BBB7706F48}"/>
+              </a:ext>
+            </a:extLst>
+          </p:cNvPr>
+          <p:cNvSpPr txBox="1"/>
+          <p:nvPr/>
+        </p:nvSpPr>
+        <p:spPr>
+          <a:xfrm>
+            <a:off x="335360" y="6381328"/>
+            <a:ext cx="6984776" cy="246221"/>
+          </a:xfrm>
+          <a:prstGeom prst="rect">
+            <a:avLst/>
+          </a:prstGeom>
+          <a:noFill/>
+        </p:spPr>
+        <p:txBody>
+          <a:bodyPr wrap="square" rtlCol="0">
+            <a:spAutoFit/>
+          </a:bodyPr>
+          <a:lstStyle/>
+          <a:p>
+            <a:pPr algn="l"/>
+            <a:r>
+              <a:rPr lang="ko-KR" altLang="en-US" sz="1000" dirty="0">
+                <a:solidFill>
+                  <a:schemeClr val="bg1"/>
+                </a:solidFill>
+                <a:latin typeface="고도 B" panose="02000503000000020004" pitchFamily="2" charset="-127"/>
+                <a:ea typeface="고도 B" panose="02000503000000020004" pitchFamily="2" charset="-127"/>
+              </a:rPr>
+              <a:t>페이지에 들어오면서 오늘 날짜의 송장 리스트가 </a:t>
+            </a:r>
+            <a:r>
+              <a:rPr lang="ko-KR" altLang="en-US" sz="1000" dirty="0" err="1">
+                <a:solidFill>
+                  <a:schemeClr val="bg1"/>
+                </a:solidFill>
+                <a:latin typeface="고도 B" panose="02000503000000020004" pitchFamily="2" charset="-127"/>
+                <a:ea typeface="고도 B" panose="02000503000000020004" pitchFamily="2" charset="-127"/>
+              </a:rPr>
+              <a:t>출려</a:t>
+            </a:r>
+            <a:r>
+              <a:rPr lang="ko-KR" altLang="en-US" sz="1000" dirty="0">
+                <a:solidFill>
+                  <a:schemeClr val="bg1"/>
+                </a:solidFill>
+                <a:latin typeface="고도 B" panose="02000503000000020004" pitchFamily="2" charset="-127"/>
+                <a:ea typeface="고도 B" panose="02000503000000020004" pitchFamily="2" charset="-127"/>
+              </a:rPr>
+              <a:t> 됩니다</a:t>
+            </a:r>
+            <a:r>
+              <a:rPr lang="en-US" altLang="ko-KR" sz="1000" dirty="0">
+                <a:solidFill>
+                  <a:schemeClr val="bg1"/>
+                </a:solidFill>
+                <a:latin typeface="고도 B" panose="02000503000000020004" pitchFamily="2" charset="-127"/>
+                <a:ea typeface="고도 B" panose="02000503000000020004" pitchFamily="2" charset="-127"/>
+              </a:rPr>
+              <a:t>. </a:t>
+            </a:r>
+            <a:r>
+              <a:rPr lang="ko-KR" altLang="en-US" sz="1000" dirty="0">
+                <a:solidFill>
+                  <a:schemeClr val="bg1"/>
+                </a:solidFill>
+                <a:latin typeface="고도 B" panose="02000503000000020004" pitchFamily="2" charset="-127"/>
+                <a:ea typeface="고도 B" panose="02000503000000020004" pitchFamily="2" charset="-127"/>
+              </a:rPr>
+              <a:t>날짜를 선택하여 검색 할 수도 있습니다</a:t>
+            </a:r>
+            <a:r>
+              <a:rPr lang="en-US" altLang="ko-KR" sz="1000" dirty="0">
+                <a:solidFill>
+                  <a:schemeClr val="bg1"/>
+                </a:solidFill>
+                <a:latin typeface="고도 B" panose="02000503000000020004" pitchFamily="2" charset="-127"/>
+                <a:ea typeface="고도 B" panose="02000503000000020004" pitchFamily="2" charset="-127"/>
+              </a:rPr>
+              <a:t>.</a:t>
+            </a:r>
+            <a:endParaRPr lang="ko-KR" altLang="en-US" sz="1000" dirty="0">
+              <a:solidFill>
+                <a:schemeClr val="bg1"/>
+              </a:solidFill>
+              <a:latin typeface="고도 B" panose="02000503000000020004" pitchFamily="2" charset="-127"/>
+              <a:ea typeface="고도 B" panose="02000503000000020004" pitchFamily="2" charset="-127"/>
+            </a:endParaRPr>
+          </a:p>
+        </p:txBody>
+      </p:sp>
+      <p:sp>
+        <p:nvSpPr>
+          <p:cNvPr id="2" name="직사각형 1">
+            <a:extLst>
+              <a:ext uri="{FF2B5EF4-FFF2-40B4-BE49-F238E27FC236}">
+                <a16:creationId xmlns:a16="http://schemas.microsoft.com/office/drawing/2014/main" id="{63F79017-0CDC-4B22-A27F-29885265B997}"/>
+              </a:ext>
+            </a:extLst>
+          </p:cNvPr>
+          <p:cNvSpPr/>
+          <p:nvPr/>
+        </p:nvSpPr>
+        <p:spPr>
+          <a:xfrm>
+            <a:off x="1271464" y="4149080"/>
+            <a:ext cx="9577064" cy="1224136"/>
+          </a:xfrm>
+          <a:prstGeom prst="rect">
+            <a:avLst/>
+          </a:prstGeom>
+          <a:noFill/>
+          <a:ln w="38100">
+            <a:solidFill>
+              <a:srgbClr val="FF0000"/>
+            </a:solidFill>
+          </a:ln>
+        </p:spPr>
+        <p:style>
+          <a:lnRef idx="2">
+            <a:schemeClr val="accent1">
+              <a:shade val="50000"/>
+            </a:schemeClr>
+          </a:lnRef>
+          <a:fillRef idx="1">
+            <a:schemeClr val="accent1"/>
+          </a:fillRef>
+          <a:effectRef idx="0">
+            <a:schemeClr val="accent1"/>
+          </a:effectRef>
+          <a:fontRef idx="minor">
+            <a:schemeClr val="lt1"/>
+          </a:fontRef>
+        </p:style>
+        <p:txBody>
+          <a:bodyPr rot="0" spcFirstLastPara="0" vertOverflow="overflow" horzOverflow="overflow" vert="horz" wrap="square" lIns="91440" tIns="45720" rIns="91440" bIns="45720" numCol="1" spcCol="0" rtlCol="0" fromWordArt="0" anchor="ctr" anchorCtr="0" forceAA="0" compatLnSpc="1">
+            <a:prstTxWarp prst="textNoShape">
+              <a:avLst/>
+            </a:prstTxWarp>
+            <a:noAutofit/>
+          </a:bodyPr>
+          <a:lstStyle/>
+          <a:p>
+            <a:pPr algn="ctr"/>
+            <a:endParaRPr lang="ko-KR" altLang="en-US"/>
+          </a:p>
+        </p:txBody>
+      </p:sp>
+      <p:sp>
+        <p:nvSpPr>
+          <p:cNvPr id="10" name="TextBox 9">
+            <a:extLst>
+              <a:ext uri="{FF2B5EF4-FFF2-40B4-BE49-F238E27FC236}">
+                <a16:creationId xmlns:a16="http://schemas.microsoft.com/office/drawing/2014/main" id="{4B0E76CD-6C98-42EA-AC50-F133C61D3E37}"/>
+              </a:ext>
+            </a:extLst>
+          </p:cNvPr>
+          <p:cNvSpPr txBox="1"/>
+          <p:nvPr/>
+        </p:nvSpPr>
+        <p:spPr>
+          <a:xfrm>
+            <a:off x="4655840" y="3543399"/>
+            <a:ext cx="2160240" cy="461665"/>
+          </a:xfrm>
+          <a:prstGeom prst="rect">
+            <a:avLst/>
+          </a:prstGeom>
+          <a:noFill/>
+        </p:spPr>
+        <p:txBody>
+          <a:bodyPr wrap="square" rtlCol="0">
+            <a:spAutoFit/>
+          </a:bodyPr>
+          <a:lstStyle/>
+          <a:p>
+            <a:pPr algn="ctr"/>
+            <a:r>
+              <a:rPr lang="ko-KR" altLang="en-US" sz="2400" dirty="0">
+                <a:ln w="12700">
+                  <a:solidFill>
+                    <a:schemeClr val="accent1">
+                      <a:lumMod val="75000"/>
+                    </a:schemeClr>
+                  </a:solidFill>
+                </a:ln>
+                <a:solidFill>
+                  <a:schemeClr val="bg1"/>
+                </a:solidFill>
+                <a:latin typeface="고도 B" panose="02000503000000020004" pitchFamily="2" charset="-127"/>
+                <a:ea typeface="고도 B" panose="02000503000000020004" pitchFamily="2" charset="-127"/>
+              </a:rPr>
+              <a:t>당일 송장 목록</a:t>
+            </a:r>
+          </a:p>
+        </p:txBody>
+      </p:sp>
+      <p:sp>
+        <p:nvSpPr>
+          <p:cNvPr id="11" name="TextBox 10">
+            <a:extLst>
+              <a:ext uri="{FF2B5EF4-FFF2-40B4-BE49-F238E27FC236}">
+                <a16:creationId xmlns:a16="http://schemas.microsoft.com/office/drawing/2014/main" id="{83BA604D-982B-4620-8B20-4C427EF1DA2C}"/>
+              </a:ext>
+            </a:extLst>
+          </p:cNvPr>
+          <p:cNvSpPr txBox="1"/>
+          <p:nvPr/>
+        </p:nvSpPr>
+        <p:spPr>
+          <a:xfrm>
+            <a:off x="9840416" y="1887215"/>
+            <a:ext cx="2160240" cy="461665"/>
+          </a:xfrm>
+          <a:prstGeom prst="rect">
+            <a:avLst/>
+          </a:prstGeom>
+          <a:noFill/>
+        </p:spPr>
+        <p:txBody>
+          <a:bodyPr wrap="square" rtlCol="0">
+            <a:spAutoFit/>
+          </a:bodyPr>
+          <a:lstStyle/>
+          <a:p>
+            <a:pPr algn="ctr"/>
+            <a:r>
+              <a:rPr lang="ko-KR" altLang="en-US" sz="2400" dirty="0">
+                <a:ln w="12700">
+                  <a:solidFill>
+                    <a:schemeClr val="accent1">
+                      <a:lumMod val="75000"/>
+                    </a:schemeClr>
+                  </a:solidFill>
+                </a:ln>
+                <a:solidFill>
+                  <a:schemeClr val="bg1"/>
+                </a:solidFill>
+                <a:latin typeface="고도 B" panose="02000503000000020004" pitchFamily="2" charset="-127"/>
+                <a:ea typeface="고도 B" panose="02000503000000020004" pitchFamily="2" charset="-127"/>
+              </a:rPr>
+              <a:t>날짜 선택</a:t>
+            </a:r>
+          </a:p>
+        </p:txBody>
+      </p:sp>
+      <p:sp>
+        <p:nvSpPr>
+          <p:cNvPr id="12" name="직사각형 11">
+            <a:extLst>
+              <a:ext uri="{FF2B5EF4-FFF2-40B4-BE49-F238E27FC236}">
+                <a16:creationId xmlns:a16="http://schemas.microsoft.com/office/drawing/2014/main" id="{9638A76D-4BA7-4DE2-9808-0E532DD4C3C5}"/>
+              </a:ext>
+            </a:extLst>
+          </p:cNvPr>
+          <p:cNvSpPr/>
+          <p:nvPr/>
+        </p:nvSpPr>
+        <p:spPr>
+          <a:xfrm>
+            <a:off x="7705524" y="1144459"/>
+            <a:ext cx="2549010" cy="2674217"/>
+          </a:xfrm>
+          <a:prstGeom prst="rect">
+            <a:avLst/>
+          </a:prstGeom>
+          <a:noFill/>
+          <a:ln w="38100">
+            <a:solidFill>
+              <a:srgbClr val="FF0000"/>
+            </a:solidFill>
+          </a:ln>
+        </p:spPr>
+        <p:style>
+          <a:lnRef idx="2">
+            <a:schemeClr val="accent1">
+              <a:shade val="50000"/>
+            </a:schemeClr>
+          </a:lnRef>
+          <a:fillRef idx="1">
+            <a:schemeClr val="accent1"/>
+          </a:fillRef>
+          <a:effectRef idx="0">
+            <a:schemeClr val="accent1"/>
+          </a:effectRef>
+          <a:fontRef idx="minor">
+            <a:schemeClr val="lt1"/>
+          </a:fontRef>
+        </p:style>
+        <p:txBody>
+          <a:bodyPr rot="0" spcFirstLastPara="0" vertOverflow="overflow" horzOverflow="overflow" vert="horz" wrap="square" lIns="91440" tIns="45720" rIns="91440" bIns="45720" numCol="1" spcCol="0" rtlCol="0" fromWordArt="0" anchor="ctr" anchorCtr="0" forceAA="0" compatLnSpc="1">
+            <a:prstTxWarp prst="textNoShape">
+              <a:avLst/>
+            </a:prstTxWarp>
+            <a:noAutofit/>
+          </a:bodyPr>
+          <a:lstStyle/>
+          <a:p>
+            <a:pPr algn="ctr"/>
+            <a:endParaRPr lang="ko-KR" altLang="en-US"/>
+          </a:p>
+        </p:txBody>
+      </p:sp>
+      <p:pic>
+        <p:nvPicPr>
+          <p:cNvPr id="4" name="그림 3">
+            <a:extLst>
+              <a:ext uri="{FF2B5EF4-FFF2-40B4-BE49-F238E27FC236}">
+                <a16:creationId xmlns:a16="http://schemas.microsoft.com/office/drawing/2014/main" id="{D48AC03B-2142-4DDD-B149-9B59AAB80361}"/>
+              </a:ext>
+            </a:extLst>
+          </p:cNvPr>
+          <p:cNvPicPr>
+            <a:picLocks noChangeAspect="1"/>
+          </p:cNvPicPr>
+          <p:nvPr/>
+        </p:nvPicPr>
+        <p:blipFill rotWithShape="1">
+          <a:blip r:embed="rId3"/>
+          <a:srcRect l="91405" t="24922" r="978" b="68088"/>
+          <a:stretch/>
+        </p:blipFill>
+        <p:spPr>
+          <a:xfrm>
+            <a:off x="9885241" y="3597477"/>
+            <a:ext cx="928686" cy="461665"/>
+          </a:xfrm>
+          <a:prstGeom prst="rect">
+            <a:avLst/>
+          </a:prstGeom>
+        </p:spPr>
+      </p:pic>
+      <p:sp>
+        <p:nvSpPr>
+          <p:cNvPr id="13" name="직사각형 12">
+            <a:extLst>
+              <a:ext uri="{FF2B5EF4-FFF2-40B4-BE49-F238E27FC236}">
+                <a16:creationId xmlns:a16="http://schemas.microsoft.com/office/drawing/2014/main" id="{5E3A4351-F3A2-494B-933C-6A9BFDB39634}"/>
+              </a:ext>
+            </a:extLst>
+          </p:cNvPr>
+          <p:cNvSpPr/>
+          <p:nvPr/>
+        </p:nvSpPr>
+        <p:spPr>
+          <a:xfrm>
+            <a:off x="9840416" y="3549607"/>
+            <a:ext cx="1020162" cy="524970"/>
+          </a:xfrm>
+          <a:prstGeom prst="rect">
+            <a:avLst/>
+          </a:prstGeom>
+          <a:noFill/>
+          <a:ln w="38100">
+            <a:solidFill>
+              <a:srgbClr val="FF0000"/>
+            </a:solidFill>
+          </a:ln>
+        </p:spPr>
+        <p:style>
+          <a:lnRef idx="2">
+            <a:schemeClr val="accent1">
+              <a:shade val="50000"/>
+            </a:schemeClr>
+          </a:lnRef>
+          <a:fillRef idx="1">
+            <a:schemeClr val="accent1"/>
+          </a:fillRef>
+          <a:effectRef idx="0">
+            <a:schemeClr val="accent1"/>
+          </a:effectRef>
+          <a:fontRef idx="minor">
+            <a:schemeClr val="lt1"/>
+          </a:fontRef>
+        </p:style>
+        <p:txBody>
+          <a:bodyPr rot="0" spcFirstLastPara="0" vertOverflow="overflow" horzOverflow="overflow" vert="horz" wrap="square" lIns="91440" tIns="45720" rIns="91440" bIns="45720" numCol="1" spcCol="0" rtlCol="0" fromWordArt="0" anchor="ctr" anchorCtr="0" forceAA="0" compatLnSpc="1">
+            <a:prstTxWarp prst="textNoShape">
+              <a:avLst/>
+            </a:prstTxWarp>
+            <a:noAutofit/>
+          </a:bodyPr>
+          <a:lstStyle/>
+          <a:p>
+            <a:pPr algn="ctr"/>
+            <a:endParaRPr lang="ko-KR" altLang="en-US"/>
+          </a:p>
+        </p:txBody>
+      </p:sp>
+      <p:sp>
+        <p:nvSpPr>
+          <p:cNvPr id="14" name="TextBox 13">
+            <a:extLst>
+              <a:ext uri="{FF2B5EF4-FFF2-40B4-BE49-F238E27FC236}">
+                <a16:creationId xmlns:a16="http://schemas.microsoft.com/office/drawing/2014/main" id="{33F5D9B4-9DF3-47D9-B910-F85D89284E21}"/>
+              </a:ext>
+            </a:extLst>
+          </p:cNvPr>
+          <p:cNvSpPr txBox="1"/>
+          <p:nvPr/>
+        </p:nvSpPr>
+        <p:spPr>
+          <a:xfrm>
+            <a:off x="9768408" y="3060548"/>
+            <a:ext cx="2160240" cy="461665"/>
+          </a:xfrm>
+          <a:prstGeom prst="rect">
+            <a:avLst/>
+          </a:prstGeom>
+          <a:noFill/>
+        </p:spPr>
+        <p:txBody>
+          <a:bodyPr wrap="square" rtlCol="0">
+            <a:spAutoFit/>
+          </a:bodyPr>
+          <a:lstStyle/>
+          <a:p>
+            <a:pPr algn="ctr"/>
+            <a:r>
+              <a:rPr lang="ko-KR" altLang="en-US" sz="2400" dirty="0">
+                <a:ln w="12700">
+                  <a:solidFill>
+                    <a:schemeClr val="accent1">
+                      <a:lumMod val="75000"/>
+                    </a:schemeClr>
+                  </a:solidFill>
+                </a:ln>
+                <a:solidFill>
+                  <a:schemeClr val="bg1"/>
+                </a:solidFill>
+                <a:latin typeface="고도 B" panose="02000503000000020004" pitchFamily="2" charset="-127"/>
+                <a:ea typeface="고도 B" panose="02000503000000020004" pitchFamily="2" charset="-127"/>
+              </a:rPr>
+              <a:t>송장 등록 버튼</a:t>
+            </a:r>
+          </a:p>
+        </p:txBody>
+      </p:sp>
     </p:spTree>
     <p:extLst>
       <p:ext uri="{BB962C8B-B14F-4D97-AF65-F5344CB8AC3E}">
-        <p14:creationId xmlns:p14="http://schemas.microsoft.com/office/powerpoint/2010/main" val="2579425048"/>
+        <p14:creationId xmlns:p14="http://schemas.microsoft.com/office/powerpoint/2010/main" val="3172231758"/>
       </p:ext>
     </p:extLst>
   </p:cSld>
   <p:clrMapOvr>
     <a:masterClrMapping/>
   </p:clrMapOvr>
+  <p:timing>
+    <p:tnLst>
+      <p:par>
+        <p:cTn id="1" dur="indefinite" restart="never" nodeType="tmRoot">
+          <p:childTnLst>
+            <p:seq concurrent="1" nextAc="seek">
+              <p:cTn id="2" dur="indefinite" nodeType="mainSeq">
+                <p:childTnLst>
+                  <p:par>
+                    <p:cTn id="3" fill="hold">
+                      <p:stCondLst>
+                        <p:cond delay="indefinite"/>
+                      </p:stCondLst>
+                      <p:childTnLst>
+                        <p:par>
+                          <p:cTn id="4" fill="hold">
+                            <p:stCondLst>
+                              <p:cond delay="0"/>
+                            </p:stCondLst>
+                            <p:childTnLst>
+                              <p:par>
+                                <p:cTn id="5" presetID="10" presetClass="entr" presetSubtype="0" fill="hold" nodeType="clickEffect">
+                                  <p:stCondLst>
+                                    <p:cond delay="0"/>
+                                  </p:stCondLst>
+                                  <p:childTnLst>
+                                    <p:set>
+                                      <p:cBhvr>
+                                        <p:cTn id="6" dur="1" fill="hold">
+                                          <p:stCondLst>
+                                            <p:cond delay="0"/>
+                                          </p:stCondLst>
+                                        </p:cTn>
+                                        <p:tgtEl>
+                                          <p:spTgt spid="5"/>
+                                        </p:tgtEl>
+                                        <p:attrNameLst>
+                                          <p:attrName>style.visibility</p:attrName>
+                                        </p:attrNameLst>
+                                      </p:cBhvr>
+                                      <p:to>
+                                        <p:strVal val="visible"/>
+                                      </p:to>
+                                    </p:set>
+                                    <p:animEffect transition="in" filter="fade">
+                                      <p:cBhvr>
+                                        <p:cTn id="7" dur="500"/>
+                                        <p:tgtEl>
+                                          <p:spTgt spid="5"/>
+                                        </p:tgtEl>
+                                      </p:cBhvr>
+                                    </p:animEffect>
+                                  </p:childTnLst>
+                                </p:cTn>
+                              </p:par>
+                              <p:par>
+                                <p:cTn id="8" presetID="10" presetClass="entr" presetSubtype="0" fill="hold" grpId="0" nodeType="withEffect">
+                                  <p:stCondLst>
+                                    <p:cond delay="0"/>
+                                  </p:stCondLst>
+                                  <p:childTnLst>
+                                    <p:set>
+                                      <p:cBhvr>
+                                        <p:cTn id="9" dur="1" fill="hold">
+                                          <p:stCondLst>
+                                            <p:cond delay="0"/>
+                                          </p:stCondLst>
+                                        </p:cTn>
+                                        <p:tgtEl>
+                                          <p:spTgt spid="2"/>
+                                        </p:tgtEl>
+                                        <p:attrNameLst>
+                                          <p:attrName>style.visibility</p:attrName>
+                                        </p:attrNameLst>
+                                      </p:cBhvr>
+                                      <p:to>
+                                        <p:strVal val="visible"/>
+                                      </p:to>
+                                    </p:set>
+                                    <p:animEffect transition="in" filter="fade">
+                                      <p:cBhvr>
+                                        <p:cTn id="10" dur="500"/>
+                                        <p:tgtEl>
+                                          <p:spTgt spid="2"/>
+                                        </p:tgtEl>
+                                      </p:cBhvr>
+                                    </p:animEffect>
+                                  </p:childTnLst>
+                                </p:cTn>
+                              </p:par>
+                              <p:par>
+                                <p:cTn id="11" presetID="10" presetClass="entr" presetSubtype="0" fill="hold" grpId="0" nodeType="withEffect">
+                                  <p:stCondLst>
+                                    <p:cond delay="0"/>
+                                  </p:stCondLst>
+                                  <p:childTnLst>
+                                    <p:set>
+                                      <p:cBhvr>
+                                        <p:cTn id="12" dur="1" fill="hold">
+                                          <p:stCondLst>
+                                            <p:cond delay="0"/>
+                                          </p:stCondLst>
+                                        </p:cTn>
+                                        <p:tgtEl>
+                                          <p:spTgt spid="10"/>
+                                        </p:tgtEl>
+                                        <p:attrNameLst>
+                                          <p:attrName>style.visibility</p:attrName>
+                                        </p:attrNameLst>
+                                      </p:cBhvr>
+                                      <p:to>
+                                        <p:strVal val="visible"/>
+                                      </p:to>
+                                    </p:set>
+                                    <p:animEffect transition="in" filter="fade">
+                                      <p:cBhvr>
+                                        <p:cTn id="13" dur="500"/>
+                                        <p:tgtEl>
+                                          <p:spTgt spid="10"/>
+                                        </p:tgtEl>
+                                      </p:cBhvr>
+                                    </p:animEffect>
+                                  </p:childTnLst>
+                                </p:cTn>
+                              </p:par>
+                            </p:childTnLst>
+                          </p:cTn>
+                        </p:par>
+                      </p:childTnLst>
+                    </p:cTn>
+                  </p:par>
+                  <p:par>
+                    <p:cTn id="14" fill="hold">
+                      <p:stCondLst>
+                        <p:cond delay="indefinite"/>
+                      </p:stCondLst>
+                      <p:childTnLst>
+                        <p:par>
+                          <p:cTn id="15" fill="hold">
+                            <p:stCondLst>
+                              <p:cond delay="0"/>
+                            </p:stCondLst>
+                            <p:childTnLst>
+                              <p:par>
+                                <p:cTn id="16" presetID="1" presetClass="exit" presetSubtype="0" fill="hold" grpId="1" nodeType="clickEffect">
+                                  <p:stCondLst>
+                                    <p:cond delay="0"/>
+                                  </p:stCondLst>
+                                  <p:childTnLst>
+                                    <p:set>
+                                      <p:cBhvr>
+                                        <p:cTn id="17" dur="1" fill="hold">
+                                          <p:stCondLst>
+                                            <p:cond delay="0"/>
+                                          </p:stCondLst>
+                                        </p:cTn>
+                                        <p:tgtEl>
+                                          <p:spTgt spid="2"/>
+                                        </p:tgtEl>
+                                        <p:attrNameLst>
+                                          <p:attrName>style.visibility</p:attrName>
+                                        </p:attrNameLst>
+                                      </p:cBhvr>
+                                      <p:to>
+                                        <p:strVal val="hidden"/>
+                                      </p:to>
+                                    </p:set>
+                                  </p:childTnLst>
+                                </p:cTn>
+                              </p:par>
+                              <p:par>
+                                <p:cTn id="18" presetID="1" presetClass="exit" presetSubtype="0" fill="hold" grpId="1" nodeType="withEffect">
+                                  <p:stCondLst>
+                                    <p:cond delay="0"/>
+                                  </p:stCondLst>
+                                  <p:childTnLst>
+                                    <p:set>
+                                      <p:cBhvr>
+                                        <p:cTn id="19" dur="1" fill="hold">
+                                          <p:stCondLst>
+                                            <p:cond delay="0"/>
+                                          </p:stCondLst>
+                                        </p:cTn>
+                                        <p:tgtEl>
+                                          <p:spTgt spid="10"/>
+                                        </p:tgtEl>
+                                        <p:attrNameLst>
+                                          <p:attrName>style.visibility</p:attrName>
+                                        </p:attrNameLst>
+                                      </p:cBhvr>
+                                      <p:to>
+                                        <p:strVal val="hidden"/>
+                                      </p:to>
+                                    </p:set>
+                                  </p:childTnLst>
+                                </p:cTn>
+                              </p:par>
+                              <p:par>
+                                <p:cTn id="20" presetID="10" presetClass="entr" presetSubtype="0" fill="hold" nodeType="withEffect">
+                                  <p:stCondLst>
+                                    <p:cond delay="0"/>
+                                  </p:stCondLst>
+                                  <p:childTnLst>
+                                    <p:set>
+                                      <p:cBhvr>
+                                        <p:cTn id="21" dur="1" fill="hold">
+                                          <p:stCondLst>
+                                            <p:cond delay="0"/>
+                                          </p:stCondLst>
+                                        </p:cTn>
+                                        <p:tgtEl>
+                                          <p:spTgt spid="4"/>
+                                        </p:tgtEl>
+                                        <p:attrNameLst>
+                                          <p:attrName>style.visibility</p:attrName>
+                                        </p:attrNameLst>
+                                      </p:cBhvr>
+                                      <p:to>
+                                        <p:strVal val="visible"/>
+                                      </p:to>
+                                    </p:set>
+                                    <p:animEffect transition="in" filter="fade">
+                                      <p:cBhvr>
+                                        <p:cTn id="22" dur="500"/>
+                                        <p:tgtEl>
+                                          <p:spTgt spid="4"/>
+                                        </p:tgtEl>
+                                      </p:cBhvr>
+                                    </p:animEffect>
+                                  </p:childTnLst>
+                                </p:cTn>
+                              </p:par>
+                              <p:par>
+                                <p:cTn id="23" presetID="10" presetClass="entr" presetSubtype="0" fill="hold" grpId="0" nodeType="withEffect">
+                                  <p:stCondLst>
+                                    <p:cond delay="0"/>
+                                  </p:stCondLst>
+                                  <p:childTnLst>
+                                    <p:set>
+                                      <p:cBhvr>
+                                        <p:cTn id="24" dur="1" fill="hold">
+                                          <p:stCondLst>
+                                            <p:cond delay="0"/>
+                                          </p:stCondLst>
+                                        </p:cTn>
+                                        <p:tgtEl>
+                                          <p:spTgt spid="13"/>
+                                        </p:tgtEl>
+                                        <p:attrNameLst>
+                                          <p:attrName>style.visibility</p:attrName>
+                                        </p:attrNameLst>
+                                      </p:cBhvr>
+                                      <p:to>
+                                        <p:strVal val="visible"/>
+                                      </p:to>
+                                    </p:set>
+                                    <p:animEffect transition="in" filter="fade">
+                                      <p:cBhvr>
+                                        <p:cTn id="25" dur="500"/>
+                                        <p:tgtEl>
+                                          <p:spTgt spid="13"/>
+                                        </p:tgtEl>
+                                      </p:cBhvr>
+                                    </p:animEffect>
+                                  </p:childTnLst>
+                                </p:cTn>
+                              </p:par>
+                              <p:par>
+                                <p:cTn id="26" presetID="10" presetClass="entr" presetSubtype="0" fill="hold" grpId="0" nodeType="withEffect">
+                                  <p:stCondLst>
+                                    <p:cond delay="0"/>
+                                  </p:stCondLst>
+                                  <p:childTnLst>
+                                    <p:set>
+                                      <p:cBhvr>
+                                        <p:cTn id="27" dur="1" fill="hold">
+                                          <p:stCondLst>
+                                            <p:cond delay="0"/>
+                                          </p:stCondLst>
+                                        </p:cTn>
+                                        <p:tgtEl>
+                                          <p:spTgt spid="14"/>
+                                        </p:tgtEl>
+                                        <p:attrNameLst>
+                                          <p:attrName>style.visibility</p:attrName>
+                                        </p:attrNameLst>
+                                      </p:cBhvr>
+                                      <p:to>
+                                        <p:strVal val="visible"/>
+                                      </p:to>
+                                    </p:set>
+                                    <p:animEffect transition="in" filter="fade">
+                                      <p:cBhvr>
+                                        <p:cTn id="28" dur="500"/>
+                                        <p:tgtEl>
+                                          <p:spTgt spid="14"/>
+                                        </p:tgtEl>
+                                      </p:cBhvr>
+                                    </p:animEffect>
+                                  </p:childTnLst>
+                                </p:cTn>
+                              </p:par>
+                            </p:childTnLst>
+                          </p:cTn>
+                        </p:par>
+                      </p:childTnLst>
+                    </p:cTn>
+                  </p:par>
+                  <p:par>
+                    <p:cTn id="29" fill="hold">
+                      <p:stCondLst>
+                        <p:cond delay="indefinite"/>
+                      </p:stCondLst>
+                      <p:childTnLst>
+                        <p:par>
+                          <p:cTn id="30" fill="hold">
+                            <p:stCondLst>
+                              <p:cond delay="0"/>
+                            </p:stCondLst>
+                            <p:childTnLst>
+                              <p:par>
+                                <p:cTn id="31" presetID="10" presetClass="exit" presetSubtype="0" fill="hold" nodeType="clickEffect">
+                                  <p:stCondLst>
+                                    <p:cond delay="0"/>
+                                  </p:stCondLst>
+                                  <p:childTnLst>
+                                    <p:animEffect transition="out" filter="fade">
+                                      <p:cBhvr>
+                                        <p:cTn id="32" dur="500"/>
+                                        <p:tgtEl>
+                                          <p:spTgt spid="4"/>
+                                        </p:tgtEl>
+                                      </p:cBhvr>
+                                    </p:animEffect>
+                                    <p:set>
+                                      <p:cBhvr>
+                                        <p:cTn id="33" dur="1" fill="hold">
+                                          <p:stCondLst>
+                                            <p:cond delay="499"/>
+                                          </p:stCondLst>
+                                        </p:cTn>
+                                        <p:tgtEl>
+                                          <p:spTgt spid="4"/>
+                                        </p:tgtEl>
+                                        <p:attrNameLst>
+                                          <p:attrName>style.visibility</p:attrName>
+                                        </p:attrNameLst>
+                                      </p:cBhvr>
+                                      <p:to>
+                                        <p:strVal val="hidden"/>
+                                      </p:to>
+                                    </p:set>
+                                  </p:childTnLst>
+                                </p:cTn>
+                              </p:par>
+                              <p:par>
+                                <p:cTn id="34" presetID="10" presetClass="exit" presetSubtype="0" fill="hold" grpId="2" nodeType="withEffect">
+                                  <p:stCondLst>
+                                    <p:cond delay="0"/>
+                                  </p:stCondLst>
+                                  <p:childTnLst>
+                                    <p:animEffect transition="out" filter="fade">
+                                      <p:cBhvr>
+                                        <p:cTn id="35" dur="500"/>
+                                        <p:tgtEl>
+                                          <p:spTgt spid="14"/>
+                                        </p:tgtEl>
+                                      </p:cBhvr>
+                                    </p:animEffect>
+                                    <p:set>
+                                      <p:cBhvr>
+                                        <p:cTn id="36" dur="1" fill="hold">
+                                          <p:stCondLst>
+                                            <p:cond delay="499"/>
+                                          </p:stCondLst>
+                                        </p:cTn>
+                                        <p:tgtEl>
+                                          <p:spTgt spid="14"/>
+                                        </p:tgtEl>
+                                        <p:attrNameLst>
+                                          <p:attrName>style.visibility</p:attrName>
+                                        </p:attrNameLst>
+                                      </p:cBhvr>
+                                      <p:to>
+                                        <p:strVal val="hidden"/>
+                                      </p:to>
+                                    </p:set>
+                                  </p:childTnLst>
+                                </p:cTn>
+                              </p:par>
+                              <p:par>
+                                <p:cTn id="37" presetID="10" presetClass="exit" presetSubtype="0" fill="hold" grpId="1" nodeType="withEffect">
+                                  <p:stCondLst>
+                                    <p:cond delay="0"/>
+                                  </p:stCondLst>
+                                  <p:childTnLst>
+                                    <p:animEffect transition="out" filter="fade">
+                                      <p:cBhvr>
+                                        <p:cTn id="38" dur="500"/>
+                                        <p:tgtEl>
+                                          <p:spTgt spid="13"/>
+                                        </p:tgtEl>
+                                      </p:cBhvr>
+                                    </p:animEffect>
+                                    <p:set>
+                                      <p:cBhvr>
+                                        <p:cTn id="39" dur="1" fill="hold">
+                                          <p:stCondLst>
+                                            <p:cond delay="499"/>
+                                          </p:stCondLst>
+                                        </p:cTn>
+                                        <p:tgtEl>
+                                          <p:spTgt spid="13"/>
+                                        </p:tgtEl>
+                                        <p:attrNameLst>
+                                          <p:attrName>style.visibility</p:attrName>
+                                        </p:attrNameLst>
+                                      </p:cBhvr>
+                                      <p:to>
+                                        <p:strVal val="hidden"/>
+                                      </p:to>
+                                    </p:set>
+                                  </p:childTnLst>
+                                </p:cTn>
+                              </p:par>
+                              <p:par>
+                                <p:cTn id="40" presetID="10" presetClass="entr" presetSubtype="0" fill="hold" grpId="0" nodeType="withEffect">
+                                  <p:stCondLst>
+                                    <p:cond delay="0"/>
+                                  </p:stCondLst>
+                                  <p:childTnLst>
+                                    <p:set>
+                                      <p:cBhvr>
+                                        <p:cTn id="41" dur="1" fill="hold">
+                                          <p:stCondLst>
+                                            <p:cond delay="0"/>
+                                          </p:stCondLst>
+                                        </p:cTn>
+                                        <p:tgtEl>
+                                          <p:spTgt spid="12"/>
+                                        </p:tgtEl>
+                                        <p:attrNameLst>
+                                          <p:attrName>style.visibility</p:attrName>
+                                        </p:attrNameLst>
+                                      </p:cBhvr>
+                                      <p:to>
+                                        <p:strVal val="visible"/>
+                                      </p:to>
+                                    </p:set>
+                                    <p:animEffect transition="in" filter="fade">
+                                      <p:cBhvr>
+                                        <p:cTn id="42" dur="500"/>
+                                        <p:tgtEl>
+                                          <p:spTgt spid="12"/>
+                                        </p:tgtEl>
+                                      </p:cBhvr>
+                                    </p:animEffect>
+                                  </p:childTnLst>
+                                </p:cTn>
+                              </p:par>
+                              <p:par>
+                                <p:cTn id="43" presetID="10" presetClass="entr" presetSubtype="0" fill="hold" nodeType="withEffect">
+                                  <p:stCondLst>
+                                    <p:cond delay="0"/>
+                                  </p:stCondLst>
+                                  <p:childTnLst>
+                                    <p:set>
+                                      <p:cBhvr>
+                                        <p:cTn id="44" dur="1" fill="hold">
+                                          <p:stCondLst>
+                                            <p:cond delay="0"/>
+                                          </p:stCondLst>
+                                        </p:cTn>
+                                        <p:tgtEl>
+                                          <p:spTgt spid="7"/>
+                                        </p:tgtEl>
+                                        <p:attrNameLst>
+                                          <p:attrName>style.visibility</p:attrName>
+                                        </p:attrNameLst>
+                                      </p:cBhvr>
+                                      <p:to>
+                                        <p:strVal val="visible"/>
+                                      </p:to>
+                                    </p:set>
+                                    <p:animEffect transition="in" filter="fade">
+                                      <p:cBhvr>
+                                        <p:cTn id="45" dur="500"/>
+                                        <p:tgtEl>
+                                          <p:spTgt spid="7"/>
+                                        </p:tgtEl>
+                                      </p:cBhvr>
+                                    </p:animEffect>
+                                  </p:childTnLst>
+                                </p:cTn>
+                              </p:par>
+                              <p:par>
+                                <p:cTn id="46" presetID="10" presetClass="entr" presetSubtype="0" fill="hold" grpId="0" nodeType="withEffect">
+                                  <p:stCondLst>
+                                    <p:cond delay="0"/>
+                                  </p:stCondLst>
+                                  <p:childTnLst>
+                                    <p:set>
+                                      <p:cBhvr>
+                                        <p:cTn id="47" dur="1" fill="hold">
+                                          <p:stCondLst>
+                                            <p:cond delay="0"/>
+                                          </p:stCondLst>
+                                        </p:cTn>
+                                        <p:tgtEl>
+                                          <p:spTgt spid="11"/>
+                                        </p:tgtEl>
+                                        <p:attrNameLst>
+                                          <p:attrName>style.visibility</p:attrName>
+                                        </p:attrNameLst>
+                                      </p:cBhvr>
+                                      <p:to>
+                                        <p:strVal val="visible"/>
+                                      </p:to>
+                                    </p:set>
+                                    <p:animEffect transition="in" filter="fade">
+                                      <p:cBhvr>
+                                        <p:cTn id="48" dur="500"/>
+                                        <p:tgtEl>
+                                          <p:spTgt spid="11"/>
+                                        </p:tgtEl>
+                                      </p:cBhvr>
+                                    </p:animEffect>
+                                  </p:childTnLst>
+                                </p:cTn>
+                              </p:par>
+                            </p:childTnLst>
+                          </p:cTn>
+                        </p:par>
+                      </p:childTnLst>
+                    </p:cTn>
+                  </p:par>
+                </p:childTnLst>
+              </p:cTn>
+              <p:prevCondLst>
+                <p:cond evt="onPrev" delay="0">
+                  <p:tgtEl>
+                    <p:sldTgt/>
+                  </p:tgtEl>
+                </p:cond>
+              </p:prevCondLst>
+              <p:nextCondLst>
+                <p:cond evt="onNext" delay="0">
+                  <p:tgtEl>
+                    <p:sldTgt/>
+                  </p:tgtEl>
+                </p:cond>
+              </p:nextCondLst>
+            </p:seq>
+          </p:childTnLst>
+        </p:cTn>
+      </p:par>
+    </p:tnLst>
+    <p:bldLst>
+      <p:bldP spid="2" grpId="0" animBg="1"/>
+      <p:bldP spid="2" grpId="1" animBg="1"/>
+      <p:bldP spid="10" grpId="0"/>
+      <p:bldP spid="10" grpId="1"/>
+      <p:bldP spid="11" grpId="0"/>
+      <p:bldP spid="12" grpId="0" animBg="1"/>
+      <p:bldP spid="13" grpId="0" animBg="1"/>
+      <p:bldP spid="13" grpId="1" animBg="1"/>
+      <p:bldP spid="14" grpId="0"/>
+      <p:bldP spid="14" grpId="2"/>
+    </p:bldLst>
+  </p:timing>
 </p:sld>
 </file>
 
@@ -4430,10 +8936,10 @@
       </p:sp>
       <p:sp>
         <p:nvSpPr>
-          <p:cNvPr id="9" name="TextBox 8">
+          <p:cNvPr id="4" name="TextBox 3">
             <a:extLst>
               <a:ext uri="{FF2B5EF4-FFF2-40B4-BE49-F238E27FC236}">
-                <a16:creationId xmlns:a16="http://schemas.microsoft.com/office/drawing/2014/main" id="{5D8B5EC4-A12D-4385-8680-5D64041688E4}"/>
+                <a16:creationId xmlns:a16="http://schemas.microsoft.com/office/drawing/2014/main" id="{80EB905D-CFC6-429B-8E13-E71F3BAB749E}"/>
               </a:ext>
             </a:extLst>
           </p:cNvPr>
@@ -4443,7 +8949,7 @@
         <p:spPr>
           <a:xfrm>
             <a:off x="479376" y="159023"/>
-            <a:ext cx="6840760" cy="461665"/>
+            <a:ext cx="8496944" cy="461665"/>
           </a:xfrm>
           <a:prstGeom prst="rect">
             <a:avLst/>
@@ -4544,7 +9050,27 @@
                 <a:latin typeface="고도 B" panose="02000503000000020004" pitchFamily="2" charset="-127"/>
                 <a:ea typeface="고도 B" panose="02000503000000020004" pitchFamily="2" charset="-127"/>
               </a:rPr>
-              <a:t> 송장 상세 목록 </a:t>
+              <a:t> </a:t>
+            </a:r>
+            <a:r>
+              <a:rPr lang="ko-KR" altLang="en-US" sz="2400" dirty="0" err="1">
+                <a:solidFill>
+                  <a:schemeClr val="bg1"/>
+                </a:solidFill>
+                <a:latin typeface="고도 B" panose="02000503000000020004" pitchFamily="2" charset="-127"/>
+                <a:ea typeface="고도 B" panose="02000503000000020004" pitchFamily="2" charset="-127"/>
+              </a:rPr>
+              <a:t>운송사</a:t>
+            </a:r>
+            <a:r>
+              <a:rPr lang="ko-KR" altLang="en-US" sz="2400" dirty="0">
+                <a:solidFill>
+                  <a:schemeClr val="bg1"/>
+                </a:solidFill>
+                <a:latin typeface="고도 B" panose="02000503000000020004" pitchFamily="2" charset="-127"/>
+                <a:ea typeface="고도 B" panose="02000503000000020004" pitchFamily="2" charset="-127"/>
+              </a:rPr>
+              <a:t> 일별 운송내역 </a:t>
             </a:r>
             <a:r>
               <a:rPr lang="en-US" altLang="ko-KR" sz="2400" dirty="0">
@@ -4568,10 +9094,10 @@
       </p:sp>
       <p:pic>
         <p:nvPicPr>
-          <p:cNvPr id="2" name="그림 1">
+          <p:cNvPr id="3" name="그림 2">
             <a:extLst>
               <a:ext uri="{FF2B5EF4-FFF2-40B4-BE49-F238E27FC236}">
-                <a16:creationId xmlns:a16="http://schemas.microsoft.com/office/drawing/2014/main" id="{72DEFCE2-6A09-4296-A6C8-04861BD85BF0}"/>
+                <a16:creationId xmlns:a16="http://schemas.microsoft.com/office/drawing/2014/main" id="{660C6231-27ED-45ED-BADF-0F0BCF8CE8B3}"/>
               </a:ext>
             </a:extLst>
           </p:cNvPr>
@@ -4596,16 +9122,735 @@
           </a:prstGeom>
         </p:spPr>
       </p:pic>
+      <p:pic>
+        <p:nvPicPr>
+          <p:cNvPr id="5" name="그림 4">
+            <a:extLst>
+              <a:ext uri="{FF2B5EF4-FFF2-40B4-BE49-F238E27FC236}">
+                <a16:creationId xmlns:a16="http://schemas.microsoft.com/office/drawing/2014/main" id="{9EA395DF-760E-4870-B5EA-BD6F6B58057C}"/>
+              </a:ext>
+            </a:extLst>
+          </p:cNvPr>
+          <p:cNvPicPr>
+            <a:picLocks noChangeAspect="1"/>
+          </p:cNvPicPr>
+          <p:nvPr/>
+        </p:nvPicPr>
+        <p:blipFill rotWithShape="1">
+          <a:blip r:embed="rId2"/>
+          <a:srcRect l="11714" t="24271" r="1004" b="43837"/>
+          <a:stretch/>
+        </p:blipFill>
+        <p:spPr>
+          <a:xfrm>
+            <a:off x="1703512" y="3284984"/>
+            <a:ext cx="9360000" cy="1852500"/>
+          </a:xfrm>
+          <a:prstGeom prst="rect">
+            <a:avLst/>
+          </a:prstGeom>
+        </p:spPr>
+      </p:pic>
+      <p:sp>
+        <p:nvSpPr>
+          <p:cNvPr id="7" name="직사각형 6">
+            <a:extLst>
+              <a:ext uri="{FF2B5EF4-FFF2-40B4-BE49-F238E27FC236}">
+                <a16:creationId xmlns:a16="http://schemas.microsoft.com/office/drawing/2014/main" id="{12BE43D8-1549-4124-8C9A-933E9A44CD05}"/>
+              </a:ext>
+            </a:extLst>
+          </p:cNvPr>
+          <p:cNvSpPr/>
+          <p:nvPr/>
+        </p:nvSpPr>
+        <p:spPr>
+          <a:xfrm>
+            <a:off x="1847528" y="4005064"/>
+            <a:ext cx="9145016" cy="648072"/>
+          </a:xfrm>
+          <a:prstGeom prst="rect">
+            <a:avLst/>
+          </a:prstGeom>
+          <a:noFill/>
+          <a:ln w="38100">
+            <a:solidFill>
+              <a:srgbClr val="FF0000"/>
+            </a:solidFill>
+          </a:ln>
+        </p:spPr>
+        <p:style>
+          <a:lnRef idx="2">
+            <a:schemeClr val="accent1">
+              <a:shade val="50000"/>
+            </a:schemeClr>
+          </a:lnRef>
+          <a:fillRef idx="1">
+            <a:schemeClr val="accent1"/>
+          </a:fillRef>
+          <a:effectRef idx="0">
+            <a:schemeClr val="accent1"/>
+          </a:effectRef>
+          <a:fontRef idx="minor">
+            <a:schemeClr val="lt1"/>
+          </a:fontRef>
+        </p:style>
+        <p:txBody>
+          <a:bodyPr rot="0" spcFirstLastPara="0" vertOverflow="overflow" horzOverflow="overflow" vert="horz" wrap="square" lIns="91440" tIns="45720" rIns="91440" bIns="45720" numCol="1" spcCol="0" rtlCol="0" fromWordArt="0" anchor="ctr" anchorCtr="0" forceAA="0" compatLnSpc="1">
+            <a:prstTxWarp prst="textNoShape">
+              <a:avLst/>
+            </a:prstTxWarp>
+            <a:noAutofit/>
+          </a:bodyPr>
+          <a:lstStyle/>
+          <a:p>
+            <a:pPr algn="ctr"/>
+            <a:endParaRPr lang="ko-KR" altLang="en-US"/>
+          </a:p>
+        </p:txBody>
+      </p:sp>
+      <p:sp>
+        <p:nvSpPr>
+          <p:cNvPr id="8" name="TextBox 7">
+            <a:extLst>
+              <a:ext uri="{FF2B5EF4-FFF2-40B4-BE49-F238E27FC236}">
+                <a16:creationId xmlns:a16="http://schemas.microsoft.com/office/drawing/2014/main" id="{217DC21C-A45C-4B28-90FF-6DE6FBDF36FD}"/>
+              </a:ext>
+            </a:extLst>
+          </p:cNvPr>
+          <p:cNvSpPr txBox="1"/>
+          <p:nvPr/>
+        </p:nvSpPr>
+        <p:spPr>
+          <a:xfrm>
+            <a:off x="5087888" y="3471391"/>
+            <a:ext cx="2160240" cy="461665"/>
+          </a:xfrm>
+          <a:prstGeom prst="rect">
+            <a:avLst/>
+          </a:prstGeom>
+          <a:noFill/>
+        </p:spPr>
+        <p:txBody>
+          <a:bodyPr wrap="square" rtlCol="0">
+            <a:spAutoFit/>
+          </a:bodyPr>
+          <a:lstStyle/>
+          <a:p>
+            <a:pPr algn="ctr"/>
+            <a:r>
+              <a:rPr lang="ko-KR" altLang="en-US" sz="2400" dirty="0">
+                <a:ln w="12700">
+                  <a:solidFill>
+                    <a:schemeClr val="accent1">
+                      <a:lumMod val="75000"/>
+                    </a:schemeClr>
+                  </a:solidFill>
+                </a:ln>
+                <a:solidFill>
+                  <a:schemeClr val="bg1"/>
+                </a:solidFill>
+                <a:latin typeface="고도 B" panose="02000503000000020004" pitchFamily="2" charset="-127"/>
+                <a:ea typeface="고도 B" panose="02000503000000020004" pitchFamily="2" charset="-127"/>
+              </a:rPr>
+              <a:t>당일 송장 목록</a:t>
+            </a:r>
+          </a:p>
+        </p:txBody>
+      </p:sp>
+      <p:sp>
+        <p:nvSpPr>
+          <p:cNvPr id="9" name="직사각형 8">
+            <a:extLst>
+              <a:ext uri="{FF2B5EF4-FFF2-40B4-BE49-F238E27FC236}">
+                <a16:creationId xmlns:a16="http://schemas.microsoft.com/office/drawing/2014/main" id="{33E56831-C73C-467B-8334-BF09536F525A}"/>
+              </a:ext>
+            </a:extLst>
+          </p:cNvPr>
+          <p:cNvSpPr/>
+          <p:nvPr/>
+        </p:nvSpPr>
+        <p:spPr>
+          <a:xfrm>
+            <a:off x="10488488" y="3356991"/>
+            <a:ext cx="504056" cy="365957"/>
+          </a:xfrm>
+          <a:prstGeom prst="rect">
+            <a:avLst/>
+          </a:prstGeom>
+          <a:noFill/>
+          <a:ln w="38100">
+            <a:solidFill>
+              <a:srgbClr val="FF0000"/>
+            </a:solidFill>
+          </a:ln>
+        </p:spPr>
+        <p:style>
+          <a:lnRef idx="2">
+            <a:schemeClr val="accent1">
+              <a:shade val="50000"/>
+            </a:schemeClr>
+          </a:lnRef>
+          <a:fillRef idx="1">
+            <a:schemeClr val="accent1"/>
+          </a:fillRef>
+          <a:effectRef idx="0">
+            <a:schemeClr val="accent1"/>
+          </a:effectRef>
+          <a:fontRef idx="minor">
+            <a:schemeClr val="lt1"/>
+          </a:fontRef>
+        </p:style>
+        <p:txBody>
+          <a:bodyPr rot="0" spcFirstLastPara="0" vertOverflow="overflow" horzOverflow="overflow" vert="horz" wrap="square" lIns="91440" tIns="45720" rIns="91440" bIns="45720" numCol="1" spcCol="0" rtlCol="0" fromWordArt="0" anchor="ctr" anchorCtr="0" forceAA="0" compatLnSpc="1">
+            <a:prstTxWarp prst="textNoShape">
+              <a:avLst/>
+            </a:prstTxWarp>
+            <a:noAutofit/>
+          </a:bodyPr>
+          <a:lstStyle/>
+          <a:p>
+            <a:pPr algn="ctr"/>
+            <a:endParaRPr lang="ko-KR" altLang="en-US"/>
+          </a:p>
+        </p:txBody>
+      </p:sp>
+      <p:sp>
+        <p:nvSpPr>
+          <p:cNvPr id="10" name="TextBox 9">
+            <a:extLst>
+              <a:ext uri="{FF2B5EF4-FFF2-40B4-BE49-F238E27FC236}">
+                <a16:creationId xmlns:a16="http://schemas.microsoft.com/office/drawing/2014/main" id="{DA7FDFC8-A644-4EFE-BD17-11BAD3622A5F}"/>
+              </a:ext>
+            </a:extLst>
+          </p:cNvPr>
+          <p:cNvSpPr txBox="1"/>
+          <p:nvPr/>
+        </p:nvSpPr>
+        <p:spPr>
+          <a:xfrm>
+            <a:off x="9623512" y="2708920"/>
+            <a:ext cx="2377144" cy="461665"/>
+          </a:xfrm>
+          <a:prstGeom prst="rect">
+            <a:avLst/>
+          </a:prstGeom>
+          <a:noFill/>
+        </p:spPr>
+        <p:txBody>
+          <a:bodyPr wrap="square" rtlCol="0">
+            <a:spAutoFit/>
+          </a:bodyPr>
+          <a:lstStyle/>
+          <a:p>
+            <a:pPr algn="ctr"/>
+            <a:r>
+              <a:rPr lang="ko-KR" altLang="en-US" sz="2400" err="1">
+                <a:ln w="12700">
+                  <a:solidFill>
+                    <a:schemeClr val="accent1">
+                      <a:lumMod val="75000"/>
+                    </a:schemeClr>
+                  </a:solidFill>
+                </a:ln>
+                <a:solidFill>
+                  <a:schemeClr val="bg1"/>
+                </a:solidFill>
+                <a:latin typeface="고도 B" panose="02000503000000020004" pitchFamily="2" charset="-127"/>
+                <a:ea typeface="고도 B" panose="02000503000000020004" pitchFamily="2" charset="-127"/>
+              </a:rPr>
+              <a:t>운송사</a:t>
+            </a:r>
+            <a:r>
+              <a:rPr lang="ko-KR" altLang="en-US" sz="2400" dirty="0">
+                <a:ln w="12700">
+                  <a:solidFill>
+                    <a:schemeClr val="accent1">
+                      <a:lumMod val="75000"/>
+                    </a:schemeClr>
+                  </a:solidFill>
+                </a:ln>
+                <a:solidFill>
+                  <a:schemeClr val="bg1"/>
+                </a:solidFill>
+                <a:latin typeface="고도 B" panose="02000503000000020004" pitchFamily="2" charset="-127"/>
+                <a:ea typeface="고도 B" panose="02000503000000020004" pitchFamily="2" charset="-127"/>
+              </a:rPr>
+              <a:t> 출고 버튼</a:t>
+            </a:r>
+          </a:p>
+        </p:txBody>
+      </p:sp>
+      <p:sp>
+        <p:nvSpPr>
+          <p:cNvPr id="11" name="TextBox 10">
+            <a:extLst>
+              <a:ext uri="{FF2B5EF4-FFF2-40B4-BE49-F238E27FC236}">
+                <a16:creationId xmlns:a16="http://schemas.microsoft.com/office/drawing/2014/main" id="{C3A8116B-1785-4A88-AE9F-5C36C8F48210}"/>
+              </a:ext>
+            </a:extLst>
+          </p:cNvPr>
+          <p:cNvSpPr txBox="1"/>
+          <p:nvPr/>
+        </p:nvSpPr>
+        <p:spPr>
+          <a:xfrm>
+            <a:off x="335360" y="6381328"/>
+            <a:ext cx="7848872" cy="400110"/>
+          </a:xfrm>
+          <a:prstGeom prst="rect">
+            <a:avLst/>
+          </a:prstGeom>
+          <a:noFill/>
+        </p:spPr>
+        <p:txBody>
+          <a:bodyPr wrap="square" rtlCol="0">
+            <a:spAutoFit/>
+          </a:bodyPr>
+          <a:lstStyle/>
+          <a:p>
+            <a:pPr algn="l"/>
+            <a:r>
+              <a:rPr lang="ko-KR" altLang="en-US" sz="1000" dirty="0">
+                <a:solidFill>
+                  <a:schemeClr val="bg1"/>
+                </a:solidFill>
+                <a:latin typeface="고도 B" panose="02000503000000020004" pitchFamily="2" charset="-127"/>
+                <a:ea typeface="고도 B" panose="02000503000000020004" pitchFamily="2" charset="-127"/>
+              </a:rPr>
+              <a:t>쇼핑몰 송장 목록과는 다르게 운송사에 해당하는 송장 목록만 표시됩니다</a:t>
+            </a:r>
+            <a:r>
+              <a:rPr lang="en-US" altLang="ko-KR" sz="1000" dirty="0">
+                <a:solidFill>
+                  <a:schemeClr val="bg1"/>
+                </a:solidFill>
+                <a:latin typeface="고도 B" panose="02000503000000020004" pitchFamily="2" charset="-127"/>
+                <a:ea typeface="고도 B" panose="02000503000000020004" pitchFamily="2" charset="-127"/>
+              </a:rPr>
+              <a:t>. </a:t>
+            </a:r>
+            <a:r>
+              <a:rPr lang="ko-KR" altLang="en-US" sz="1000" dirty="0">
+                <a:solidFill>
+                  <a:schemeClr val="bg1"/>
+                </a:solidFill>
+                <a:latin typeface="고도 B" panose="02000503000000020004" pitchFamily="2" charset="-127"/>
+                <a:ea typeface="고도 B" panose="02000503000000020004" pitchFamily="2" charset="-127"/>
+              </a:rPr>
+              <a:t>또한</a:t>
+            </a:r>
+            <a:r>
+              <a:rPr lang="en-US" altLang="ko-KR" sz="1000" dirty="0">
+                <a:solidFill>
+                  <a:schemeClr val="bg1"/>
+                </a:solidFill>
+                <a:latin typeface="고도 B" panose="02000503000000020004" pitchFamily="2" charset="-127"/>
+                <a:ea typeface="고도 B" panose="02000503000000020004" pitchFamily="2" charset="-127"/>
+              </a:rPr>
+              <a:t>,</a:t>
+            </a:r>
+            <a:r>
+              <a:rPr lang="ko-KR" altLang="en-US" sz="1000" dirty="0">
+                <a:solidFill>
+                  <a:schemeClr val="bg1"/>
+                </a:solidFill>
+                <a:latin typeface="고도 B" panose="02000503000000020004" pitchFamily="2" charset="-127"/>
+                <a:ea typeface="고도 B" panose="02000503000000020004" pitchFamily="2" charset="-127"/>
+              </a:rPr>
+              <a:t> 출고 버튼을 통해 제품의 재고 상태 확인 후 출고를 합니다</a:t>
+            </a:r>
+            <a:r>
+              <a:rPr lang="en-US" altLang="ko-KR" sz="1000" dirty="0">
+                <a:solidFill>
+                  <a:schemeClr val="bg1"/>
+                </a:solidFill>
+                <a:latin typeface="고도 B" panose="02000503000000020004" pitchFamily="2" charset="-127"/>
+                <a:ea typeface="고도 B" panose="02000503000000020004" pitchFamily="2" charset="-127"/>
+              </a:rPr>
+              <a:t>.</a:t>
+            </a:r>
+          </a:p>
+          <a:p>
+            <a:pPr algn="l"/>
+            <a:r>
+              <a:rPr lang="ko-KR" altLang="en-US" sz="1000" dirty="0">
+                <a:solidFill>
+                  <a:schemeClr val="bg1"/>
+                </a:solidFill>
+                <a:latin typeface="고도 B" panose="02000503000000020004" pitchFamily="2" charset="-127"/>
+                <a:ea typeface="고도 B" panose="02000503000000020004" pitchFamily="2" charset="-127"/>
+              </a:rPr>
+              <a:t>재고 부족 시</a:t>
+            </a:r>
+            <a:r>
+              <a:rPr lang="en-US" altLang="ko-KR" sz="1000" dirty="0">
+                <a:solidFill>
+                  <a:schemeClr val="bg1"/>
+                </a:solidFill>
+                <a:latin typeface="고도 B" panose="02000503000000020004" pitchFamily="2" charset="-127"/>
+                <a:ea typeface="고도 B" panose="02000503000000020004" pitchFamily="2" charset="-127"/>
+              </a:rPr>
+              <a:t>,</a:t>
+            </a:r>
+            <a:r>
+              <a:rPr lang="ko-KR" altLang="en-US" sz="1000" dirty="0">
+                <a:solidFill>
+                  <a:schemeClr val="bg1"/>
+                </a:solidFill>
+                <a:latin typeface="고도 B" panose="02000503000000020004" pitchFamily="2" charset="-127"/>
+                <a:ea typeface="고도 B" panose="02000503000000020004" pitchFamily="2" charset="-127"/>
+              </a:rPr>
+              <a:t> 공급처에 물품을 발주 합니다</a:t>
+            </a:r>
+            <a:r>
+              <a:rPr lang="en-US" altLang="ko-KR" sz="1000" dirty="0">
+                <a:solidFill>
+                  <a:schemeClr val="bg1"/>
+                </a:solidFill>
+                <a:latin typeface="고도 B" panose="02000503000000020004" pitchFamily="2" charset="-127"/>
+                <a:ea typeface="고도 B" panose="02000503000000020004" pitchFamily="2" charset="-127"/>
+              </a:rPr>
+              <a:t>.</a:t>
+            </a:r>
+            <a:endParaRPr lang="ko-KR" altLang="en-US" sz="1000" dirty="0">
+              <a:solidFill>
+                <a:schemeClr val="bg1"/>
+              </a:solidFill>
+              <a:latin typeface="고도 B" panose="02000503000000020004" pitchFamily="2" charset="-127"/>
+              <a:ea typeface="고도 B" panose="02000503000000020004" pitchFamily="2" charset="-127"/>
+            </a:endParaRPr>
+          </a:p>
+        </p:txBody>
+      </p:sp>
     </p:spTree>
     <p:extLst>
       <p:ext uri="{BB962C8B-B14F-4D97-AF65-F5344CB8AC3E}">
-        <p14:creationId xmlns:p14="http://schemas.microsoft.com/office/powerpoint/2010/main" val="1523281488"/>
+        <p14:creationId xmlns:p14="http://schemas.microsoft.com/office/powerpoint/2010/main" val="2579425048"/>
       </p:ext>
     </p:extLst>
   </p:cSld>
   <p:clrMapOvr>
     <a:masterClrMapping/>
   </p:clrMapOvr>
+  <p:timing>
+    <p:tnLst>
+      <p:par>
+        <p:cTn id="1" dur="indefinite" restart="never" nodeType="tmRoot">
+          <p:childTnLst>
+            <p:seq concurrent="1" nextAc="seek">
+              <p:cTn id="2" dur="indefinite" nodeType="mainSeq">
+                <p:childTnLst>
+                  <p:par>
+                    <p:cTn id="3" fill="hold">
+                      <p:stCondLst>
+                        <p:cond delay="indefinite"/>
+                      </p:stCondLst>
+                      <p:childTnLst>
+                        <p:par>
+                          <p:cTn id="4" fill="hold">
+                            <p:stCondLst>
+                              <p:cond delay="0"/>
+                            </p:stCondLst>
+                            <p:childTnLst>
+                              <p:par>
+                                <p:cTn id="5" presetID="10" presetClass="entr" presetSubtype="0" fill="hold" grpId="0" nodeType="clickEffect">
+                                  <p:stCondLst>
+                                    <p:cond delay="0"/>
+                                  </p:stCondLst>
+                                  <p:childTnLst>
+                                    <p:set>
+                                      <p:cBhvr>
+                                        <p:cTn id="6" dur="1" fill="hold">
+                                          <p:stCondLst>
+                                            <p:cond delay="0"/>
+                                          </p:stCondLst>
+                                        </p:cTn>
+                                        <p:tgtEl>
+                                          <p:spTgt spid="7"/>
+                                        </p:tgtEl>
+                                        <p:attrNameLst>
+                                          <p:attrName>style.visibility</p:attrName>
+                                        </p:attrNameLst>
+                                      </p:cBhvr>
+                                      <p:to>
+                                        <p:strVal val="visible"/>
+                                      </p:to>
+                                    </p:set>
+                                    <p:animEffect transition="in" filter="fade">
+                                      <p:cBhvr>
+                                        <p:cTn id="7" dur="500"/>
+                                        <p:tgtEl>
+                                          <p:spTgt spid="7"/>
+                                        </p:tgtEl>
+                                      </p:cBhvr>
+                                    </p:animEffect>
+                                  </p:childTnLst>
+                                </p:cTn>
+                              </p:par>
+                              <p:par>
+                                <p:cTn id="8" presetID="10" presetClass="entr" presetSubtype="0" fill="hold" nodeType="withEffect">
+                                  <p:stCondLst>
+                                    <p:cond delay="0"/>
+                                  </p:stCondLst>
+                                  <p:childTnLst>
+                                    <p:set>
+                                      <p:cBhvr>
+                                        <p:cTn id="9" dur="1" fill="hold">
+                                          <p:stCondLst>
+                                            <p:cond delay="0"/>
+                                          </p:stCondLst>
+                                        </p:cTn>
+                                        <p:tgtEl>
+                                          <p:spTgt spid="5"/>
+                                        </p:tgtEl>
+                                        <p:attrNameLst>
+                                          <p:attrName>style.visibility</p:attrName>
+                                        </p:attrNameLst>
+                                      </p:cBhvr>
+                                      <p:to>
+                                        <p:strVal val="visible"/>
+                                      </p:to>
+                                    </p:set>
+                                    <p:animEffect transition="in" filter="fade">
+                                      <p:cBhvr>
+                                        <p:cTn id="10" dur="500"/>
+                                        <p:tgtEl>
+                                          <p:spTgt spid="5"/>
+                                        </p:tgtEl>
+                                      </p:cBhvr>
+                                    </p:animEffect>
+                                  </p:childTnLst>
+                                </p:cTn>
+                              </p:par>
+                              <p:par>
+                                <p:cTn id="11" presetID="10" presetClass="entr" presetSubtype="0" fill="hold" grpId="0" nodeType="withEffect">
+                                  <p:stCondLst>
+                                    <p:cond delay="0"/>
+                                  </p:stCondLst>
+                                  <p:childTnLst>
+                                    <p:set>
+                                      <p:cBhvr>
+                                        <p:cTn id="12" dur="1" fill="hold">
+                                          <p:stCondLst>
+                                            <p:cond delay="0"/>
+                                          </p:stCondLst>
+                                        </p:cTn>
+                                        <p:tgtEl>
+                                          <p:spTgt spid="8"/>
+                                        </p:tgtEl>
+                                        <p:attrNameLst>
+                                          <p:attrName>style.visibility</p:attrName>
+                                        </p:attrNameLst>
+                                      </p:cBhvr>
+                                      <p:to>
+                                        <p:strVal val="visible"/>
+                                      </p:to>
+                                    </p:set>
+                                    <p:animEffect transition="in" filter="fade">
+                                      <p:cBhvr>
+                                        <p:cTn id="13" dur="500"/>
+                                        <p:tgtEl>
+                                          <p:spTgt spid="8"/>
+                                        </p:tgtEl>
+                                      </p:cBhvr>
+                                    </p:animEffect>
+                                  </p:childTnLst>
+                                </p:cTn>
+                              </p:par>
+                            </p:childTnLst>
+                          </p:cTn>
+                        </p:par>
+                      </p:childTnLst>
+                    </p:cTn>
+                  </p:par>
+                  <p:par>
+                    <p:cTn id="14" fill="hold">
+                      <p:stCondLst>
+                        <p:cond delay="indefinite"/>
+                      </p:stCondLst>
+                      <p:childTnLst>
+                        <p:par>
+                          <p:cTn id="15" fill="hold">
+                            <p:stCondLst>
+                              <p:cond delay="0"/>
+                            </p:stCondLst>
+                            <p:childTnLst>
+                              <p:par>
+                                <p:cTn id="16" presetID="10" presetClass="exit" presetSubtype="0" fill="hold" grpId="1" nodeType="clickEffect">
+                                  <p:stCondLst>
+                                    <p:cond delay="0"/>
+                                  </p:stCondLst>
+                                  <p:childTnLst>
+                                    <p:animEffect transition="out" filter="fade">
+                                      <p:cBhvr>
+                                        <p:cTn id="17" dur="500"/>
+                                        <p:tgtEl>
+                                          <p:spTgt spid="7"/>
+                                        </p:tgtEl>
+                                      </p:cBhvr>
+                                    </p:animEffect>
+                                    <p:set>
+                                      <p:cBhvr>
+                                        <p:cTn id="18" dur="1" fill="hold">
+                                          <p:stCondLst>
+                                            <p:cond delay="499"/>
+                                          </p:stCondLst>
+                                        </p:cTn>
+                                        <p:tgtEl>
+                                          <p:spTgt spid="7"/>
+                                        </p:tgtEl>
+                                        <p:attrNameLst>
+                                          <p:attrName>style.visibility</p:attrName>
+                                        </p:attrNameLst>
+                                      </p:cBhvr>
+                                      <p:to>
+                                        <p:strVal val="hidden"/>
+                                      </p:to>
+                                    </p:set>
+                                  </p:childTnLst>
+                                </p:cTn>
+                              </p:par>
+                              <p:par>
+                                <p:cTn id="19" presetID="10" presetClass="exit" presetSubtype="0" fill="hold" grpId="1" nodeType="withEffect">
+                                  <p:stCondLst>
+                                    <p:cond delay="0"/>
+                                  </p:stCondLst>
+                                  <p:childTnLst>
+                                    <p:animEffect transition="out" filter="fade">
+                                      <p:cBhvr>
+                                        <p:cTn id="20" dur="500"/>
+                                        <p:tgtEl>
+                                          <p:spTgt spid="8"/>
+                                        </p:tgtEl>
+                                      </p:cBhvr>
+                                    </p:animEffect>
+                                    <p:set>
+                                      <p:cBhvr>
+                                        <p:cTn id="21" dur="1" fill="hold">
+                                          <p:stCondLst>
+                                            <p:cond delay="499"/>
+                                          </p:stCondLst>
+                                        </p:cTn>
+                                        <p:tgtEl>
+                                          <p:spTgt spid="8"/>
+                                        </p:tgtEl>
+                                        <p:attrNameLst>
+                                          <p:attrName>style.visibility</p:attrName>
+                                        </p:attrNameLst>
+                                      </p:cBhvr>
+                                      <p:to>
+                                        <p:strVal val="hidden"/>
+                                      </p:to>
+                                    </p:set>
+                                  </p:childTnLst>
+                                </p:cTn>
+                              </p:par>
+                              <p:par>
+                                <p:cTn id="22" presetID="10" presetClass="entr" presetSubtype="0" fill="hold" grpId="0" nodeType="withEffect">
+                                  <p:stCondLst>
+                                    <p:cond delay="0"/>
+                                  </p:stCondLst>
+                                  <p:childTnLst>
+                                    <p:set>
+                                      <p:cBhvr>
+                                        <p:cTn id="23" dur="1" fill="hold">
+                                          <p:stCondLst>
+                                            <p:cond delay="0"/>
+                                          </p:stCondLst>
+                                        </p:cTn>
+                                        <p:tgtEl>
+                                          <p:spTgt spid="9"/>
+                                        </p:tgtEl>
+                                        <p:attrNameLst>
+                                          <p:attrName>style.visibility</p:attrName>
+                                        </p:attrNameLst>
+                                      </p:cBhvr>
+                                      <p:to>
+                                        <p:strVal val="visible"/>
+                                      </p:to>
+                                    </p:set>
+                                    <p:animEffect transition="in" filter="fade">
+                                      <p:cBhvr>
+                                        <p:cTn id="24" dur="500"/>
+                                        <p:tgtEl>
+                                          <p:spTgt spid="9"/>
+                                        </p:tgtEl>
+                                      </p:cBhvr>
+                                    </p:animEffect>
+                                  </p:childTnLst>
+                                </p:cTn>
+                              </p:par>
+                              <p:par>
+                                <p:cTn id="25" presetID="10" presetClass="entr" presetSubtype="0" fill="hold" grpId="0" nodeType="withEffect">
+                                  <p:stCondLst>
+                                    <p:cond delay="0"/>
+                                  </p:stCondLst>
+                                  <p:childTnLst>
+                                    <p:set>
+                                      <p:cBhvr>
+                                        <p:cTn id="26" dur="1" fill="hold">
+                                          <p:stCondLst>
+                                            <p:cond delay="0"/>
+                                          </p:stCondLst>
+                                        </p:cTn>
+                                        <p:tgtEl>
+                                          <p:spTgt spid="10"/>
+                                        </p:tgtEl>
+                                        <p:attrNameLst>
+                                          <p:attrName>style.visibility</p:attrName>
+                                        </p:attrNameLst>
+                                      </p:cBhvr>
+                                      <p:to>
+                                        <p:strVal val="visible"/>
+                                      </p:to>
+                                    </p:set>
+                                    <p:animEffect transition="in" filter="fade">
+                                      <p:cBhvr>
+                                        <p:cTn id="27" dur="500"/>
+                                        <p:tgtEl>
+                                          <p:spTgt spid="10"/>
+                                        </p:tgtEl>
+                                      </p:cBhvr>
+                                    </p:animEffect>
+                                  </p:childTnLst>
+                                </p:cTn>
+                              </p:par>
+                            </p:childTnLst>
+                          </p:cTn>
+                        </p:par>
+                      </p:childTnLst>
+                    </p:cTn>
+                  </p:par>
+                </p:childTnLst>
+              </p:cTn>
+              <p:prevCondLst>
+                <p:cond evt="onPrev" delay="0">
+                  <p:tgtEl>
+                    <p:sldTgt/>
+                  </p:tgtEl>
+                </p:cond>
+              </p:prevCondLst>
+              <p:nextCondLst>
+                <p:cond evt="onNext" delay="0">
+                  <p:tgtEl>
+                    <p:sldTgt/>
+                  </p:tgtEl>
+                </p:cond>
+              </p:nextCondLst>
+            </p:seq>
+          </p:childTnLst>
+        </p:cTn>
+      </p:par>
+    </p:tnLst>
+    <p:bldLst>
+      <p:bldP spid="7" grpId="0" animBg="1"/>
+      <p:bldP spid="7" grpId="1" animBg="1"/>
+      <p:bldP spid="8" grpId="0"/>
+      <p:bldP spid="8" grpId="1"/>
+      <p:bldP spid="9" grpId="0" animBg="1"/>
+      <p:bldP spid="10" grpId="0"/>
+    </p:bldLst>
+  </p:timing>
 </p:sld>
 </file>
 
@@ -4783,7 +10028,7 @@
                 <a:latin typeface="고도 B" panose="02000503000000020004" pitchFamily="2" charset="-127"/>
                 <a:ea typeface="고도 B" panose="02000503000000020004" pitchFamily="2" charset="-127"/>
               </a:rPr>
-              <a:t> 월별 송장 목록 </a:t>
+              <a:t> 송장 상세 </a:t>
             </a:r>
             <a:r>
               <a:rPr lang="en-US" altLang="ko-KR" sz="2400" dirty="0">
@@ -4807,10 +10052,10 @@
       </p:sp>
       <p:pic>
         <p:nvPicPr>
-          <p:cNvPr id="3" name="그림 2">
+          <p:cNvPr id="2" name="그림 1">
             <a:extLst>
               <a:ext uri="{FF2B5EF4-FFF2-40B4-BE49-F238E27FC236}">
-                <a16:creationId xmlns:a16="http://schemas.microsoft.com/office/drawing/2014/main" id="{38090483-4565-4A36-95BC-5AAE1E4A2DC3}"/>
+                <a16:creationId xmlns:a16="http://schemas.microsoft.com/office/drawing/2014/main" id="{72DEFCE2-6A09-4296-A6C8-04861BD85BF0}"/>
               </a:ext>
             </a:extLst>
           </p:cNvPr>
@@ -4835,16 +10080,638 @@
           </a:prstGeom>
         </p:spPr>
       </p:pic>
+      <p:pic>
+        <p:nvPicPr>
+          <p:cNvPr id="7" name="그림 6">
+            <a:extLst>
+              <a:ext uri="{FF2B5EF4-FFF2-40B4-BE49-F238E27FC236}">
+                <a16:creationId xmlns:a16="http://schemas.microsoft.com/office/drawing/2014/main" id="{B362413C-E943-45E5-8930-075FD4A718F3}"/>
+              </a:ext>
+            </a:extLst>
+          </p:cNvPr>
+          <p:cNvPicPr>
+            <a:picLocks noChangeAspect="1"/>
+          </p:cNvPicPr>
+          <p:nvPr/>
+        </p:nvPicPr>
+        <p:blipFill rotWithShape="1">
+          <a:blip r:embed="rId2"/>
+          <a:srcRect l="12623" t="25950" r="1004" b="32087"/>
+          <a:stretch/>
+        </p:blipFill>
+        <p:spPr>
+          <a:xfrm>
+            <a:off x="1703512" y="3501008"/>
+            <a:ext cx="9303434" cy="2448272"/>
+          </a:xfrm>
+          <a:prstGeom prst="rect">
+            <a:avLst/>
+          </a:prstGeom>
+        </p:spPr>
+      </p:pic>
+      <p:sp>
+        <p:nvSpPr>
+          <p:cNvPr id="4" name="직사각형 3">
+            <a:extLst>
+              <a:ext uri="{FF2B5EF4-FFF2-40B4-BE49-F238E27FC236}">
+                <a16:creationId xmlns:a16="http://schemas.microsoft.com/office/drawing/2014/main" id="{CA156AA4-848A-4F4E-9F18-9242EC791151}"/>
+              </a:ext>
+            </a:extLst>
+          </p:cNvPr>
+          <p:cNvSpPr/>
+          <p:nvPr/>
+        </p:nvSpPr>
+        <p:spPr>
+          <a:xfrm>
+            <a:off x="1775520" y="3444240"/>
+            <a:ext cx="5256584" cy="344800"/>
+          </a:xfrm>
+          <a:prstGeom prst="rect">
+            <a:avLst/>
+          </a:prstGeom>
+          <a:noFill/>
+          <a:ln w="38100">
+            <a:solidFill>
+              <a:srgbClr val="FF0000"/>
+            </a:solidFill>
+          </a:ln>
+        </p:spPr>
+        <p:style>
+          <a:lnRef idx="2">
+            <a:schemeClr val="accent1">
+              <a:shade val="50000"/>
+            </a:schemeClr>
+          </a:lnRef>
+          <a:fillRef idx="1">
+            <a:schemeClr val="accent1"/>
+          </a:fillRef>
+          <a:effectRef idx="0">
+            <a:schemeClr val="accent1"/>
+          </a:effectRef>
+          <a:fontRef idx="minor">
+            <a:schemeClr val="lt1"/>
+          </a:fontRef>
+        </p:style>
+        <p:txBody>
+          <a:bodyPr rot="0" spcFirstLastPara="0" vertOverflow="overflow" horzOverflow="overflow" vert="horz" wrap="square" lIns="91440" tIns="45720" rIns="91440" bIns="45720" numCol="1" spcCol="0" rtlCol="0" fromWordArt="0" anchor="ctr" anchorCtr="0" forceAA="0" compatLnSpc="1">
+            <a:prstTxWarp prst="textNoShape">
+              <a:avLst/>
+            </a:prstTxWarp>
+            <a:noAutofit/>
+          </a:bodyPr>
+          <a:lstStyle/>
+          <a:p>
+            <a:pPr algn="ctr"/>
+            <a:endParaRPr lang="ko-KR" altLang="en-US"/>
+          </a:p>
+        </p:txBody>
+      </p:sp>
+      <p:sp>
+        <p:nvSpPr>
+          <p:cNvPr id="8" name="TextBox 7">
+            <a:extLst>
+              <a:ext uri="{FF2B5EF4-FFF2-40B4-BE49-F238E27FC236}">
+                <a16:creationId xmlns:a16="http://schemas.microsoft.com/office/drawing/2014/main" id="{2AACB668-25A3-4D17-8BBC-3DC6BB913004}"/>
+              </a:ext>
+            </a:extLst>
+          </p:cNvPr>
+          <p:cNvSpPr txBox="1"/>
+          <p:nvPr/>
+        </p:nvSpPr>
+        <p:spPr>
+          <a:xfrm>
+            <a:off x="3323692" y="2910135"/>
+            <a:ext cx="2160240" cy="461665"/>
+          </a:xfrm>
+          <a:prstGeom prst="rect">
+            <a:avLst/>
+          </a:prstGeom>
+          <a:noFill/>
+        </p:spPr>
+        <p:txBody>
+          <a:bodyPr wrap="square" rtlCol="0">
+            <a:spAutoFit/>
+          </a:bodyPr>
+          <a:lstStyle/>
+          <a:p>
+            <a:pPr algn="ctr"/>
+            <a:r>
+              <a:rPr lang="ko-KR" altLang="en-US" sz="2400" dirty="0">
+                <a:ln w="12700">
+                  <a:solidFill>
+                    <a:schemeClr val="accent1">
+                      <a:lumMod val="75000"/>
+                    </a:schemeClr>
+                  </a:solidFill>
+                </a:ln>
+                <a:solidFill>
+                  <a:schemeClr val="bg1"/>
+                </a:solidFill>
+                <a:latin typeface="고도 B" panose="02000503000000020004" pitchFamily="2" charset="-127"/>
+                <a:ea typeface="고도 B" panose="02000503000000020004" pitchFamily="2" charset="-127"/>
+              </a:rPr>
+              <a:t>송장 정보</a:t>
+            </a:r>
+          </a:p>
+        </p:txBody>
+      </p:sp>
+      <p:sp>
+        <p:nvSpPr>
+          <p:cNvPr id="10" name="TextBox 9">
+            <a:extLst>
+              <a:ext uri="{FF2B5EF4-FFF2-40B4-BE49-F238E27FC236}">
+                <a16:creationId xmlns:a16="http://schemas.microsoft.com/office/drawing/2014/main" id="{86FCAB6F-1881-4BC9-BF61-A7E65F02ED1F}"/>
+              </a:ext>
+            </a:extLst>
+          </p:cNvPr>
+          <p:cNvSpPr txBox="1"/>
+          <p:nvPr/>
+        </p:nvSpPr>
+        <p:spPr>
+          <a:xfrm>
+            <a:off x="335360" y="6381328"/>
+            <a:ext cx="7848872" cy="246221"/>
+          </a:xfrm>
+          <a:prstGeom prst="rect">
+            <a:avLst/>
+          </a:prstGeom>
+          <a:noFill/>
+        </p:spPr>
+        <p:txBody>
+          <a:bodyPr wrap="square" rtlCol="0">
+            <a:spAutoFit/>
+          </a:bodyPr>
+          <a:lstStyle/>
+          <a:p>
+            <a:pPr algn="l"/>
+            <a:r>
+              <a:rPr lang="ko-KR" altLang="en-US" sz="1000" dirty="0">
+                <a:solidFill>
+                  <a:schemeClr val="bg1"/>
+                </a:solidFill>
+                <a:latin typeface="고도 B" panose="02000503000000020004" pitchFamily="2" charset="-127"/>
+                <a:ea typeface="고도 B" panose="02000503000000020004" pitchFamily="2" charset="-127"/>
+              </a:rPr>
+              <a:t>송장 정보에서 날짜부분 형식을 수정 예정</a:t>
+            </a:r>
+            <a:r>
+              <a:rPr lang="en-US" altLang="ko-KR" sz="1000" dirty="0">
+                <a:solidFill>
+                  <a:schemeClr val="bg1"/>
+                </a:solidFill>
+                <a:latin typeface="고도 B" panose="02000503000000020004" pitchFamily="2" charset="-127"/>
+                <a:ea typeface="고도 B" panose="02000503000000020004" pitchFamily="2" charset="-127"/>
+              </a:rPr>
+              <a:t>, Search bar </a:t>
+            </a:r>
+            <a:r>
+              <a:rPr lang="ko-KR" altLang="en-US" sz="1000" dirty="0">
+                <a:solidFill>
+                  <a:schemeClr val="bg1"/>
+                </a:solidFill>
+                <a:latin typeface="고도 B" panose="02000503000000020004" pitchFamily="2" charset="-127"/>
+                <a:ea typeface="고도 B" panose="02000503000000020004" pitchFamily="2" charset="-127"/>
+              </a:rPr>
+              <a:t>삭제 예정</a:t>
+            </a:r>
+          </a:p>
+        </p:txBody>
+      </p:sp>
+      <p:sp>
+        <p:nvSpPr>
+          <p:cNvPr id="11" name="직사각형 10">
+            <a:extLst>
+              <a:ext uri="{FF2B5EF4-FFF2-40B4-BE49-F238E27FC236}">
+                <a16:creationId xmlns:a16="http://schemas.microsoft.com/office/drawing/2014/main" id="{A0FE36F2-07F3-4E49-A0A7-A8719453D023}"/>
+              </a:ext>
+            </a:extLst>
+          </p:cNvPr>
+          <p:cNvSpPr/>
+          <p:nvPr/>
+        </p:nvSpPr>
+        <p:spPr>
+          <a:xfrm>
+            <a:off x="1794864" y="4127854"/>
+            <a:ext cx="9125671" cy="1461385"/>
+          </a:xfrm>
+          <a:prstGeom prst="rect">
+            <a:avLst/>
+          </a:prstGeom>
+          <a:noFill/>
+          <a:ln w="38100">
+            <a:solidFill>
+              <a:srgbClr val="FF0000"/>
+            </a:solidFill>
+          </a:ln>
+        </p:spPr>
+        <p:style>
+          <a:lnRef idx="2">
+            <a:schemeClr val="accent1">
+              <a:shade val="50000"/>
+            </a:schemeClr>
+          </a:lnRef>
+          <a:fillRef idx="1">
+            <a:schemeClr val="accent1"/>
+          </a:fillRef>
+          <a:effectRef idx="0">
+            <a:schemeClr val="accent1"/>
+          </a:effectRef>
+          <a:fontRef idx="minor">
+            <a:schemeClr val="lt1"/>
+          </a:fontRef>
+        </p:style>
+        <p:txBody>
+          <a:bodyPr rot="0" spcFirstLastPara="0" vertOverflow="overflow" horzOverflow="overflow" vert="horz" wrap="square" lIns="91440" tIns="45720" rIns="91440" bIns="45720" numCol="1" spcCol="0" rtlCol="0" fromWordArt="0" anchor="ctr" anchorCtr="0" forceAA="0" compatLnSpc="1">
+            <a:prstTxWarp prst="textNoShape">
+              <a:avLst/>
+            </a:prstTxWarp>
+            <a:noAutofit/>
+          </a:bodyPr>
+          <a:lstStyle/>
+          <a:p>
+            <a:pPr algn="ctr"/>
+            <a:endParaRPr lang="ko-KR" altLang="en-US"/>
+          </a:p>
+        </p:txBody>
+      </p:sp>
+      <p:sp>
+        <p:nvSpPr>
+          <p:cNvPr id="12" name="TextBox 11">
+            <a:extLst>
+              <a:ext uri="{FF2B5EF4-FFF2-40B4-BE49-F238E27FC236}">
+                <a16:creationId xmlns:a16="http://schemas.microsoft.com/office/drawing/2014/main" id="{F83DFA55-4CD1-4A32-927E-2E16A69A0E3D}"/>
+              </a:ext>
+            </a:extLst>
+          </p:cNvPr>
+          <p:cNvSpPr txBox="1"/>
+          <p:nvPr/>
+        </p:nvSpPr>
+        <p:spPr>
+          <a:xfrm>
+            <a:off x="5080687" y="3594809"/>
+            <a:ext cx="2549083" cy="461665"/>
+          </a:xfrm>
+          <a:prstGeom prst="rect">
+            <a:avLst/>
+          </a:prstGeom>
+          <a:noFill/>
+        </p:spPr>
+        <p:txBody>
+          <a:bodyPr wrap="square" rtlCol="0">
+            <a:spAutoFit/>
+          </a:bodyPr>
+          <a:lstStyle/>
+          <a:p>
+            <a:pPr algn="ctr"/>
+            <a:r>
+              <a:rPr lang="ko-KR" altLang="en-US" sz="2400" dirty="0">
+                <a:ln w="12700">
+                  <a:solidFill>
+                    <a:schemeClr val="accent1">
+                      <a:lumMod val="75000"/>
+                    </a:schemeClr>
+                  </a:solidFill>
+                </a:ln>
+                <a:solidFill>
+                  <a:schemeClr val="bg1"/>
+                </a:solidFill>
+                <a:latin typeface="고도 B" panose="02000503000000020004" pitchFamily="2" charset="-127"/>
+                <a:ea typeface="고도 B" panose="02000503000000020004" pitchFamily="2" charset="-127"/>
+              </a:rPr>
+              <a:t>송장의 제품 정보</a:t>
+            </a:r>
+          </a:p>
+        </p:txBody>
+      </p:sp>
     </p:spTree>
     <p:extLst>
       <p:ext uri="{BB962C8B-B14F-4D97-AF65-F5344CB8AC3E}">
-        <p14:creationId xmlns:p14="http://schemas.microsoft.com/office/powerpoint/2010/main" val="3700811006"/>
+        <p14:creationId xmlns:p14="http://schemas.microsoft.com/office/powerpoint/2010/main" val="1523281488"/>
       </p:ext>
     </p:extLst>
   </p:cSld>
   <p:clrMapOvr>
     <a:masterClrMapping/>
   </p:clrMapOvr>
+  <p:timing>
+    <p:tnLst>
+      <p:par>
+        <p:cTn id="1" dur="indefinite" restart="never" nodeType="tmRoot">
+          <p:childTnLst>
+            <p:seq concurrent="1" nextAc="seek">
+              <p:cTn id="2" dur="indefinite" nodeType="mainSeq">
+                <p:childTnLst>
+                  <p:par>
+                    <p:cTn id="3" fill="hold">
+                      <p:stCondLst>
+                        <p:cond delay="indefinite"/>
+                      </p:stCondLst>
+                      <p:childTnLst>
+                        <p:par>
+                          <p:cTn id="4" fill="hold">
+                            <p:stCondLst>
+                              <p:cond delay="0"/>
+                            </p:stCondLst>
+                            <p:childTnLst>
+                              <p:par>
+                                <p:cTn id="5" presetID="10" presetClass="entr" presetSubtype="0" fill="hold" grpId="0" nodeType="clickEffect">
+                                  <p:stCondLst>
+                                    <p:cond delay="0"/>
+                                  </p:stCondLst>
+                                  <p:childTnLst>
+                                    <p:set>
+                                      <p:cBhvr>
+                                        <p:cTn id="6" dur="1" fill="hold">
+                                          <p:stCondLst>
+                                            <p:cond delay="0"/>
+                                          </p:stCondLst>
+                                        </p:cTn>
+                                        <p:tgtEl>
+                                          <p:spTgt spid="8"/>
+                                        </p:tgtEl>
+                                        <p:attrNameLst>
+                                          <p:attrName>style.visibility</p:attrName>
+                                        </p:attrNameLst>
+                                      </p:cBhvr>
+                                      <p:to>
+                                        <p:strVal val="visible"/>
+                                      </p:to>
+                                    </p:set>
+                                    <p:animEffect transition="in" filter="fade">
+                                      <p:cBhvr>
+                                        <p:cTn id="7" dur="500"/>
+                                        <p:tgtEl>
+                                          <p:spTgt spid="8"/>
+                                        </p:tgtEl>
+                                      </p:cBhvr>
+                                    </p:animEffect>
+                                  </p:childTnLst>
+                                </p:cTn>
+                              </p:par>
+                              <p:par>
+                                <p:cTn id="8" presetID="10" presetClass="entr" presetSubtype="0" fill="hold" nodeType="withEffect">
+                                  <p:stCondLst>
+                                    <p:cond delay="0"/>
+                                  </p:stCondLst>
+                                  <p:childTnLst>
+                                    <p:set>
+                                      <p:cBhvr>
+                                        <p:cTn id="9" dur="1" fill="hold">
+                                          <p:stCondLst>
+                                            <p:cond delay="0"/>
+                                          </p:stCondLst>
+                                        </p:cTn>
+                                        <p:tgtEl>
+                                          <p:spTgt spid="7"/>
+                                        </p:tgtEl>
+                                        <p:attrNameLst>
+                                          <p:attrName>style.visibility</p:attrName>
+                                        </p:attrNameLst>
+                                      </p:cBhvr>
+                                      <p:to>
+                                        <p:strVal val="visible"/>
+                                      </p:to>
+                                    </p:set>
+                                    <p:animEffect transition="in" filter="fade">
+                                      <p:cBhvr>
+                                        <p:cTn id="10" dur="500"/>
+                                        <p:tgtEl>
+                                          <p:spTgt spid="7"/>
+                                        </p:tgtEl>
+                                      </p:cBhvr>
+                                    </p:animEffect>
+                                  </p:childTnLst>
+                                </p:cTn>
+                              </p:par>
+                              <p:par>
+                                <p:cTn id="11" presetID="10" presetClass="entr" presetSubtype="0" fill="hold" grpId="0" nodeType="withEffect">
+                                  <p:stCondLst>
+                                    <p:cond delay="0"/>
+                                  </p:stCondLst>
+                                  <p:childTnLst>
+                                    <p:set>
+                                      <p:cBhvr>
+                                        <p:cTn id="12" dur="1" fill="hold">
+                                          <p:stCondLst>
+                                            <p:cond delay="0"/>
+                                          </p:stCondLst>
+                                        </p:cTn>
+                                        <p:tgtEl>
+                                          <p:spTgt spid="4"/>
+                                        </p:tgtEl>
+                                        <p:attrNameLst>
+                                          <p:attrName>style.visibility</p:attrName>
+                                        </p:attrNameLst>
+                                      </p:cBhvr>
+                                      <p:to>
+                                        <p:strVal val="visible"/>
+                                      </p:to>
+                                    </p:set>
+                                    <p:animEffect transition="in" filter="fade">
+                                      <p:cBhvr>
+                                        <p:cTn id="13" dur="500"/>
+                                        <p:tgtEl>
+                                          <p:spTgt spid="4"/>
+                                        </p:tgtEl>
+                                      </p:cBhvr>
+                                    </p:animEffect>
+                                  </p:childTnLst>
+                                </p:cTn>
+                              </p:par>
+                            </p:childTnLst>
+                          </p:cTn>
+                        </p:par>
+                      </p:childTnLst>
+                    </p:cTn>
+                  </p:par>
+                  <p:par>
+                    <p:cTn id="14" fill="hold">
+                      <p:stCondLst>
+                        <p:cond delay="indefinite"/>
+                      </p:stCondLst>
+                      <p:childTnLst>
+                        <p:par>
+                          <p:cTn id="15" fill="hold">
+                            <p:stCondLst>
+                              <p:cond delay="0"/>
+                            </p:stCondLst>
+                            <p:childTnLst>
+                              <p:par>
+                                <p:cTn id="16" presetID="10" presetClass="exit" presetSubtype="0" fill="hold" grpId="1" nodeType="clickEffect">
+                                  <p:stCondLst>
+                                    <p:cond delay="0"/>
+                                  </p:stCondLst>
+                                  <p:childTnLst>
+                                    <p:animEffect transition="out" filter="fade">
+                                      <p:cBhvr>
+                                        <p:cTn id="17" dur="500"/>
+                                        <p:tgtEl>
+                                          <p:spTgt spid="8"/>
+                                        </p:tgtEl>
+                                      </p:cBhvr>
+                                    </p:animEffect>
+                                    <p:set>
+                                      <p:cBhvr>
+                                        <p:cTn id="18" dur="1" fill="hold">
+                                          <p:stCondLst>
+                                            <p:cond delay="499"/>
+                                          </p:stCondLst>
+                                        </p:cTn>
+                                        <p:tgtEl>
+                                          <p:spTgt spid="8"/>
+                                        </p:tgtEl>
+                                        <p:attrNameLst>
+                                          <p:attrName>style.visibility</p:attrName>
+                                        </p:attrNameLst>
+                                      </p:cBhvr>
+                                      <p:to>
+                                        <p:strVal val="hidden"/>
+                                      </p:to>
+                                    </p:set>
+                                  </p:childTnLst>
+                                </p:cTn>
+                              </p:par>
+                              <p:par>
+                                <p:cTn id="19" presetID="10" presetClass="exit" presetSubtype="0" fill="hold" grpId="1" nodeType="withEffect">
+                                  <p:stCondLst>
+                                    <p:cond delay="0"/>
+                                  </p:stCondLst>
+                                  <p:childTnLst>
+                                    <p:animEffect transition="out" filter="fade">
+                                      <p:cBhvr>
+                                        <p:cTn id="20" dur="500"/>
+                                        <p:tgtEl>
+                                          <p:spTgt spid="4"/>
+                                        </p:tgtEl>
+                                      </p:cBhvr>
+                                    </p:animEffect>
+                                    <p:set>
+                                      <p:cBhvr>
+                                        <p:cTn id="21" dur="1" fill="hold">
+                                          <p:stCondLst>
+                                            <p:cond delay="499"/>
+                                          </p:stCondLst>
+                                        </p:cTn>
+                                        <p:tgtEl>
+                                          <p:spTgt spid="4"/>
+                                        </p:tgtEl>
+                                        <p:attrNameLst>
+                                          <p:attrName>style.visibility</p:attrName>
+                                        </p:attrNameLst>
+                                      </p:cBhvr>
+                                      <p:to>
+                                        <p:strVal val="hidden"/>
+                                      </p:to>
+                                    </p:set>
+                                  </p:childTnLst>
+                                </p:cTn>
+                              </p:par>
+                              <p:par>
+                                <p:cTn id="22" presetID="10" presetClass="entr" presetSubtype="0" fill="hold" grpId="0" nodeType="withEffect">
+                                  <p:stCondLst>
+                                    <p:cond delay="0"/>
+                                  </p:stCondLst>
+                                  <p:childTnLst>
+                                    <p:set>
+                                      <p:cBhvr>
+                                        <p:cTn id="23" dur="1" fill="hold">
+                                          <p:stCondLst>
+                                            <p:cond delay="0"/>
+                                          </p:stCondLst>
+                                        </p:cTn>
+                                        <p:tgtEl>
+                                          <p:spTgt spid="11"/>
+                                        </p:tgtEl>
+                                        <p:attrNameLst>
+                                          <p:attrName>style.visibility</p:attrName>
+                                        </p:attrNameLst>
+                                      </p:cBhvr>
+                                      <p:to>
+                                        <p:strVal val="visible"/>
+                                      </p:to>
+                                    </p:set>
+                                    <p:animEffect transition="in" filter="fade">
+                                      <p:cBhvr>
+                                        <p:cTn id="24" dur="500"/>
+                                        <p:tgtEl>
+                                          <p:spTgt spid="11"/>
+                                        </p:tgtEl>
+                                      </p:cBhvr>
+                                    </p:animEffect>
+                                  </p:childTnLst>
+                                </p:cTn>
+                              </p:par>
+                              <p:par>
+                                <p:cTn id="25" presetID="10" presetClass="entr" presetSubtype="0" fill="hold" grpId="0" nodeType="withEffect">
+                                  <p:stCondLst>
+                                    <p:cond delay="0"/>
+                                  </p:stCondLst>
+                                  <p:childTnLst>
+                                    <p:set>
+                                      <p:cBhvr>
+                                        <p:cTn id="26" dur="1" fill="hold">
+                                          <p:stCondLst>
+                                            <p:cond delay="0"/>
+                                          </p:stCondLst>
+                                        </p:cTn>
+                                        <p:tgtEl>
+                                          <p:spTgt spid="12"/>
+                                        </p:tgtEl>
+                                        <p:attrNameLst>
+                                          <p:attrName>style.visibility</p:attrName>
+                                        </p:attrNameLst>
+                                      </p:cBhvr>
+                                      <p:to>
+                                        <p:strVal val="visible"/>
+                                      </p:to>
+                                    </p:set>
+                                    <p:animEffect transition="in" filter="fade">
+                                      <p:cBhvr>
+                                        <p:cTn id="27" dur="500"/>
+                                        <p:tgtEl>
+                                          <p:spTgt spid="12"/>
+                                        </p:tgtEl>
+                                      </p:cBhvr>
+                                    </p:animEffect>
+                                  </p:childTnLst>
+                                </p:cTn>
+                              </p:par>
+                            </p:childTnLst>
+                          </p:cTn>
+                        </p:par>
+                      </p:childTnLst>
+                    </p:cTn>
+                  </p:par>
+                </p:childTnLst>
+              </p:cTn>
+              <p:prevCondLst>
+                <p:cond evt="onPrev" delay="0">
+                  <p:tgtEl>
+                    <p:sldTgt/>
+                  </p:tgtEl>
+                </p:cond>
+              </p:prevCondLst>
+              <p:nextCondLst>
+                <p:cond evt="onNext" delay="0">
+                  <p:tgtEl>
+                    <p:sldTgt/>
+                  </p:tgtEl>
+                </p:cond>
+              </p:nextCondLst>
+            </p:seq>
+          </p:childTnLst>
+        </p:cTn>
+      </p:par>
+    </p:tnLst>
+    <p:bldLst>
+      <p:bldP spid="4" grpId="0" animBg="1"/>
+      <p:bldP spid="4" grpId="1" animBg="1"/>
+      <p:bldP spid="8" grpId="0"/>
+      <p:bldP spid="8" grpId="1"/>
+      <p:bldP spid="11" grpId="0" animBg="1"/>
+      <p:bldP spid="12" grpId="0"/>
+    </p:bldLst>
+  </p:timing>
 </p:sld>
 </file>
 
@@ -5134,6 +11001,43 @@
     </a:fmtScheme>
   </a:themeElements>
   <a:objectDefaults>
+    <a:spDef>
+      <a:spPr>
+        <a:noFill/>
+        <a:ln w="38100">
+          <a:solidFill>
+            <a:srgbClr val="FF0000"/>
+          </a:solidFill>
+        </a:ln>
+      </a:spPr>
+      <a:bodyPr rot="0" spcFirstLastPara="0" vertOverflow="overflow" horzOverflow="overflow" vert="horz" wrap="square" lIns="91440" tIns="45720" rIns="91440" bIns="45720" numCol="1" spcCol="0" rtlCol="0" fromWordArt="0" anchor="ctr" anchorCtr="0" forceAA="0" compatLnSpc="1">
+        <a:prstTxWarp prst="textNoShape">
+          <a:avLst/>
+        </a:prstTxWarp>
+        <a:noAutofit/>
+      </a:bodyPr>
+      <a:lstStyle>
+        <a:defPPr algn="ctr">
+          <a:defRPr/>
+        </a:defPPr>
+      </a:lstStyle>
+      <a:style>
+        <a:lnRef idx="2">
+          <a:schemeClr val="accent1">
+            <a:shade val="50000"/>
+          </a:schemeClr>
+        </a:lnRef>
+        <a:fillRef idx="1">
+          <a:schemeClr val="accent1"/>
+        </a:fillRef>
+        <a:effectRef idx="0">
+          <a:schemeClr val="accent1"/>
+        </a:effectRef>
+        <a:fontRef idx="minor">
+          <a:schemeClr val="lt1"/>
+        </a:fontRef>
+      </a:style>
+    </a:spDef>
     <a:txDef>
       <a:spPr>
         <a:noFill/>
@@ -5142,8 +11046,15 @@
         <a:spAutoFit/>
       </a:bodyPr>
       <a:lstStyle>
-        <a:defPPr algn="l">
+        <a:defPPr algn="ctr">
           <a:defRPr sz="2400" dirty="0" smtClean="0">
+            <a:ln w="12700">
+              <a:solidFill>
+                <a:schemeClr val="accent1">
+                  <a:lumMod val="75000"/>
+                </a:schemeClr>
+              </a:solidFill>
+            </a:ln>
             <a:solidFill>
               <a:schemeClr val="bg1"/>
             </a:solidFill>

--- a/Fulfillment 중간발표.pptx
+++ b/Fulfillment 중간발표.pptx
@@ -130,7 +130,7 @@
   </p:defaultTextStyle>
   <p:extLst>
     <p:ext uri="{EFAFB233-063F-42B5-8137-9DF3F51BA10A}">
-      <p15:sldGuideLst xmlns:p15="http://schemas.microsoft.com/office/powerpoint/2012/main">
+      <p15:sldGuideLst xmlns:p15="http://schemas.microsoft.com/office/powerpoint/2012/main" xmlns="">
         <p15:guide id="1" orient="horz" pos="2160" userDrawn="1">
           <p15:clr>
             <a:srgbClr val="A4A3A4"/>
@@ -144,7 +144,7 @@
       </p15:sldGuideLst>
     </p:ext>
     <p:ext uri="{2D200454-40CA-4A62-9FC3-DE9A4176ACB9}">
-      <p15:notesGuideLst xmlns:p15="http://schemas.microsoft.com/office/powerpoint/2012/main"/>
+      <p15:notesGuideLst xmlns:p15="http://schemas.microsoft.com/office/powerpoint/2012/main" xmlns=""/>
     </p:ext>
   </p:extLst>
 </p:presentation>
@@ -177,7 +177,7 @@
           <p:cNvPr id="2" name="머리글 개체 틀 1">
             <a:extLst>
               <a:ext uri="{FF2B5EF4-FFF2-40B4-BE49-F238E27FC236}">
-                <a16:creationId xmlns:a16="http://schemas.microsoft.com/office/drawing/2014/main" id="{C77DE0CA-591A-4A1C-9188-40056167EFB7}"/>
+                <a16:creationId xmlns:a16="http://schemas.microsoft.com/office/drawing/2014/main" xmlns="" id="{C77DE0CA-591A-4A1C-9188-40056167EFB7}"/>
               </a:ext>
             </a:extLst>
           </p:cNvPr>
@@ -214,7 +214,7 @@
           <p:cNvPr id="3" name="날짜 개체 틀 2">
             <a:extLst>
               <a:ext uri="{FF2B5EF4-FFF2-40B4-BE49-F238E27FC236}">
-                <a16:creationId xmlns:a16="http://schemas.microsoft.com/office/drawing/2014/main" id="{AF8D81B9-1747-4840-9461-612C38B1A763}"/>
+                <a16:creationId xmlns:a16="http://schemas.microsoft.com/office/drawing/2014/main" xmlns="" id="{AF8D81B9-1747-4840-9461-612C38B1A763}"/>
               </a:ext>
             </a:extLst>
           </p:cNvPr>
@@ -255,7 +255,7 @@
           <p:cNvPr id="4" name="바닥글 개체 틀 3">
             <a:extLst>
               <a:ext uri="{FF2B5EF4-FFF2-40B4-BE49-F238E27FC236}">
-                <a16:creationId xmlns:a16="http://schemas.microsoft.com/office/drawing/2014/main" id="{48B3E352-CF57-4688-B762-66CBA5545063}"/>
+                <a16:creationId xmlns:a16="http://schemas.microsoft.com/office/drawing/2014/main" xmlns="" id="{48B3E352-CF57-4688-B762-66CBA5545063}"/>
               </a:ext>
             </a:extLst>
           </p:cNvPr>
@@ -292,7 +292,7 @@
           <p:cNvPr id="5" name="슬라이드 번호 개체 틀 4">
             <a:extLst>
               <a:ext uri="{FF2B5EF4-FFF2-40B4-BE49-F238E27FC236}">
-                <a16:creationId xmlns:a16="http://schemas.microsoft.com/office/drawing/2014/main" id="{FF41D8D1-505C-480C-90E0-38A5200F4781}"/>
+                <a16:creationId xmlns:a16="http://schemas.microsoft.com/office/drawing/2014/main" xmlns="" id="{FF41D8D1-505C-480C-90E0-38A5200F4781}"/>
               </a:ext>
             </a:extLst>
           </p:cNvPr>
@@ -720,7 +720,7 @@
           <p:cNvPr id="6" name="슬라이드 번호 개체 틀 5">
             <a:extLst>
               <a:ext uri="{FF2B5EF4-FFF2-40B4-BE49-F238E27FC236}">
-                <a16:creationId xmlns:a16="http://schemas.microsoft.com/office/drawing/2014/main" id="{2041B420-933C-4AC6-9193-01D3EB2655EA}"/>
+                <a16:creationId xmlns:a16="http://schemas.microsoft.com/office/drawing/2014/main" xmlns="" id="{2041B420-933C-4AC6-9193-01D3EB2655EA}"/>
               </a:ext>
             </a:extLst>
           </p:cNvPr>
@@ -765,7 +765,7 @@
           <p:cNvPr id="7" name="직선 연결선 6">
             <a:extLst>
               <a:ext uri="{FF2B5EF4-FFF2-40B4-BE49-F238E27FC236}">
-                <a16:creationId xmlns:a16="http://schemas.microsoft.com/office/drawing/2014/main" id="{0981477F-3CF6-46F4-8C86-35EE0B9D3DCA}"/>
+                <a16:creationId xmlns:a16="http://schemas.microsoft.com/office/drawing/2014/main" xmlns="" id="{0981477F-3CF6-46F4-8C86-35EE0B9D3DCA}"/>
               </a:ext>
             </a:extLst>
           </p:cNvPr>
@@ -806,7 +806,7 @@
           <p:cNvPr id="8" name="직선 연결선 7">
             <a:extLst>
               <a:ext uri="{FF2B5EF4-FFF2-40B4-BE49-F238E27FC236}">
-                <a16:creationId xmlns:a16="http://schemas.microsoft.com/office/drawing/2014/main" id="{2DD8CEBC-CF95-42AB-B998-AB0FFF23D919}"/>
+                <a16:creationId xmlns:a16="http://schemas.microsoft.com/office/drawing/2014/main" xmlns="" id="{2DD8CEBC-CF95-42AB-B998-AB0FFF23D919}"/>
               </a:ext>
             </a:extLst>
           </p:cNvPr>
@@ -922,7 +922,7 @@
           <p:cNvPr id="6" name="슬라이드 번호 개체 틀 5">
             <a:extLst>
               <a:ext uri="{FF2B5EF4-FFF2-40B4-BE49-F238E27FC236}">
-                <a16:creationId xmlns:a16="http://schemas.microsoft.com/office/drawing/2014/main" id="{AFF08F0B-B432-4230-A048-9FEE4B364D7D}"/>
+                <a16:creationId xmlns:a16="http://schemas.microsoft.com/office/drawing/2014/main" xmlns="" id="{AFF08F0B-B432-4230-A048-9FEE4B364D7D}"/>
               </a:ext>
             </a:extLst>
           </p:cNvPr>
@@ -1293,7 +1293,7 @@
           <p:cNvPr id="4" name="TextBox 3">
             <a:extLst>
               <a:ext uri="{FF2B5EF4-FFF2-40B4-BE49-F238E27FC236}">
-                <a16:creationId xmlns:a16="http://schemas.microsoft.com/office/drawing/2014/main" id="{C91679A9-33C0-42CF-AC48-15E99ABC0385}"/>
+                <a16:creationId xmlns:a16="http://schemas.microsoft.com/office/drawing/2014/main" xmlns="" id="{C91679A9-33C0-42CF-AC48-15E99ABC0385}"/>
               </a:ext>
             </a:extLst>
           </p:cNvPr>
@@ -1346,7 +1346,7 @@
           <p:cNvPr id="6" name="TextBox 5">
             <a:extLst>
               <a:ext uri="{FF2B5EF4-FFF2-40B4-BE49-F238E27FC236}">
-                <a16:creationId xmlns:a16="http://schemas.microsoft.com/office/drawing/2014/main" id="{67EC1D29-251D-47C9-A0FC-07BBF3E11ED2}"/>
+                <a16:creationId xmlns:a16="http://schemas.microsoft.com/office/drawing/2014/main" xmlns="" id="{67EC1D29-251D-47C9-A0FC-07BBF3E11ED2}"/>
               </a:ext>
             </a:extLst>
           </p:cNvPr>
@@ -1496,6 +1496,13 @@
   <p:clrMapOvr>
     <a:masterClrMapping/>
   </p:clrMapOvr>
+  <p:timing>
+    <p:tnLst>
+      <p:par>
+        <p:cTn id="1" dur="indefinite" restart="never" nodeType="tmRoot"/>
+      </p:par>
+    </p:tnLst>
+  </p:timing>
 </p:sld>
 </file>
 
@@ -1532,7 +1539,7 @@
           <p:cNvPr id="6" name="슬라이드 번호 개체 틀 5">
             <a:extLst>
               <a:ext uri="{FF2B5EF4-FFF2-40B4-BE49-F238E27FC236}">
-                <a16:creationId xmlns:a16="http://schemas.microsoft.com/office/drawing/2014/main" id="{D07836A0-38B7-45E1-B6C1-6BEEAC42BA58}"/>
+                <a16:creationId xmlns:a16="http://schemas.microsoft.com/office/drawing/2014/main" xmlns="" id="{D07836A0-38B7-45E1-B6C1-6BEEAC42BA58}"/>
               </a:ext>
             </a:extLst>
           </p:cNvPr>
@@ -1562,7 +1569,7 @@
           <p:cNvPr id="9" name="TextBox 8">
             <a:extLst>
               <a:ext uri="{FF2B5EF4-FFF2-40B4-BE49-F238E27FC236}">
-                <a16:creationId xmlns:a16="http://schemas.microsoft.com/office/drawing/2014/main" id="{5D8B5EC4-A12D-4385-8680-5D64041688E4}"/>
+                <a16:creationId xmlns:a16="http://schemas.microsoft.com/office/drawing/2014/main" xmlns="" id="{5D8B5EC4-A12D-4385-8680-5D64041688E4}"/>
               </a:ext>
             </a:extLst>
           </p:cNvPr>
@@ -1700,7 +1707,7 @@
           <p:cNvPr id="3" name="그림 2">
             <a:extLst>
               <a:ext uri="{FF2B5EF4-FFF2-40B4-BE49-F238E27FC236}">
-                <a16:creationId xmlns:a16="http://schemas.microsoft.com/office/drawing/2014/main" id="{38090483-4565-4A36-95BC-5AAE1E4A2DC3}"/>
+                <a16:creationId xmlns:a16="http://schemas.microsoft.com/office/drawing/2014/main" xmlns="" id="{38090483-4565-4A36-95BC-5AAE1E4A2DC3}"/>
               </a:ext>
             </a:extLst>
           </p:cNvPr>
@@ -1730,7 +1737,7 @@
           <p:cNvPr id="5" name="그림 4">
             <a:extLst>
               <a:ext uri="{FF2B5EF4-FFF2-40B4-BE49-F238E27FC236}">
-                <a16:creationId xmlns:a16="http://schemas.microsoft.com/office/drawing/2014/main" id="{7FEA5CFA-5A93-416A-9F3B-C65D862E8B67}"/>
+                <a16:creationId xmlns:a16="http://schemas.microsoft.com/office/drawing/2014/main" xmlns="" id="{7FEA5CFA-5A93-416A-9F3B-C65D862E8B67}"/>
               </a:ext>
             </a:extLst>
           </p:cNvPr>
@@ -1759,7 +1766,7 @@
           <p:cNvPr id="7" name="그림 6">
             <a:extLst>
               <a:ext uri="{FF2B5EF4-FFF2-40B4-BE49-F238E27FC236}">
-                <a16:creationId xmlns:a16="http://schemas.microsoft.com/office/drawing/2014/main" id="{CB7A81D5-6D58-4B9B-BA3E-53D9E4040F03}"/>
+                <a16:creationId xmlns:a16="http://schemas.microsoft.com/office/drawing/2014/main" xmlns="" id="{CB7A81D5-6D58-4B9B-BA3E-53D9E4040F03}"/>
               </a:ext>
             </a:extLst>
           </p:cNvPr>
@@ -1788,7 +1795,7 @@
           <p:cNvPr id="8" name="직사각형 7">
             <a:extLst>
               <a:ext uri="{FF2B5EF4-FFF2-40B4-BE49-F238E27FC236}">
-                <a16:creationId xmlns:a16="http://schemas.microsoft.com/office/drawing/2014/main" id="{93605B57-59C7-4B45-BC88-B7BEB86AD134}"/>
+                <a16:creationId xmlns:a16="http://schemas.microsoft.com/office/drawing/2014/main" xmlns="" id="{93605B57-59C7-4B45-BC88-B7BEB86AD134}"/>
               </a:ext>
             </a:extLst>
           </p:cNvPr>
@@ -1845,7 +1852,7 @@
           <p:cNvPr id="10" name="TextBox 9">
             <a:extLst>
               <a:ext uri="{FF2B5EF4-FFF2-40B4-BE49-F238E27FC236}">
-                <a16:creationId xmlns:a16="http://schemas.microsoft.com/office/drawing/2014/main" id="{41A71638-794E-4B84-88DC-A5B64E0706A3}"/>
+                <a16:creationId xmlns:a16="http://schemas.microsoft.com/office/drawing/2014/main" xmlns="" id="{41A71638-794E-4B84-88DC-A5B64E0706A3}"/>
               </a:ext>
             </a:extLst>
           </p:cNvPr>
@@ -1894,7 +1901,7 @@
           <p:cNvPr id="12" name="직사각형 11">
             <a:extLst>
               <a:ext uri="{FF2B5EF4-FFF2-40B4-BE49-F238E27FC236}">
-                <a16:creationId xmlns:a16="http://schemas.microsoft.com/office/drawing/2014/main" id="{9E9F9C11-4AB5-48FB-9DF0-569F247D3A11}"/>
+                <a16:creationId xmlns:a16="http://schemas.microsoft.com/office/drawing/2014/main" xmlns="" id="{9E9F9C11-4AB5-48FB-9DF0-569F247D3A11}"/>
               </a:ext>
             </a:extLst>
           </p:cNvPr>
@@ -1951,7 +1958,7 @@
           <p:cNvPr id="13" name="TextBox 12">
             <a:extLst>
               <a:ext uri="{FF2B5EF4-FFF2-40B4-BE49-F238E27FC236}">
-                <a16:creationId xmlns:a16="http://schemas.microsoft.com/office/drawing/2014/main" id="{57474A75-8FB6-409F-9C88-D511DF48FE99}"/>
+                <a16:creationId xmlns:a16="http://schemas.microsoft.com/office/drawing/2014/main" xmlns="" id="{57474A75-8FB6-409F-9C88-D511DF48FE99}"/>
               </a:ext>
             </a:extLst>
           </p:cNvPr>
@@ -2000,7 +2007,7 @@
           <p:cNvPr id="14" name="TextBox 13">
             <a:extLst>
               <a:ext uri="{FF2B5EF4-FFF2-40B4-BE49-F238E27FC236}">
-                <a16:creationId xmlns:a16="http://schemas.microsoft.com/office/drawing/2014/main" id="{8D5D628B-DD4D-45FD-8FFC-B3F842098B6C}"/>
+                <a16:creationId xmlns:a16="http://schemas.microsoft.com/office/drawing/2014/main" xmlns="" id="{8D5D628B-DD4D-45FD-8FFC-B3F842098B6C}"/>
               </a:ext>
             </a:extLst>
           </p:cNvPr>
@@ -2474,7 +2481,7 @@
           <p:cNvPr id="6" name="슬라이드 번호 개체 틀 5">
             <a:extLst>
               <a:ext uri="{FF2B5EF4-FFF2-40B4-BE49-F238E27FC236}">
-                <a16:creationId xmlns:a16="http://schemas.microsoft.com/office/drawing/2014/main" id="{D07836A0-38B7-45E1-B6C1-6BEEAC42BA58}"/>
+                <a16:creationId xmlns:a16="http://schemas.microsoft.com/office/drawing/2014/main" xmlns="" id="{D07836A0-38B7-45E1-B6C1-6BEEAC42BA58}"/>
               </a:ext>
             </a:extLst>
           </p:cNvPr>
@@ -2504,7 +2511,7 @@
           <p:cNvPr id="9" name="TextBox 8">
             <a:extLst>
               <a:ext uri="{FF2B5EF4-FFF2-40B4-BE49-F238E27FC236}">
-                <a16:creationId xmlns:a16="http://schemas.microsoft.com/office/drawing/2014/main" id="{5D8B5EC4-A12D-4385-8680-5D64041688E4}"/>
+                <a16:creationId xmlns:a16="http://schemas.microsoft.com/office/drawing/2014/main" xmlns="" id="{5D8B5EC4-A12D-4385-8680-5D64041688E4}"/>
               </a:ext>
             </a:extLst>
           </p:cNvPr>
@@ -2592,7 +2599,7 @@
           <p:cNvPr id="2" name="그림 1">
             <a:extLst>
               <a:ext uri="{FF2B5EF4-FFF2-40B4-BE49-F238E27FC236}">
-                <a16:creationId xmlns:a16="http://schemas.microsoft.com/office/drawing/2014/main" id="{B2A5D6BD-795F-4A01-B4C2-3B0BBC9E69D8}"/>
+                <a16:creationId xmlns:a16="http://schemas.microsoft.com/office/drawing/2014/main" xmlns="" id="{B2A5D6BD-795F-4A01-B4C2-3B0BBC9E69D8}"/>
               </a:ext>
             </a:extLst>
           </p:cNvPr>
@@ -2617,6 +2624,569 @@
           </a:prstGeom>
         </p:spPr>
       </p:pic>
+      <p:pic>
+        <p:nvPicPr>
+          <p:cNvPr id="7" name="그림 6">
+            <a:extLst>
+              <a:ext uri="{FF2B5EF4-FFF2-40B4-BE49-F238E27FC236}">
+                <a16:creationId xmlns:a16="http://schemas.microsoft.com/office/drawing/2014/main" xmlns="" id="{B2A5D6BD-795F-4A01-B4C2-3B0BBC9E69D8}"/>
+              </a:ext>
+            </a:extLst>
+          </p:cNvPr>
+          <p:cNvPicPr>
+            <a:picLocks noChangeAspect="1"/>
+          </p:cNvPicPr>
+          <p:nvPr/>
+        </p:nvPicPr>
+        <p:blipFill rotWithShape="1">
+          <a:blip r:embed="rId2"/>
+          <a:srcRect l="11816" t="18101" b="20159"/>
+          <a:stretch/>
+        </p:blipFill>
+        <p:spPr>
+          <a:xfrm>
+            <a:off x="1775520" y="2492896"/>
+            <a:ext cx="9432454" cy="3577071"/>
+          </a:xfrm>
+          <a:prstGeom prst="rect">
+            <a:avLst/>
+          </a:prstGeom>
+        </p:spPr>
+      </p:pic>
+      <p:sp>
+        <p:nvSpPr>
+          <p:cNvPr id="4" name="직사각형 3"/>
+          <p:cNvSpPr/>
+          <p:nvPr/>
+        </p:nvSpPr>
+        <p:spPr>
+          <a:xfrm>
+            <a:off x="1775520" y="2780928"/>
+            <a:ext cx="9432454" cy="720080"/>
+          </a:xfrm>
+          <a:prstGeom prst="rect">
+            <a:avLst/>
+          </a:prstGeom>
+          <a:noFill/>
+          <a:ln w="38100">
+            <a:solidFill>
+              <a:srgbClr val="FF0000"/>
+            </a:solidFill>
+          </a:ln>
+        </p:spPr>
+        <p:style>
+          <a:lnRef idx="2">
+            <a:schemeClr val="accent1">
+              <a:shade val="50000"/>
+            </a:schemeClr>
+          </a:lnRef>
+          <a:fillRef idx="1">
+            <a:schemeClr val="accent1"/>
+          </a:fillRef>
+          <a:effectRef idx="0">
+            <a:schemeClr val="accent1"/>
+          </a:effectRef>
+          <a:fontRef idx="minor">
+            <a:schemeClr val="lt1"/>
+          </a:fontRef>
+        </p:style>
+        <p:txBody>
+          <a:bodyPr rot="0" spcFirstLastPara="0" vertOverflow="overflow" horzOverflow="overflow" vert="horz" wrap="square" lIns="91440" tIns="45720" rIns="91440" bIns="45720" numCol="1" spcCol="0" rtlCol="0" fromWordArt="0" anchor="ctr" anchorCtr="0" forceAA="0" compatLnSpc="1">
+            <a:prstTxWarp prst="textNoShape">
+              <a:avLst/>
+            </a:prstTxWarp>
+            <a:noAutofit/>
+          </a:bodyPr>
+          <a:lstStyle/>
+          <a:p>
+            <a:pPr algn="ctr"/>
+            <a:endParaRPr lang="ko-KR" altLang="en-US"/>
+          </a:p>
+        </p:txBody>
+      </p:sp>
+      <p:sp>
+        <p:nvSpPr>
+          <p:cNvPr id="8" name="TextBox 7">
+            <a:extLst>
+              <a:ext uri="{FF2B5EF4-FFF2-40B4-BE49-F238E27FC236}">
+                <a16:creationId xmlns:a16="http://schemas.microsoft.com/office/drawing/2014/main" xmlns="" id="{AEBA6E2B-4E08-4172-B1C3-D073279B670B}"/>
+              </a:ext>
+            </a:extLst>
+          </p:cNvPr>
+          <p:cNvSpPr txBox="1"/>
+          <p:nvPr/>
+        </p:nvSpPr>
+        <p:spPr>
+          <a:xfrm>
+            <a:off x="5159896" y="1844824"/>
+            <a:ext cx="2160240" cy="830997"/>
+          </a:xfrm>
+          <a:prstGeom prst="rect">
+            <a:avLst/>
+          </a:prstGeom>
+          <a:noFill/>
+        </p:spPr>
+        <p:txBody>
+          <a:bodyPr wrap="square" rtlCol="0">
+            <a:spAutoFit/>
+          </a:bodyPr>
+          <a:lstStyle/>
+          <a:p>
+            <a:pPr algn="ctr"/>
+            <a:r>
+              <a:rPr lang="ko-KR" altLang="en-US" sz="2400" dirty="0">
+                <a:ln w="12700">
+                  <a:solidFill>
+                    <a:schemeClr val="accent1">
+                      <a:lumMod val="75000"/>
+                    </a:schemeClr>
+                  </a:solidFill>
+                </a:ln>
+                <a:solidFill>
+                  <a:schemeClr val="bg1"/>
+                </a:solidFill>
+                <a:latin typeface="고도 B" panose="02000503000000020004" pitchFamily="2" charset="-127"/>
+                <a:ea typeface="고도 B" panose="02000503000000020004" pitchFamily="2" charset="-127"/>
+              </a:rPr>
+              <a:t>월별 총 매출액</a:t>
+            </a:r>
+            <a:endParaRPr lang="en-US" altLang="ko-KR" sz="2400" dirty="0">
+              <a:ln w="12700">
+                <a:solidFill>
+                  <a:schemeClr val="accent1">
+                    <a:lumMod val="75000"/>
+                  </a:schemeClr>
+                </a:solidFill>
+              </a:ln>
+              <a:solidFill>
+                <a:schemeClr val="bg1"/>
+              </a:solidFill>
+              <a:latin typeface="고도 B" panose="02000503000000020004" pitchFamily="2" charset="-127"/>
+              <a:ea typeface="고도 B" panose="02000503000000020004" pitchFamily="2" charset="-127"/>
+            </a:endParaRPr>
+          </a:p>
+          <a:p>
+            <a:pPr algn="ctr"/>
+            <a:r>
+              <a:rPr lang="ko-KR" altLang="en-US" sz="2400" dirty="0">
+                <a:ln w="12700">
+                  <a:solidFill>
+                    <a:schemeClr val="accent1">
+                      <a:lumMod val="75000"/>
+                    </a:schemeClr>
+                  </a:solidFill>
+                </a:ln>
+                <a:solidFill>
+                  <a:schemeClr val="bg1"/>
+                </a:solidFill>
+                <a:latin typeface="고도 B" panose="02000503000000020004" pitchFamily="2" charset="-127"/>
+                <a:ea typeface="고도 B" panose="02000503000000020004" pitchFamily="2" charset="-127"/>
+              </a:rPr>
+              <a:t>전월 총 매출액</a:t>
+            </a:r>
+          </a:p>
+        </p:txBody>
+      </p:sp>
+      <p:sp>
+        <p:nvSpPr>
+          <p:cNvPr id="5" name="직사각형 4"/>
+          <p:cNvSpPr/>
+          <p:nvPr/>
+        </p:nvSpPr>
+        <p:spPr>
+          <a:xfrm>
+            <a:off x="1775520" y="3501008"/>
+            <a:ext cx="6264696" cy="2448272"/>
+          </a:xfrm>
+          <a:prstGeom prst="rect">
+            <a:avLst/>
+          </a:prstGeom>
+          <a:noFill/>
+          <a:ln w="38100">
+            <a:solidFill>
+              <a:srgbClr val="FF0000"/>
+            </a:solidFill>
+          </a:ln>
+        </p:spPr>
+        <p:style>
+          <a:lnRef idx="2">
+            <a:schemeClr val="accent1">
+              <a:shade val="50000"/>
+            </a:schemeClr>
+          </a:lnRef>
+          <a:fillRef idx="1">
+            <a:schemeClr val="accent1"/>
+          </a:fillRef>
+          <a:effectRef idx="0">
+            <a:schemeClr val="accent1"/>
+          </a:effectRef>
+          <a:fontRef idx="minor">
+            <a:schemeClr val="lt1"/>
+          </a:fontRef>
+        </p:style>
+        <p:txBody>
+          <a:bodyPr rot="0" spcFirstLastPara="0" vertOverflow="overflow" horzOverflow="overflow" vert="horz" wrap="square" lIns="91440" tIns="45720" rIns="91440" bIns="45720" numCol="1" spcCol="0" rtlCol="0" fromWordArt="0" anchor="ctr" anchorCtr="0" forceAA="0" compatLnSpc="1">
+            <a:prstTxWarp prst="textNoShape">
+              <a:avLst/>
+            </a:prstTxWarp>
+            <a:noAutofit/>
+          </a:bodyPr>
+          <a:lstStyle/>
+          <a:p>
+            <a:pPr algn="ctr"/>
+            <a:endParaRPr lang="ko-KR" altLang="en-US"/>
+          </a:p>
+        </p:txBody>
+      </p:sp>
+      <p:sp>
+        <p:nvSpPr>
+          <p:cNvPr id="10" name="TextBox 9">
+            <a:extLst>
+              <a:ext uri="{FF2B5EF4-FFF2-40B4-BE49-F238E27FC236}">
+                <a16:creationId xmlns:a16="http://schemas.microsoft.com/office/drawing/2014/main" xmlns="" id="{AEBA6E2B-4E08-4172-B1C3-D073279B670B}"/>
+              </a:ext>
+            </a:extLst>
+          </p:cNvPr>
+          <p:cNvSpPr txBox="1"/>
+          <p:nvPr/>
+        </p:nvSpPr>
+        <p:spPr>
+          <a:xfrm>
+            <a:off x="3827748" y="3717032"/>
+            <a:ext cx="2160240" cy="830997"/>
+          </a:xfrm>
+          <a:prstGeom prst="rect">
+            <a:avLst/>
+          </a:prstGeom>
+          <a:noFill/>
+        </p:spPr>
+        <p:txBody>
+          <a:bodyPr wrap="square" rtlCol="0">
+            <a:spAutoFit/>
+          </a:bodyPr>
+          <a:lstStyle/>
+          <a:p>
+            <a:pPr algn="ctr"/>
+            <a:r>
+              <a:rPr lang="ko-KR" altLang="en-US" sz="2400">
+                <a:ln w="12700">
+                  <a:solidFill>
+                    <a:schemeClr val="accent1">
+                      <a:lumMod val="75000"/>
+                    </a:schemeClr>
+                  </a:solidFill>
+                </a:ln>
+                <a:solidFill>
+                  <a:schemeClr val="bg1"/>
+                </a:solidFill>
+                <a:latin typeface="고도 B" panose="02000503000000020004" pitchFamily="2" charset="-127"/>
+                <a:ea typeface="고도 B" panose="02000503000000020004" pitchFamily="2" charset="-127"/>
+              </a:rPr>
+              <a:t>이번 년도 월간 매출액</a:t>
+            </a:r>
+            <a:endParaRPr lang="ko-KR" altLang="en-US" sz="2400" dirty="0">
+              <a:ln w="12700">
+                <a:solidFill>
+                  <a:schemeClr val="accent1">
+                    <a:lumMod val="75000"/>
+                  </a:schemeClr>
+                </a:solidFill>
+              </a:ln>
+              <a:solidFill>
+                <a:schemeClr val="bg1"/>
+              </a:solidFill>
+              <a:latin typeface="고도 B" panose="02000503000000020004" pitchFamily="2" charset="-127"/>
+              <a:ea typeface="고도 B" panose="02000503000000020004" pitchFamily="2" charset="-127"/>
+            </a:endParaRPr>
+          </a:p>
+        </p:txBody>
+      </p:sp>
+      <p:sp>
+        <p:nvSpPr>
+          <p:cNvPr id="11" name="직사각형 10"/>
+          <p:cNvSpPr/>
+          <p:nvPr/>
+        </p:nvSpPr>
+        <p:spPr>
+          <a:xfrm>
+            <a:off x="8040216" y="3501008"/>
+            <a:ext cx="3096344" cy="2448272"/>
+          </a:xfrm>
+          <a:prstGeom prst="rect">
+            <a:avLst/>
+          </a:prstGeom>
+          <a:noFill/>
+          <a:ln w="38100">
+            <a:solidFill>
+              <a:srgbClr val="FF0000"/>
+            </a:solidFill>
+          </a:ln>
+        </p:spPr>
+        <p:style>
+          <a:lnRef idx="2">
+            <a:schemeClr val="accent1">
+              <a:shade val="50000"/>
+            </a:schemeClr>
+          </a:lnRef>
+          <a:fillRef idx="1">
+            <a:schemeClr val="accent1"/>
+          </a:fillRef>
+          <a:effectRef idx="0">
+            <a:schemeClr val="accent1"/>
+          </a:effectRef>
+          <a:fontRef idx="minor">
+            <a:schemeClr val="lt1"/>
+          </a:fontRef>
+        </p:style>
+        <p:txBody>
+          <a:bodyPr rot="0" spcFirstLastPara="0" vertOverflow="overflow" horzOverflow="overflow" vert="horz" wrap="square" lIns="91440" tIns="45720" rIns="91440" bIns="45720" numCol="1" spcCol="0" rtlCol="0" fromWordArt="0" anchor="ctr" anchorCtr="0" forceAA="0" compatLnSpc="1">
+            <a:prstTxWarp prst="textNoShape">
+              <a:avLst/>
+            </a:prstTxWarp>
+            <a:noAutofit/>
+          </a:bodyPr>
+          <a:lstStyle/>
+          <a:p>
+            <a:pPr algn="ctr"/>
+            <a:endParaRPr lang="ko-KR" altLang="en-US"/>
+          </a:p>
+        </p:txBody>
+      </p:sp>
+      <p:sp>
+        <p:nvSpPr>
+          <p:cNvPr id="12" name="TextBox 11">
+            <a:extLst>
+              <a:ext uri="{FF2B5EF4-FFF2-40B4-BE49-F238E27FC236}">
+                <a16:creationId xmlns:a16="http://schemas.microsoft.com/office/drawing/2014/main" xmlns="" id="{979680B5-AED6-45D9-A034-867C432401B0}"/>
+              </a:ext>
+            </a:extLst>
+          </p:cNvPr>
+          <p:cNvSpPr txBox="1"/>
+          <p:nvPr/>
+        </p:nvSpPr>
+        <p:spPr>
+          <a:xfrm>
+            <a:off x="9624392" y="3534107"/>
+            <a:ext cx="2160240" cy="830997"/>
+          </a:xfrm>
+          <a:prstGeom prst="rect">
+            <a:avLst/>
+          </a:prstGeom>
+          <a:noFill/>
+        </p:spPr>
+        <p:txBody>
+          <a:bodyPr wrap="square" rtlCol="0">
+            <a:spAutoFit/>
+          </a:bodyPr>
+          <a:lstStyle/>
+          <a:p>
+            <a:pPr algn="ctr"/>
+            <a:r>
+              <a:rPr lang="ko-KR" altLang="en-US" sz="2400" dirty="0">
+                <a:ln w="12700">
+                  <a:solidFill>
+                    <a:schemeClr val="accent1">
+                      <a:lumMod val="75000"/>
+                    </a:schemeClr>
+                  </a:solidFill>
+                </a:ln>
+                <a:solidFill>
+                  <a:schemeClr val="bg1"/>
+                </a:solidFill>
+                <a:latin typeface="고도 B" panose="02000503000000020004" pitchFamily="2" charset="-127"/>
+                <a:ea typeface="고도 B" panose="02000503000000020004" pitchFamily="2" charset="-127"/>
+              </a:rPr>
+              <a:t>분기별 매출액 </a:t>
+            </a:r>
+            <a:endParaRPr lang="en-US" altLang="ko-KR" sz="2400" dirty="0">
+              <a:ln w="12700">
+                <a:solidFill>
+                  <a:schemeClr val="accent1">
+                    <a:lumMod val="75000"/>
+                  </a:schemeClr>
+                </a:solidFill>
+              </a:ln>
+              <a:solidFill>
+                <a:schemeClr val="bg1"/>
+              </a:solidFill>
+              <a:latin typeface="고도 B" panose="02000503000000020004" pitchFamily="2" charset="-127"/>
+              <a:ea typeface="고도 B" panose="02000503000000020004" pitchFamily="2" charset="-127"/>
+            </a:endParaRPr>
+          </a:p>
+          <a:p>
+            <a:pPr algn="ctr"/>
+            <a:r>
+              <a:rPr lang="ko-KR" altLang="en-US" sz="2400" dirty="0">
+                <a:ln w="12700">
+                  <a:solidFill>
+                    <a:schemeClr val="accent1">
+                      <a:lumMod val="75000"/>
+                    </a:schemeClr>
+                  </a:solidFill>
+                </a:ln>
+                <a:solidFill>
+                  <a:schemeClr val="bg1"/>
+                </a:solidFill>
+                <a:latin typeface="고도 B" panose="02000503000000020004" pitchFamily="2" charset="-127"/>
+                <a:ea typeface="고도 B" panose="02000503000000020004" pitchFamily="2" charset="-127"/>
+              </a:rPr>
+              <a:t>그래프</a:t>
+            </a:r>
+          </a:p>
+        </p:txBody>
+      </p:sp>
+      <p:sp>
+        <p:nvSpPr>
+          <p:cNvPr id="15" name="TextBox 14">
+            <a:extLst>
+              <a:ext uri="{FF2B5EF4-FFF2-40B4-BE49-F238E27FC236}">
+                <a16:creationId xmlns:a16="http://schemas.microsoft.com/office/drawing/2014/main" xmlns="" id="{4F553B15-9ACE-40DD-907E-F8A78E827085}"/>
+              </a:ext>
+            </a:extLst>
+          </p:cNvPr>
+          <p:cNvSpPr txBox="1"/>
+          <p:nvPr/>
+        </p:nvSpPr>
+        <p:spPr>
+          <a:xfrm>
+            <a:off x="335360" y="6381328"/>
+            <a:ext cx="6984776" cy="400110"/>
+          </a:xfrm>
+          <a:prstGeom prst="rect">
+            <a:avLst/>
+          </a:prstGeom>
+          <a:noFill/>
+        </p:spPr>
+        <p:txBody>
+          <a:bodyPr wrap="square" rtlCol="0">
+            <a:spAutoFit/>
+          </a:bodyPr>
+          <a:lstStyle/>
+          <a:p>
+            <a:pPr algn="l"/>
+            <a:r>
+              <a:rPr lang="ko-KR" altLang="en-US" sz="1000" dirty="0">
+                <a:solidFill>
+                  <a:schemeClr val="bg1"/>
+                </a:solidFill>
+                <a:latin typeface="고도 B" panose="02000503000000020004" pitchFamily="2" charset="-127"/>
+                <a:ea typeface="고도 B" panose="02000503000000020004" pitchFamily="2" charset="-127"/>
+              </a:rPr>
+              <a:t>상단 카드에는 아직 어떤 값을 넣을지 의견 조율 중입니다</a:t>
+            </a:r>
+            <a:r>
+              <a:rPr lang="en-US" altLang="ko-KR" sz="1000" dirty="0">
+                <a:solidFill>
+                  <a:schemeClr val="bg1"/>
+                </a:solidFill>
+                <a:latin typeface="고도 B" panose="02000503000000020004" pitchFamily="2" charset="-127"/>
+                <a:ea typeface="고도 B" panose="02000503000000020004" pitchFamily="2" charset="-127"/>
+              </a:rPr>
+              <a:t>. </a:t>
+            </a:r>
+            <a:r>
+              <a:rPr lang="ko-KR" altLang="en-US" sz="1000" dirty="0" err="1">
+                <a:solidFill>
+                  <a:schemeClr val="bg1"/>
+                </a:solidFill>
+                <a:latin typeface="고도 B" panose="02000503000000020004" pitchFamily="2" charset="-127"/>
+                <a:ea typeface="고도 B" panose="02000503000000020004" pitchFamily="2" charset="-127"/>
+              </a:rPr>
+              <a:t>현재로써는</a:t>
+            </a:r>
+            <a:r>
+              <a:rPr lang="ko-KR" altLang="en-US" sz="1000" dirty="0">
+                <a:solidFill>
+                  <a:schemeClr val="bg1"/>
+                </a:solidFill>
+                <a:latin typeface="고도 B" panose="02000503000000020004" pitchFamily="2" charset="-127"/>
+                <a:ea typeface="고도 B" panose="02000503000000020004" pitchFamily="2" charset="-127"/>
+              </a:rPr>
+              <a:t> 이번 달 총 매출액</a:t>
+            </a:r>
+            <a:r>
+              <a:rPr lang="en-US" altLang="ko-KR" sz="1000" dirty="0">
+                <a:solidFill>
+                  <a:schemeClr val="bg1"/>
+                </a:solidFill>
+                <a:latin typeface="고도 B" panose="02000503000000020004" pitchFamily="2" charset="-127"/>
+                <a:ea typeface="고도 B" panose="02000503000000020004" pitchFamily="2" charset="-127"/>
+              </a:rPr>
+              <a:t>, </a:t>
+            </a:r>
+            <a:r>
+              <a:rPr lang="ko-KR" altLang="en-US" sz="1000" dirty="0">
+                <a:solidFill>
+                  <a:schemeClr val="bg1"/>
+                </a:solidFill>
+                <a:latin typeface="고도 B" panose="02000503000000020004" pitchFamily="2" charset="-127"/>
+                <a:ea typeface="고도 B" panose="02000503000000020004" pitchFamily="2" charset="-127"/>
+              </a:rPr>
+              <a:t>전월 총 매출액 등을 넣을 예정입니다</a:t>
+            </a:r>
+            <a:r>
+              <a:rPr lang="en-US" altLang="ko-KR" sz="1000" dirty="0">
+                <a:solidFill>
+                  <a:schemeClr val="bg1"/>
+                </a:solidFill>
+                <a:latin typeface="고도 B" panose="02000503000000020004" pitchFamily="2" charset="-127"/>
+                <a:ea typeface="고도 B" panose="02000503000000020004" pitchFamily="2" charset="-127"/>
+              </a:rPr>
+              <a:t>.</a:t>
+            </a:r>
+          </a:p>
+          <a:p>
+            <a:pPr algn="l"/>
+            <a:r>
+              <a:rPr lang="ko-KR" altLang="en-US" sz="1000" dirty="0">
+                <a:solidFill>
+                  <a:schemeClr val="bg1"/>
+                </a:solidFill>
+                <a:latin typeface="고도 B" panose="02000503000000020004" pitchFamily="2" charset="-127"/>
+                <a:ea typeface="고도 B" panose="02000503000000020004" pitchFamily="2" charset="-127"/>
+              </a:rPr>
+              <a:t>왼쪽 그래프에는 올해 월별 총 매출액 </a:t>
+            </a:r>
+            <a:r>
+              <a:rPr lang="en-US" altLang="ko-KR" sz="1000" dirty="0">
+                <a:solidFill>
+                  <a:schemeClr val="bg1"/>
+                </a:solidFill>
+                <a:latin typeface="고도 B" panose="02000503000000020004" pitchFamily="2" charset="-127"/>
+                <a:ea typeface="고도 B" panose="02000503000000020004" pitchFamily="2" charset="-127"/>
+              </a:rPr>
+              <a:t>, </a:t>
+            </a:r>
+            <a:r>
+              <a:rPr lang="ko-KR" altLang="en-US" sz="1000" dirty="0">
+                <a:solidFill>
+                  <a:schemeClr val="bg1"/>
+                </a:solidFill>
+                <a:latin typeface="고도 B" panose="02000503000000020004" pitchFamily="2" charset="-127"/>
+                <a:ea typeface="고도 B" panose="02000503000000020004" pitchFamily="2" charset="-127"/>
+              </a:rPr>
+              <a:t>오른쪽에는 분기별 총 매출액을 넣을 예정입니다</a:t>
+            </a:r>
+            <a:r>
+              <a:rPr lang="en-US" altLang="ko-KR" sz="1000" dirty="0">
+                <a:solidFill>
+                  <a:schemeClr val="bg1"/>
+                </a:solidFill>
+                <a:latin typeface="고도 B" panose="02000503000000020004" pitchFamily="2" charset="-127"/>
+                <a:ea typeface="고도 B" panose="02000503000000020004" pitchFamily="2" charset="-127"/>
+              </a:rPr>
+              <a:t>.</a:t>
+            </a:r>
+            <a:endParaRPr lang="ko-KR" altLang="en-US" sz="1000" dirty="0">
+              <a:solidFill>
+                <a:schemeClr val="bg1"/>
+              </a:solidFill>
+              <a:latin typeface="고도 B" panose="02000503000000020004" pitchFamily="2" charset="-127"/>
+              <a:ea typeface="고도 B" panose="02000503000000020004" pitchFamily="2" charset="-127"/>
+            </a:endParaRPr>
+          </a:p>
+        </p:txBody>
+      </p:sp>
     </p:spTree>
     <p:extLst>
       <p:ext uri="{BB962C8B-B14F-4D97-AF65-F5344CB8AC3E}">
@@ -2627,6 +3197,487 @@
   <p:clrMapOvr>
     <a:masterClrMapping/>
   </p:clrMapOvr>
+  <p:timing>
+    <p:tnLst>
+      <p:par>
+        <p:cTn id="1" dur="indefinite" restart="never" nodeType="tmRoot">
+          <p:childTnLst>
+            <p:seq concurrent="1" nextAc="seek">
+              <p:cTn id="2" dur="indefinite" nodeType="mainSeq">
+                <p:childTnLst>
+                  <p:par>
+                    <p:cTn id="3" fill="hold">
+                      <p:stCondLst>
+                        <p:cond delay="indefinite"/>
+                      </p:stCondLst>
+                      <p:childTnLst>
+                        <p:par>
+                          <p:cTn id="4" fill="hold">
+                            <p:stCondLst>
+                              <p:cond delay="0"/>
+                            </p:stCondLst>
+                            <p:childTnLst>
+                              <p:par>
+                                <p:cTn id="5" presetID="10" presetClass="entr" presetSubtype="0" fill="hold" grpId="0" nodeType="clickEffect">
+                                  <p:stCondLst>
+                                    <p:cond delay="0"/>
+                                  </p:stCondLst>
+                                  <p:childTnLst>
+                                    <p:set>
+                                      <p:cBhvr>
+                                        <p:cTn id="6" dur="1" fill="hold">
+                                          <p:stCondLst>
+                                            <p:cond delay="0"/>
+                                          </p:stCondLst>
+                                        </p:cTn>
+                                        <p:tgtEl>
+                                          <p:spTgt spid="8"/>
+                                        </p:tgtEl>
+                                        <p:attrNameLst>
+                                          <p:attrName>style.visibility</p:attrName>
+                                        </p:attrNameLst>
+                                      </p:cBhvr>
+                                      <p:to>
+                                        <p:strVal val="visible"/>
+                                      </p:to>
+                                    </p:set>
+                                    <p:animEffect transition="in" filter="fade">
+                                      <p:cBhvr>
+                                        <p:cTn id="7" dur="500"/>
+                                        <p:tgtEl>
+                                          <p:spTgt spid="8"/>
+                                        </p:tgtEl>
+                                      </p:cBhvr>
+                                    </p:animEffect>
+                                  </p:childTnLst>
+                                </p:cTn>
+                              </p:par>
+                              <p:par>
+                                <p:cTn id="8" presetID="10" presetClass="entr" presetSubtype="0" fill="hold" nodeType="withEffect">
+                                  <p:stCondLst>
+                                    <p:cond delay="0"/>
+                                  </p:stCondLst>
+                                  <p:childTnLst>
+                                    <p:set>
+                                      <p:cBhvr>
+                                        <p:cTn id="9" dur="1" fill="hold">
+                                          <p:stCondLst>
+                                            <p:cond delay="0"/>
+                                          </p:stCondLst>
+                                        </p:cTn>
+                                        <p:tgtEl>
+                                          <p:spTgt spid="7"/>
+                                        </p:tgtEl>
+                                        <p:attrNameLst>
+                                          <p:attrName>style.visibility</p:attrName>
+                                        </p:attrNameLst>
+                                      </p:cBhvr>
+                                      <p:to>
+                                        <p:strVal val="visible"/>
+                                      </p:to>
+                                    </p:set>
+                                    <p:animEffect transition="in" filter="fade">
+                                      <p:cBhvr>
+                                        <p:cTn id="10" dur="500"/>
+                                        <p:tgtEl>
+                                          <p:spTgt spid="7"/>
+                                        </p:tgtEl>
+                                      </p:cBhvr>
+                                    </p:animEffect>
+                                  </p:childTnLst>
+                                </p:cTn>
+                              </p:par>
+                              <p:par>
+                                <p:cTn id="11" presetID="10" presetClass="entr" presetSubtype="0" fill="hold" grpId="0" nodeType="withEffect">
+                                  <p:stCondLst>
+                                    <p:cond delay="0"/>
+                                  </p:stCondLst>
+                                  <p:childTnLst>
+                                    <p:set>
+                                      <p:cBhvr>
+                                        <p:cTn id="12" dur="1" fill="hold">
+                                          <p:stCondLst>
+                                            <p:cond delay="0"/>
+                                          </p:stCondLst>
+                                        </p:cTn>
+                                        <p:tgtEl>
+                                          <p:spTgt spid="4"/>
+                                        </p:tgtEl>
+                                        <p:attrNameLst>
+                                          <p:attrName>style.visibility</p:attrName>
+                                        </p:attrNameLst>
+                                      </p:cBhvr>
+                                      <p:to>
+                                        <p:strVal val="visible"/>
+                                      </p:to>
+                                    </p:set>
+                                    <p:animEffect transition="in" filter="fade">
+                                      <p:cBhvr>
+                                        <p:cTn id="13" dur="500"/>
+                                        <p:tgtEl>
+                                          <p:spTgt spid="4"/>
+                                        </p:tgtEl>
+                                      </p:cBhvr>
+                                    </p:animEffect>
+                                  </p:childTnLst>
+                                </p:cTn>
+                              </p:par>
+                            </p:childTnLst>
+                          </p:cTn>
+                        </p:par>
+                      </p:childTnLst>
+                    </p:cTn>
+                  </p:par>
+                  <p:par>
+                    <p:cTn id="14" fill="hold">
+                      <p:stCondLst>
+                        <p:cond delay="indefinite"/>
+                      </p:stCondLst>
+                      <p:childTnLst>
+                        <p:par>
+                          <p:cTn id="15" fill="hold">
+                            <p:stCondLst>
+                              <p:cond delay="0"/>
+                            </p:stCondLst>
+                            <p:childTnLst>
+                              <p:par>
+                                <p:cTn id="16" presetID="10" presetClass="exit" presetSubtype="0" fill="hold" grpId="1" nodeType="clickEffect">
+                                  <p:stCondLst>
+                                    <p:cond delay="0"/>
+                                  </p:stCondLst>
+                                  <p:childTnLst>
+                                    <p:animEffect transition="out" filter="fade">
+                                      <p:cBhvr>
+                                        <p:cTn id="17" dur="500"/>
+                                        <p:tgtEl>
+                                          <p:spTgt spid="8"/>
+                                        </p:tgtEl>
+                                      </p:cBhvr>
+                                    </p:animEffect>
+                                    <p:set>
+                                      <p:cBhvr>
+                                        <p:cTn id="18" dur="1" fill="hold">
+                                          <p:stCondLst>
+                                            <p:cond delay="499"/>
+                                          </p:stCondLst>
+                                        </p:cTn>
+                                        <p:tgtEl>
+                                          <p:spTgt spid="8"/>
+                                        </p:tgtEl>
+                                        <p:attrNameLst>
+                                          <p:attrName>style.visibility</p:attrName>
+                                        </p:attrNameLst>
+                                      </p:cBhvr>
+                                      <p:to>
+                                        <p:strVal val="hidden"/>
+                                      </p:to>
+                                    </p:set>
+                                  </p:childTnLst>
+                                </p:cTn>
+                              </p:par>
+                              <p:par>
+                                <p:cTn id="19" presetID="10" presetClass="exit" presetSubtype="0" fill="hold" grpId="1" nodeType="withEffect">
+                                  <p:stCondLst>
+                                    <p:cond delay="0"/>
+                                  </p:stCondLst>
+                                  <p:childTnLst>
+                                    <p:animEffect transition="out" filter="fade">
+                                      <p:cBhvr>
+                                        <p:cTn id="20" dur="500"/>
+                                        <p:tgtEl>
+                                          <p:spTgt spid="4"/>
+                                        </p:tgtEl>
+                                      </p:cBhvr>
+                                    </p:animEffect>
+                                    <p:set>
+                                      <p:cBhvr>
+                                        <p:cTn id="21" dur="1" fill="hold">
+                                          <p:stCondLst>
+                                            <p:cond delay="499"/>
+                                          </p:stCondLst>
+                                        </p:cTn>
+                                        <p:tgtEl>
+                                          <p:spTgt spid="4"/>
+                                        </p:tgtEl>
+                                        <p:attrNameLst>
+                                          <p:attrName>style.visibility</p:attrName>
+                                        </p:attrNameLst>
+                                      </p:cBhvr>
+                                      <p:to>
+                                        <p:strVal val="hidden"/>
+                                      </p:to>
+                                    </p:set>
+                                  </p:childTnLst>
+                                </p:cTn>
+                              </p:par>
+                              <p:par>
+                                <p:cTn id="22" presetID="10" presetClass="entr" presetSubtype="0" fill="hold" grpId="0" nodeType="withEffect">
+                                  <p:stCondLst>
+                                    <p:cond delay="0"/>
+                                  </p:stCondLst>
+                                  <p:childTnLst>
+                                    <p:set>
+                                      <p:cBhvr>
+                                        <p:cTn id="23" dur="1" fill="hold">
+                                          <p:stCondLst>
+                                            <p:cond delay="0"/>
+                                          </p:stCondLst>
+                                        </p:cTn>
+                                        <p:tgtEl>
+                                          <p:spTgt spid="10"/>
+                                        </p:tgtEl>
+                                        <p:attrNameLst>
+                                          <p:attrName>style.visibility</p:attrName>
+                                        </p:attrNameLst>
+                                      </p:cBhvr>
+                                      <p:to>
+                                        <p:strVal val="visible"/>
+                                      </p:to>
+                                    </p:set>
+                                    <p:animEffect transition="in" filter="fade">
+                                      <p:cBhvr>
+                                        <p:cTn id="24" dur="500"/>
+                                        <p:tgtEl>
+                                          <p:spTgt spid="10"/>
+                                        </p:tgtEl>
+                                      </p:cBhvr>
+                                    </p:animEffect>
+                                  </p:childTnLst>
+                                </p:cTn>
+                              </p:par>
+                              <p:par>
+                                <p:cTn id="25" presetID="10" presetClass="entr" presetSubtype="0" fill="hold" grpId="0" nodeType="withEffect">
+                                  <p:stCondLst>
+                                    <p:cond delay="0"/>
+                                  </p:stCondLst>
+                                  <p:childTnLst>
+                                    <p:set>
+                                      <p:cBhvr>
+                                        <p:cTn id="26" dur="1" fill="hold">
+                                          <p:stCondLst>
+                                            <p:cond delay="0"/>
+                                          </p:stCondLst>
+                                        </p:cTn>
+                                        <p:tgtEl>
+                                          <p:spTgt spid="5"/>
+                                        </p:tgtEl>
+                                        <p:attrNameLst>
+                                          <p:attrName>style.visibility</p:attrName>
+                                        </p:attrNameLst>
+                                      </p:cBhvr>
+                                      <p:to>
+                                        <p:strVal val="visible"/>
+                                      </p:to>
+                                    </p:set>
+                                    <p:animEffect transition="in" filter="fade">
+                                      <p:cBhvr>
+                                        <p:cTn id="27" dur="500"/>
+                                        <p:tgtEl>
+                                          <p:spTgt spid="5"/>
+                                        </p:tgtEl>
+                                      </p:cBhvr>
+                                    </p:animEffect>
+                                  </p:childTnLst>
+                                </p:cTn>
+                              </p:par>
+                            </p:childTnLst>
+                          </p:cTn>
+                        </p:par>
+                      </p:childTnLst>
+                    </p:cTn>
+                  </p:par>
+                  <p:par>
+                    <p:cTn id="28" fill="hold">
+                      <p:stCondLst>
+                        <p:cond delay="indefinite"/>
+                      </p:stCondLst>
+                      <p:childTnLst>
+                        <p:par>
+                          <p:cTn id="29" fill="hold">
+                            <p:stCondLst>
+                              <p:cond delay="0"/>
+                            </p:stCondLst>
+                            <p:childTnLst>
+                              <p:par>
+                                <p:cTn id="30" presetID="10" presetClass="exit" presetSubtype="0" fill="hold" grpId="1" nodeType="clickEffect">
+                                  <p:stCondLst>
+                                    <p:cond delay="0"/>
+                                  </p:stCondLst>
+                                  <p:childTnLst>
+                                    <p:animEffect transition="out" filter="fade">
+                                      <p:cBhvr>
+                                        <p:cTn id="31" dur="500"/>
+                                        <p:tgtEl>
+                                          <p:spTgt spid="10"/>
+                                        </p:tgtEl>
+                                      </p:cBhvr>
+                                    </p:animEffect>
+                                    <p:set>
+                                      <p:cBhvr>
+                                        <p:cTn id="32" dur="1" fill="hold">
+                                          <p:stCondLst>
+                                            <p:cond delay="499"/>
+                                          </p:stCondLst>
+                                        </p:cTn>
+                                        <p:tgtEl>
+                                          <p:spTgt spid="10"/>
+                                        </p:tgtEl>
+                                        <p:attrNameLst>
+                                          <p:attrName>style.visibility</p:attrName>
+                                        </p:attrNameLst>
+                                      </p:cBhvr>
+                                      <p:to>
+                                        <p:strVal val="hidden"/>
+                                      </p:to>
+                                    </p:set>
+                                  </p:childTnLst>
+                                </p:cTn>
+                              </p:par>
+                              <p:par>
+                                <p:cTn id="33" presetID="10" presetClass="exit" presetSubtype="0" fill="hold" grpId="1" nodeType="withEffect">
+                                  <p:stCondLst>
+                                    <p:cond delay="0"/>
+                                  </p:stCondLst>
+                                  <p:childTnLst>
+                                    <p:animEffect transition="out" filter="fade">
+                                      <p:cBhvr>
+                                        <p:cTn id="34" dur="500"/>
+                                        <p:tgtEl>
+                                          <p:spTgt spid="5"/>
+                                        </p:tgtEl>
+                                      </p:cBhvr>
+                                    </p:animEffect>
+                                    <p:set>
+                                      <p:cBhvr>
+                                        <p:cTn id="35" dur="1" fill="hold">
+                                          <p:stCondLst>
+                                            <p:cond delay="499"/>
+                                          </p:stCondLst>
+                                        </p:cTn>
+                                        <p:tgtEl>
+                                          <p:spTgt spid="5"/>
+                                        </p:tgtEl>
+                                        <p:attrNameLst>
+                                          <p:attrName>style.visibility</p:attrName>
+                                        </p:attrNameLst>
+                                      </p:cBhvr>
+                                      <p:to>
+                                        <p:strVal val="hidden"/>
+                                      </p:to>
+                                    </p:set>
+                                  </p:childTnLst>
+                                </p:cTn>
+                              </p:par>
+                              <p:par>
+                                <p:cTn id="36" presetID="10" presetClass="entr" presetSubtype="0" fill="hold" grpId="0" nodeType="withEffect">
+                                  <p:stCondLst>
+                                    <p:cond delay="0"/>
+                                  </p:stCondLst>
+                                  <p:childTnLst>
+                                    <p:set>
+                                      <p:cBhvr>
+                                        <p:cTn id="37" dur="1" fill="hold">
+                                          <p:stCondLst>
+                                            <p:cond delay="0"/>
+                                          </p:stCondLst>
+                                        </p:cTn>
+                                        <p:tgtEl>
+                                          <p:spTgt spid="12"/>
+                                        </p:tgtEl>
+                                        <p:attrNameLst>
+                                          <p:attrName>style.visibility</p:attrName>
+                                        </p:attrNameLst>
+                                      </p:cBhvr>
+                                      <p:to>
+                                        <p:strVal val="visible"/>
+                                      </p:to>
+                                    </p:set>
+                                    <p:animEffect transition="in" filter="fade">
+                                      <p:cBhvr>
+                                        <p:cTn id="38" dur="500"/>
+                                        <p:tgtEl>
+                                          <p:spTgt spid="12"/>
+                                        </p:tgtEl>
+                                      </p:cBhvr>
+                                    </p:animEffect>
+                                  </p:childTnLst>
+                                </p:cTn>
+                              </p:par>
+                              <p:par>
+                                <p:cTn id="39" presetID="10" presetClass="entr" presetSubtype="0" fill="hold" grpId="0" nodeType="withEffect">
+                                  <p:stCondLst>
+                                    <p:cond delay="0"/>
+                                  </p:stCondLst>
+                                  <p:childTnLst>
+                                    <p:set>
+                                      <p:cBhvr>
+                                        <p:cTn id="40" dur="1" fill="hold">
+                                          <p:stCondLst>
+                                            <p:cond delay="0"/>
+                                          </p:stCondLst>
+                                        </p:cTn>
+                                        <p:tgtEl>
+                                          <p:spTgt spid="11"/>
+                                        </p:tgtEl>
+                                        <p:attrNameLst>
+                                          <p:attrName>style.visibility</p:attrName>
+                                        </p:attrNameLst>
+                                      </p:cBhvr>
+                                      <p:to>
+                                        <p:strVal val="visible"/>
+                                      </p:to>
+                                    </p:set>
+                                    <p:animEffect transition="in" filter="fade">
+                                      <p:cBhvr>
+                                        <p:cTn id="41" dur="500"/>
+                                        <p:tgtEl>
+                                          <p:spTgt spid="11"/>
+                                        </p:tgtEl>
+                                      </p:cBhvr>
+                                    </p:animEffect>
+                                  </p:childTnLst>
+                                </p:cTn>
+                              </p:par>
+                            </p:childTnLst>
+                          </p:cTn>
+                        </p:par>
+                      </p:childTnLst>
+                    </p:cTn>
+                  </p:par>
+                </p:childTnLst>
+              </p:cTn>
+              <p:prevCondLst>
+                <p:cond evt="onPrev" delay="0">
+                  <p:tgtEl>
+                    <p:sldTgt/>
+                  </p:tgtEl>
+                </p:cond>
+              </p:prevCondLst>
+              <p:nextCondLst>
+                <p:cond evt="onNext" delay="0">
+                  <p:tgtEl>
+                    <p:sldTgt/>
+                  </p:tgtEl>
+                </p:cond>
+              </p:nextCondLst>
+            </p:seq>
+          </p:childTnLst>
+        </p:cTn>
+      </p:par>
+    </p:tnLst>
+    <p:bldLst>
+      <p:bldP spid="4" grpId="0" animBg="1"/>
+      <p:bldP spid="4" grpId="1" animBg="1"/>
+      <p:bldP spid="8" grpId="0"/>
+      <p:bldP spid="8" grpId="1"/>
+      <p:bldP spid="5" grpId="0" animBg="1"/>
+      <p:bldP spid="5" grpId="1" animBg="1"/>
+      <p:bldP spid="10" grpId="0"/>
+      <p:bldP spid="10" grpId="1"/>
+      <p:bldP spid="11" grpId="0" animBg="1"/>
+      <p:bldP spid="12" grpId="0"/>
+    </p:bldLst>
+  </p:timing>
 </p:sld>
 </file>
 
@@ -2663,7 +3714,7 @@
           <p:cNvPr id="6" name="슬라이드 번호 개체 틀 5">
             <a:extLst>
               <a:ext uri="{FF2B5EF4-FFF2-40B4-BE49-F238E27FC236}">
-                <a16:creationId xmlns:a16="http://schemas.microsoft.com/office/drawing/2014/main" id="{D07836A0-38B7-45E1-B6C1-6BEEAC42BA58}"/>
+                <a16:creationId xmlns:a16="http://schemas.microsoft.com/office/drawing/2014/main" xmlns="" id="{D07836A0-38B7-45E1-B6C1-6BEEAC42BA58}"/>
               </a:ext>
             </a:extLst>
           </p:cNvPr>
@@ -2693,7 +3744,7 @@
           <p:cNvPr id="9" name="TextBox 8">
             <a:extLst>
               <a:ext uri="{FF2B5EF4-FFF2-40B4-BE49-F238E27FC236}">
-                <a16:creationId xmlns:a16="http://schemas.microsoft.com/office/drawing/2014/main" id="{5D8B5EC4-A12D-4385-8680-5D64041688E4}"/>
+                <a16:creationId xmlns:a16="http://schemas.microsoft.com/office/drawing/2014/main" xmlns="" id="{5D8B5EC4-A12D-4385-8680-5D64041688E4}"/>
               </a:ext>
             </a:extLst>
           </p:cNvPr>
@@ -2781,7 +3832,7 @@
           <p:cNvPr id="2" name="그림 1">
             <a:extLst>
               <a:ext uri="{FF2B5EF4-FFF2-40B4-BE49-F238E27FC236}">
-                <a16:creationId xmlns:a16="http://schemas.microsoft.com/office/drawing/2014/main" id="{E8F4FA65-458F-496B-9CF1-F961FAA0F399}"/>
+                <a16:creationId xmlns:a16="http://schemas.microsoft.com/office/drawing/2014/main" xmlns="" id="{E8F4FA65-458F-496B-9CF1-F961FAA0F399}"/>
               </a:ext>
             </a:extLst>
           </p:cNvPr>
@@ -2806,6 +3857,410 @@
           </a:prstGeom>
         </p:spPr>
       </p:pic>
+      <p:pic>
+        <p:nvPicPr>
+          <p:cNvPr id="5" name="그림 4">
+            <a:extLst>
+              <a:ext uri="{FF2B5EF4-FFF2-40B4-BE49-F238E27FC236}">
+                <a16:creationId xmlns:a16="http://schemas.microsoft.com/office/drawing/2014/main" xmlns="" id="{E8F4FA65-458F-496B-9CF1-F961FAA0F399}"/>
+              </a:ext>
+            </a:extLst>
+          </p:cNvPr>
+          <p:cNvPicPr>
+            <a:picLocks noChangeAspect="1"/>
+          </p:cNvPicPr>
+          <p:nvPr/>
+        </p:nvPicPr>
+        <p:blipFill rotWithShape="1">
+          <a:blip r:embed="rId2"/>
+          <a:srcRect l="12354" t="17611" r="560" b="3552"/>
+          <a:stretch/>
+        </p:blipFill>
+        <p:spPr>
+          <a:xfrm>
+            <a:off x="1926771" y="1988840"/>
+            <a:ext cx="8478469" cy="4157437"/>
+          </a:xfrm>
+          <a:prstGeom prst="rect">
+            <a:avLst/>
+          </a:prstGeom>
+        </p:spPr>
+      </p:pic>
+      <p:pic>
+        <p:nvPicPr>
+          <p:cNvPr id="2050" name="Picture 2"/>
+          <p:cNvPicPr>
+            <a:picLocks noChangeAspect="1" noChangeArrowheads="1"/>
+          </p:cNvPicPr>
+          <p:nvPr/>
+        </p:nvPicPr>
+        <p:blipFill rotWithShape="1">
+          <a:blip r:embed="rId3">
+            <a:extLst>
+              <a:ext uri="{28A0092B-C50C-407E-A947-70E740481C1C}">
+                <a14:useLocalDpi xmlns:a14="http://schemas.microsoft.com/office/drawing/2010/main" val="0"/>
+              </a:ext>
+            </a:extLst>
+          </a:blip>
+          <a:srcRect l="91925" t="30647" r="3626" b="64938"/>
+          <a:stretch/>
+        </p:blipFill>
+        <p:spPr bwMode="auto">
+          <a:xfrm>
+            <a:off x="9696400" y="2708920"/>
+            <a:ext cx="468086" cy="261259"/>
+          </a:xfrm>
+          <a:prstGeom prst="rect">
+            <a:avLst/>
+          </a:prstGeom>
+          <a:noFill/>
+          <a:ln>
+            <a:noFill/>
+          </a:ln>
+          <a:extLst>
+            <a:ext uri="{909E8E84-426E-40DD-AFC4-6F175D3DCCD1}">
+              <a14:hiddenFill xmlns:a14="http://schemas.microsoft.com/office/drawing/2010/main">
+                <a:solidFill>
+                  <a:schemeClr val="accent1"/>
+                </a:solidFill>
+              </a14:hiddenFill>
+            </a:ext>
+            <a:ext uri="{91240B29-F687-4F45-9708-019B960494DF}">
+              <a14:hiddenLine xmlns:a14="http://schemas.microsoft.com/office/drawing/2010/main" w="9525">
+                <a:solidFill>
+                  <a:schemeClr val="tx1"/>
+                </a:solidFill>
+                <a:miter lim="800000"/>
+                <a:headEnd/>
+                <a:tailEnd/>
+              </a14:hiddenLine>
+            </a:ext>
+          </a:extLst>
+        </p:spPr>
+      </p:pic>
+      <p:sp>
+        <p:nvSpPr>
+          <p:cNvPr id="7" name="직사각형 6">
+            <a:extLst>
+              <a:ext uri="{FF2B5EF4-FFF2-40B4-BE49-F238E27FC236}">
+                <a16:creationId xmlns:a16="http://schemas.microsoft.com/office/drawing/2014/main" xmlns="" id="{93605B57-59C7-4B45-BC88-B7BEB86AD134}"/>
+              </a:ext>
+            </a:extLst>
+          </p:cNvPr>
+          <p:cNvSpPr/>
+          <p:nvPr/>
+        </p:nvSpPr>
+        <p:spPr>
+          <a:xfrm>
+            <a:off x="1991544" y="3042187"/>
+            <a:ext cx="8280920" cy="2835085"/>
+          </a:xfrm>
+          <a:prstGeom prst="rect">
+            <a:avLst/>
+          </a:prstGeom>
+          <a:noFill/>
+          <a:ln w="38100">
+            <a:solidFill>
+              <a:srgbClr val="FF0000"/>
+            </a:solidFill>
+          </a:ln>
+        </p:spPr>
+        <p:style>
+          <a:lnRef idx="2">
+            <a:schemeClr val="accent1">
+              <a:shade val="50000"/>
+            </a:schemeClr>
+          </a:lnRef>
+          <a:fillRef idx="1">
+            <a:schemeClr val="accent1"/>
+          </a:fillRef>
+          <a:effectRef idx="0">
+            <a:schemeClr val="accent1"/>
+          </a:effectRef>
+          <a:fontRef idx="minor">
+            <a:schemeClr val="lt1"/>
+          </a:fontRef>
+        </p:style>
+        <p:txBody>
+          <a:bodyPr rot="0" spcFirstLastPara="0" vertOverflow="overflow" horzOverflow="overflow" vert="horz" wrap="square" lIns="91440" tIns="45720" rIns="91440" bIns="45720" numCol="1" spcCol="0" rtlCol="0" fromWordArt="0" anchor="ctr" anchorCtr="0" forceAA="0" compatLnSpc="1">
+            <a:prstTxWarp prst="textNoShape">
+              <a:avLst/>
+            </a:prstTxWarp>
+            <a:noAutofit/>
+          </a:bodyPr>
+          <a:lstStyle/>
+          <a:p>
+            <a:pPr algn="ctr"/>
+            <a:endParaRPr lang="ko-KR" altLang="en-US"/>
+          </a:p>
+        </p:txBody>
+      </p:sp>
+      <p:sp>
+        <p:nvSpPr>
+          <p:cNvPr id="8" name="TextBox 7">
+            <a:extLst>
+              <a:ext uri="{FF2B5EF4-FFF2-40B4-BE49-F238E27FC236}">
+                <a16:creationId xmlns:a16="http://schemas.microsoft.com/office/drawing/2014/main" xmlns="" id="{41A71638-794E-4B84-88DC-A5B64E0706A3}"/>
+              </a:ext>
+            </a:extLst>
+          </p:cNvPr>
+          <p:cNvSpPr txBox="1"/>
+          <p:nvPr/>
+        </p:nvSpPr>
+        <p:spPr>
+          <a:xfrm>
+            <a:off x="4799856" y="2463279"/>
+            <a:ext cx="2520280" cy="461665"/>
+          </a:xfrm>
+          <a:prstGeom prst="rect">
+            <a:avLst/>
+          </a:prstGeom>
+          <a:noFill/>
+        </p:spPr>
+        <p:txBody>
+          <a:bodyPr wrap="square" rtlCol="0">
+            <a:spAutoFit/>
+          </a:bodyPr>
+          <a:lstStyle/>
+          <a:p>
+            <a:pPr algn="ctr"/>
+            <a:r>
+              <a:rPr lang="ko-KR" altLang="en-US" sz="2400" smtClean="0">
+                <a:ln w="12700">
+                  <a:solidFill>
+                    <a:schemeClr val="accent1">
+                      <a:lumMod val="75000"/>
+                    </a:schemeClr>
+                  </a:solidFill>
+                </a:ln>
+                <a:solidFill>
+                  <a:schemeClr val="bg1"/>
+                </a:solidFill>
+                <a:latin typeface="고도 B" panose="02000503000000020004" pitchFamily="2" charset="-127"/>
+                <a:ea typeface="고도 B" panose="02000503000000020004" pitchFamily="2" charset="-127"/>
+              </a:rPr>
+              <a:t>전날 수주 내역</a:t>
+            </a:r>
+            <a:endParaRPr lang="ko-KR" altLang="en-US" sz="2400" dirty="0">
+              <a:ln w="12700">
+                <a:solidFill>
+                  <a:schemeClr val="accent1">
+                    <a:lumMod val="75000"/>
+                  </a:schemeClr>
+                </a:solidFill>
+              </a:ln>
+              <a:solidFill>
+                <a:schemeClr val="bg1"/>
+              </a:solidFill>
+              <a:latin typeface="고도 B" panose="02000503000000020004" pitchFamily="2" charset="-127"/>
+              <a:ea typeface="고도 B" panose="02000503000000020004" pitchFamily="2" charset="-127"/>
+            </a:endParaRPr>
+          </a:p>
+        </p:txBody>
+      </p:sp>
+      <p:sp>
+        <p:nvSpPr>
+          <p:cNvPr id="10" name="TextBox 9">
+            <a:extLst>
+              <a:ext uri="{FF2B5EF4-FFF2-40B4-BE49-F238E27FC236}">
+                <a16:creationId xmlns:a16="http://schemas.microsoft.com/office/drawing/2014/main" xmlns="" id="{4F553B15-9ACE-40DD-907E-F8A78E827085}"/>
+              </a:ext>
+            </a:extLst>
+          </p:cNvPr>
+          <p:cNvSpPr txBox="1"/>
+          <p:nvPr/>
+        </p:nvSpPr>
+        <p:spPr>
+          <a:xfrm>
+            <a:off x="335360" y="6381328"/>
+            <a:ext cx="6984776" cy="400110"/>
+          </a:xfrm>
+          <a:prstGeom prst="rect">
+            <a:avLst/>
+          </a:prstGeom>
+          <a:noFill/>
+        </p:spPr>
+        <p:txBody>
+          <a:bodyPr wrap="square" rtlCol="0">
+            <a:spAutoFit/>
+          </a:bodyPr>
+          <a:lstStyle/>
+          <a:p>
+            <a:pPr algn="l"/>
+            <a:r>
+              <a:rPr lang="ko-KR" altLang="en-US" sz="1000" smtClean="0">
+                <a:solidFill>
+                  <a:schemeClr val="bg1"/>
+                </a:solidFill>
+                <a:latin typeface="고도 B" panose="02000503000000020004" pitchFamily="2" charset="-127"/>
+                <a:ea typeface="고도 B" panose="02000503000000020004" pitchFamily="2" charset="-127"/>
+              </a:rPr>
+              <a:t>상단에 수주 내역 날짜 검색 기능 삭제 예정</a:t>
+            </a:r>
+            <a:endParaRPr lang="en-US" altLang="ko-KR" sz="1000" smtClean="0">
+              <a:solidFill>
+                <a:schemeClr val="bg1"/>
+              </a:solidFill>
+              <a:latin typeface="고도 B" panose="02000503000000020004" pitchFamily="2" charset="-127"/>
+              <a:ea typeface="고도 B" panose="02000503000000020004" pitchFamily="2" charset="-127"/>
+            </a:endParaRPr>
+          </a:p>
+          <a:p>
+            <a:pPr algn="l"/>
+            <a:r>
+              <a:rPr lang="ko-KR" altLang="en-US" sz="1000" smtClean="0">
+                <a:solidFill>
+                  <a:schemeClr val="bg1"/>
+                </a:solidFill>
+                <a:latin typeface="고도 B" panose="02000503000000020004" pitchFamily="2" charset="-127"/>
+                <a:ea typeface="고도 B" panose="02000503000000020004" pitchFamily="2" charset="-127"/>
+              </a:rPr>
+              <a:t>납품 버튼을 통해 </a:t>
+            </a:r>
+            <a:r>
+              <a:rPr lang="en-US" altLang="ko-KR" sz="1000" smtClean="0">
+                <a:solidFill>
+                  <a:schemeClr val="bg1"/>
+                </a:solidFill>
+                <a:latin typeface="고도 B" panose="02000503000000020004" pitchFamily="2" charset="-127"/>
+                <a:ea typeface="고도 B" panose="02000503000000020004" pitchFamily="2" charset="-127"/>
+              </a:rPr>
+              <a:t>10</a:t>
+            </a:r>
+            <a:r>
+              <a:rPr lang="ko-KR" altLang="en-US" sz="1000" smtClean="0">
+                <a:solidFill>
+                  <a:schemeClr val="bg1"/>
+                </a:solidFill>
+                <a:latin typeface="고도 B" panose="02000503000000020004" pitchFamily="2" charset="-127"/>
+                <a:ea typeface="고도 B" panose="02000503000000020004" pitchFamily="2" charset="-127"/>
+              </a:rPr>
+              <a:t>시 이후에 납품 가능</a:t>
+            </a:r>
+            <a:endParaRPr lang="ko-KR" altLang="en-US" sz="1000" dirty="0">
+              <a:solidFill>
+                <a:schemeClr val="bg1"/>
+              </a:solidFill>
+              <a:latin typeface="고도 B" panose="02000503000000020004" pitchFamily="2" charset="-127"/>
+              <a:ea typeface="고도 B" panose="02000503000000020004" pitchFamily="2" charset="-127"/>
+            </a:endParaRPr>
+          </a:p>
+        </p:txBody>
+      </p:sp>
+      <p:sp>
+        <p:nvSpPr>
+          <p:cNvPr id="3" name="직사각형 2"/>
+          <p:cNvSpPr/>
+          <p:nvPr/>
+        </p:nvSpPr>
+        <p:spPr>
+          <a:xfrm>
+            <a:off x="9696400" y="2694111"/>
+            <a:ext cx="468086" cy="276068"/>
+          </a:xfrm>
+          <a:prstGeom prst="rect">
+            <a:avLst/>
+          </a:prstGeom>
+          <a:noFill/>
+          <a:ln w="38100">
+            <a:solidFill>
+              <a:srgbClr val="FF0000"/>
+            </a:solidFill>
+          </a:ln>
+        </p:spPr>
+        <p:style>
+          <a:lnRef idx="2">
+            <a:schemeClr val="accent1">
+              <a:shade val="50000"/>
+            </a:schemeClr>
+          </a:lnRef>
+          <a:fillRef idx="1">
+            <a:schemeClr val="accent1"/>
+          </a:fillRef>
+          <a:effectRef idx="0">
+            <a:schemeClr val="accent1"/>
+          </a:effectRef>
+          <a:fontRef idx="minor">
+            <a:schemeClr val="lt1"/>
+          </a:fontRef>
+        </p:style>
+        <p:txBody>
+          <a:bodyPr rot="0" spcFirstLastPara="0" vertOverflow="overflow" horzOverflow="overflow" vert="horz" wrap="square" lIns="91440" tIns="45720" rIns="91440" bIns="45720" numCol="1" spcCol="0" rtlCol="0" fromWordArt="0" anchor="ctr" anchorCtr="0" forceAA="0" compatLnSpc="1">
+            <a:prstTxWarp prst="textNoShape">
+              <a:avLst/>
+            </a:prstTxWarp>
+            <a:noAutofit/>
+          </a:bodyPr>
+          <a:lstStyle/>
+          <a:p>
+            <a:pPr algn="ctr"/>
+            <a:endParaRPr lang="ko-KR" altLang="en-US"/>
+          </a:p>
+        </p:txBody>
+      </p:sp>
+      <p:sp>
+        <p:nvSpPr>
+          <p:cNvPr id="11" name="TextBox 10">
+            <a:extLst>
+              <a:ext uri="{FF2B5EF4-FFF2-40B4-BE49-F238E27FC236}">
+                <a16:creationId xmlns:a16="http://schemas.microsoft.com/office/drawing/2014/main" xmlns="" id="{41A71638-794E-4B84-88DC-A5B64E0706A3}"/>
+              </a:ext>
+            </a:extLst>
+          </p:cNvPr>
+          <p:cNvSpPr txBox="1"/>
+          <p:nvPr/>
+        </p:nvSpPr>
+        <p:spPr>
+          <a:xfrm>
+            <a:off x="10227418" y="2478087"/>
+            <a:ext cx="1631420" cy="461665"/>
+          </a:xfrm>
+          <a:prstGeom prst="rect">
+            <a:avLst/>
+          </a:prstGeom>
+          <a:noFill/>
+        </p:spPr>
+        <p:txBody>
+          <a:bodyPr wrap="square" rtlCol="0">
+            <a:spAutoFit/>
+          </a:bodyPr>
+          <a:lstStyle/>
+          <a:p>
+            <a:pPr algn="ctr"/>
+            <a:r>
+              <a:rPr lang="ko-KR" altLang="en-US" sz="2400" smtClean="0">
+                <a:ln w="12700">
+                  <a:solidFill>
+                    <a:schemeClr val="accent1">
+                      <a:lumMod val="75000"/>
+                    </a:schemeClr>
+                  </a:solidFill>
+                </a:ln>
+                <a:solidFill>
+                  <a:schemeClr val="bg1"/>
+                </a:solidFill>
+                <a:latin typeface="고도 B" panose="02000503000000020004" pitchFamily="2" charset="-127"/>
+                <a:ea typeface="고도 B" panose="02000503000000020004" pitchFamily="2" charset="-127"/>
+              </a:rPr>
+              <a:t>납품 버튼</a:t>
+            </a:r>
+            <a:endParaRPr lang="ko-KR" altLang="en-US" sz="2400" dirty="0">
+              <a:ln w="12700">
+                <a:solidFill>
+                  <a:schemeClr val="accent1">
+                    <a:lumMod val="75000"/>
+                  </a:schemeClr>
+                </a:solidFill>
+              </a:ln>
+              <a:solidFill>
+                <a:schemeClr val="bg1"/>
+              </a:solidFill>
+              <a:latin typeface="고도 B" panose="02000503000000020004" pitchFamily="2" charset="-127"/>
+              <a:ea typeface="고도 B" panose="02000503000000020004" pitchFamily="2" charset="-127"/>
+            </a:endParaRPr>
+          </a:p>
+        </p:txBody>
+      </p:sp>
     </p:spTree>
     <p:extLst>
       <p:ext uri="{BB962C8B-B14F-4D97-AF65-F5344CB8AC3E}">
@@ -2816,6 +4271,360 @@
   <p:clrMapOvr>
     <a:masterClrMapping/>
   </p:clrMapOvr>
+  <p:timing>
+    <p:tnLst>
+      <p:par>
+        <p:cTn id="1" dur="indefinite" restart="never" nodeType="tmRoot">
+          <p:childTnLst>
+            <p:seq concurrent="1" nextAc="seek">
+              <p:cTn id="2" dur="indefinite" nodeType="mainSeq">
+                <p:childTnLst>
+                  <p:par>
+                    <p:cTn id="3" fill="hold">
+                      <p:stCondLst>
+                        <p:cond delay="indefinite"/>
+                      </p:stCondLst>
+                      <p:childTnLst>
+                        <p:par>
+                          <p:cTn id="4" fill="hold">
+                            <p:stCondLst>
+                              <p:cond delay="0"/>
+                            </p:stCondLst>
+                            <p:childTnLst>
+                              <p:par>
+                                <p:cTn id="5" presetID="10" presetClass="entr" presetSubtype="0" fill="hold" nodeType="clickEffect">
+                                  <p:stCondLst>
+                                    <p:cond delay="0"/>
+                                  </p:stCondLst>
+                                  <p:childTnLst>
+                                    <p:set>
+                                      <p:cBhvr>
+                                        <p:cTn id="6" dur="1" fill="hold">
+                                          <p:stCondLst>
+                                            <p:cond delay="0"/>
+                                          </p:stCondLst>
+                                        </p:cTn>
+                                        <p:tgtEl>
+                                          <p:spTgt spid="5"/>
+                                        </p:tgtEl>
+                                        <p:attrNameLst>
+                                          <p:attrName>style.visibility</p:attrName>
+                                        </p:attrNameLst>
+                                      </p:cBhvr>
+                                      <p:to>
+                                        <p:strVal val="visible"/>
+                                      </p:to>
+                                    </p:set>
+                                    <p:animEffect transition="in" filter="fade">
+                                      <p:cBhvr>
+                                        <p:cTn id="7" dur="500"/>
+                                        <p:tgtEl>
+                                          <p:spTgt spid="5"/>
+                                        </p:tgtEl>
+                                      </p:cBhvr>
+                                    </p:animEffect>
+                                  </p:childTnLst>
+                                </p:cTn>
+                              </p:par>
+                              <p:par>
+                                <p:cTn id="8" presetID="10" presetClass="entr" presetSubtype="0" fill="hold" grpId="0" nodeType="withEffect">
+                                  <p:stCondLst>
+                                    <p:cond delay="0"/>
+                                  </p:stCondLst>
+                                  <p:childTnLst>
+                                    <p:set>
+                                      <p:cBhvr>
+                                        <p:cTn id="9" dur="1" fill="hold">
+                                          <p:stCondLst>
+                                            <p:cond delay="0"/>
+                                          </p:stCondLst>
+                                        </p:cTn>
+                                        <p:tgtEl>
+                                          <p:spTgt spid="7"/>
+                                        </p:tgtEl>
+                                        <p:attrNameLst>
+                                          <p:attrName>style.visibility</p:attrName>
+                                        </p:attrNameLst>
+                                      </p:cBhvr>
+                                      <p:to>
+                                        <p:strVal val="visible"/>
+                                      </p:to>
+                                    </p:set>
+                                    <p:animEffect transition="in" filter="fade">
+                                      <p:cBhvr>
+                                        <p:cTn id="10" dur="500"/>
+                                        <p:tgtEl>
+                                          <p:spTgt spid="7"/>
+                                        </p:tgtEl>
+                                      </p:cBhvr>
+                                    </p:animEffect>
+                                  </p:childTnLst>
+                                </p:cTn>
+                              </p:par>
+                              <p:par>
+                                <p:cTn id="11" presetID="10" presetClass="entr" presetSubtype="0" fill="hold" grpId="0" nodeType="withEffect">
+                                  <p:stCondLst>
+                                    <p:cond delay="0"/>
+                                  </p:stCondLst>
+                                  <p:childTnLst>
+                                    <p:set>
+                                      <p:cBhvr>
+                                        <p:cTn id="12" dur="1" fill="hold">
+                                          <p:stCondLst>
+                                            <p:cond delay="0"/>
+                                          </p:stCondLst>
+                                        </p:cTn>
+                                        <p:tgtEl>
+                                          <p:spTgt spid="8"/>
+                                        </p:tgtEl>
+                                        <p:attrNameLst>
+                                          <p:attrName>style.visibility</p:attrName>
+                                        </p:attrNameLst>
+                                      </p:cBhvr>
+                                      <p:to>
+                                        <p:strVal val="visible"/>
+                                      </p:to>
+                                    </p:set>
+                                    <p:animEffect transition="in" filter="fade">
+                                      <p:cBhvr>
+                                        <p:cTn id="13" dur="500"/>
+                                        <p:tgtEl>
+                                          <p:spTgt spid="8"/>
+                                        </p:tgtEl>
+                                      </p:cBhvr>
+                                    </p:animEffect>
+                                  </p:childTnLst>
+                                </p:cTn>
+                              </p:par>
+                            </p:childTnLst>
+                          </p:cTn>
+                        </p:par>
+                      </p:childTnLst>
+                    </p:cTn>
+                  </p:par>
+                  <p:par>
+                    <p:cTn id="14" fill="hold">
+                      <p:stCondLst>
+                        <p:cond delay="indefinite"/>
+                      </p:stCondLst>
+                      <p:childTnLst>
+                        <p:par>
+                          <p:cTn id="15" fill="hold">
+                            <p:stCondLst>
+                              <p:cond delay="0"/>
+                            </p:stCondLst>
+                            <p:childTnLst>
+                              <p:par>
+                                <p:cTn id="16" presetID="10" presetClass="exit" presetSubtype="0" fill="hold" grpId="1" nodeType="clickEffect">
+                                  <p:stCondLst>
+                                    <p:cond delay="0"/>
+                                  </p:stCondLst>
+                                  <p:childTnLst>
+                                    <p:animEffect transition="out" filter="fade">
+                                      <p:cBhvr>
+                                        <p:cTn id="17" dur="500"/>
+                                        <p:tgtEl>
+                                          <p:spTgt spid="7"/>
+                                        </p:tgtEl>
+                                      </p:cBhvr>
+                                    </p:animEffect>
+                                    <p:set>
+                                      <p:cBhvr>
+                                        <p:cTn id="18" dur="1" fill="hold">
+                                          <p:stCondLst>
+                                            <p:cond delay="499"/>
+                                          </p:stCondLst>
+                                        </p:cTn>
+                                        <p:tgtEl>
+                                          <p:spTgt spid="7"/>
+                                        </p:tgtEl>
+                                        <p:attrNameLst>
+                                          <p:attrName>style.visibility</p:attrName>
+                                        </p:attrNameLst>
+                                      </p:cBhvr>
+                                      <p:to>
+                                        <p:strVal val="hidden"/>
+                                      </p:to>
+                                    </p:set>
+                                  </p:childTnLst>
+                                </p:cTn>
+                              </p:par>
+                              <p:par>
+                                <p:cTn id="19" presetID="10" presetClass="exit" presetSubtype="0" fill="hold" grpId="1" nodeType="withEffect">
+                                  <p:stCondLst>
+                                    <p:cond delay="0"/>
+                                  </p:stCondLst>
+                                  <p:childTnLst>
+                                    <p:animEffect transition="out" filter="fade">
+                                      <p:cBhvr>
+                                        <p:cTn id="20" dur="500"/>
+                                        <p:tgtEl>
+                                          <p:spTgt spid="8"/>
+                                        </p:tgtEl>
+                                      </p:cBhvr>
+                                    </p:animEffect>
+                                    <p:set>
+                                      <p:cBhvr>
+                                        <p:cTn id="21" dur="1" fill="hold">
+                                          <p:stCondLst>
+                                            <p:cond delay="499"/>
+                                          </p:stCondLst>
+                                        </p:cTn>
+                                        <p:tgtEl>
+                                          <p:spTgt spid="8"/>
+                                        </p:tgtEl>
+                                        <p:attrNameLst>
+                                          <p:attrName>style.visibility</p:attrName>
+                                        </p:attrNameLst>
+                                      </p:cBhvr>
+                                      <p:to>
+                                        <p:strVal val="hidden"/>
+                                      </p:to>
+                                    </p:set>
+                                  </p:childTnLst>
+                                </p:cTn>
+                              </p:par>
+                              <p:par>
+                                <p:cTn id="22" presetID="10" presetClass="entr" presetSubtype="0" fill="hold" grpId="0" nodeType="withEffect">
+                                  <p:stCondLst>
+                                    <p:cond delay="0"/>
+                                  </p:stCondLst>
+                                  <p:childTnLst>
+                                    <p:set>
+                                      <p:cBhvr>
+                                        <p:cTn id="23" dur="1" fill="hold">
+                                          <p:stCondLst>
+                                            <p:cond delay="0"/>
+                                          </p:stCondLst>
+                                        </p:cTn>
+                                        <p:tgtEl>
+                                          <p:spTgt spid="11"/>
+                                        </p:tgtEl>
+                                        <p:attrNameLst>
+                                          <p:attrName>style.visibility</p:attrName>
+                                        </p:attrNameLst>
+                                      </p:cBhvr>
+                                      <p:to>
+                                        <p:strVal val="visible"/>
+                                      </p:to>
+                                    </p:set>
+                                    <p:animEffect transition="in" filter="fade">
+                                      <p:cBhvr>
+                                        <p:cTn id="24" dur="500"/>
+                                        <p:tgtEl>
+                                          <p:spTgt spid="11"/>
+                                        </p:tgtEl>
+                                      </p:cBhvr>
+                                    </p:animEffect>
+                                  </p:childTnLst>
+                                </p:cTn>
+                              </p:par>
+                              <p:par>
+                                <p:cTn id="25" presetID="10" presetClass="entr" presetSubtype="0" fill="hold" grpId="0" nodeType="withEffect">
+                                  <p:stCondLst>
+                                    <p:cond delay="0"/>
+                                  </p:stCondLst>
+                                  <p:childTnLst>
+                                    <p:set>
+                                      <p:cBhvr>
+                                        <p:cTn id="26" dur="1" fill="hold">
+                                          <p:stCondLst>
+                                            <p:cond delay="0"/>
+                                          </p:stCondLst>
+                                        </p:cTn>
+                                        <p:tgtEl>
+                                          <p:spTgt spid="3"/>
+                                        </p:tgtEl>
+                                        <p:attrNameLst>
+                                          <p:attrName>style.visibility</p:attrName>
+                                        </p:attrNameLst>
+                                      </p:cBhvr>
+                                      <p:to>
+                                        <p:strVal val="visible"/>
+                                      </p:to>
+                                    </p:set>
+                                    <p:animEffect transition="in" filter="fade">
+                                      <p:cBhvr>
+                                        <p:cTn id="27" dur="500"/>
+                                        <p:tgtEl>
+                                          <p:spTgt spid="3"/>
+                                        </p:tgtEl>
+                                      </p:cBhvr>
+                                    </p:animEffect>
+                                  </p:childTnLst>
+                                </p:cTn>
+                              </p:par>
+                              <p:par>
+                                <p:cTn id="28" presetID="10" presetClass="entr" presetSubtype="0" fill="hold" nodeType="withEffect">
+                                  <p:stCondLst>
+                                    <p:cond delay="0"/>
+                                  </p:stCondLst>
+                                  <p:childTnLst>
+                                    <p:set>
+                                      <p:cBhvr>
+                                        <p:cTn id="29" dur="1" fill="hold">
+                                          <p:stCondLst>
+                                            <p:cond delay="0"/>
+                                          </p:stCondLst>
+                                        </p:cTn>
+                                        <p:tgtEl>
+                                          <p:spTgt spid="2050"/>
+                                        </p:tgtEl>
+                                        <p:attrNameLst>
+                                          <p:attrName>style.visibility</p:attrName>
+                                        </p:attrNameLst>
+                                      </p:cBhvr>
+                                      <p:to>
+                                        <p:strVal val="visible"/>
+                                      </p:to>
+                                    </p:set>
+                                    <p:animEffect transition="in" filter="fade">
+                                      <p:cBhvr>
+                                        <p:cTn id="30" dur="500"/>
+                                        <p:tgtEl>
+                                          <p:spTgt spid="2050"/>
+                                        </p:tgtEl>
+                                      </p:cBhvr>
+                                    </p:animEffect>
+                                  </p:childTnLst>
+                                </p:cTn>
+                              </p:par>
+                            </p:childTnLst>
+                          </p:cTn>
+                        </p:par>
+                      </p:childTnLst>
+                    </p:cTn>
+                  </p:par>
+                </p:childTnLst>
+              </p:cTn>
+              <p:prevCondLst>
+                <p:cond evt="onPrev" delay="0">
+                  <p:tgtEl>
+                    <p:sldTgt/>
+                  </p:tgtEl>
+                </p:cond>
+              </p:prevCondLst>
+              <p:nextCondLst>
+                <p:cond evt="onNext" delay="0">
+                  <p:tgtEl>
+                    <p:sldTgt/>
+                  </p:tgtEl>
+                </p:cond>
+              </p:nextCondLst>
+            </p:seq>
+          </p:childTnLst>
+        </p:cTn>
+      </p:par>
+    </p:tnLst>
+    <p:bldLst>
+      <p:bldP spid="7" grpId="0" animBg="1"/>
+      <p:bldP spid="7" grpId="1" animBg="1"/>
+      <p:bldP spid="8" grpId="0"/>
+      <p:bldP spid="8" grpId="1"/>
+      <p:bldP spid="3" grpId="0" animBg="1"/>
+      <p:bldP spid="11" grpId="0"/>
+    </p:bldLst>
+  </p:timing>
 </p:sld>
 </file>
 
@@ -2852,7 +4661,7 @@
           <p:cNvPr id="6" name="슬라이드 번호 개체 틀 5">
             <a:extLst>
               <a:ext uri="{FF2B5EF4-FFF2-40B4-BE49-F238E27FC236}">
-                <a16:creationId xmlns:a16="http://schemas.microsoft.com/office/drawing/2014/main" id="{D07836A0-38B7-45E1-B6C1-6BEEAC42BA58}"/>
+                <a16:creationId xmlns:a16="http://schemas.microsoft.com/office/drawing/2014/main" xmlns="" id="{D07836A0-38B7-45E1-B6C1-6BEEAC42BA58}"/>
               </a:ext>
             </a:extLst>
           </p:cNvPr>
@@ -2882,7 +4691,7 @@
           <p:cNvPr id="9" name="TextBox 8">
             <a:extLst>
               <a:ext uri="{FF2B5EF4-FFF2-40B4-BE49-F238E27FC236}">
-                <a16:creationId xmlns:a16="http://schemas.microsoft.com/office/drawing/2014/main" id="{5D8B5EC4-A12D-4385-8680-5D64041688E4}"/>
+                <a16:creationId xmlns:a16="http://schemas.microsoft.com/office/drawing/2014/main" xmlns="" id="{5D8B5EC4-A12D-4385-8680-5D64041688E4}"/>
               </a:ext>
             </a:extLst>
           </p:cNvPr>
@@ -2970,7 +4779,7 @@
           <p:cNvPr id="2" name="그림 1">
             <a:extLst>
               <a:ext uri="{FF2B5EF4-FFF2-40B4-BE49-F238E27FC236}">
-                <a16:creationId xmlns:a16="http://schemas.microsoft.com/office/drawing/2014/main" id="{A8E98C00-CA04-4CE6-88D1-2D1EE9B62ADC}"/>
+                <a16:creationId xmlns:a16="http://schemas.microsoft.com/office/drawing/2014/main" xmlns="" id="{A8E98C00-CA04-4CE6-88D1-2D1EE9B62ADC}"/>
               </a:ext>
             </a:extLst>
           </p:cNvPr>
@@ -2995,6 +4804,372 @@
           </a:prstGeom>
         </p:spPr>
       </p:pic>
+      <p:pic>
+        <p:nvPicPr>
+          <p:cNvPr id="8" name="그림 7">
+            <a:extLst>
+              <a:ext uri="{FF2B5EF4-FFF2-40B4-BE49-F238E27FC236}">
+                <a16:creationId xmlns:a16="http://schemas.microsoft.com/office/drawing/2014/main" xmlns="" id="{A8E98C00-CA04-4CE6-88D1-2D1EE9B62ADC}"/>
+              </a:ext>
+            </a:extLst>
+          </p:cNvPr>
+          <p:cNvPicPr>
+            <a:picLocks noChangeAspect="1"/>
+          </p:cNvPicPr>
+          <p:nvPr/>
+        </p:nvPicPr>
+        <p:blipFill rotWithShape="1">
+          <a:blip r:embed="rId2"/>
+          <a:srcRect l="12165" t="16831" b="4000"/>
+          <a:stretch/>
+        </p:blipFill>
+        <p:spPr>
+          <a:xfrm>
+            <a:off x="1919536" y="1880385"/>
+            <a:ext cx="8757592" cy="4275675"/>
+          </a:xfrm>
+          <a:prstGeom prst="rect">
+            <a:avLst/>
+          </a:prstGeom>
+        </p:spPr>
+      </p:pic>
+      <p:sp>
+        <p:nvSpPr>
+          <p:cNvPr id="7" name="TextBox 6">
+            <a:extLst>
+              <a:ext uri="{FF2B5EF4-FFF2-40B4-BE49-F238E27FC236}">
+                <a16:creationId xmlns:a16="http://schemas.microsoft.com/office/drawing/2014/main" xmlns="" id="{57474A75-8FB6-409F-9C88-D511DF48FE99}"/>
+              </a:ext>
+            </a:extLst>
+          </p:cNvPr>
+          <p:cNvSpPr txBox="1"/>
+          <p:nvPr/>
+        </p:nvSpPr>
+        <p:spPr>
+          <a:xfrm>
+            <a:off x="9984432" y="1418720"/>
+            <a:ext cx="1584176" cy="461665"/>
+          </a:xfrm>
+          <a:prstGeom prst="rect">
+            <a:avLst/>
+          </a:prstGeom>
+          <a:noFill/>
+        </p:spPr>
+        <p:txBody>
+          <a:bodyPr wrap="square" rtlCol="0">
+            <a:spAutoFit/>
+          </a:bodyPr>
+          <a:lstStyle/>
+          <a:p>
+            <a:pPr algn="ctr"/>
+            <a:r>
+              <a:rPr lang="ko-KR" altLang="en-US" sz="2400" dirty="0">
+                <a:ln w="12700">
+                  <a:solidFill>
+                    <a:schemeClr val="accent1">
+                      <a:lumMod val="75000"/>
+                    </a:schemeClr>
+                  </a:solidFill>
+                </a:ln>
+                <a:solidFill>
+                  <a:schemeClr val="bg1"/>
+                </a:solidFill>
+                <a:latin typeface="고도 B" panose="02000503000000020004" pitchFamily="2" charset="-127"/>
+                <a:ea typeface="고도 B" panose="02000503000000020004" pitchFamily="2" charset="-127"/>
+              </a:rPr>
+              <a:t>월 선택</a:t>
+            </a:r>
+          </a:p>
+        </p:txBody>
+      </p:sp>
+      <p:sp>
+        <p:nvSpPr>
+          <p:cNvPr id="10" name="직사각형 9">
+            <a:extLst>
+              <a:ext uri="{FF2B5EF4-FFF2-40B4-BE49-F238E27FC236}">
+                <a16:creationId xmlns:a16="http://schemas.microsoft.com/office/drawing/2014/main" xmlns="" id="{93605B57-59C7-4B45-BC88-B7BEB86AD134}"/>
+              </a:ext>
+            </a:extLst>
+          </p:cNvPr>
+          <p:cNvSpPr/>
+          <p:nvPr/>
+        </p:nvSpPr>
+        <p:spPr>
+          <a:xfrm>
+            <a:off x="2002430" y="2808819"/>
+            <a:ext cx="8496064" cy="3140461"/>
+          </a:xfrm>
+          <a:prstGeom prst="rect">
+            <a:avLst/>
+          </a:prstGeom>
+          <a:noFill/>
+          <a:ln w="38100">
+            <a:solidFill>
+              <a:srgbClr val="FF0000"/>
+            </a:solidFill>
+          </a:ln>
+        </p:spPr>
+        <p:style>
+          <a:lnRef idx="2">
+            <a:schemeClr val="accent1">
+              <a:shade val="50000"/>
+            </a:schemeClr>
+          </a:lnRef>
+          <a:fillRef idx="1">
+            <a:schemeClr val="accent1"/>
+          </a:fillRef>
+          <a:effectRef idx="0">
+            <a:schemeClr val="accent1"/>
+          </a:effectRef>
+          <a:fontRef idx="minor">
+            <a:schemeClr val="lt1"/>
+          </a:fontRef>
+        </p:style>
+        <p:txBody>
+          <a:bodyPr rot="0" spcFirstLastPara="0" vertOverflow="overflow" horzOverflow="overflow" vert="horz" wrap="square" lIns="91440" tIns="45720" rIns="91440" bIns="45720" numCol="1" spcCol="0" rtlCol="0" fromWordArt="0" anchor="ctr" anchorCtr="0" forceAA="0" compatLnSpc="1">
+            <a:prstTxWarp prst="textNoShape">
+              <a:avLst/>
+            </a:prstTxWarp>
+            <a:noAutofit/>
+          </a:bodyPr>
+          <a:lstStyle/>
+          <a:p>
+            <a:pPr algn="ctr"/>
+            <a:endParaRPr lang="ko-KR" altLang="en-US"/>
+          </a:p>
+        </p:txBody>
+      </p:sp>
+      <p:sp>
+        <p:nvSpPr>
+          <p:cNvPr id="11" name="TextBox 10">
+            <a:extLst>
+              <a:ext uri="{FF2B5EF4-FFF2-40B4-BE49-F238E27FC236}">
+                <a16:creationId xmlns:a16="http://schemas.microsoft.com/office/drawing/2014/main" xmlns="" id="{41A71638-794E-4B84-88DC-A5B64E0706A3}"/>
+              </a:ext>
+            </a:extLst>
+          </p:cNvPr>
+          <p:cNvSpPr txBox="1"/>
+          <p:nvPr/>
+        </p:nvSpPr>
+        <p:spPr>
+          <a:xfrm>
+            <a:off x="4828321" y="2319263"/>
+            <a:ext cx="2520280" cy="461665"/>
+          </a:xfrm>
+          <a:prstGeom prst="rect">
+            <a:avLst/>
+          </a:prstGeom>
+          <a:noFill/>
+        </p:spPr>
+        <p:txBody>
+          <a:bodyPr wrap="square" rtlCol="0">
+            <a:spAutoFit/>
+          </a:bodyPr>
+          <a:lstStyle/>
+          <a:p>
+            <a:pPr algn="ctr"/>
+            <a:r>
+              <a:rPr lang="ko-KR" altLang="en-US" sz="2400" smtClean="0">
+                <a:ln w="12700">
+                  <a:solidFill>
+                    <a:schemeClr val="accent1">
+                      <a:lumMod val="75000"/>
+                    </a:schemeClr>
+                  </a:solidFill>
+                </a:ln>
+                <a:solidFill>
+                  <a:schemeClr val="bg1"/>
+                </a:solidFill>
+                <a:latin typeface="고도 B" panose="02000503000000020004" pitchFamily="2" charset="-127"/>
+                <a:ea typeface="고도 B" panose="02000503000000020004" pitchFamily="2" charset="-127"/>
+              </a:rPr>
+              <a:t>이번 달 납품 내역</a:t>
+            </a:r>
+            <a:endParaRPr lang="ko-KR" altLang="en-US" sz="2400" dirty="0">
+              <a:ln w="12700">
+                <a:solidFill>
+                  <a:schemeClr val="accent1">
+                    <a:lumMod val="75000"/>
+                  </a:schemeClr>
+                </a:solidFill>
+              </a:ln>
+              <a:solidFill>
+                <a:schemeClr val="bg1"/>
+              </a:solidFill>
+              <a:latin typeface="고도 B" panose="02000503000000020004" pitchFamily="2" charset="-127"/>
+              <a:ea typeface="고도 B" panose="02000503000000020004" pitchFamily="2" charset="-127"/>
+            </a:endParaRPr>
+          </a:p>
+        </p:txBody>
+      </p:sp>
+      <p:pic>
+        <p:nvPicPr>
+          <p:cNvPr id="12" name="그림 11">
+            <a:extLst>
+              <a:ext uri="{FF2B5EF4-FFF2-40B4-BE49-F238E27FC236}">
+                <a16:creationId xmlns:a16="http://schemas.microsoft.com/office/drawing/2014/main" xmlns="" id="{A8E98C00-CA04-4CE6-88D1-2D1EE9B62ADC}"/>
+              </a:ext>
+            </a:extLst>
+          </p:cNvPr>
+          <p:cNvPicPr>
+            <a:picLocks noChangeAspect="1"/>
+          </p:cNvPicPr>
+          <p:nvPr/>
+        </p:nvPicPr>
+        <p:blipFill rotWithShape="1">
+          <a:blip r:embed="rId2"/>
+          <a:srcRect l="82331" t="18698" b="59719"/>
+          <a:stretch/>
+        </p:blipFill>
+        <p:spPr>
+          <a:xfrm>
+            <a:off x="7680176" y="1626794"/>
+            <a:ext cx="2491815" cy="1648710"/>
+          </a:xfrm>
+          <a:prstGeom prst="rect">
+            <a:avLst/>
+          </a:prstGeom>
+        </p:spPr>
+      </p:pic>
+      <p:sp>
+        <p:nvSpPr>
+          <p:cNvPr id="5" name="직사각형 4">
+            <a:extLst>
+              <a:ext uri="{FF2B5EF4-FFF2-40B4-BE49-F238E27FC236}">
+                <a16:creationId xmlns:a16="http://schemas.microsoft.com/office/drawing/2014/main" xmlns="" id="{9E9F9C11-4AB5-48FB-9DF0-569F247D3A11}"/>
+              </a:ext>
+            </a:extLst>
+          </p:cNvPr>
+          <p:cNvSpPr/>
+          <p:nvPr/>
+        </p:nvSpPr>
+        <p:spPr>
+          <a:xfrm>
+            <a:off x="7625747" y="1559002"/>
+            <a:ext cx="2563823" cy="1738544"/>
+          </a:xfrm>
+          <a:prstGeom prst="rect">
+            <a:avLst/>
+          </a:prstGeom>
+          <a:noFill/>
+          <a:ln w="38100">
+            <a:solidFill>
+              <a:srgbClr val="FF0000"/>
+            </a:solidFill>
+          </a:ln>
+        </p:spPr>
+        <p:style>
+          <a:lnRef idx="2">
+            <a:schemeClr val="accent1">
+              <a:shade val="50000"/>
+            </a:schemeClr>
+          </a:lnRef>
+          <a:fillRef idx="1">
+            <a:schemeClr val="accent1"/>
+          </a:fillRef>
+          <a:effectRef idx="0">
+            <a:schemeClr val="accent1"/>
+          </a:effectRef>
+          <a:fontRef idx="minor">
+            <a:schemeClr val="lt1"/>
+          </a:fontRef>
+        </p:style>
+        <p:txBody>
+          <a:bodyPr rot="0" spcFirstLastPara="0" vertOverflow="overflow" horzOverflow="overflow" vert="horz" wrap="square" lIns="91440" tIns="45720" rIns="91440" bIns="45720" numCol="1" spcCol="0" rtlCol="0" fromWordArt="0" anchor="ctr" anchorCtr="0" forceAA="0" compatLnSpc="1">
+            <a:prstTxWarp prst="textNoShape">
+              <a:avLst/>
+            </a:prstTxWarp>
+            <a:noAutofit/>
+          </a:bodyPr>
+          <a:lstStyle/>
+          <a:p>
+            <a:pPr algn="ctr"/>
+            <a:endParaRPr lang="ko-KR" altLang="en-US"/>
+          </a:p>
+        </p:txBody>
+      </p:sp>
+      <p:sp>
+        <p:nvSpPr>
+          <p:cNvPr id="13" name="TextBox 12">
+            <a:extLst>
+              <a:ext uri="{FF2B5EF4-FFF2-40B4-BE49-F238E27FC236}">
+                <a16:creationId xmlns:a16="http://schemas.microsoft.com/office/drawing/2014/main" xmlns="" id="{4F553B15-9ACE-40DD-907E-F8A78E827085}"/>
+              </a:ext>
+            </a:extLst>
+          </p:cNvPr>
+          <p:cNvSpPr txBox="1"/>
+          <p:nvPr/>
+        </p:nvSpPr>
+        <p:spPr>
+          <a:xfrm>
+            <a:off x="335360" y="6381328"/>
+            <a:ext cx="6984776" cy="400110"/>
+          </a:xfrm>
+          <a:prstGeom prst="rect">
+            <a:avLst/>
+          </a:prstGeom>
+          <a:noFill/>
+        </p:spPr>
+        <p:txBody>
+          <a:bodyPr wrap="square" rtlCol="0">
+            <a:spAutoFit/>
+          </a:bodyPr>
+          <a:lstStyle/>
+          <a:p>
+            <a:pPr algn="l"/>
+            <a:r>
+              <a:rPr lang="ko-KR" altLang="en-US" sz="1000" smtClean="0">
+                <a:solidFill>
+                  <a:schemeClr val="bg1"/>
+                </a:solidFill>
+                <a:latin typeface="고도 B" panose="02000503000000020004" pitchFamily="2" charset="-127"/>
+                <a:ea typeface="고도 B" panose="02000503000000020004" pitchFamily="2" charset="-127"/>
+              </a:rPr>
+              <a:t>페이지에 들어오면서 이번 달에 납품 했던 목록을 불러 옵니다</a:t>
+            </a:r>
+            <a:r>
+              <a:rPr lang="en-US" altLang="ko-KR" sz="1000" smtClean="0">
+                <a:solidFill>
+                  <a:schemeClr val="bg1"/>
+                </a:solidFill>
+                <a:latin typeface="고도 B" panose="02000503000000020004" pitchFamily="2" charset="-127"/>
+                <a:ea typeface="고도 B" panose="02000503000000020004" pitchFamily="2" charset="-127"/>
+              </a:rPr>
+              <a:t>. </a:t>
+            </a:r>
+          </a:p>
+          <a:p>
+            <a:pPr algn="l"/>
+            <a:r>
+              <a:rPr lang="ko-KR" altLang="en-US" sz="1000" smtClean="0">
+                <a:solidFill>
+                  <a:schemeClr val="bg1"/>
+                </a:solidFill>
+                <a:latin typeface="고도 B" panose="02000503000000020004" pitchFamily="2" charset="-127"/>
+                <a:ea typeface="고도 B" panose="02000503000000020004" pitchFamily="2" charset="-127"/>
+              </a:rPr>
+              <a:t>상단의 원하는 월을 선택하여 목록을 확인 할수 있습니다</a:t>
+            </a:r>
+            <a:r>
+              <a:rPr lang="en-US" altLang="ko-KR" sz="1000" smtClean="0">
+                <a:solidFill>
+                  <a:schemeClr val="bg1"/>
+                </a:solidFill>
+                <a:latin typeface="고도 B" panose="02000503000000020004" pitchFamily="2" charset="-127"/>
+                <a:ea typeface="고도 B" panose="02000503000000020004" pitchFamily="2" charset="-127"/>
+              </a:rPr>
+              <a:t>.</a:t>
+            </a:r>
+            <a:endParaRPr lang="ko-KR" altLang="en-US" sz="1000" dirty="0">
+              <a:solidFill>
+                <a:schemeClr val="bg1"/>
+              </a:solidFill>
+              <a:latin typeface="고도 B" panose="02000503000000020004" pitchFamily="2" charset="-127"/>
+              <a:ea typeface="고도 B" panose="02000503000000020004" pitchFamily="2" charset="-127"/>
+            </a:endParaRPr>
+          </a:p>
+        </p:txBody>
+      </p:sp>
     </p:spTree>
     <p:extLst>
       <p:ext uri="{BB962C8B-B14F-4D97-AF65-F5344CB8AC3E}">
@@ -3005,6 +5180,360 @@
   <p:clrMapOvr>
     <a:masterClrMapping/>
   </p:clrMapOvr>
+  <p:timing>
+    <p:tnLst>
+      <p:par>
+        <p:cTn id="1" dur="indefinite" restart="never" nodeType="tmRoot">
+          <p:childTnLst>
+            <p:seq concurrent="1" nextAc="seek">
+              <p:cTn id="2" dur="indefinite" nodeType="mainSeq">
+                <p:childTnLst>
+                  <p:par>
+                    <p:cTn id="3" fill="hold">
+                      <p:stCondLst>
+                        <p:cond delay="indefinite"/>
+                      </p:stCondLst>
+                      <p:childTnLst>
+                        <p:par>
+                          <p:cTn id="4" fill="hold">
+                            <p:stCondLst>
+                              <p:cond delay="0"/>
+                            </p:stCondLst>
+                            <p:childTnLst>
+                              <p:par>
+                                <p:cTn id="5" presetID="10" presetClass="entr" presetSubtype="0" fill="hold" grpId="0" nodeType="clickEffect">
+                                  <p:stCondLst>
+                                    <p:cond delay="0"/>
+                                  </p:stCondLst>
+                                  <p:childTnLst>
+                                    <p:set>
+                                      <p:cBhvr>
+                                        <p:cTn id="6" dur="1" fill="hold">
+                                          <p:stCondLst>
+                                            <p:cond delay="0"/>
+                                          </p:stCondLst>
+                                        </p:cTn>
+                                        <p:tgtEl>
+                                          <p:spTgt spid="11"/>
+                                        </p:tgtEl>
+                                        <p:attrNameLst>
+                                          <p:attrName>style.visibility</p:attrName>
+                                        </p:attrNameLst>
+                                      </p:cBhvr>
+                                      <p:to>
+                                        <p:strVal val="visible"/>
+                                      </p:to>
+                                    </p:set>
+                                    <p:animEffect transition="in" filter="fade">
+                                      <p:cBhvr>
+                                        <p:cTn id="7" dur="500"/>
+                                        <p:tgtEl>
+                                          <p:spTgt spid="11"/>
+                                        </p:tgtEl>
+                                      </p:cBhvr>
+                                    </p:animEffect>
+                                  </p:childTnLst>
+                                </p:cTn>
+                              </p:par>
+                              <p:par>
+                                <p:cTn id="8" presetID="10" presetClass="entr" presetSubtype="0" fill="hold" nodeType="withEffect">
+                                  <p:stCondLst>
+                                    <p:cond delay="0"/>
+                                  </p:stCondLst>
+                                  <p:childTnLst>
+                                    <p:set>
+                                      <p:cBhvr>
+                                        <p:cTn id="9" dur="1" fill="hold">
+                                          <p:stCondLst>
+                                            <p:cond delay="0"/>
+                                          </p:stCondLst>
+                                        </p:cTn>
+                                        <p:tgtEl>
+                                          <p:spTgt spid="8"/>
+                                        </p:tgtEl>
+                                        <p:attrNameLst>
+                                          <p:attrName>style.visibility</p:attrName>
+                                        </p:attrNameLst>
+                                      </p:cBhvr>
+                                      <p:to>
+                                        <p:strVal val="visible"/>
+                                      </p:to>
+                                    </p:set>
+                                    <p:animEffect transition="in" filter="fade">
+                                      <p:cBhvr>
+                                        <p:cTn id="10" dur="500"/>
+                                        <p:tgtEl>
+                                          <p:spTgt spid="8"/>
+                                        </p:tgtEl>
+                                      </p:cBhvr>
+                                    </p:animEffect>
+                                  </p:childTnLst>
+                                </p:cTn>
+                              </p:par>
+                              <p:par>
+                                <p:cTn id="11" presetID="10" presetClass="entr" presetSubtype="0" fill="hold" grpId="0" nodeType="withEffect">
+                                  <p:stCondLst>
+                                    <p:cond delay="0"/>
+                                  </p:stCondLst>
+                                  <p:childTnLst>
+                                    <p:set>
+                                      <p:cBhvr>
+                                        <p:cTn id="12" dur="1" fill="hold">
+                                          <p:stCondLst>
+                                            <p:cond delay="0"/>
+                                          </p:stCondLst>
+                                        </p:cTn>
+                                        <p:tgtEl>
+                                          <p:spTgt spid="10"/>
+                                        </p:tgtEl>
+                                        <p:attrNameLst>
+                                          <p:attrName>style.visibility</p:attrName>
+                                        </p:attrNameLst>
+                                      </p:cBhvr>
+                                      <p:to>
+                                        <p:strVal val="visible"/>
+                                      </p:to>
+                                    </p:set>
+                                    <p:animEffect transition="in" filter="fade">
+                                      <p:cBhvr>
+                                        <p:cTn id="13" dur="500"/>
+                                        <p:tgtEl>
+                                          <p:spTgt spid="10"/>
+                                        </p:tgtEl>
+                                      </p:cBhvr>
+                                    </p:animEffect>
+                                  </p:childTnLst>
+                                </p:cTn>
+                              </p:par>
+                            </p:childTnLst>
+                          </p:cTn>
+                        </p:par>
+                      </p:childTnLst>
+                    </p:cTn>
+                  </p:par>
+                  <p:par>
+                    <p:cTn id="14" fill="hold">
+                      <p:stCondLst>
+                        <p:cond delay="indefinite"/>
+                      </p:stCondLst>
+                      <p:childTnLst>
+                        <p:par>
+                          <p:cTn id="15" fill="hold">
+                            <p:stCondLst>
+                              <p:cond delay="0"/>
+                            </p:stCondLst>
+                            <p:childTnLst>
+                              <p:par>
+                                <p:cTn id="16" presetID="10" presetClass="exit" presetSubtype="0" fill="hold" grpId="1" nodeType="clickEffect">
+                                  <p:stCondLst>
+                                    <p:cond delay="0"/>
+                                  </p:stCondLst>
+                                  <p:childTnLst>
+                                    <p:animEffect transition="out" filter="fade">
+                                      <p:cBhvr>
+                                        <p:cTn id="17" dur="500"/>
+                                        <p:tgtEl>
+                                          <p:spTgt spid="11"/>
+                                        </p:tgtEl>
+                                      </p:cBhvr>
+                                    </p:animEffect>
+                                    <p:set>
+                                      <p:cBhvr>
+                                        <p:cTn id="18" dur="1" fill="hold">
+                                          <p:stCondLst>
+                                            <p:cond delay="499"/>
+                                          </p:stCondLst>
+                                        </p:cTn>
+                                        <p:tgtEl>
+                                          <p:spTgt spid="11"/>
+                                        </p:tgtEl>
+                                        <p:attrNameLst>
+                                          <p:attrName>style.visibility</p:attrName>
+                                        </p:attrNameLst>
+                                      </p:cBhvr>
+                                      <p:to>
+                                        <p:strVal val="hidden"/>
+                                      </p:to>
+                                    </p:set>
+                                  </p:childTnLst>
+                                </p:cTn>
+                              </p:par>
+                              <p:par>
+                                <p:cTn id="19" presetID="10" presetClass="exit" presetSubtype="0" fill="hold" grpId="1" nodeType="withEffect">
+                                  <p:stCondLst>
+                                    <p:cond delay="0"/>
+                                  </p:stCondLst>
+                                  <p:childTnLst>
+                                    <p:animEffect transition="out" filter="fade">
+                                      <p:cBhvr>
+                                        <p:cTn id="20" dur="500"/>
+                                        <p:tgtEl>
+                                          <p:spTgt spid="10"/>
+                                        </p:tgtEl>
+                                      </p:cBhvr>
+                                    </p:animEffect>
+                                    <p:set>
+                                      <p:cBhvr>
+                                        <p:cTn id="21" dur="1" fill="hold">
+                                          <p:stCondLst>
+                                            <p:cond delay="499"/>
+                                          </p:stCondLst>
+                                        </p:cTn>
+                                        <p:tgtEl>
+                                          <p:spTgt spid="10"/>
+                                        </p:tgtEl>
+                                        <p:attrNameLst>
+                                          <p:attrName>style.visibility</p:attrName>
+                                        </p:attrNameLst>
+                                      </p:cBhvr>
+                                      <p:to>
+                                        <p:strVal val="hidden"/>
+                                      </p:to>
+                                    </p:set>
+                                  </p:childTnLst>
+                                </p:cTn>
+                              </p:par>
+                              <p:par>
+                                <p:cTn id="22" presetID="10" presetClass="entr" presetSubtype="0" fill="hold" grpId="0" nodeType="withEffect">
+                                  <p:stCondLst>
+                                    <p:cond delay="0"/>
+                                  </p:stCondLst>
+                                  <p:childTnLst>
+                                    <p:set>
+                                      <p:cBhvr>
+                                        <p:cTn id="23" dur="1" fill="hold">
+                                          <p:stCondLst>
+                                            <p:cond delay="0"/>
+                                          </p:stCondLst>
+                                        </p:cTn>
+                                        <p:tgtEl>
+                                          <p:spTgt spid="5"/>
+                                        </p:tgtEl>
+                                        <p:attrNameLst>
+                                          <p:attrName>style.visibility</p:attrName>
+                                        </p:attrNameLst>
+                                      </p:cBhvr>
+                                      <p:to>
+                                        <p:strVal val="visible"/>
+                                      </p:to>
+                                    </p:set>
+                                    <p:animEffect transition="in" filter="fade">
+                                      <p:cBhvr>
+                                        <p:cTn id="24" dur="500"/>
+                                        <p:tgtEl>
+                                          <p:spTgt spid="5"/>
+                                        </p:tgtEl>
+                                      </p:cBhvr>
+                                    </p:animEffect>
+                                  </p:childTnLst>
+                                </p:cTn>
+                              </p:par>
+                              <p:par>
+                                <p:cTn id="25" presetID="10" presetClass="entr" presetSubtype="0" fill="hold" nodeType="withEffect">
+                                  <p:stCondLst>
+                                    <p:cond delay="0"/>
+                                  </p:stCondLst>
+                                  <p:childTnLst>
+                                    <p:set>
+                                      <p:cBhvr>
+                                        <p:cTn id="26" dur="1" fill="hold">
+                                          <p:stCondLst>
+                                            <p:cond delay="0"/>
+                                          </p:stCondLst>
+                                        </p:cTn>
+                                        <p:tgtEl>
+                                          <p:spTgt spid="12"/>
+                                        </p:tgtEl>
+                                        <p:attrNameLst>
+                                          <p:attrName>style.visibility</p:attrName>
+                                        </p:attrNameLst>
+                                      </p:cBhvr>
+                                      <p:to>
+                                        <p:strVal val="visible"/>
+                                      </p:to>
+                                    </p:set>
+                                    <p:animEffect transition="in" filter="fade">
+                                      <p:cBhvr>
+                                        <p:cTn id="27" dur="500"/>
+                                        <p:tgtEl>
+                                          <p:spTgt spid="12"/>
+                                        </p:tgtEl>
+                                      </p:cBhvr>
+                                    </p:animEffect>
+                                  </p:childTnLst>
+                                </p:cTn>
+                              </p:par>
+                              <p:par>
+                                <p:cTn id="28" presetID="10" presetClass="entr" presetSubtype="0" fill="hold" grpId="0" nodeType="withEffect">
+                                  <p:stCondLst>
+                                    <p:cond delay="0"/>
+                                  </p:stCondLst>
+                                  <p:childTnLst>
+                                    <p:set>
+                                      <p:cBhvr>
+                                        <p:cTn id="29" dur="1" fill="hold">
+                                          <p:stCondLst>
+                                            <p:cond delay="0"/>
+                                          </p:stCondLst>
+                                        </p:cTn>
+                                        <p:tgtEl>
+                                          <p:spTgt spid="7"/>
+                                        </p:tgtEl>
+                                        <p:attrNameLst>
+                                          <p:attrName>style.visibility</p:attrName>
+                                        </p:attrNameLst>
+                                      </p:cBhvr>
+                                      <p:to>
+                                        <p:strVal val="visible"/>
+                                      </p:to>
+                                    </p:set>
+                                    <p:animEffect transition="in" filter="fade">
+                                      <p:cBhvr>
+                                        <p:cTn id="30" dur="500"/>
+                                        <p:tgtEl>
+                                          <p:spTgt spid="7"/>
+                                        </p:tgtEl>
+                                      </p:cBhvr>
+                                    </p:animEffect>
+                                  </p:childTnLst>
+                                </p:cTn>
+                              </p:par>
+                            </p:childTnLst>
+                          </p:cTn>
+                        </p:par>
+                      </p:childTnLst>
+                    </p:cTn>
+                  </p:par>
+                </p:childTnLst>
+              </p:cTn>
+              <p:prevCondLst>
+                <p:cond evt="onPrev" delay="0">
+                  <p:tgtEl>
+                    <p:sldTgt/>
+                  </p:tgtEl>
+                </p:cond>
+              </p:prevCondLst>
+              <p:nextCondLst>
+                <p:cond evt="onNext" delay="0">
+                  <p:tgtEl>
+                    <p:sldTgt/>
+                  </p:tgtEl>
+                </p:cond>
+              </p:nextCondLst>
+            </p:seq>
+          </p:childTnLst>
+        </p:cTn>
+      </p:par>
+    </p:tnLst>
+    <p:bldLst>
+      <p:bldP spid="7" grpId="0"/>
+      <p:bldP spid="10" grpId="0" animBg="1"/>
+      <p:bldP spid="10" grpId="1" animBg="1"/>
+      <p:bldP spid="11" grpId="0"/>
+      <p:bldP spid="11" grpId="1"/>
+      <p:bldP spid="5" grpId="0" animBg="1"/>
+    </p:bldLst>
+  </p:timing>
 </p:sld>
 </file>
 
@@ -3041,7 +5570,7 @@
           <p:cNvPr id="6" name="슬라이드 번호 개체 틀 5">
             <a:extLst>
               <a:ext uri="{FF2B5EF4-FFF2-40B4-BE49-F238E27FC236}">
-                <a16:creationId xmlns:a16="http://schemas.microsoft.com/office/drawing/2014/main" id="{D07836A0-38B7-45E1-B6C1-6BEEAC42BA58}"/>
+                <a16:creationId xmlns:a16="http://schemas.microsoft.com/office/drawing/2014/main" xmlns="" id="{D07836A0-38B7-45E1-B6C1-6BEEAC42BA58}"/>
               </a:ext>
             </a:extLst>
           </p:cNvPr>
@@ -3071,7 +5600,7 @@
           <p:cNvPr id="9" name="TextBox 8">
             <a:extLst>
               <a:ext uri="{FF2B5EF4-FFF2-40B4-BE49-F238E27FC236}">
-                <a16:creationId xmlns:a16="http://schemas.microsoft.com/office/drawing/2014/main" id="{5D8B5EC4-A12D-4385-8680-5D64041688E4}"/>
+                <a16:creationId xmlns:a16="http://schemas.microsoft.com/office/drawing/2014/main" xmlns="" id="{5D8B5EC4-A12D-4385-8680-5D64041688E4}"/>
               </a:ext>
             </a:extLst>
           </p:cNvPr>
@@ -3179,7 +5708,7 @@
           <p:cNvPr id="2" name="그림 1">
             <a:extLst>
               <a:ext uri="{FF2B5EF4-FFF2-40B4-BE49-F238E27FC236}">
-                <a16:creationId xmlns:a16="http://schemas.microsoft.com/office/drawing/2014/main" id="{CB51494A-938D-45DB-BF1B-7FF61A6F9EE9}"/>
+                <a16:creationId xmlns:a16="http://schemas.microsoft.com/office/drawing/2014/main" xmlns="" id="{CB51494A-938D-45DB-BF1B-7FF61A6F9EE9}"/>
               </a:ext>
             </a:extLst>
           </p:cNvPr>
@@ -3204,6 +5733,533 @@
           </a:prstGeom>
         </p:spPr>
       </p:pic>
+      <p:pic>
+        <p:nvPicPr>
+          <p:cNvPr id="1026" name="Picture 2"/>
+          <p:cNvPicPr>
+            <a:picLocks noChangeAspect="1" noChangeArrowheads="1"/>
+          </p:cNvPicPr>
+          <p:nvPr/>
+        </p:nvPicPr>
+        <p:blipFill rotWithShape="1">
+          <a:blip r:embed="rId3">
+            <a:extLst>
+              <a:ext uri="{28A0092B-C50C-407E-A947-70E740481C1C}">
+                <a14:useLocalDpi xmlns:a14="http://schemas.microsoft.com/office/drawing/2010/main" val="0"/>
+              </a:ext>
+            </a:extLst>
+          </a:blip>
+          <a:srcRect l="11786" t="17985" b="13126"/>
+          <a:stretch/>
+        </p:blipFill>
+        <p:spPr bwMode="auto">
+          <a:xfrm>
+            <a:off x="2063551" y="1988840"/>
+            <a:ext cx="9359847" cy="4111559"/>
+          </a:xfrm>
+          <a:prstGeom prst="rect">
+            <a:avLst/>
+          </a:prstGeom>
+          <a:noFill/>
+          <a:ln>
+            <a:noFill/>
+          </a:ln>
+          <a:extLst>
+            <a:ext uri="{909E8E84-426E-40DD-AFC4-6F175D3DCCD1}">
+              <a14:hiddenFill xmlns:a14="http://schemas.microsoft.com/office/drawing/2010/main">
+                <a:solidFill>
+                  <a:schemeClr val="accent1"/>
+                </a:solidFill>
+              </a14:hiddenFill>
+            </a:ext>
+            <a:ext uri="{91240B29-F687-4F45-9708-019B960494DF}">
+              <a14:hiddenLine xmlns:a14="http://schemas.microsoft.com/office/drawing/2010/main" w="9525">
+                <a:solidFill>
+                  <a:schemeClr val="tx1"/>
+                </a:solidFill>
+                <a:miter lim="800000"/>
+                <a:headEnd/>
+                <a:tailEnd/>
+              </a14:hiddenLine>
+            </a:ext>
+          </a:extLst>
+        </p:spPr>
+      </p:pic>
+      <p:sp>
+        <p:nvSpPr>
+          <p:cNvPr id="7" name="직사각형 6"/>
+          <p:cNvSpPr/>
+          <p:nvPr/>
+        </p:nvSpPr>
+        <p:spPr>
+          <a:xfrm>
+            <a:off x="2063550" y="2320416"/>
+            <a:ext cx="9289033" cy="1368152"/>
+          </a:xfrm>
+          <a:prstGeom prst="rect">
+            <a:avLst/>
+          </a:prstGeom>
+          <a:noFill/>
+          <a:ln w="38100">
+            <a:solidFill>
+              <a:srgbClr val="FF0000"/>
+            </a:solidFill>
+          </a:ln>
+        </p:spPr>
+        <p:style>
+          <a:lnRef idx="2">
+            <a:schemeClr val="accent1">
+              <a:shade val="50000"/>
+            </a:schemeClr>
+          </a:lnRef>
+          <a:fillRef idx="1">
+            <a:schemeClr val="accent1"/>
+          </a:fillRef>
+          <a:effectRef idx="0">
+            <a:schemeClr val="accent1"/>
+          </a:effectRef>
+          <a:fontRef idx="minor">
+            <a:schemeClr val="lt1"/>
+          </a:fontRef>
+        </p:style>
+        <p:txBody>
+          <a:bodyPr rot="0" spcFirstLastPara="0" vertOverflow="overflow" horzOverflow="overflow" vert="horz" wrap="square" lIns="91440" tIns="45720" rIns="91440" bIns="45720" numCol="1" spcCol="0" rtlCol="0" fromWordArt="0" anchor="ctr" anchorCtr="0" forceAA="0" compatLnSpc="1">
+            <a:prstTxWarp prst="textNoShape">
+              <a:avLst/>
+            </a:prstTxWarp>
+            <a:noAutofit/>
+          </a:bodyPr>
+          <a:lstStyle/>
+          <a:p>
+            <a:pPr algn="ctr"/>
+            <a:endParaRPr lang="ko-KR" altLang="en-US"/>
+          </a:p>
+        </p:txBody>
+      </p:sp>
+      <p:sp>
+        <p:nvSpPr>
+          <p:cNvPr id="8" name="TextBox 7">
+            <a:extLst>
+              <a:ext uri="{FF2B5EF4-FFF2-40B4-BE49-F238E27FC236}">
+                <a16:creationId xmlns:a16="http://schemas.microsoft.com/office/drawing/2014/main" xmlns="" id="{AEBA6E2B-4E08-4172-B1C3-D073279B670B}"/>
+              </a:ext>
+            </a:extLst>
+          </p:cNvPr>
+          <p:cNvSpPr txBox="1"/>
+          <p:nvPr/>
+        </p:nvSpPr>
+        <p:spPr>
+          <a:xfrm>
+            <a:off x="5951984" y="1743199"/>
+            <a:ext cx="2520280" cy="461665"/>
+          </a:xfrm>
+          <a:prstGeom prst="rect">
+            <a:avLst/>
+          </a:prstGeom>
+          <a:noFill/>
+        </p:spPr>
+        <p:txBody>
+          <a:bodyPr wrap="square" rtlCol="0">
+            <a:spAutoFit/>
+          </a:bodyPr>
+          <a:lstStyle/>
+          <a:p>
+            <a:pPr algn="ctr"/>
+            <a:r>
+              <a:rPr lang="ko-KR" altLang="en-US" sz="2400" smtClean="0">
+                <a:ln w="12700">
+                  <a:solidFill>
+                    <a:schemeClr val="accent1">
+                      <a:lumMod val="75000"/>
+                    </a:schemeClr>
+                  </a:solidFill>
+                </a:ln>
+                <a:solidFill>
+                  <a:schemeClr val="bg1"/>
+                </a:solidFill>
+                <a:latin typeface="고도 B" panose="02000503000000020004" pitchFamily="2" charset="-127"/>
+                <a:ea typeface="고도 B" panose="02000503000000020004" pitchFamily="2" charset="-127"/>
+              </a:rPr>
+              <a:t>관리자 간편 확인</a:t>
+            </a:r>
+            <a:endParaRPr lang="ko-KR" altLang="en-US" sz="2400" dirty="0">
+              <a:ln w="12700">
+                <a:solidFill>
+                  <a:schemeClr val="accent1">
+                    <a:lumMod val="75000"/>
+                  </a:schemeClr>
+                </a:solidFill>
+              </a:ln>
+              <a:solidFill>
+                <a:schemeClr val="bg1"/>
+              </a:solidFill>
+              <a:latin typeface="고도 B" panose="02000503000000020004" pitchFamily="2" charset="-127"/>
+              <a:ea typeface="고도 B" panose="02000503000000020004" pitchFamily="2" charset="-127"/>
+            </a:endParaRPr>
+          </a:p>
+        </p:txBody>
+      </p:sp>
+      <p:sp>
+        <p:nvSpPr>
+          <p:cNvPr id="10" name="직사각형 9"/>
+          <p:cNvSpPr/>
+          <p:nvPr/>
+        </p:nvSpPr>
+        <p:spPr>
+          <a:xfrm>
+            <a:off x="2063552" y="3717032"/>
+            <a:ext cx="6192688" cy="2232248"/>
+          </a:xfrm>
+          <a:prstGeom prst="rect">
+            <a:avLst/>
+          </a:prstGeom>
+          <a:noFill/>
+          <a:ln w="38100">
+            <a:solidFill>
+              <a:srgbClr val="FF0000"/>
+            </a:solidFill>
+          </a:ln>
+        </p:spPr>
+        <p:style>
+          <a:lnRef idx="2">
+            <a:schemeClr val="accent1">
+              <a:shade val="50000"/>
+            </a:schemeClr>
+          </a:lnRef>
+          <a:fillRef idx="1">
+            <a:schemeClr val="accent1"/>
+          </a:fillRef>
+          <a:effectRef idx="0">
+            <a:schemeClr val="accent1"/>
+          </a:effectRef>
+          <a:fontRef idx="minor">
+            <a:schemeClr val="lt1"/>
+          </a:fontRef>
+        </p:style>
+        <p:txBody>
+          <a:bodyPr rot="0" spcFirstLastPara="0" vertOverflow="overflow" horzOverflow="overflow" vert="horz" wrap="square" lIns="91440" tIns="45720" rIns="91440" bIns="45720" numCol="1" spcCol="0" rtlCol="0" fromWordArt="0" anchor="ctr" anchorCtr="0" forceAA="0" compatLnSpc="1">
+            <a:prstTxWarp prst="textNoShape">
+              <a:avLst/>
+            </a:prstTxWarp>
+            <a:noAutofit/>
+          </a:bodyPr>
+          <a:lstStyle/>
+          <a:p>
+            <a:pPr algn="ctr"/>
+            <a:endParaRPr lang="ko-KR" altLang="en-US"/>
+          </a:p>
+        </p:txBody>
+      </p:sp>
+      <p:sp>
+        <p:nvSpPr>
+          <p:cNvPr id="11" name="TextBox 10">
+            <a:extLst>
+              <a:ext uri="{FF2B5EF4-FFF2-40B4-BE49-F238E27FC236}">
+                <a16:creationId xmlns:a16="http://schemas.microsoft.com/office/drawing/2014/main" xmlns="" id="{AEBA6E2B-4E08-4172-B1C3-D073279B670B}"/>
+              </a:ext>
+            </a:extLst>
+          </p:cNvPr>
+          <p:cNvSpPr txBox="1"/>
+          <p:nvPr/>
+        </p:nvSpPr>
+        <p:spPr>
+          <a:xfrm>
+            <a:off x="4511824" y="3933056"/>
+            <a:ext cx="2160240" cy="830997"/>
+          </a:xfrm>
+          <a:prstGeom prst="rect">
+            <a:avLst/>
+          </a:prstGeom>
+          <a:noFill/>
+        </p:spPr>
+        <p:txBody>
+          <a:bodyPr wrap="square" rtlCol="0">
+            <a:spAutoFit/>
+          </a:bodyPr>
+          <a:lstStyle/>
+          <a:p>
+            <a:pPr algn="ctr"/>
+            <a:r>
+              <a:rPr lang="ko-KR" altLang="en-US" sz="2400">
+                <a:ln w="12700">
+                  <a:solidFill>
+                    <a:schemeClr val="accent1">
+                      <a:lumMod val="75000"/>
+                    </a:schemeClr>
+                  </a:solidFill>
+                </a:ln>
+                <a:solidFill>
+                  <a:schemeClr val="bg1"/>
+                </a:solidFill>
+                <a:latin typeface="고도 B" panose="02000503000000020004" pitchFamily="2" charset="-127"/>
+                <a:ea typeface="고도 B" panose="02000503000000020004" pitchFamily="2" charset="-127"/>
+              </a:rPr>
+              <a:t>이번 년도 월간 매출액</a:t>
+            </a:r>
+            <a:endParaRPr lang="ko-KR" altLang="en-US" sz="2400" dirty="0">
+              <a:ln w="12700">
+                <a:solidFill>
+                  <a:schemeClr val="accent1">
+                    <a:lumMod val="75000"/>
+                  </a:schemeClr>
+                </a:solidFill>
+              </a:ln>
+              <a:solidFill>
+                <a:schemeClr val="bg1"/>
+              </a:solidFill>
+              <a:latin typeface="고도 B" panose="02000503000000020004" pitchFamily="2" charset="-127"/>
+              <a:ea typeface="고도 B" panose="02000503000000020004" pitchFamily="2" charset="-127"/>
+            </a:endParaRPr>
+          </a:p>
+        </p:txBody>
+      </p:sp>
+      <p:sp>
+        <p:nvSpPr>
+          <p:cNvPr id="12" name="직사각형 11"/>
+          <p:cNvSpPr/>
+          <p:nvPr/>
+        </p:nvSpPr>
+        <p:spPr>
+          <a:xfrm>
+            <a:off x="8256240" y="3688568"/>
+            <a:ext cx="3096344" cy="2260712"/>
+          </a:xfrm>
+          <a:prstGeom prst="rect">
+            <a:avLst/>
+          </a:prstGeom>
+          <a:noFill/>
+          <a:ln w="38100">
+            <a:solidFill>
+              <a:srgbClr val="FF0000"/>
+            </a:solidFill>
+          </a:ln>
+        </p:spPr>
+        <p:style>
+          <a:lnRef idx="2">
+            <a:schemeClr val="accent1">
+              <a:shade val="50000"/>
+            </a:schemeClr>
+          </a:lnRef>
+          <a:fillRef idx="1">
+            <a:schemeClr val="accent1"/>
+          </a:fillRef>
+          <a:effectRef idx="0">
+            <a:schemeClr val="accent1"/>
+          </a:effectRef>
+          <a:fontRef idx="minor">
+            <a:schemeClr val="lt1"/>
+          </a:fontRef>
+        </p:style>
+        <p:txBody>
+          <a:bodyPr rot="0" spcFirstLastPara="0" vertOverflow="overflow" horzOverflow="overflow" vert="horz" wrap="square" lIns="91440" tIns="45720" rIns="91440" bIns="45720" numCol="1" spcCol="0" rtlCol="0" fromWordArt="0" anchor="ctr" anchorCtr="0" forceAA="0" compatLnSpc="1">
+            <a:prstTxWarp prst="textNoShape">
+              <a:avLst/>
+            </a:prstTxWarp>
+            <a:noAutofit/>
+          </a:bodyPr>
+          <a:lstStyle/>
+          <a:p>
+            <a:pPr algn="ctr"/>
+            <a:endParaRPr lang="ko-KR" altLang="en-US"/>
+          </a:p>
+        </p:txBody>
+      </p:sp>
+      <p:sp>
+        <p:nvSpPr>
+          <p:cNvPr id="13" name="TextBox 12">
+            <a:extLst>
+              <a:ext uri="{FF2B5EF4-FFF2-40B4-BE49-F238E27FC236}">
+                <a16:creationId xmlns:a16="http://schemas.microsoft.com/office/drawing/2014/main" xmlns="" id="{979680B5-AED6-45D9-A034-867C432401B0}"/>
+              </a:ext>
+            </a:extLst>
+          </p:cNvPr>
+          <p:cNvSpPr txBox="1"/>
+          <p:nvPr/>
+        </p:nvSpPr>
+        <p:spPr>
+          <a:xfrm>
+            <a:off x="9984432" y="3861048"/>
+            <a:ext cx="2160240" cy="830997"/>
+          </a:xfrm>
+          <a:prstGeom prst="rect">
+            <a:avLst/>
+          </a:prstGeom>
+          <a:noFill/>
+        </p:spPr>
+        <p:txBody>
+          <a:bodyPr wrap="square" rtlCol="0">
+            <a:spAutoFit/>
+          </a:bodyPr>
+          <a:lstStyle/>
+          <a:p>
+            <a:pPr algn="ctr"/>
+            <a:r>
+              <a:rPr lang="ko-KR" altLang="en-US" sz="2400" smtClean="0">
+                <a:ln w="12700">
+                  <a:solidFill>
+                    <a:schemeClr val="accent1">
+                      <a:lumMod val="75000"/>
+                    </a:schemeClr>
+                  </a:solidFill>
+                </a:ln>
+                <a:solidFill>
+                  <a:schemeClr val="bg1"/>
+                </a:solidFill>
+                <a:latin typeface="고도 B" panose="02000503000000020004" pitchFamily="2" charset="-127"/>
+                <a:ea typeface="고도 B" panose="02000503000000020004" pitchFamily="2" charset="-127"/>
+              </a:rPr>
+              <a:t>상품 유형별 </a:t>
+            </a:r>
+            <a:endParaRPr lang="en-US" altLang="ko-KR" sz="2400" smtClean="0">
+              <a:ln w="12700">
+                <a:solidFill>
+                  <a:schemeClr val="accent1">
+                    <a:lumMod val="75000"/>
+                  </a:schemeClr>
+                </a:solidFill>
+              </a:ln>
+              <a:solidFill>
+                <a:schemeClr val="bg1"/>
+              </a:solidFill>
+              <a:latin typeface="고도 B" panose="02000503000000020004" pitchFamily="2" charset="-127"/>
+              <a:ea typeface="고도 B" panose="02000503000000020004" pitchFamily="2" charset="-127"/>
+            </a:endParaRPr>
+          </a:p>
+          <a:p>
+            <a:pPr algn="ctr"/>
+            <a:r>
+              <a:rPr lang="ko-KR" altLang="en-US" sz="2400" smtClean="0">
+                <a:ln w="12700">
+                  <a:solidFill>
+                    <a:schemeClr val="accent1">
+                      <a:lumMod val="75000"/>
+                    </a:schemeClr>
+                  </a:solidFill>
+                </a:ln>
+                <a:solidFill>
+                  <a:schemeClr val="bg1"/>
+                </a:solidFill>
+                <a:latin typeface="고도 B" panose="02000503000000020004" pitchFamily="2" charset="-127"/>
+                <a:ea typeface="고도 B" panose="02000503000000020004" pitchFamily="2" charset="-127"/>
+              </a:rPr>
+              <a:t>판매 비율</a:t>
+            </a:r>
+            <a:endParaRPr lang="ko-KR" altLang="en-US" sz="2400" dirty="0">
+              <a:ln w="12700">
+                <a:solidFill>
+                  <a:schemeClr val="accent1">
+                    <a:lumMod val="75000"/>
+                  </a:schemeClr>
+                </a:solidFill>
+              </a:ln>
+              <a:solidFill>
+                <a:schemeClr val="bg1"/>
+              </a:solidFill>
+              <a:latin typeface="고도 B" panose="02000503000000020004" pitchFamily="2" charset="-127"/>
+              <a:ea typeface="고도 B" panose="02000503000000020004" pitchFamily="2" charset="-127"/>
+            </a:endParaRPr>
+          </a:p>
+        </p:txBody>
+      </p:sp>
+      <p:sp>
+        <p:nvSpPr>
+          <p:cNvPr id="15" name="TextBox 14">
+            <a:extLst>
+              <a:ext uri="{FF2B5EF4-FFF2-40B4-BE49-F238E27FC236}">
+                <a16:creationId xmlns:a16="http://schemas.microsoft.com/office/drawing/2014/main" xmlns="" id="{4F553B15-9ACE-40DD-907E-F8A78E827085}"/>
+              </a:ext>
+            </a:extLst>
+          </p:cNvPr>
+          <p:cNvSpPr txBox="1"/>
+          <p:nvPr/>
+        </p:nvSpPr>
+        <p:spPr>
+          <a:xfrm>
+            <a:off x="335360" y="6381328"/>
+            <a:ext cx="6984776" cy="400110"/>
+          </a:xfrm>
+          <a:prstGeom prst="rect">
+            <a:avLst/>
+          </a:prstGeom>
+          <a:noFill/>
+        </p:spPr>
+        <p:txBody>
+          <a:bodyPr wrap="square" rtlCol="0">
+            <a:spAutoFit/>
+          </a:bodyPr>
+          <a:lstStyle/>
+          <a:p>
+            <a:pPr algn="l"/>
+            <a:r>
+              <a:rPr lang="ko-KR" altLang="en-US" sz="1000" smtClean="0">
+                <a:solidFill>
+                  <a:schemeClr val="bg1"/>
+                </a:solidFill>
+                <a:latin typeface="고도 B" panose="02000503000000020004" pitchFamily="2" charset="-127"/>
+                <a:ea typeface="고도 B" panose="02000503000000020004" pitchFamily="2" charset="-127"/>
+              </a:rPr>
+              <a:t>상단 카드에 창고의 판매 수익과 각 사용자 유형별 대금 청구액 등을 확인 할 수 있도록 위치</a:t>
+            </a:r>
+            <a:endParaRPr lang="en-US" altLang="ko-KR" sz="1000" smtClean="0">
+              <a:solidFill>
+                <a:schemeClr val="bg1"/>
+              </a:solidFill>
+              <a:latin typeface="고도 B" panose="02000503000000020004" pitchFamily="2" charset="-127"/>
+              <a:ea typeface="고도 B" panose="02000503000000020004" pitchFamily="2" charset="-127"/>
+            </a:endParaRPr>
+          </a:p>
+          <a:p>
+            <a:pPr algn="l"/>
+            <a:r>
+              <a:rPr lang="ko-KR" altLang="en-US" sz="1000" smtClean="0">
+                <a:solidFill>
+                  <a:schemeClr val="bg1"/>
+                </a:solidFill>
+                <a:latin typeface="고도 B" panose="02000503000000020004" pitchFamily="2" charset="-127"/>
+                <a:ea typeface="고도 B" panose="02000503000000020004" pitchFamily="2" charset="-127"/>
+              </a:rPr>
+              <a:t>왼쪽 그래프로 이번 년도 월간 매출액을</a:t>
+            </a:r>
+            <a:r>
+              <a:rPr lang="en-US" altLang="ko-KR" sz="1000" smtClean="0">
+                <a:solidFill>
+                  <a:schemeClr val="bg1"/>
+                </a:solidFill>
+                <a:latin typeface="고도 B" panose="02000503000000020004" pitchFamily="2" charset="-127"/>
+                <a:ea typeface="고도 B" panose="02000503000000020004" pitchFamily="2" charset="-127"/>
+              </a:rPr>
+              <a:t>, </a:t>
+            </a:r>
+            <a:r>
+              <a:rPr lang="ko-KR" altLang="en-US" sz="1000" smtClean="0">
+                <a:solidFill>
+                  <a:schemeClr val="bg1"/>
+                </a:solidFill>
+                <a:latin typeface="고도 B" panose="02000503000000020004" pitchFamily="2" charset="-127"/>
+                <a:ea typeface="고도 B" panose="02000503000000020004" pitchFamily="2" charset="-127"/>
+              </a:rPr>
+              <a:t>오른쪽 그래프로 상품별 판매 비율을 한 눈에 확인할 수 있다</a:t>
+            </a:r>
+            <a:r>
+              <a:rPr lang="en-US" altLang="ko-KR" sz="1000" smtClean="0">
+                <a:solidFill>
+                  <a:schemeClr val="bg1"/>
+                </a:solidFill>
+                <a:latin typeface="고도 B" panose="02000503000000020004" pitchFamily="2" charset="-127"/>
+                <a:ea typeface="고도 B" panose="02000503000000020004" pitchFamily="2" charset="-127"/>
+              </a:rPr>
+              <a:t>.</a:t>
+            </a:r>
+            <a:endParaRPr lang="ko-KR" altLang="en-US" sz="1000" dirty="0">
+              <a:solidFill>
+                <a:schemeClr val="bg1"/>
+              </a:solidFill>
+              <a:latin typeface="고도 B" panose="02000503000000020004" pitchFamily="2" charset="-127"/>
+              <a:ea typeface="고도 B" panose="02000503000000020004" pitchFamily="2" charset="-127"/>
+            </a:endParaRPr>
+          </a:p>
+        </p:txBody>
+      </p:sp>
     </p:spTree>
     <p:extLst>
       <p:ext uri="{BB962C8B-B14F-4D97-AF65-F5344CB8AC3E}">
@@ -3214,6 +6270,487 @@
   <p:clrMapOvr>
     <a:masterClrMapping/>
   </p:clrMapOvr>
+  <p:timing>
+    <p:tnLst>
+      <p:par>
+        <p:cTn id="1" dur="indefinite" restart="never" nodeType="tmRoot">
+          <p:childTnLst>
+            <p:seq concurrent="1" nextAc="seek">
+              <p:cTn id="2" dur="indefinite" nodeType="mainSeq">
+                <p:childTnLst>
+                  <p:par>
+                    <p:cTn id="3" fill="hold">
+                      <p:stCondLst>
+                        <p:cond delay="indefinite"/>
+                      </p:stCondLst>
+                      <p:childTnLst>
+                        <p:par>
+                          <p:cTn id="4" fill="hold">
+                            <p:stCondLst>
+                              <p:cond delay="0"/>
+                            </p:stCondLst>
+                            <p:childTnLst>
+                              <p:par>
+                                <p:cTn id="5" presetID="10" presetClass="entr" presetSubtype="0" fill="hold" grpId="0" nodeType="clickEffect">
+                                  <p:stCondLst>
+                                    <p:cond delay="0"/>
+                                  </p:stCondLst>
+                                  <p:childTnLst>
+                                    <p:set>
+                                      <p:cBhvr>
+                                        <p:cTn id="6" dur="1" fill="hold">
+                                          <p:stCondLst>
+                                            <p:cond delay="0"/>
+                                          </p:stCondLst>
+                                        </p:cTn>
+                                        <p:tgtEl>
+                                          <p:spTgt spid="8"/>
+                                        </p:tgtEl>
+                                        <p:attrNameLst>
+                                          <p:attrName>style.visibility</p:attrName>
+                                        </p:attrNameLst>
+                                      </p:cBhvr>
+                                      <p:to>
+                                        <p:strVal val="visible"/>
+                                      </p:to>
+                                    </p:set>
+                                    <p:animEffect transition="in" filter="fade">
+                                      <p:cBhvr>
+                                        <p:cTn id="7" dur="500"/>
+                                        <p:tgtEl>
+                                          <p:spTgt spid="8"/>
+                                        </p:tgtEl>
+                                      </p:cBhvr>
+                                    </p:animEffect>
+                                  </p:childTnLst>
+                                </p:cTn>
+                              </p:par>
+                              <p:par>
+                                <p:cTn id="8" presetID="10" presetClass="entr" presetSubtype="0" fill="hold" nodeType="withEffect">
+                                  <p:stCondLst>
+                                    <p:cond delay="0"/>
+                                  </p:stCondLst>
+                                  <p:childTnLst>
+                                    <p:set>
+                                      <p:cBhvr>
+                                        <p:cTn id="9" dur="1" fill="hold">
+                                          <p:stCondLst>
+                                            <p:cond delay="0"/>
+                                          </p:stCondLst>
+                                        </p:cTn>
+                                        <p:tgtEl>
+                                          <p:spTgt spid="1026"/>
+                                        </p:tgtEl>
+                                        <p:attrNameLst>
+                                          <p:attrName>style.visibility</p:attrName>
+                                        </p:attrNameLst>
+                                      </p:cBhvr>
+                                      <p:to>
+                                        <p:strVal val="visible"/>
+                                      </p:to>
+                                    </p:set>
+                                    <p:animEffect transition="in" filter="fade">
+                                      <p:cBhvr>
+                                        <p:cTn id="10" dur="500"/>
+                                        <p:tgtEl>
+                                          <p:spTgt spid="1026"/>
+                                        </p:tgtEl>
+                                      </p:cBhvr>
+                                    </p:animEffect>
+                                  </p:childTnLst>
+                                </p:cTn>
+                              </p:par>
+                              <p:par>
+                                <p:cTn id="11" presetID="10" presetClass="entr" presetSubtype="0" fill="hold" grpId="0" nodeType="withEffect">
+                                  <p:stCondLst>
+                                    <p:cond delay="0"/>
+                                  </p:stCondLst>
+                                  <p:childTnLst>
+                                    <p:set>
+                                      <p:cBhvr>
+                                        <p:cTn id="12" dur="1" fill="hold">
+                                          <p:stCondLst>
+                                            <p:cond delay="0"/>
+                                          </p:stCondLst>
+                                        </p:cTn>
+                                        <p:tgtEl>
+                                          <p:spTgt spid="7"/>
+                                        </p:tgtEl>
+                                        <p:attrNameLst>
+                                          <p:attrName>style.visibility</p:attrName>
+                                        </p:attrNameLst>
+                                      </p:cBhvr>
+                                      <p:to>
+                                        <p:strVal val="visible"/>
+                                      </p:to>
+                                    </p:set>
+                                    <p:animEffect transition="in" filter="fade">
+                                      <p:cBhvr>
+                                        <p:cTn id="13" dur="500"/>
+                                        <p:tgtEl>
+                                          <p:spTgt spid="7"/>
+                                        </p:tgtEl>
+                                      </p:cBhvr>
+                                    </p:animEffect>
+                                  </p:childTnLst>
+                                </p:cTn>
+                              </p:par>
+                            </p:childTnLst>
+                          </p:cTn>
+                        </p:par>
+                      </p:childTnLst>
+                    </p:cTn>
+                  </p:par>
+                  <p:par>
+                    <p:cTn id="14" fill="hold">
+                      <p:stCondLst>
+                        <p:cond delay="indefinite"/>
+                      </p:stCondLst>
+                      <p:childTnLst>
+                        <p:par>
+                          <p:cTn id="15" fill="hold">
+                            <p:stCondLst>
+                              <p:cond delay="0"/>
+                            </p:stCondLst>
+                            <p:childTnLst>
+                              <p:par>
+                                <p:cTn id="16" presetID="10" presetClass="exit" presetSubtype="0" fill="hold" grpId="1" nodeType="clickEffect">
+                                  <p:stCondLst>
+                                    <p:cond delay="0"/>
+                                  </p:stCondLst>
+                                  <p:childTnLst>
+                                    <p:animEffect transition="out" filter="fade">
+                                      <p:cBhvr>
+                                        <p:cTn id="17" dur="500"/>
+                                        <p:tgtEl>
+                                          <p:spTgt spid="8"/>
+                                        </p:tgtEl>
+                                      </p:cBhvr>
+                                    </p:animEffect>
+                                    <p:set>
+                                      <p:cBhvr>
+                                        <p:cTn id="18" dur="1" fill="hold">
+                                          <p:stCondLst>
+                                            <p:cond delay="499"/>
+                                          </p:stCondLst>
+                                        </p:cTn>
+                                        <p:tgtEl>
+                                          <p:spTgt spid="8"/>
+                                        </p:tgtEl>
+                                        <p:attrNameLst>
+                                          <p:attrName>style.visibility</p:attrName>
+                                        </p:attrNameLst>
+                                      </p:cBhvr>
+                                      <p:to>
+                                        <p:strVal val="hidden"/>
+                                      </p:to>
+                                    </p:set>
+                                  </p:childTnLst>
+                                </p:cTn>
+                              </p:par>
+                              <p:par>
+                                <p:cTn id="19" presetID="10" presetClass="exit" presetSubtype="0" fill="hold" grpId="1" nodeType="withEffect">
+                                  <p:stCondLst>
+                                    <p:cond delay="0"/>
+                                  </p:stCondLst>
+                                  <p:childTnLst>
+                                    <p:animEffect transition="out" filter="fade">
+                                      <p:cBhvr>
+                                        <p:cTn id="20" dur="500"/>
+                                        <p:tgtEl>
+                                          <p:spTgt spid="7"/>
+                                        </p:tgtEl>
+                                      </p:cBhvr>
+                                    </p:animEffect>
+                                    <p:set>
+                                      <p:cBhvr>
+                                        <p:cTn id="21" dur="1" fill="hold">
+                                          <p:stCondLst>
+                                            <p:cond delay="499"/>
+                                          </p:stCondLst>
+                                        </p:cTn>
+                                        <p:tgtEl>
+                                          <p:spTgt spid="7"/>
+                                        </p:tgtEl>
+                                        <p:attrNameLst>
+                                          <p:attrName>style.visibility</p:attrName>
+                                        </p:attrNameLst>
+                                      </p:cBhvr>
+                                      <p:to>
+                                        <p:strVal val="hidden"/>
+                                      </p:to>
+                                    </p:set>
+                                  </p:childTnLst>
+                                </p:cTn>
+                              </p:par>
+                              <p:par>
+                                <p:cTn id="22" presetID="10" presetClass="entr" presetSubtype="0" fill="hold" grpId="0" nodeType="withEffect">
+                                  <p:stCondLst>
+                                    <p:cond delay="0"/>
+                                  </p:stCondLst>
+                                  <p:childTnLst>
+                                    <p:set>
+                                      <p:cBhvr>
+                                        <p:cTn id="23" dur="1" fill="hold">
+                                          <p:stCondLst>
+                                            <p:cond delay="0"/>
+                                          </p:stCondLst>
+                                        </p:cTn>
+                                        <p:tgtEl>
+                                          <p:spTgt spid="10"/>
+                                        </p:tgtEl>
+                                        <p:attrNameLst>
+                                          <p:attrName>style.visibility</p:attrName>
+                                        </p:attrNameLst>
+                                      </p:cBhvr>
+                                      <p:to>
+                                        <p:strVal val="visible"/>
+                                      </p:to>
+                                    </p:set>
+                                    <p:animEffect transition="in" filter="fade">
+                                      <p:cBhvr>
+                                        <p:cTn id="24" dur="500"/>
+                                        <p:tgtEl>
+                                          <p:spTgt spid="10"/>
+                                        </p:tgtEl>
+                                      </p:cBhvr>
+                                    </p:animEffect>
+                                  </p:childTnLst>
+                                </p:cTn>
+                              </p:par>
+                              <p:par>
+                                <p:cTn id="25" presetID="10" presetClass="entr" presetSubtype="0" fill="hold" grpId="0" nodeType="withEffect">
+                                  <p:stCondLst>
+                                    <p:cond delay="0"/>
+                                  </p:stCondLst>
+                                  <p:childTnLst>
+                                    <p:set>
+                                      <p:cBhvr>
+                                        <p:cTn id="26" dur="1" fill="hold">
+                                          <p:stCondLst>
+                                            <p:cond delay="0"/>
+                                          </p:stCondLst>
+                                        </p:cTn>
+                                        <p:tgtEl>
+                                          <p:spTgt spid="11"/>
+                                        </p:tgtEl>
+                                        <p:attrNameLst>
+                                          <p:attrName>style.visibility</p:attrName>
+                                        </p:attrNameLst>
+                                      </p:cBhvr>
+                                      <p:to>
+                                        <p:strVal val="visible"/>
+                                      </p:to>
+                                    </p:set>
+                                    <p:animEffect transition="in" filter="fade">
+                                      <p:cBhvr>
+                                        <p:cTn id="27" dur="500"/>
+                                        <p:tgtEl>
+                                          <p:spTgt spid="11"/>
+                                        </p:tgtEl>
+                                      </p:cBhvr>
+                                    </p:animEffect>
+                                  </p:childTnLst>
+                                </p:cTn>
+                              </p:par>
+                            </p:childTnLst>
+                          </p:cTn>
+                        </p:par>
+                      </p:childTnLst>
+                    </p:cTn>
+                  </p:par>
+                  <p:par>
+                    <p:cTn id="28" fill="hold">
+                      <p:stCondLst>
+                        <p:cond delay="indefinite"/>
+                      </p:stCondLst>
+                      <p:childTnLst>
+                        <p:par>
+                          <p:cTn id="29" fill="hold">
+                            <p:stCondLst>
+                              <p:cond delay="0"/>
+                            </p:stCondLst>
+                            <p:childTnLst>
+                              <p:par>
+                                <p:cTn id="30" presetID="10" presetClass="exit" presetSubtype="0" fill="hold" grpId="1" nodeType="clickEffect">
+                                  <p:stCondLst>
+                                    <p:cond delay="0"/>
+                                  </p:stCondLst>
+                                  <p:childTnLst>
+                                    <p:animEffect transition="out" filter="fade">
+                                      <p:cBhvr>
+                                        <p:cTn id="31" dur="500"/>
+                                        <p:tgtEl>
+                                          <p:spTgt spid="10"/>
+                                        </p:tgtEl>
+                                      </p:cBhvr>
+                                    </p:animEffect>
+                                    <p:set>
+                                      <p:cBhvr>
+                                        <p:cTn id="32" dur="1" fill="hold">
+                                          <p:stCondLst>
+                                            <p:cond delay="499"/>
+                                          </p:stCondLst>
+                                        </p:cTn>
+                                        <p:tgtEl>
+                                          <p:spTgt spid="10"/>
+                                        </p:tgtEl>
+                                        <p:attrNameLst>
+                                          <p:attrName>style.visibility</p:attrName>
+                                        </p:attrNameLst>
+                                      </p:cBhvr>
+                                      <p:to>
+                                        <p:strVal val="hidden"/>
+                                      </p:to>
+                                    </p:set>
+                                  </p:childTnLst>
+                                </p:cTn>
+                              </p:par>
+                              <p:par>
+                                <p:cTn id="33" presetID="10" presetClass="exit" presetSubtype="0" fill="hold" grpId="1" nodeType="withEffect">
+                                  <p:stCondLst>
+                                    <p:cond delay="0"/>
+                                  </p:stCondLst>
+                                  <p:childTnLst>
+                                    <p:animEffect transition="out" filter="fade">
+                                      <p:cBhvr>
+                                        <p:cTn id="34" dur="500"/>
+                                        <p:tgtEl>
+                                          <p:spTgt spid="11"/>
+                                        </p:tgtEl>
+                                      </p:cBhvr>
+                                    </p:animEffect>
+                                    <p:set>
+                                      <p:cBhvr>
+                                        <p:cTn id="35" dur="1" fill="hold">
+                                          <p:stCondLst>
+                                            <p:cond delay="499"/>
+                                          </p:stCondLst>
+                                        </p:cTn>
+                                        <p:tgtEl>
+                                          <p:spTgt spid="11"/>
+                                        </p:tgtEl>
+                                        <p:attrNameLst>
+                                          <p:attrName>style.visibility</p:attrName>
+                                        </p:attrNameLst>
+                                      </p:cBhvr>
+                                      <p:to>
+                                        <p:strVal val="hidden"/>
+                                      </p:to>
+                                    </p:set>
+                                  </p:childTnLst>
+                                </p:cTn>
+                              </p:par>
+                              <p:par>
+                                <p:cTn id="36" presetID="10" presetClass="entr" presetSubtype="0" fill="hold" grpId="0" nodeType="withEffect">
+                                  <p:stCondLst>
+                                    <p:cond delay="0"/>
+                                  </p:stCondLst>
+                                  <p:childTnLst>
+                                    <p:set>
+                                      <p:cBhvr>
+                                        <p:cTn id="37" dur="1" fill="hold">
+                                          <p:stCondLst>
+                                            <p:cond delay="0"/>
+                                          </p:stCondLst>
+                                        </p:cTn>
+                                        <p:tgtEl>
+                                          <p:spTgt spid="12"/>
+                                        </p:tgtEl>
+                                        <p:attrNameLst>
+                                          <p:attrName>style.visibility</p:attrName>
+                                        </p:attrNameLst>
+                                      </p:cBhvr>
+                                      <p:to>
+                                        <p:strVal val="visible"/>
+                                      </p:to>
+                                    </p:set>
+                                    <p:animEffect transition="in" filter="fade">
+                                      <p:cBhvr>
+                                        <p:cTn id="38" dur="500"/>
+                                        <p:tgtEl>
+                                          <p:spTgt spid="12"/>
+                                        </p:tgtEl>
+                                      </p:cBhvr>
+                                    </p:animEffect>
+                                  </p:childTnLst>
+                                </p:cTn>
+                              </p:par>
+                              <p:par>
+                                <p:cTn id="39" presetID="10" presetClass="entr" presetSubtype="0" fill="hold" grpId="0" nodeType="withEffect">
+                                  <p:stCondLst>
+                                    <p:cond delay="0"/>
+                                  </p:stCondLst>
+                                  <p:childTnLst>
+                                    <p:set>
+                                      <p:cBhvr>
+                                        <p:cTn id="40" dur="1" fill="hold">
+                                          <p:stCondLst>
+                                            <p:cond delay="0"/>
+                                          </p:stCondLst>
+                                        </p:cTn>
+                                        <p:tgtEl>
+                                          <p:spTgt spid="13"/>
+                                        </p:tgtEl>
+                                        <p:attrNameLst>
+                                          <p:attrName>style.visibility</p:attrName>
+                                        </p:attrNameLst>
+                                      </p:cBhvr>
+                                      <p:to>
+                                        <p:strVal val="visible"/>
+                                      </p:to>
+                                    </p:set>
+                                    <p:animEffect transition="in" filter="fade">
+                                      <p:cBhvr>
+                                        <p:cTn id="41" dur="500"/>
+                                        <p:tgtEl>
+                                          <p:spTgt spid="13"/>
+                                        </p:tgtEl>
+                                      </p:cBhvr>
+                                    </p:animEffect>
+                                  </p:childTnLst>
+                                </p:cTn>
+                              </p:par>
+                            </p:childTnLst>
+                          </p:cTn>
+                        </p:par>
+                      </p:childTnLst>
+                    </p:cTn>
+                  </p:par>
+                </p:childTnLst>
+              </p:cTn>
+              <p:prevCondLst>
+                <p:cond evt="onPrev" delay="0">
+                  <p:tgtEl>
+                    <p:sldTgt/>
+                  </p:tgtEl>
+                </p:cond>
+              </p:prevCondLst>
+              <p:nextCondLst>
+                <p:cond evt="onNext" delay="0">
+                  <p:tgtEl>
+                    <p:sldTgt/>
+                  </p:tgtEl>
+                </p:cond>
+              </p:nextCondLst>
+            </p:seq>
+          </p:childTnLst>
+        </p:cTn>
+      </p:par>
+    </p:tnLst>
+    <p:bldLst>
+      <p:bldP spid="7" grpId="0" animBg="1"/>
+      <p:bldP spid="7" grpId="1" animBg="1"/>
+      <p:bldP spid="8" grpId="0"/>
+      <p:bldP spid="8" grpId="1"/>
+      <p:bldP spid="10" grpId="0" animBg="1"/>
+      <p:bldP spid="10" grpId="1" animBg="1"/>
+      <p:bldP spid="11" grpId="0"/>
+      <p:bldP spid="11" grpId="1"/>
+      <p:bldP spid="12" grpId="0" animBg="1"/>
+      <p:bldP spid="13" grpId="0"/>
+    </p:bldLst>
+  </p:timing>
 </p:sld>
 </file>
 
@@ -3250,7 +6787,7 @@
           <p:cNvPr id="6" name="슬라이드 번호 개체 틀 5">
             <a:extLst>
               <a:ext uri="{FF2B5EF4-FFF2-40B4-BE49-F238E27FC236}">
-                <a16:creationId xmlns:a16="http://schemas.microsoft.com/office/drawing/2014/main" id="{D07836A0-38B7-45E1-B6C1-6BEEAC42BA58}"/>
+                <a16:creationId xmlns:a16="http://schemas.microsoft.com/office/drawing/2014/main" xmlns="" id="{D07836A0-38B7-45E1-B6C1-6BEEAC42BA58}"/>
               </a:ext>
             </a:extLst>
           </p:cNvPr>
@@ -3280,7 +6817,7 @@
           <p:cNvPr id="9" name="TextBox 8">
             <a:extLst>
               <a:ext uri="{FF2B5EF4-FFF2-40B4-BE49-F238E27FC236}">
-                <a16:creationId xmlns:a16="http://schemas.microsoft.com/office/drawing/2014/main" id="{5D8B5EC4-A12D-4385-8680-5D64041688E4}"/>
+                <a16:creationId xmlns:a16="http://schemas.microsoft.com/office/drawing/2014/main" xmlns="" id="{5D8B5EC4-A12D-4385-8680-5D64041688E4}"/>
               </a:ext>
             </a:extLst>
           </p:cNvPr>
@@ -3371,7 +6908,7 @@
           <p:cNvPr id="2" name="그림 1">
             <a:extLst>
               <a:ext uri="{FF2B5EF4-FFF2-40B4-BE49-F238E27FC236}">
-                <a16:creationId xmlns:a16="http://schemas.microsoft.com/office/drawing/2014/main" id="{41E20EB0-07E9-4072-9661-8792FEF0CA75}"/>
+                <a16:creationId xmlns:a16="http://schemas.microsoft.com/office/drawing/2014/main" xmlns="" id="{41E20EB0-07E9-4072-9661-8792FEF0CA75}"/>
               </a:ext>
             </a:extLst>
           </p:cNvPr>
@@ -3396,6 +6933,385 @@
           </a:prstGeom>
         </p:spPr>
       </p:pic>
+      <p:pic>
+        <p:nvPicPr>
+          <p:cNvPr id="7" name="그림 6">
+            <a:extLst>
+              <a:ext uri="{FF2B5EF4-FFF2-40B4-BE49-F238E27FC236}">
+                <a16:creationId xmlns:a16="http://schemas.microsoft.com/office/drawing/2014/main" xmlns="" id="{41E20EB0-07E9-4072-9661-8792FEF0CA75}"/>
+              </a:ext>
+            </a:extLst>
+          </p:cNvPr>
+          <p:cNvPicPr>
+            <a:picLocks noChangeAspect="1"/>
+          </p:cNvPicPr>
+          <p:nvPr/>
+        </p:nvPicPr>
+        <p:blipFill rotWithShape="1">
+          <a:blip r:embed="rId2"/>
+          <a:srcRect l="12132" t="17672" b="44519"/>
+          <a:stretch/>
+        </p:blipFill>
+        <p:spPr>
+          <a:xfrm>
+            <a:off x="1322295" y="2564904"/>
+            <a:ext cx="10174305" cy="2371328"/>
+          </a:xfrm>
+          <a:prstGeom prst="rect">
+            <a:avLst/>
+          </a:prstGeom>
+        </p:spPr>
+      </p:pic>
+      <p:sp>
+        <p:nvSpPr>
+          <p:cNvPr id="5" name="직사각형 4"/>
+          <p:cNvSpPr/>
+          <p:nvPr/>
+        </p:nvSpPr>
+        <p:spPr>
+          <a:xfrm>
+            <a:off x="1430745" y="3387889"/>
+            <a:ext cx="9900661" cy="1440160"/>
+          </a:xfrm>
+          <a:prstGeom prst="rect">
+            <a:avLst/>
+          </a:prstGeom>
+          <a:noFill/>
+          <a:ln w="38100">
+            <a:solidFill>
+              <a:srgbClr val="FF0000"/>
+            </a:solidFill>
+          </a:ln>
+        </p:spPr>
+        <p:style>
+          <a:lnRef idx="2">
+            <a:schemeClr val="accent1">
+              <a:shade val="50000"/>
+            </a:schemeClr>
+          </a:lnRef>
+          <a:fillRef idx="1">
+            <a:schemeClr val="accent1"/>
+          </a:fillRef>
+          <a:effectRef idx="0">
+            <a:schemeClr val="accent1"/>
+          </a:effectRef>
+          <a:fontRef idx="minor">
+            <a:schemeClr val="lt1"/>
+          </a:fontRef>
+        </p:style>
+        <p:txBody>
+          <a:bodyPr rot="0" spcFirstLastPara="0" vertOverflow="overflow" horzOverflow="overflow" vert="horz" wrap="square" lIns="91440" tIns="45720" rIns="91440" bIns="45720" numCol="1" spcCol="0" rtlCol="0" fromWordArt="0" anchor="ctr" anchorCtr="0" forceAA="0" compatLnSpc="1">
+            <a:prstTxWarp prst="textNoShape">
+              <a:avLst/>
+            </a:prstTxWarp>
+            <a:noAutofit/>
+          </a:bodyPr>
+          <a:lstStyle/>
+          <a:p>
+            <a:pPr algn="ctr"/>
+            <a:endParaRPr lang="ko-KR" altLang="en-US"/>
+          </a:p>
+        </p:txBody>
+      </p:sp>
+      <p:sp>
+        <p:nvSpPr>
+          <p:cNvPr id="8" name="TextBox 7">
+            <a:extLst>
+              <a:ext uri="{FF2B5EF4-FFF2-40B4-BE49-F238E27FC236}">
+                <a16:creationId xmlns:a16="http://schemas.microsoft.com/office/drawing/2014/main" xmlns="" id="{AEBA6E2B-4E08-4172-B1C3-D073279B670B}"/>
+              </a:ext>
+            </a:extLst>
+          </p:cNvPr>
+          <p:cNvSpPr txBox="1"/>
+          <p:nvPr/>
+        </p:nvSpPr>
+        <p:spPr>
+          <a:xfrm>
+            <a:off x="5210727" y="2739817"/>
+            <a:ext cx="2520280" cy="461665"/>
+          </a:xfrm>
+          <a:prstGeom prst="rect">
+            <a:avLst/>
+          </a:prstGeom>
+          <a:noFill/>
+        </p:spPr>
+        <p:txBody>
+          <a:bodyPr wrap="square" rtlCol="0">
+            <a:spAutoFit/>
+          </a:bodyPr>
+          <a:lstStyle/>
+          <a:p>
+            <a:pPr algn="ctr"/>
+            <a:r>
+              <a:rPr lang="ko-KR" altLang="en-US" sz="2400" smtClean="0">
+                <a:ln w="12700">
+                  <a:solidFill>
+                    <a:schemeClr val="accent1">
+                      <a:lumMod val="75000"/>
+                    </a:schemeClr>
+                  </a:solidFill>
+                </a:ln>
+                <a:solidFill>
+                  <a:schemeClr val="bg1"/>
+                </a:solidFill>
+                <a:latin typeface="고도 B" panose="02000503000000020004" pitchFamily="2" charset="-127"/>
+                <a:ea typeface="고도 B" panose="02000503000000020004" pitchFamily="2" charset="-127"/>
+              </a:rPr>
+              <a:t>관리자 간편 확인</a:t>
+            </a:r>
+            <a:endParaRPr lang="ko-KR" altLang="en-US" sz="2400" dirty="0">
+              <a:ln w="12700">
+                <a:solidFill>
+                  <a:schemeClr val="accent1">
+                    <a:lumMod val="75000"/>
+                  </a:schemeClr>
+                </a:solidFill>
+              </a:ln>
+              <a:solidFill>
+                <a:schemeClr val="bg1"/>
+              </a:solidFill>
+              <a:latin typeface="고도 B" panose="02000503000000020004" pitchFamily="2" charset="-127"/>
+              <a:ea typeface="고도 B" panose="02000503000000020004" pitchFamily="2" charset="-127"/>
+            </a:endParaRPr>
+          </a:p>
+        </p:txBody>
+      </p:sp>
+      <p:sp>
+        <p:nvSpPr>
+          <p:cNvPr id="10" name="TextBox 9">
+            <a:extLst>
+              <a:ext uri="{FF2B5EF4-FFF2-40B4-BE49-F238E27FC236}">
+                <a16:creationId xmlns:a16="http://schemas.microsoft.com/office/drawing/2014/main" xmlns="" id="{4F553B15-9ACE-40DD-907E-F8A78E827085}"/>
+              </a:ext>
+            </a:extLst>
+          </p:cNvPr>
+          <p:cNvSpPr txBox="1"/>
+          <p:nvPr/>
+        </p:nvSpPr>
+        <p:spPr>
+          <a:xfrm>
+            <a:off x="335360" y="6381328"/>
+            <a:ext cx="6984776" cy="400110"/>
+          </a:xfrm>
+          <a:prstGeom prst="rect">
+            <a:avLst/>
+          </a:prstGeom>
+          <a:noFill/>
+        </p:spPr>
+        <p:txBody>
+          <a:bodyPr wrap="square" rtlCol="0">
+            <a:spAutoFit/>
+          </a:bodyPr>
+          <a:lstStyle/>
+          <a:p>
+            <a:pPr algn="l"/>
+            <a:r>
+              <a:rPr lang="ko-KR" altLang="en-US" sz="1000" smtClean="0">
+                <a:solidFill>
+                  <a:schemeClr val="bg1"/>
+                </a:solidFill>
+                <a:latin typeface="고도 B" panose="02000503000000020004" pitchFamily="2" charset="-127"/>
+                <a:ea typeface="고도 B" panose="02000503000000020004" pitchFamily="2" charset="-127"/>
+              </a:rPr>
+              <a:t>모든 제품의 재고량</a:t>
+            </a:r>
+            <a:r>
+              <a:rPr lang="en-US" altLang="ko-KR" sz="1000" smtClean="0">
+                <a:solidFill>
+                  <a:schemeClr val="bg1"/>
+                </a:solidFill>
+                <a:latin typeface="고도 B" panose="02000503000000020004" pitchFamily="2" charset="-127"/>
+                <a:ea typeface="고도 B" panose="02000503000000020004" pitchFamily="2" charset="-127"/>
+              </a:rPr>
+              <a:t>, </a:t>
+            </a:r>
+            <a:r>
+              <a:rPr lang="ko-KR" altLang="en-US" sz="1000" smtClean="0">
+                <a:solidFill>
+                  <a:schemeClr val="bg1"/>
+                </a:solidFill>
+                <a:latin typeface="고도 B" panose="02000503000000020004" pitchFamily="2" charset="-127"/>
+                <a:ea typeface="고도 B" panose="02000503000000020004" pitchFamily="2" charset="-127"/>
+              </a:rPr>
+              <a:t>출고 대기 수량</a:t>
+            </a:r>
+            <a:r>
+              <a:rPr lang="en-US" altLang="ko-KR" sz="1000" smtClean="0">
+                <a:solidFill>
+                  <a:schemeClr val="bg1"/>
+                </a:solidFill>
+                <a:latin typeface="고도 B" panose="02000503000000020004" pitchFamily="2" charset="-127"/>
+                <a:ea typeface="고도 B" panose="02000503000000020004" pitchFamily="2" charset="-127"/>
+              </a:rPr>
+              <a:t>, </a:t>
+            </a:r>
+            <a:r>
+              <a:rPr lang="ko-KR" altLang="en-US" sz="1000" smtClean="0">
+                <a:solidFill>
+                  <a:schemeClr val="bg1"/>
+                </a:solidFill>
+                <a:latin typeface="고도 B" panose="02000503000000020004" pitchFamily="2" charset="-127"/>
+                <a:ea typeface="고도 B" panose="02000503000000020004" pitchFamily="2" charset="-127"/>
+              </a:rPr>
+              <a:t>입고 예정 수량을 확인 할 수 있고</a:t>
+            </a:r>
+            <a:r>
+              <a:rPr lang="en-US" altLang="ko-KR" sz="1000" smtClean="0">
+                <a:solidFill>
+                  <a:schemeClr val="bg1"/>
+                </a:solidFill>
+                <a:latin typeface="고도 B" panose="02000503000000020004" pitchFamily="2" charset="-127"/>
+                <a:ea typeface="고도 B" panose="02000503000000020004" pitchFamily="2" charset="-127"/>
+              </a:rPr>
+              <a:t>,</a:t>
+            </a:r>
+          </a:p>
+          <a:p>
+            <a:pPr algn="l"/>
+            <a:r>
+              <a:rPr lang="ko-KR" altLang="en-US" sz="1000" smtClean="0">
+                <a:solidFill>
+                  <a:schemeClr val="bg1"/>
+                </a:solidFill>
+                <a:latin typeface="고도 B" panose="02000503000000020004" pitchFamily="2" charset="-127"/>
+                <a:ea typeface="고도 B" panose="02000503000000020004" pitchFamily="2" charset="-127"/>
+              </a:rPr>
+              <a:t>검색창을 통해 원하는 제품을 찾아서 확인 할 수 있다</a:t>
+            </a:r>
+            <a:r>
+              <a:rPr lang="en-US" altLang="ko-KR" sz="1000" smtClean="0">
+                <a:solidFill>
+                  <a:schemeClr val="bg1"/>
+                </a:solidFill>
+                <a:latin typeface="고도 B" panose="02000503000000020004" pitchFamily="2" charset="-127"/>
+                <a:ea typeface="고도 B" panose="02000503000000020004" pitchFamily="2" charset="-127"/>
+              </a:rPr>
+              <a:t>. </a:t>
+            </a:r>
+            <a:endParaRPr lang="ko-KR" altLang="en-US" sz="1000" dirty="0">
+              <a:solidFill>
+                <a:schemeClr val="bg1"/>
+              </a:solidFill>
+              <a:latin typeface="고도 B" panose="02000503000000020004" pitchFamily="2" charset="-127"/>
+              <a:ea typeface="고도 B" panose="02000503000000020004" pitchFamily="2" charset="-127"/>
+            </a:endParaRPr>
+          </a:p>
+        </p:txBody>
+      </p:sp>
+      <p:sp>
+        <p:nvSpPr>
+          <p:cNvPr id="3" name="직사각형 2"/>
+          <p:cNvSpPr/>
+          <p:nvPr/>
+        </p:nvSpPr>
+        <p:spPr>
+          <a:xfrm>
+            <a:off x="9696400" y="3444240"/>
+            <a:ext cx="1635006" cy="306328"/>
+          </a:xfrm>
+          <a:prstGeom prst="rect">
+            <a:avLst/>
+          </a:prstGeom>
+          <a:noFill/>
+          <a:ln w="38100">
+            <a:solidFill>
+              <a:srgbClr val="FF0000"/>
+            </a:solidFill>
+          </a:ln>
+        </p:spPr>
+        <p:style>
+          <a:lnRef idx="2">
+            <a:schemeClr val="accent1">
+              <a:shade val="50000"/>
+            </a:schemeClr>
+          </a:lnRef>
+          <a:fillRef idx="1">
+            <a:schemeClr val="accent1"/>
+          </a:fillRef>
+          <a:effectRef idx="0">
+            <a:schemeClr val="accent1"/>
+          </a:effectRef>
+          <a:fontRef idx="minor">
+            <a:schemeClr val="lt1"/>
+          </a:fontRef>
+        </p:style>
+        <p:txBody>
+          <a:bodyPr rot="0" spcFirstLastPara="0" vertOverflow="overflow" horzOverflow="overflow" vert="horz" wrap="square" lIns="91440" tIns="45720" rIns="91440" bIns="45720" numCol="1" spcCol="0" rtlCol="0" fromWordArt="0" anchor="ctr" anchorCtr="0" forceAA="0" compatLnSpc="1">
+            <a:prstTxWarp prst="textNoShape">
+              <a:avLst/>
+            </a:prstTxWarp>
+            <a:noAutofit/>
+          </a:bodyPr>
+          <a:lstStyle/>
+          <a:p>
+            <a:pPr algn="ctr"/>
+            <a:endParaRPr lang="ko-KR" altLang="en-US"/>
+          </a:p>
+        </p:txBody>
+      </p:sp>
+      <p:sp>
+        <p:nvSpPr>
+          <p:cNvPr id="11" name="TextBox 10">
+            <a:extLst>
+              <a:ext uri="{FF2B5EF4-FFF2-40B4-BE49-F238E27FC236}">
+                <a16:creationId xmlns:a16="http://schemas.microsoft.com/office/drawing/2014/main" xmlns="" id="{AEBA6E2B-4E08-4172-B1C3-D073279B670B}"/>
+              </a:ext>
+            </a:extLst>
+          </p:cNvPr>
+          <p:cNvSpPr txBox="1"/>
+          <p:nvPr/>
+        </p:nvSpPr>
+        <p:spPr>
+          <a:xfrm>
+            <a:off x="7753253" y="2892215"/>
+            <a:ext cx="2520280" cy="461665"/>
+          </a:xfrm>
+          <a:prstGeom prst="rect">
+            <a:avLst/>
+          </a:prstGeom>
+          <a:noFill/>
+        </p:spPr>
+        <p:txBody>
+          <a:bodyPr wrap="square" rtlCol="0">
+            <a:spAutoFit/>
+          </a:bodyPr>
+          <a:lstStyle/>
+          <a:p>
+            <a:pPr algn="ctr"/>
+            <a:r>
+              <a:rPr lang="ko-KR" altLang="en-US" sz="2400" smtClean="0">
+                <a:ln w="12700">
+                  <a:solidFill>
+                    <a:schemeClr val="accent1">
+                      <a:lumMod val="75000"/>
+                    </a:schemeClr>
+                  </a:solidFill>
+                </a:ln>
+                <a:solidFill>
+                  <a:schemeClr val="bg1"/>
+                </a:solidFill>
+                <a:latin typeface="고도 B" panose="02000503000000020004" pitchFamily="2" charset="-127"/>
+                <a:ea typeface="고도 B" panose="02000503000000020004" pitchFamily="2" charset="-127"/>
+              </a:rPr>
+              <a:t>제품 검색 창</a:t>
+            </a:r>
+            <a:endParaRPr lang="ko-KR" altLang="en-US" sz="2400" dirty="0">
+              <a:ln w="12700">
+                <a:solidFill>
+                  <a:schemeClr val="accent1">
+                    <a:lumMod val="75000"/>
+                  </a:schemeClr>
+                </a:solidFill>
+              </a:ln>
+              <a:solidFill>
+                <a:schemeClr val="bg1"/>
+              </a:solidFill>
+              <a:latin typeface="고도 B" panose="02000503000000020004" pitchFamily="2" charset="-127"/>
+              <a:ea typeface="고도 B" panose="02000503000000020004" pitchFamily="2" charset="-127"/>
+            </a:endParaRPr>
+          </a:p>
+        </p:txBody>
+      </p:sp>
     </p:spTree>
     <p:extLst>
       <p:ext uri="{BB962C8B-B14F-4D97-AF65-F5344CB8AC3E}">
@@ -3406,6 +7322,325 @@
   <p:clrMapOvr>
     <a:masterClrMapping/>
   </p:clrMapOvr>
+  <p:timing>
+    <p:tnLst>
+      <p:par>
+        <p:cTn id="1" dur="indefinite" restart="never" nodeType="tmRoot">
+          <p:childTnLst>
+            <p:seq concurrent="1" nextAc="seek">
+              <p:cTn id="2" dur="indefinite" nodeType="mainSeq">
+                <p:childTnLst>
+                  <p:par>
+                    <p:cTn id="3" fill="hold">
+                      <p:stCondLst>
+                        <p:cond delay="indefinite"/>
+                      </p:stCondLst>
+                      <p:childTnLst>
+                        <p:par>
+                          <p:cTn id="4" fill="hold">
+                            <p:stCondLst>
+                              <p:cond delay="0"/>
+                            </p:stCondLst>
+                            <p:childTnLst>
+                              <p:par>
+                                <p:cTn id="5" presetID="10" presetClass="entr" presetSubtype="0" fill="hold" nodeType="clickEffect">
+                                  <p:stCondLst>
+                                    <p:cond delay="0"/>
+                                  </p:stCondLst>
+                                  <p:childTnLst>
+                                    <p:set>
+                                      <p:cBhvr>
+                                        <p:cTn id="6" dur="1" fill="hold">
+                                          <p:stCondLst>
+                                            <p:cond delay="0"/>
+                                          </p:stCondLst>
+                                        </p:cTn>
+                                        <p:tgtEl>
+                                          <p:spTgt spid="7"/>
+                                        </p:tgtEl>
+                                        <p:attrNameLst>
+                                          <p:attrName>style.visibility</p:attrName>
+                                        </p:attrNameLst>
+                                      </p:cBhvr>
+                                      <p:to>
+                                        <p:strVal val="visible"/>
+                                      </p:to>
+                                    </p:set>
+                                    <p:animEffect transition="in" filter="fade">
+                                      <p:cBhvr>
+                                        <p:cTn id="7" dur="500"/>
+                                        <p:tgtEl>
+                                          <p:spTgt spid="7"/>
+                                        </p:tgtEl>
+                                      </p:cBhvr>
+                                    </p:animEffect>
+                                  </p:childTnLst>
+                                </p:cTn>
+                              </p:par>
+                              <p:par>
+                                <p:cTn id="8" presetID="10" presetClass="entr" presetSubtype="0" fill="hold" grpId="0" nodeType="withEffect">
+                                  <p:stCondLst>
+                                    <p:cond delay="0"/>
+                                  </p:stCondLst>
+                                  <p:childTnLst>
+                                    <p:set>
+                                      <p:cBhvr>
+                                        <p:cTn id="9" dur="1" fill="hold">
+                                          <p:stCondLst>
+                                            <p:cond delay="0"/>
+                                          </p:stCondLst>
+                                        </p:cTn>
+                                        <p:tgtEl>
+                                          <p:spTgt spid="8"/>
+                                        </p:tgtEl>
+                                        <p:attrNameLst>
+                                          <p:attrName>style.visibility</p:attrName>
+                                        </p:attrNameLst>
+                                      </p:cBhvr>
+                                      <p:to>
+                                        <p:strVal val="visible"/>
+                                      </p:to>
+                                    </p:set>
+                                    <p:animEffect transition="in" filter="fade">
+                                      <p:cBhvr>
+                                        <p:cTn id="10" dur="500"/>
+                                        <p:tgtEl>
+                                          <p:spTgt spid="8"/>
+                                        </p:tgtEl>
+                                      </p:cBhvr>
+                                    </p:animEffect>
+                                  </p:childTnLst>
+                                </p:cTn>
+                              </p:par>
+                              <p:par>
+                                <p:cTn id="11" presetID="10" presetClass="entr" presetSubtype="0" fill="hold" grpId="0" nodeType="withEffect">
+                                  <p:stCondLst>
+                                    <p:cond delay="0"/>
+                                  </p:stCondLst>
+                                  <p:childTnLst>
+                                    <p:set>
+                                      <p:cBhvr>
+                                        <p:cTn id="12" dur="1" fill="hold">
+                                          <p:stCondLst>
+                                            <p:cond delay="0"/>
+                                          </p:stCondLst>
+                                        </p:cTn>
+                                        <p:tgtEl>
+                                          <p:spTgt spid="5"/>
+                                        </p:tgtEl>
+                                        <p:attrNameLst>
+                                          <p:attrName>style.visibility</p:attrName>
+                                        </p:attrNameLst>
+                                      </p:cBhvr>
+                                      <p:to>
+                                        <p:strVal val="visible"/>
+                                      </p:to>
+                                    </p:set>
+                                    <p:animEffect transition="in" filter="fade">
+                                      <p:cBhvr>
+                                        <p:cTn id="13" dur="500"/>
+                                        <p:tgtEl>
+                                          <p:spTgt spid="5"/>
+                                        </p:tgtEl>
+                                      </p:cBhvr>
+                                    </p:animEffect>
+                                  </p:childTnLst>
+                                </p:cTn>
+                              </p:par>
+                            </p:childTnLst>
+                          </p:cTn>
+                        </p:par>
+                      </p:childTnLst>
+                    </p:cTn>
+                  </p:par>
+                  <p:par>
+                    <p:cTn id="14" fill="hold">
+                      <p:stCondLst>
+                        <p:cond delay="indefinite"/>
+                      </p:stCondLst>
+                      <p:childTnLst>
+                        <p:par>
+                          <p:cTn id="15" fill="hold">
+                            <p:stCondLst>
+                              <p:cond delay="0"/>
+                            </p:stCondLst>
+                            <p:childTnLst>
+                              <p:par>
+                                <p:cTn id="16" presetID="10" presetClass="exit" presetSubtype="0" fill="hold" grpId="1" nodeType="clickEffect">
+                                  <p:stCondLst>
+                                    <p:cond delay="0"/>
+                                  </p:stCondLst>
+                                  <p:childTnLst>
+                                    <p:animEffect transition="out" filter="fade">
+                                      <p:cBhvr>
+                                        <p:cTn id="17" dur="500"/>
+                                        <p:tgtEl>
+                                          <p:spTgt spid="8"/>
+                                        </p:tgtEl>
+                                      </p:cBhvr>
+                                    </p:animEffect>
+                                    <p:set>
+                                      <p:cBhvr>
+                                        <p:cTn id="18" dur="1" fill="hold">
+                                          <p:stCondLst>
+                                            <p:cond delay="499"/>
+                                          </p:stCondLst>
+                                        </p:cTn>
+                                        <p:tgtEl>
+                                          <p:spTgt spid="8"/>
+                                        </p:tgtEl>
+                                        <p:attrNameLst>
+                                          <p:attrName>style.visibility</p:attrName>
+                                        </p:attrNameLst>
+                                      </p:cBhvr>
+                                      <p:to>
+                                        <p:strVal val="hidden"/>
+                                      </p:to>
+                                    </p:set>
+                                  </p:childTnLst>
+                                </p:cTn>
+                              </p:par>
+                              <p:par>
+                                <p:cTn id="19" presetID="10" presetClass="exit" presetSubtype="0" fill="hold" grpId="1" nodeType="withEffect">
+                                  <p:stCondLst>
+                                    <p:cond delay="0"/>
+                                  </p:stCondLst>
+                                  <p:childTnLst>
+                                    <p:animEffect transition="out" filter="fade">
+                                      <p:cBhvr>
+                                        <p:cTn id="20" dur="500"/>
+                                        <p:tgtEl>
+                                          <p:spTgt spid="5"/>
+                                        </p:tgtEl>
+                                      </p:cBhvr>
+                                    </p:animEffect>
+                                    <p:set>
+                                      <p:cBhvr>
+                                        <p:cTn id="21" dur="1" fill="hold">
+                                          <p:stCondLst>
+                                            <p:cond delay="499"/>
+                                          </p:stCondLst>
+                                        </p:cTn>
+                                        <p:tgtEl>
+                                          <p:spTgt spid="5"/>
+                                        </p:tgtEl>
+                                        <p:attrNameLst>
+                                          <p:attrName>style.visibility</p:attrName>
+                                        </p:attrNameLst>
+                                      </p:cBhvr>
+                                      <p:to>
+                                        <p:strVal val="hidden"/>
+                                      </p:to>
+                                    </p:set>
+                                  </p:childTnLst>
+                                </p:cTn>
+                              </p:par>
+                              <p:par>
+                                <p:cTn id="22" presetID="10" presetClass="entr" presetSubtype="0" fill="hold" grpId="0" nodeType="withEffect">
+                                  <p:stCondLst>
+                                    <p:cond delay="0"/>
+                                  </p:stCondLst>
+                                  <p:childTnLst>
+                                    <p:set>
+                                      <p:cBhvr>
+                                        <p:cTn id="23" dur="1" fill="hold">
+                                          <p:stCondLst>
+                                            <p:cond delay="0"/>
+                                          </p:stCondLst>
+                                        </p:cTn>
+                                        <p:tgtEl>
+                                          <p:spTgt spid="3"/>
+                                        </p:tgtEl>
+                                        <p:attrNameLst>
+                                          <p:attrName>style.visibility</p:attrName>
+                                        </p:attrNameLst>
+                                      </p:cBhvr>
+                                      <p:to>
+                                        <p:strVal val="visible"/>
+                                      </p:to>
+                                    </p:set>
+                                    <p:animEffect transition="in" filter="fade">
+                                      <p:cBhvr>
+                                        <p:cTn id="24" dur="500"/>
+                                        <p:tgtEl>
+                                          <p:spTgt spid="3"/>
+                                        </p:tgtEl>
+                                      </p:cBhvr>
+                                    </p:animEffect>
+                                  </p:childTnLst>
+                                </p:cTn>
+                              </p:par>
+                              <p:par>
+                                <p:cTn id="25" presetID="10" presetClass="entr" presetSubtype="0" fill="hold" grpId="0" nodeType="withEffect">
+                                  <p:stCondLst>
+                                    <p:cond delay="0"/>
+                                  </p:stCondLst>
+                                  <p:childTnLst>
+                                    <p:set>
+                                      <p:cBhvr>
+                                        <p:cTn id="26" dur="1" fill="hold">
+                                          <p:stCondLst>
+                                            <p:cond delay="0"/>
+                                          </p:stCondLst>
+                                        </p:cTn>
+                                        <p:tgtEl>
+                                          <p:spTgt spid="11"/>
+                                        </p:tgtEl>
+                                        <p:attrNameLst>
+                                          <p:attrName>style.visibility</p:attrName>
+                                        </p:attrNameLst>
+                                      </p:cBhvr>
+                                      <p:to>
+                                        <p:strVal val="visible"/>
+                                      </p:to>
+                                    </p:set>
+                                    <p:animEffect transition="in" filter="fade">
+                                      <p:cBhvr>
+                                        <p:cTn id="27" dur="500"/>
+                                        <p:tgtEl>
+                                          <p:spTgt spid="11"/>
+                                        </p:tgtEl>
+                                      </p:cBhvr>
+                                    </p:animEffect>
+                                  </p:childTnLst>
+                                </p:cTn>
+                              </p:par>
+                            </p:childTnLst>
+                          </p:cTn>
+                        </p:par>
+                      </p:childTnLst>
+                    </p:cTn>
+                  </p:par>
+                </p:childTnLst>
+              </p:cTn>
+              <p:prevCondLst>
+                <p:cond evt="onPrev" delay="0">
+                  <p:tgtEl>
+                    <p:sldTgt/>
+                  </p:tgtEl>
+                </p:cond>
+              </p:prevCondLst>
+              <p:nextCondLst>
+                <p:cond evt="onNext" delay="0">
+                  <p:tgtEl>
+                    <p:sldTgt/>
+                  </p:tgtEl>
+                </p:cond>
+              </p:nextCondLst>
+            </p:seq>
+          </p:childTnLst>
+        </p:cTn>
+      </p:par>
+    </p:tnLst>
+    <p:bldLst>
+      <p:bldP spid="5" grpId="0" animBg="1"/>
+      <p:bldP spid="5" grpId="1" animBg="1"/>
+      <p:bldP spid="8" grpId="0"/>
+      <p:bldP spid="8" grpId="1"/>
+      <p:bldP spid="3" grpId="0" animBg="1"/>
+      <p:bldP spid="11" grpId="0"/>
+    </p:bldLst>
+  </p:timing>
 </p:sld>
 </file>
 
@@ -3442,7 +7677,7 @@
           <p:cNvPr id="6" name="슬라이드 번호 개체 틀 5">
             <a:extLst>
               <a:ext uri="{FF2B5EF4-FFF2-40B4-BE49-F238E27FC236}">
-                <a16:creationId xmlns:a16="http://schemas.microsoft.com/office/drawing/2014/main" id="{D07836A0-38B7-45E1-B6C1-6BEEAC42BA58}"/>
+                <a16:creationId xmlns:a16="http://schemas.microsoft.com/office/drawing/2014/main" xmlns="" id="{D07836A0-38B7-45E1-B6C1-6BEEAC42BA58}"/>
               </a:ext>
             </a:extLst>
           </p:cNvPr>
@@ -3472,7 +7707,7 @@
           <p:cNvPr id="9" name="TextBox 8">
             <a:extLst>
               <a:ext uri="{FF2B5EF4-FFF2-40B4-BE49-F238E27FC236}">
-                <a16:creationId xmlns:a16="http://schemas.microsoft.com/office/drawing/2014/main" id="{5D8B5EC4-A12D-4385-8680-5D64041688E4}"/>
+                <a16:creationId xmlns:a16="http://schemas.microsoft.com/office/drawing/2014/main" xmlns="" id="{5D8B5EC4-A12D-4385-8680-5D64041688E4}"/>
               </a:ext>
             </a:extLst>
           </p:cNvPr>
@@ -3563,7 +7798,7 @@
           <p:cNvPr id="3" name="그림 2">
             <a:extLst>
               <a:ext uri="{FF2B5EF4-FFF2-40B4-BE49-F238E27FC236}">
-                <a16:creationId xmlns:a16="http://schemas.microsoft.com/office/drawing/2014/main" id="{0BE2D8F4-39EB-48B3-96D9-737A7F00CA59}"/>
+                <a16:creationId xmlns:a16="http://schemas.microsoft.com/office/drawing/2014/main" xmlns="" id="{0BE2D8F4-39EB-48B3-96D9-737A7F00CA59}"/>
               </a:ext>
             </a:extLst>
           </p:cNvPr>
@@ -3588,6 +7823,192 @@
           </a:prstGeom>
         </p:spPr>
       </p:pic>
+      <p:pic>
+        <p:nvPicPr>
+          <p:cNvPr id="5" name="그림 4">
+            <a:extLst>
+              <a:ext uri="{FF2B5EF4-FFF2-40B4-BE49-F238E27FC236}">
+                <a16:creationId xmlns:a16="http://schemas.microsoft.com/office/drawing/2014/main" xmlns="" id="{0BE2D8F4-39EB-48B3-96D9-737A7F00CA59}"/>
+              </a:ext>
+            </a:extLst>
+          </p:cNvPr>
+          <p:cNvPicPr>
+            <a:picLocks noChangeAspect="1"/>
+          </p:cNvPicPr>
+          <p:nvPr/>
+        </p:nvPicPr>
+        <p:blipFill rotWithShape="1">
+          <a:blip r:embed="rId2"/>
+          <a:srcRect l="11995" t="17672" b="43504"/>
+          <a:stretch/>
+        </p:blipFill>
+        <p:spPr>
+          <a:xfrm>
+            <a:off x="1559496" y="3068960"/>
+            <a:ext cx="9923807" cy="2371328"/>
+          </a:xfrm>
+          <a:prstGeom prst="rect">
+            <a:avLst/>
+          </a:prstGeom>
+        </p:spPr>
+      </p:pic>
+      <p:sp>
+        <p:nvSpPr>
+          <p:cNvPr id="2" name="직사각형 1"/>
+          <p:cNvSpPr/>
+          <p:nvPr/>
+        </p:nvSpPr>
+        <p:spPr>
+          <a:xfrm>
+            <a:off x="1703512" y="3933056"/>
+            <a:ext cx="9577064" cy="1296144"/>
+          </a:xfrm>
+          <a:prstGeom prst="rect">
+            <a:avLst/>
+          </a:prstGeom>
+          <a:noFill/>
+          <a:ln w="38100">
+            <a:solidFill>
+              <a:srgbClr val="FF0000"/>
+            </a:solidFill>
+          </a:ln>
+        </p:spPr>
+        <p:style>
+          <a:lnRef idx="2">
+            <a:schemeClr val="accent1">
+              <a:shade val="50000"/>
+            </a:schemeClr>
+          </a:lnRef>
+          <a:fillRef idx="1">
+            <a:schemeClr val="accent1"/>
+          </a:fillRef>
+          <a:effectRef idx="0">
+            <a:schemeClr val="accent1"/>
+          </a:effectRef>
+          <a:fontRef idx="minor">
+            <a:schemeClr val="lt1"/>
+          </a:fontRef>
+        </p:style>
+        <p:txBody>
+          <a:bodyPr rot="0" spcFirstLastPara="0" vertOverflow="overflow" horzOverflow="overflow" vert="horz" wrap="square" lIns="91440" tIns="45720" rIns="91440" bIns="45720" numCol="1" spcCol="0" rtlCol="0" fromWordArt="0" anchor="ctr" anchorCtr="0" forceAA="0" compatLnSpc="1">
+            <a:prstTxWarp prst="textNoShape">
+              <a:avLst/>
+            </a:prstTxWarp>
+            <a:noAutofit/>
+          </a:bodyPr>
+          <a:lstStyle/>
+          <a:p>
+            <a:pPr algn="ctr"/>
+            <a:endParaRPr lang="ko-KR" altLang="en-US"/>
+          </a:p>
+        </p:txBody>
+      </p:sp>
+      <p:sp>
+        <p:nvSpPr>
+          <p:cNvPr id="4" name="TextBox 3"/>
+          <p:cNvSpPr txBox="1"/>
+          <p:nvPr/>
+        </p:nvSpPr>
+        <p:spPr>
+          <a:xfrm>
+            <a:off x="4973227" y="3261304"/>
+            <a:ext cx="3096344" cy="461665"/>
+          </a:xfrm>
+          <a:prstGeom prst="rect">
+            <a:avLst/>
+          </a:prstGeom>
+          <a:noFill/>
+        </p:spPr>
+        <p:txBody>
+          <a:bodyPr wrap="square" rtlCol="0">
+            <a:spAutoFit/>
+          </a:bodyPr>
+          <a:lstStyle/>
+          <a:p>
+            <a:pPr algn="ctr"/>
+            <a:r>
+              <a:rPr lang="ko-KR" altLang="en-US" sz="2400" smtClean="0">
+                <a:ln w="12700">
+                  <a:solidFill>
+                    <a:schemeClr val="accent1">
+                      <a:lumMod val="75000"/>
+                    </a:schemeClr>
+                  </a:solidFill>
+                </a:ln>
+                <a:solidFill>
+                  <a:schemeClr val="bg1"/>
+                </a:solidFill>
+                <a:latin typeface="고도 B" panose="02000503000000020004" pitchFamily="2" charset="-127"/>
+                <a:ea typeface="고도 B" panose="02000503000000020004" pitchFamily="2" charset="-127"/>
+              </a:rPr>
+              <a:t>월별 제품 판매 내역</a:t>
+            </a:r>
+            <a:endParaRPr lang="ko-KR" altLang="en-US" sz="2400" dirty="0" smtClean="0">
+              <a:ln w="12700">
+                <a:solidFill>
+                  <a:schemeClr val="accent1">
+                    <a:lumMod val="75000"/>
+                  </a:schemeClr>
+                </a:solidFill>
+              </a:ln>
+              <a:solidFill>
+                <a:schemeClr val="bg1"/>
+              </a:solidFill>
+              <a:latin typeface="고도 B" panose="02000503000000020004" pitchFamily="2" charset="-127"/>
+              <a:ea typeface="고도 B" panose="02000503000000020004" pitchFamily="2" charset="-127"/>
+            </a:endParaRPr>
+          </a:p>
+        </p:txBody>
+      </p:sp>
+      <p:sp>
+        <p:nvSpPr>
+          <p:cNvPr id="8" name="TextBox 7">
+            <a:extLst>
+              <a:ext uri="{FF2B5EF4-FFF2-40B4-BE49-F238E27FC236}">
+                <a16:creationId xmlns:a16="http://schemas.microsoft.com/office/drawing/2014/main" xmlns="" id="{4F553B15-9ACE-40DD-907E-F8A78E827085}"/>
+              </a:ext>
+            </a:extLst>
+          </p:cNvPr>
+          <p:cNvSpPr txBox="1"/>
+          <p:nvPr/>
+        </p:nvSpPr>
+        <p:spPr>
+          <a:xfrm>
+            <a:off x="335360" y="6381328"/>
+            <a:ext cx="6984776" cy="246221"/>
+          </a:xfrm>
+          <a:prstGeom prst="rect">
+            <a:avLst/>
+          </a:prstGeom>
+          <a:noFill/>
+        </p:spPr>
+        <p:txBody>
+          <a:bodyPr wrap="square" rtlCol="0">
+            <a:spAutoFit/>
+          </a:bodyPr>
+          <a:lstStyle/>
+          <a:p>
+            <a:pPr algn="l"/>
+            <a:r>
+              <a:rPr lang="ko-KR" altLang="en-US" sz="1000" smtClean="0">
+                <a:solidFill>
+                  <a:schemeClr val="bg1"/>
+                </a:solidFill>
+                <a:latin typeface="고도 B" panose="02000503000000020004" pitchFamily="2" charset="-127"/>
+                <a:ea typeface="고도 B" panose="02000503000000020004" pitchFamily="2" charset="-127"/>
+              </a:rPr>
+              <a:t>창고에서 어떤 제품이 많이 나가는지 확인 할 수 있도록 월별 제품 판매 내역을 활용</a:t>
+            </a:r>
+            <a:endParaRPr lang="ko-KR" altLang="en-US" sz="1000" dirty="0">
+              <a:solidFill>
+                <a:schemeClr val="bg1"/>
+              </a:solidFill>
+              <a:latin typeface="고도 B" panose="02000503000000020004" pitchFamily="2" charset="-127"/>
+              <a:ea typeface="고도 B" panose="02000503000000020004" pitchFamily="2" charset="-127"/>
+            </a:endParaRPr>
+          </a:p>
+        </p:txBody>
+      </p:sp>
     </p:spTree>
     <p:extLst>
       <p:ext uri="{BB962C8B-B14F-4D97-AF65-F5344CB8AC3E}">
@@ -3598,6 +8019,163 @@
   <p:clrMapOvr>
     <a:masterClrMapping/>
   </p:clrMapOvr>
+  <p:timing>
+    <p:tnLst>
+      <p:par>
+        <p:cTn id="1" dur="indefinite" restart="never" nodeType="tmRoot">
+          <p:childTnLst>
+            <p:seq concurrent="1" nextAc="seek">
+              <p:cTn id="2" dur="indefinite" nodeType="mainSeq">
+                <p:childTnLst>
+                  <p:par>
+                    <p:cTn id="3" fill="hold">
+                      <p:stCondLst>
+                        <p:cond delay="indefinite"/>
+                      </p:stCondLst>
+                      <p:childTnLst>
+                        <p:par>
+                          <p:cTn id="4" fill="hold">
+                            <p:stCondLst>
+                              <p:cond delay="0"/>
+                            </p:stCondLst>
+                            <p:childTnLst>
+                              <p:par>
+                                <p:cTn id="5" presetID="10" presetClass="entr" presetSubtype="0" fill="hold" nodeType="clickEffect">
+                                  <p:stCondLst>
+                                    <p:cond delay="0"/>
+                                  </p:stCondLst>
+                                  <p:childTnLst>
+                                    <p:set>
+                                      <p:cBhvr>
+                                        <p:cTn id="6" dur="1" fill="hold">
+                                          <p:stCondLst>
+                                            <p:cond delay="0"/>
+                                          </p:stCondLst>
+                                        </p:cTn>
+                                        <p:tgtEl>
+                                          <p:spTgt spid="5"/>
+                                        </p:tgtEl>
+                                        <p:attrNameLst>
+                                          <p:attrName>style.visibility</p:attrName>
+                                        </p:attrNameLst>
+                                      </p:cBhvr>
+                                      <p:to>
+                                        <p:strVal val="visible"/>
+                                      </p:to>
+                                    </p:set>
+                                    <p:animEffect transition="in" filter="fade">
+                                      <p:cBhvr>
+                                        <p:cTn id="7" dur="500"/>
+                                        <p:tgtEl>
+                                          <p:spTgt spid="5"/>
+                                        </p:tgtEl>
+                                      </p:cBhvr>
+                                    </p:animEffect>
+                                  </p:childTnLst>
+                                </p:cTn>
+                              </p:par>
+                              <p:par>
+                                <p:cTn id="8" presetID="10" presetClass="entr" presetSubtype="0" fill="hold" grpId="0" nodeType="withEffect">
+                                  <p:stCondLst>
+                                    <p:cond delay="0"/>
+                                  </p:stCondLst>
+                                  <p:childTnLst>
+                                    <p:set>
+                                      <p:cBhvr>
+                                        <p:cTn id="9" dur="1" fill="hold">
+                                          <p:stCondLst>
+                                            <p:cond delay="0"/>
+                                          </p:stCondLst>
+                                        </p:cTn>
+                                        <p:tgtEl>
+                                          <p:spTgt spid="2"/>
+                                        </p:tgtEl>
+                                        <p:attrNameLst>
+                                          <p:attrName>style.visibility</p:attrName>
+                                        </p:attrNameLst>
+                                      </p:cBhvr>
+                                      <p:to>
+                                        <p:strVal val="visible"/>
+                                      </p:to>
+                                    </p:set>
+                                    <p:animEffect transition="in" filter="fade">
+                                      <p:cBhvr>
+                                        <p:cTn id="10" dur="500"/>
+                                        <p:tgtEl>
+                                          <p:spTgt spid="2"/>
+                                        </p:tgtEl>
+                                      </p:cBhvr>
+                                    </p:animEffect>
+                                  </p:childTnLst>
+                                </p:cTn>
+                              </p:par>
+                              <p:par>
+                                <p:cTn id="11" presetID="10" presetClass="entr" presetSubtype="0" fill="hold" grpId="0" nodeType="withEffect">
+                                  <p:stCondLst>
+                                    <p:cond delay="0"/>
+                                  </p:stCondLst>
+                                  <p:childTnLst>
+                                    <p:set>
+                                      <p:cBhvr>
+                                        <p:cTn id="12" dur="1" fill="hold">
+                                          <p:stCondLst>
+                                            <p:cond delay="0"/>
+                                          </p:stCondLst>
+                                        </p:cTn>
+                                        <p:tgtEl>
+                                          <p:spTgt spid="4"/>
+                                        </p:tgtEl>
+                                        <p:attrNameLst>
+                                          <p:attrName>style.visibility</p:attrName>
+                                        </p:attrNameLst>
+                                      </p:cBhvr>
+                                      <p:to>
+                                        <p:strVal val="visible"/>
+                                      </p:to>
+                                    </p:set>
+                                    <p:animEffect transition="in" filter="fade">
+                                      <p:cBhvr>
+                                        <p:cTn id="13" dur="500"/>
+                                        <p:tgtEl>
+                                          <p:spTgt spid="4"/>
+                                        </p:tgtEl>
+                                      </p:cBhvr>
+                                    </p:animEffect>
+                                  </p:childTnLst>
+                                </p:cTn>
+                              </p:par>
+                            </p:childTnLst>
+                          </p:cTn>
+                        </p:par>
+                      </p:childTnLst>
+                    </p:cTn>
+                  </p:par>
+                </p:childTnLst>
+              </p:cTn>
+              <p:prevCondLst>
+                <p:cond evt="onPrev" delay="0">
+                  <p:tgtEl>
+                    <p:sldTgt/>
+                  </p:tgtEl>
+                </p:cond>
+              </p:prevCondLst>
+              <p:nextCondLst>
+                <p:cond evt="onNext" delay="0">
+                  <p:tgtEl>
+                    <p:sldTgt/>
+                  </p:tgtEl>
+                </p:cond>
+              </p:nextCondLst>
+            </p:seq>
+          </p:childTnLst>
+        </p:cTn>
+      </p:par>
+    </p:tnLst>
+    <p:bldLst>
+      <p:bldP spid="2" grpId="0" animBg="1"/>
+      <p:bldP spid="4" grpId="0"/>
+    </p:bldLst>
+  </p:timing>
 </p:sld>
 </file>
 
@@ -3634,7 +8212,7 @@
           <p:cNvPr id="6" name="슬라이드 번호 개체 틀 5">
             <a:extLst>
               <a:ext uri="{FF2B5EF4-FFF2-40B4-BE49-F238E27FC236}">
-                <a16:creationId xmlns:a16="http://schemas.microsoft.com/office/drawing/2014/main" id="{D07836A0-38B7-45E1-B6C1-6BEEAC42BA58}"/>
+                <a16:creationId xmlns:a16="http://schemas.microsoft.com/office/drawing/2014/main" xmlns="" id="{D07836A0-38B7-45E1-B6C1-6BEEAC42BA58}"/>
               </a:ext>
             </a:extLst>
           </p:cNvPr>
@@ -3664,7 +8242,7 @@
           <p:cNvPr id="9" name="TextBox 8">
             <a:extLst>
               <a:ext uri="{FF2B5EF4-FFF2-40B4-BE49-F238E27FC236}">
-                <a16:creationId xmlns:a16="http://schemas.microsoft.com/office/drawing/2014/main" id="{5D8B5EC4-A12D-4385-8680-5D64041688E4}"/>
+                <a16:creationId xmlns:a16="http://schemas.microsoft.com/office/drawing/2014/main" xmlns="" id="{5D8B5EC4-A12D-4385-8680-5D64041688E4}"/>
               </a:ext>
             </a:extLst>
           </p:cNvPr>
@@ -3755,7 +8333,7 @@
           <p:cNvPr id="3" name="그림 2">
             <a:extLst>
               <a:ext uri="{FF2B5EF4-FFF2-40B4-BE49-F238E27FC236}">
-                <a16:creationId xmlns:a16="http://schemas.microsoft.com/office/drawing/2014/main" id="{24668C20-734D-4A70-BB34-5C69ED98B0BD}"/>
+                <a16:creationId xmlns:a16="http://schemas.microsoft.com/office/drawing/2014/main" xmlns="" id="{24668C20-734D-4A70-BB34-5C69ED98B0BD}"/>
               </a:ext>
             </a:extLst>
           </p:cNvPr>
@@ -3780,6 +8358,192 @@
           </a:prstGeom>
         </p:spPr>
       </p:pic>
+      <p:pic>
+        <p:nvPicPr>
+          <p:cNvPr id="5" name="그림 4">
+            <a:extLst>
+              <a:ext uri="{FF2B5EF4-FFF2-40B4-BE49-F238E27FC236}">
+                <a16:creationId xmlns:a16="http://schemas.microsoft.com/office/drawing/2014/main" xmlns="" id="{24668C20-734D-4A70-BB34-5C69ED98B0BD}"/>
+              </a:ext>
+            </a:extLst>
+          </p:cNvPr>
+          <p:cNvPicPr>
+            <a:picLocks noChangeAspect="1"/>
+          </p:cNvPicPr>
+          <p:nvPr/>
+        </p:nvPicPr>
+        <p:blipFill rotWithShape="1">
+          <a:blip r:embed="rId2"/>
+          <a:srcRect l="11857" t="17926" b="43504"/>
+          <a:stretch/>
+        </p:blipFill>
+        <p:spPr>
+          <a:xfrm>
+            <a:off x="1559496" y="3383395"/>
+            <a:ext cx="9958770" cy="2360442"/>
+          </a:xfrm>
+          <a:prstGeom prst="rect">
+            <a:avLst/>
+          </a:prstGeom>
+        </p:spPr>
+      </p:pic>
+      <p:sp>
+        <p:nvSpPr>
+          <p:cNvPr id="7" name="직사각형 6"/>
+          <p:cNvSpPr/>
+          <p:nvPr/>
+        </p:nvSpPr>
+        <p:spPr>
+          <a:xfrm>
+            <a:off x="1703512" y="4221088"/>
+            <a:ext cx="9649072" cy="1296144"/>
+          </a:xfrm>
+          <a:prstGeom prst="rect">
+            <a:avLst/>
+          </a:prstGeom>
+          <a:noFill/>
+          <a:ln w="38100">
+            <a:solidFill>
+              <a:srgbClr val="FF0000"/>
+            </a:solidFill>
+          </a:ln>
+        </p:spPr>
+        <p:style>
+          <a:lnRef idx="2">
+            <a:schemeClr val="accent1">
+              <a:shade val="50000"/>
+            </a:schemeClr>
+          </a:lnRef>
+          <a:fillRef idx="1">
+            <a:schemeClr val="accent1"/>
+          </a:fillRef>
+          <a:effectRef idx="0">
+            <a:schemeClr val="accent1"/>
+          </a:effectRef>
+          <a:fontRef idx="minor">
+            <a:schemeClr val="lt1"/>
+          </a:fontRef>
+        </p:style>
+        <p:txBody>
+          <a:bodyPr rot="0" spcFirstLastPara="0" vertOverflow="overflow" horzOverflow="overflow" vert="horz" wrap="square" lIns="91440" tIns="45720" rIns="91440" bIns="45720" numCol="1" spcCol="0" rtlCol="0" fromWordArt="0" anchor="ctr" anchorCtr="0" forceAA="0" compatLnSpc="1">
+            <a:prstTxWarp prst="textNoShape">
+              <a:avLst/>
+            </a:prstTxWarp>
+            <a:noAutofit/>
+          </a:bodyPr>
+          <a:lstStyle/>
+          <a:p>
+            <a:pPr algn="ctr"/>
+            <a:endParaRPr lang="ko-KR" altLang="en-US"/>
+          </a:p>
+        </p:txBody>
+      </p:sp>
+      <p:sp>
+        <p:nvSpPr>
+          <p:cNvPr id="8" name="TextBox 7"/>
+          <p:cNvSpPr txBox="1"/>
+          <p:nvPr/>
+        </p:nvSpPr>
+        <p:spPr>
+          <a:xfrm>
+            <a:off x="4979068" y="3645024"/>
+            <a:ext cx="3119625" cy="461665"/>
+          </a:xfrm>
+          <a:prstGeom prst="rect">
+            <a:avLst/>
+          </a:prstGeom>
+          <a:noFill/>
+        </p:spPr>
+        <p:txBody>
+          <a:bodyPr wrap="square" rtlCol="0">
+            <a:spAutoFit/>
+          </a:bodyPr>
+          <a:lstStyle/>
+          <a:p>
+            <a:pPr algn="ctr"/>
+            <a:r>
+              <a:rPr lang="ko-KR" altLang="en-US" sz="2400" smtClean="0">
+                <a:ln w="12700">
+                  <a:solidFill>
+                    <a:schemeClr val="accent1">
+                      <a:lumMod val="75000"/>
+                    </a:schemeClr>
+                  </a:solidFill>
+                </a:ln>
+                <a:solidFill>
+                  <a:schemeClr val="bg1"/>
+                </a:solidFill>
+                <a:latin typeface="고도 B" panose="02000503000000020004" pitchFamily="2" charset="-127"/>
+                <a:ea typeface="고도 B" panose="02000503000000020004" pitchFamily="2" charset="-127"/>
+              </a:rPr>
+              <a:t>월별 운송 내역</a:t>
+            </a:r>
+            <a:endParaRPr lang="ko-KR" altLang="en-US" sz="2400" dirty="0" smtClean="0">
+              <a:ln w="12700">
+                <a:solidFill>
+                  <a:schemeClr val="accent1">
+                    <a:lumMod val="75000"/>
+                  </a:schemeClr>
+                </a:solidFill>
+              </a:ln>
+              <a:solidFill>
+                <a:schemeClr val="bg1"/>
+              </a:solidFill>
+              <a:latin typeface="고도 B" panose="02000503000000020004" pitchFamily="2" charset="-127"/>
+              <a:ea typeface="고도 B" panose="02000503000000020004" pitchFamily="2" charset="-127"/>
+            </a:endParaRPr>
+          </a:p>
+        </p:txBody>
+      </p:sp>
+      <p:sp>
+        <p:nvSpPr>
+          <p:cNvPr id="10" name="TextBox 9">
+            <a:extLst>
+              <a:ext uri="{FF2B5EF4-FFF2-40B4-BE49-F238E27FC236}">
+                <a16:creationId xmlns:a16="http://schemas.microsoft.com/office/drawing/2014/main" xmlns="" id="{4F553B15-9ACE-40DD-907E-F8A78E827085}"/>
+              </a:ext>
+            </a:extLst>
+          </p:cNvPr>
+          <p:cNvSpPr txBox="1"/>
+          <p:nvPr/>
+        </p:nvSpPr>
+        <p:spPr>
+          <a:xfrm>
+            <a:off x="335360" y="6381328"/>
+            <a:ext cx="6984776" cy="246221"/>
+          </a:xfrm>
+          <a:prstGeom prst="rect">
+            <a:avLst/>
+          </a:prstGeom>
+          <a:noFill/>
+        </p:spPr>
+        <p:txBody>
+          <a:bodyPr wrap="square" rtlCol="0">
+            <a:spAutoFit/>
+          </a:bodyPr>
+          <a:lstStyle/>
+          <a:p>
+            <a:pPr algn="l"/>
+            <a:r>
+              <a:rPr lang="ko-KR" altLang="en-US" sz="1000" smtClean="0">
+                <a:solidFill>
+                  <a:schemeClr val="bg1"/>
+                </a:solidFill>
+                <a:latin typeface="고도 B" panose="02000503000000020004" pitchFamily="2" charset="-127"/>
+                <a:ea typeface="고도 B" panose="02000503000000020004" pitchFamily="2" charset="-127"/>
+              </a:rPr>
+              <a:t>어떤 지역에서 주문을 많이 하는지 확인하기 위해 월별 운송내역 활용</a:t>
+            </a:r>
+            <a:endParaRPr lang="ko-KR" altLang="en-US" sz="1000" dirty="0">
+              <a:solidFill>
+                <a:schemeClr val="bg1"/>
+              </a:solidFill>
+              <a:latin typeface="고도 B" panose="02000503000000020004" pitchFamily="2" charset="-127"/>
+              <a:ea typeface="고도 B" panose="02000503000000020004" pitchFamily="2" charset="-127"/>
+            </a:endParaRPr>
+          </a:p>
+        </p:txBody>
+      </p:sp>
     </p:spTree>
     <p:extLst>
       <p:ext uri="{BB962C8B-B14F-4D97-AF65-F5344CB8AC3E}">
@@ -3790,6 +8554,163 @@
   <p:clrMapOvr>
     <a:masterClrMapping/>
   </p:clrMapOvr>
+  <p:timing>
+    <p:tnLst>
+      <p:par>
+        <p:cTn id="1" dur="indefinite" restart="never" nodeType="tmRoot">
+          <p:childTnLst>
+            <p:seq concurrent="1" nextAc="seek">
+              <p:cTn id="2" dur="indefinite" nodeType="mainSeq">
+                <p:childTnLst>
+                  <p:par>
+                    <p:cTn id="3" fill="hold">
+                      <p:stCondLst>
+                        <p:cond delay="indefinite"/>
+                      </p:stCondLst>
+                      <p:childTnLst>
+                        <p:par>
+                          <p:cTn id="4" fill="hold">
+                            <p:stCondLst>
+                              <p:cond delay="0"/>
+                            </p:stCondLst>
+                            <p:childTnLst>
+                              <p:par>
+                                <p:cTn id="5" presetID="10" presetClass="entr" presetSubtype="0" fill="hold" grpId="0" nodeType="clickEffect">
+                                  <p:stCondLst>
+                                    <p:cond delay="0"/>
+                                  </p:stCondLst>
+                                  <p:childTnLst>
+                                    <p:set>
+                                      <p:cBhvr>
+                                        <p:cTn id="6" dur="1" fill="hold">
+                                          <p:stCondLst>
+                                            <p:cond delay="0"/>
+                                          </p:stCondLst>
+                                        </p:cTn>
+                                        <p:tgtEl>
+                                          <p:spTgt spid="7"/>
+                                        </p:tgtEl>
+                                        <p:attrNameLst>
+                                          <p:attrName>style.visibility</p:attrName>
+                                        </p:attrNameLst>
+                                      </p:cBhvr>
+                                      <p:to>
+                                        <p:strVal val="visible"/>
+                                      </p:to>
+                                    </p:set>
+                                    <p:animEffect transition="in" filter="fade">
+                                      <p:cBhvr>
+                                        <p:cTn id="7" dur="500"/>
+                                        <p:tgtEl>
+                                          <p:spTgt spid="7"/>
+                                        </p:tgtEl>
+                                      </p:cBhvr>
+                                    </p:animEffect>
+                                  </p:childTnLst>
+                                </p:cTn>
+                              </p:par>
+                              <p:par>
+                                <p:cTn id="8" presetID="10" presetClass="entr" presetSubtype="0" fill="hold" nodeType="withEffect">
+                                  <p:stCondLst>
+                                    <p:cond delay="0"/>
+                                  </p:stCondLst>
+                                  <p:childTnLst>
+                                    <p:set>
+                                      <p:cBhvr>
+                                        <p:cTn id="9" dur="1" fill="hold">
+                                          <p:stCondLst>
+                                            <p:cond delay="0"/>
+                                          </p:stCondLst>
+                                        </p:cTn>
+                                        <p:tgtEl>
+                                          <p:spTgt spid="5"/>
+                                        </p:tgtEl>
+                                        <p:attrNameLst>
+                                          <p:attrName>style.visibility</p:attrName>
+                                        </p:attrNameLst>
+                                      </p:cBhvr>
+                                      <p:to>
+                                        <p:strVal val="visible"/>
+                                      </p:to>
+                                    </p:set>
+                                    <p:animEffect transition="in" filter="fade">
+                                      <p:cBhvr>
+                                        <p:cTn id="10" dur="500"/>
+                                        <p:tgtEl>
+                                          <p:spTgt spid="5"/>
+                                        </p:tgtEl>
+                                      </p:cBhvr>
+                                    </p:animEffect>
+                                  </p:childTnLst>
+                                </p:cTn>
+                              </p:par>
+                              <p:par>
+                                <p:cTn id="11" presetID="10" presetClass="entr" presetSubtype="0" fill="hold" grpId="0" nodeType="withEffect">
+                                  <p:stCondLst>
+                                    <p:cond delay="0"/>
+                                  </p:stCondLst>
+                                  <p:childTnLst>
+                                    <p:set>
+                                      <p:cBhvr>
+                                        <p:cTn id="12" dur="1" fill="hold">
+                                          <p:stCondLst>
+                                            <p:cond delay="0"/>
+                                          </p:stCondLst>
+                                        </p:cTn>
+                                        <p:tgtEl>
+                                          <p:spTgt spid="8"/>
+                                        </p:tgtEl>
+                                        <p:attrNameLst>
+                                          <p:attrName>style.visibility</p:attrName>
+                                        </p:attrNameLst>
+                                      </p:cBhvr>
+                                      <p:to>
+                                        <p:strVal val="visible"/>
+                                      </p:to>
+                                    </p:set>
+                                    <p:animEffect transition="in" filter="fade">
+                                      <p:cBhvr>
+                                        <p:cTn id="13" dur="500"/>
+                                        <p:tgtEl>
+                                          <p:spTgt spid="8"/>
+                                        </p:tgtEl>
+                                      </p:cBhvr>
+                                    </p:animEffect>
+                                  </p:childTnLst>
+                                </p:cTn>
+                              </p:par>
+                            </p:childTnLst>
+                          </p:cTn>
+                        </p:par>
+                      </p:childTnLst>
+                    </p:cTn>
+                  </p:par>
+                </p:childTnLst>
+              </p:cTn>
+              <p:prevCondLst>
+                <p:cond evt="onPrev" delay="0">
+                  <p:tgtEl>
+                    <p:sldTgt/>
+                  </p:tgtEl>
+                </p:cond>
+              </p:prevCondLst>
+              <p:nextCondLst>
+                <p:cond evt="onNext" delay="0">
+                  <p:tgtEl>
+                    <p:sldTgt/>
+                  </p:tgtEl>
+                </p:cond>
+              </p:nextCondLst>
+            </p:seq>
+          </p:childTnLst>
+        </p:cTn>
+      </p:par>
+    </p:tnLst>
+    <p:bldLst>
+      <p:bldP spid="7" grpId="0" animBg="1"/>
+      <p:bldP spid="8" grpId="0"/>
+    </p:bldLst>
+  </p:timing>
 </p:sld>
 </file>
 
@@ -3826,7 +8747,7 @@
           <p:cNvPr id="6" name="슬라이드 번호 개체 틀 5">
             <a:extLst>
               <a:ext uri="{FF2B5EF4-FFF2-40B4-BE49-F238E27FC236}">
-                <a16:creationId xmlns:a16="http://schemas.microsoft.com/office/drawing/2014/main" id="{D07836A0-38B7-45E1-B6C1-6BEEAC42BA58}"/>
+                <a16:creationId xmlns:a16="http://schemas.microsoft.com/office/drawing/2014/main" xmlns="" id="{D07836A0-38B7-45E1-B6C1-6BEEAC42BA58}"/>
               </a:ext>
             </a:extLst>
           </p:cNvPr>
@@ -3856,7 +8777,7 @@
           <p:cNvPr id="9" name="TextBox 8">
             <a:extLst>
               <a:ext uri="{FF2B5EF4-FFF2-40B4-BE49-F238E27FC236}">
-                <a16:creationId xmlns:a16="http://schemas.microsoft.com/office/drawing/2014/main" id="{5D8B5EC4-A12D-4385-8680-5D64041688E4}"/>
+                <a16:creationId xmlns:a16="http://schemas.microsoft.com/office/drawing/2014/main" xmlns="" id="{5D8B5EC4-A12D-4385-8680-5D64041688E4}"/>
               </a:ext>
             </a:extLst>
           </p:cNvPr>
@@ -3947,7 +8868,7 @@
           <p:cNvPr id="3" name="그림 2">
             <a:extLst>
               <a:ext uri="{FF2B5EF4-FFF2-40B4-BE49-F238E27FC236}">
-                <a16:creationId xmlns:a16="http://schemas.microsoft.com/office/drawing/2014/main" id="{E96EEE50-9ECE-45E7-9A27-2B6B18A59693}"/>
+                <a16:creationId xmlns:a16="http://schemas.microsoft.com/office/drawing/2014/main" xmlns="" id="{E96EEE50-9ECE-45E7-9A27-2B6B18A59693}"/>
               </a:ext>
             </a:extLst>
           </p:cNvPr>
@@ -3972,6 +8893,192 @@
           </a:prstGeom>
         </p:spPr>
       </p:pic>
+      <p:pic>
+        <p:nvPicPr>
+          <p:cNvPr id="5" name="그림 4">
+            <a:extLst>
+              <a:ext uri="{FF2B5EF4-FFF2-40B4-BE49-F238E27FC236}">
+                <a16:creationId xmlns:a16="http://schemas.microsoft.com/office/drawing/2014/main" xmlns="" id="{E96EEE50-9ECE-45E7-9A27-2B6B18A59693}"/>
+              </a:ext>
+            </a:extLst>
+          </p:cNvPr>
+          <p:cNvPicPr>
+            <a:picLocks noChangeAspect="1"/>
+          </p:cNvPicPr>
+          <p:nvPr/>
+        </p:nvPicPr>
+        <p:blipFill rotWithShape="1">
+          <a:blip r:embed="rId2"/>
+          <a:srcRect l="12081" t="17251" b="43671"/>
+          <a:stretch/>
+        </p:blipFill>
+        <p:spPr>
+          <a:xfrm>
+            <a:off x="1919536" y="3484890"/>
+            <a:ext cx="9706362" cy="2336818"/>
+          </a:xfrm>
+          <a:prstGeom prst="rect">
+            <a:avLst/>
+          </a:prstGeom>
+        </p:spPr>
+      </p:pic>
+      <p:sp>
+        <p:nvSpPr>
+          <p:cNvPr id="7" name="직사각형 6"/>
+          <p:cNvSpPr/>
+          <p:nvPr/>
+        </p:nvSpPr>
+        <p:spPr>
+          <a:xfrm>
+            <a:off x="1919536" y="4365104"/>
+            <a:ext cx="9649072" cy="1296144"/>
+          </a:xfrm>
+          <a:prstGeom prst="rect">
+            <a:avLst/>
+          </a:prstGeom>
+          <a:noFill/>
+          <a:ln w="38100">
+            <a:solidFill>
+              <a:srgbClr val="FF0000"/>
+            </a:solidFill>
+          </a:ln>
+        </p:spPr>
+        <p:style>
+          <a:lnRef idx="2">
+            <a:schemeClr val="accent1">
+              <a:shade val="50000"/>
+            </a:schemeClr>
+          </a:lnRef>
+          <a:fillRef idx="1">
+            <a:schemeClr val="accent1"/>
+          </a:fillRef>
+          <a:effectRef idx="0">
+            <a:schemeClr val="accent1"/>
+          </a:effectRef>
+          <a:fontRef idx="minor">
+            <a:schemeClr val="lt1"/>
+          </a:fontRef>
+        </p:style>
+        <p:txBody>
+          <a:bodyPr rot="0" spcFirstLastPara="0" vertOverflow="overflow" horzOverflow="overflow" vert="horz" wrap="square" lIns="91440" tIns="45720" rIns="91440" bIns="45720" numCol="1" spcCol="0" rtlCol="0" fromWordArt="0" anchor="ctr" anchorCtr="0" forceAA="0" compatLnSpc="1">
+            <a:prstTxWarp prst="textNoShape">
+              <a:avLst/>
+            </a:prstTxWarp>
+            <a:noAutofit/>
+          </a:bodyPr>
+          <a:lstStyle/>
+          <a:p>
+            <a:pPr algn="ctr"/>
+            <a:endParaRPr lang="ko-KR" altLang="en-US"/>
+          </a:p>
+        </p:txBody>
+      </p:sp>
+      <p:sp>
+        <p:nvSpPr>
+          <p:cNvPr id="8" name="TextBox 7"/>
+          <p:cNvSpPr txBox="1"/>
+          <p:nvPr/>
+        </p:nvSpPr>
+        <p:spPr>
+          <a:xfrm>
+            <a:off x="5184259" y="3717032"/>
+            <a:ext cx="3119625" cy="461665"/>
+          </a:xfrm>
+          <a:prstGeom prst="rect">
+            <a:avLst/>
+          </a:prstGeom>
+          <a:noFill/>
+        </p:spPr>
+        <p:txBody>
+          <a:bodyPr wrap="square" rtlCol="0">
+            <a:spAutoFit/>
+          </a:bodyPr>
+          <a:lstStyle/>
+          <a:p>
+            <a:pPr algn="ctr"/>
+            <a:r>
+              <a:rPr lang="ko-KR" altLang="en-US" sz="2400" smtClean="0">
+                <a:ln w="12700">
+                  <a:solidFill>
+                    <a:schemeClr val="accent1">
+                      <a:lumMod val="75000"/>
+                    </a:schemeClr>
+                  </a:solidFill>
+                </a:ln>
+                <a:solidFill>
+                  <a:schemeClr val="bg1"/>
+                </a:solidFill>
+                <a:latin typeface="고도 B" panose="02000503000000020004" pitchFamily="2" charset="-127"/>
+                <a:ea typeface="고도 B" panose="02000503000000020004" pitchFamily="2" charset="-127"/>
+              </a:rPr>
+              <a:t>월별 발주 내역</a:t>
+            </a:r>
+            <a:endParaRPr lang="ko-KR" altLang="en-US" sz="2400" dirty="0" smtClean="0">
+              <a:ln w="12700">
+                <a:solidFill>
+                  <a:schemeClr val="accent1">
+                    <a:lumMod val="75000"/>
+                  </a:schemeClr>
+                </a:solidFill>
+              </a:ln>
+              <a:solidFill>
+                <a:schemeClr val="bg1"/>
+              </a:solidFill>
+              <a:latin typeface="고도 B" panose="02000503000000020004" pitchFamily="2" charset="-127"/>
+              <a:ea typeface="고도 B" panose="02000503000000020004" pitchFamily="2" charset="-127"/>
+            </a:endParaRPr>
+          </a:p>
+        </p:txBody>
+      </p:sp>
+      <p:sp>
+        <p:nvSpPr>
+          <p:cNvPr id="10" name="TextBox 9">
+            <a:extLst>
+              <a:ext uri="{FF2B5EF4-FFF2-40B4-BE49-F238E27FC236}">
+                <a16:creationId xmlns:a16="http://schemas.microsoft.com/office/drawing/2014/main" xmlns="" id="{4F553B15-9ACE-40DD-907E-F8A78E827085}"/>
+              </a:ext>
+            </a:extLst>
+          </p:cNvPr>
+          <p:cNvSpPr txBox="1"/>
+          <p:nvPr/>
+        </p:nvSpPr>
+        <p:spPr>
+          <a:xfrm>
+            <a:off x="335360" y="6381328"/>
+            <a:ext cx="6984776" cy="246221"/>
+          </a:xfrm>
+          <a:prstGeom prst="rect">
+            <a:avLst/>
+          </a:prstGeom>
+          <a:noFill/>
+        </p:spPr>
+        <p:txBody>
+          <a:bodyPr wrap="square" rtlCol="0">
+            <a:spAutoFit/>
+          </a:bodyPr>
+          <a:lstStyle/>
+          <a:p>
+            <a:pPr algn="l"/>
+            <a:r>
+              <a:rPr lang="ko-KR" altLang="en-US" sz="1000" smtClean="0">
+                <a:solidFill>
+                  <a:schemeClr val="bg1"/>
+                </a:solidFill>
+                <a:latin typeface="고도 B" panose="02000503000000020004" pitchFamily="2" charset="-127"/>
+                <a:ea typeface="고도 B" panose="02000503000000020004" pitchFamily="2" charset="-127"/>
+              </a:rPr>
+              <a:t>월별 물품을 얼마나 발주 했는지 알아보기 위해 활용</a:t>
+            </a:r>
+            <a:endParaRPr lang="ko-KR" altLang="en-US" sz="1000" dirty="0">
+              <a:solidFill>
+                <a:schemeClr val="bg1"/>
+              </a:solidFill>
+              <a:latin typeface="고도 B" panose="02000503000000020004" pitchFamily="2" charset="-127"/>
+              <a:ea typeface="고도 B" panose="02000503000000020004" pitchFamily="2" charset="-127"/>
+            </a:endParaRPr>
+          </a:p>
+        </p:txBody>
+      </p:sp>
     </p:spTree>
     <p:extLst>
       <p:ext uri="{BB962C8B-B14F-4D97-AF65-F5344CB8AC3E}">
@@ -3982,6 +9089,163 @@
   <p:clrMapOvr>
     <a:masterClrMapping/>
   </p:clrMapOvr>
+  <p:timing>
+    <p:tnLst>
+      <p:par>
+        <p:cTn id="1" dur="indefinite" restart="never" nodeType="tmRoot">
+          <p:childTnLst>
+            <p:seq concurrent="1" nextAc="seek">
+              <p:cTn id="2" dur="indefinite" nodeType="mainSeq">
+                <p:childTnLst>
+                  <p:par>
+                    <p:cTn id="3" fill="hold">
+                      <p:stCondLst>
+                        <p:cond delay="indefinite"/>
+                      </p:stCondLst>
+                      <p:childTnLst>
+                        <p:par>
+                          <p:cTn id="4" fill="hold">
+                            <p:stCondLst>
+                              <p:cond delay="0"/>
+                            </p:stCondLst>
+                            <p:childTnLst>
+                              <p:par>
+                                <p:cTn id="5" presetID="10" presetClass="entr" presetSubtype="0" fill="hold" grpId="0" nodeType="clickEffect">
+                                  <p:stCondLst>
+                                    <p:cond delay="0"/>
+                                  </p:stCondLst>
+                                  <p:childTnLst>
+                                    <p:set>
+                                      <p:cBhvr>
+                                        <p:cTn id="6" dur="1" fill="hold">
+                                          <p:stCondLst>
+                                            <p:cond delay="0"/>
+                                          </p:stCondLst>
+                                        </p:cTn>
+                                        <p:tgtEl>
+                                          <p:spTgt spid="7"/>
+                                        </p:tgtEl>
+                                        <p:attrNameLst>
+                                          <p:attrName>style.visibility</p:attrName>
+                                        </p:attrNameLst>
+                                      </p:cBhvr>
+                                      <p:to>
+                                        <p:strVal val="visible"/>
+                                      </p:to>
+                                    </p:set>
+                                    <p:animEffect transition="in" filter="fade">
+                                      <p:cBhvr>
+                                        <p:cTn id="7" dur="500"/>
+                                        <p:tgtEl>
+                                          <p:spTgt spid="7"/>
+                                        </p:tgtEl>
+                                      </p:cBhvr>
+                                    </p:animEffect>
+                                  </p:childTnLst>
+                                </p:cTn>
+                              </p:par>
+                              <p:par>
+                                <p:cTn id="8" presetID="10" presetClass="entr" presetSubtype="0" fill="hold" nodeType="withEffect">
+                                  <p:stCondLst>
+                                    <p:cond delay="0"/>
+                                  </p:stCondLst>
+                                  <p:childTnLst>
+                                    <p:set>
+                                      <p:cBhvr>
+                                        <p:cTn id="9" dur="1" fill="hold">
+                                          <p:stCondLst>
+                                            <p:cond delay="0"/>
+                                          </p:stCondLst>
+                                        </p:cTn>
+                                        <p:tgtEl>
+                                          <p:spTgt spid="5"/>
+                                        </p:tgtEl>
+                                        <p:attrNameLst>
+                                          <p:attrName>style.visibility</p:attrName>
+                                        </p:attrNameLst>
+                                      </p:cBhvr>
+                                      <p:to>
+                                        <p:strVal val="visible"/>
+                                      </p:to>
+                                    </p:set>
+                                    <p:animEffect transition="in" filter="fade">
+                                      <p:cBhvr>
+                                        <p:cTn id="10" dur="500"/>
+                                        <p:tgtEl>
+                                          <p:spTgt spid="5"/>
+                                        </p:tgtEl>
+                                      </p:cBhvr>
+                                    </p:animEffect>
+                                  </p:childTnLst>
+                                </p:cTn>
+                              </p:par>
+                              <p:par>
+                                <p:cTn id="11" presetID="10" presetClass="entr" presetSubtype="0" fill="hold" grpId="0" nodeType="withEffect">
+                                  <p:stCondLst>
+                                    <p:cond delay="0"/>
+                                  </p:stCondLst>
+                                  <p:childTnLst>
+                                    <p:set>
+                                      <p:cBhvr>
+                                        <p:cTn id="12" dur="1" fill="hold">
+                                          <p:stCondLst>
+                                            <p:cond delay="0"/>
+                                          </p:stCondLst>
+                                        </p:cTn>
+                                        <p:tgtEl>
+                                          <p:spTgt spid="8"/>
+                                        </p:tgtEl>
+                                        <p:attrNameLst>
+                                          <p:attrName>style.visibility</p:attrName>
+                                        </p:attrNameLst>
+                                      </p:cBhvr>
+                                      <p:to>
+                                        <p:strVal val="visible"/>
+                                      </p:to>
+                                    </p:set>
+                                    <p:animEffect transition="in" filter="fade">
+                                      <p:cBhvr>
+                                        <p:cTn id="13" dur="500"/>
+                                        <p:tgtEl>
+                                          <p:spTgt spid="8"/>
+                                        </p:tgtEl>
+                                      </p:cBhvr>
+                                    </p:animEffect>
+                                  </p:childTnLst>
+                                </p:cTn>
+                              </p:par>
+                            </p:childTnLst>
+                          </p:cTn>
+                        </p:par>
+                      </p:childTnLst>
+                    </p:cTn>
+                  </p:par>
+                </p:childTnLst>
+              </p:cTn>
+              <p:prevCondLst>
+                <p:cond evt="onPrev" delay="0">
+                  <p:tgtEl>
+                    <p:sldTgt/>
+                  </p:tgtEl>
+                </p:cond>
+              </p:prevCondLst>
+              <p:nextCondLst>
+                <p:cond evt="onNext" delay="0">
+                  <p:tgtEl>
+                    <p:sldTgt/>
+                  </p:tgtEl>
+                </p:cond>
+              </p:nextCondLst>
+            </p:seq>
+          </p:childTnLst>
+        </p:cTn>
+      </p:par>
+    </p:tnLst>
+    <p:bldLst>
+      <p:bldP spid="7" grpId="0" animBg="1"/>
+      <p:bldP spid="8" grpId="0"/>
+    </p:bldLst>
+  </p:timing>
 </p:sld>
 </file>
 
@@ -4018,7 +9282,7 @@
           <p:cNvPr id="2" name="TextBox 1">
             <a:extLst>
               <a:ext uri="{FF2B5EF4-FFF2-40B4-BE49-F238E27FC236}">
-                <a16:creationId xmlns:a16="http://schemas.microsoft.com/office/drawing/2014/main" id="{2191A711-1DC9-476B-8E5B-281E8D16295D}"/>
+                <a16:creationId xmlns:a16="http://schemas.microsoft.com/office/drawing/2014/main" xmlns="" id="{2191A711-1DC9-476B-8E5B-281E8D16295D}"/>
               </a:ext>
             </a:extLst>
           </p:cNvPr>
@@ -4125,6 +9389,13 @@
   <p:clrMapOvr>
     <a:masterClrMapping/>
   </p:clrMapOvr>
+  <p:timing>
+    <p:tnLst>
+      <p:par>
+        <p:cTn id="1" dur="indefinite" restart="never" nodeType="tmRoot"/>
+      </p:par>
+    </p:tnLst>
+  </p:timing>
 </p:sld>
 </file>
 
@@ -4161,7 +9432,7 @@
           <p:cNvPr id="9" name="TextBox 8">
             <a:extLst>
               <a:ext uri="{FF2B5EF4-FFF2-40B4-BE49-F238E27FC236}">
-                <a16:creationId xmlns:a16="http://schemas.microsoft.com/office/drawing/2014/main" id="{2B672E7F-5D39-4B65-BDA3-4857130A7B88}"/>
+                <a16:creationId xmlns:a16="http://schemas.microsoft.com/office/drawing/2014/main" xmlns="" id="{2B672E7F-5D39-4B65-BDA3-4857130A7B88}"/>
               </a:ext>
             </a:extLst>
           </p:cNvPr>
@@ -4170,7 +9441,7 @@
         </p:nvSpPr>
         <p:spPr>
           <a:xfrm>
-            <a:off x="3503712" y="951399"/>
+            <a:off x="3503712" y="1382286"/>
             <a:ext cx="5184576" cy="4093428"/>
           </a:xfrm>
           <a:prstGeom prst="rect">
@@ -4403,7 +9674,7 @@
           <p:cNvPr id="10" name="슬라이드 번호 개체 틀 9">
             <a:extLst>
               <a:ext uri="{FF2B5EF4-FFF2-40B4-BE49-F238E27FC236}">
-                <a16:creationId xmlns:a16="http://schemas.microsoft.com/office/drawing/2014/main" id="{069C1BCC-41E2-438E-9475-AABADC34D120}"/>
+                <a16:creationId xmlns:a16="http://schemas.microsoft.com/office/drawing/2014/main" xmlns="" id="{069C1BCC-41E2-438E-9475-AABADC34D120}"/>
               </a:ext>
             </a:extLst>
           </p:cNvPr>
@@ -4438,6 +9709,13 @@
   <p:clrMapOvr>
     <a:masterClrMapping/>
   </p:clrMapOvr>
+  <p:timing>
+    <p:tnLst>
+      <p:par>
+        <p:cTn id="1" dur="indefinite" restart="never" nodeType="tmRoot"/>
+      </p:par>
+    </p:tnLst>
+  </p:timing>
 </p:sld>
 </file>
 
@@ -4474,7 +9752,7 @@
           <p:cNvPr id="6" name="슬라이드 번호 개체 틀 5">
             <a:extLst>
               <a:ext uri="{FF2B5EF4-FFF2-40B4-BE49-F238E27FC236}">
-                <a16:creationId xmlns:a16="http://schemas.microsoft.com/office/drawing/2014/main" id="{D07836A0-38B7-45E1-B6C1-6BEEAC42BA58}"/>
+                <a16:creationId xmlns:a16="http://schemas.microsoft.com/office/drawing/2014/main" xmlns="" id="{D07836A0-38B7-45E1-B6C1-6BEEAC42BA58}"/>
               </a:ext>
             </a:extLst>
           </p:cNvPr>
@@ -4509,7 +9787,7 @@
           <p:cNvPr id="9" name="TextBox 8">
             <a:extLst>
               <a:ext uri="{FF2B5EF4-FFF2-40B4-BE49-F238E27FC236}">
-                <a16:creationId xmlns:a16="http://schemas.microsoft.com/office/drawing/2014/main" id="{5D8B5EC4-A12D-4385-8680-5D64041688E4}"/>
+                <a16:creationId xmlns:a16="http://schemas.microsoft.com/office/drawing/2014/main" xmlns="" id="{5D8B5EC4-A12D-4385-8680-5D64041688E4}"/>
               </a:ext>
             </a:extLst>
           </p:cNvPr>
@@ -4607,7 +9885,7 @@
           <p:cNvPr id="2" name="그림 1">
             <a:extLst>
               <a:ext uri="{FF2B5EF4-FFF2-40B4-BE49-F238E27FC236}">
-                <a16:creationId xmlns:a16="http://schemas.microsoft.com/office/drawing/2014/main" id="{34833C88-7D7A-4EB0-990D-36564B16B450}"/>
+                <a16:creationId xmlns:a16="http://schemas.microsoft.com/office/drawing/2014/main" xmlns="" id="{34833C88-7D7A-4EB0-990D-36564B16B450}"/>
               </a:ext>
             </a:extLst>
           </p:cNvPr>
@@ -4637,7 +9915,7 @@
           <p:cNvPr id="11" name="그룹 10">
             <a:extLst>
               <a:ext uri="{FF2B5EF4-FFF2-40B4-BE49-F238E27FC236}">
-                <a16:creationId xmlns:a16="http://schemas.microsoft.com/office/drawing/2014/main" id="{05803DF7-13BD-4639-8F99-659C3878EE25}"/>
+                <a16:creationId xmlns:a16="http://schemas.microsoft.com/office/drawing/2014/main" xmlns="" id="{05803DF7-13BD-4639-8F99-659C3878EE25}"/>
               </a:ext>
             </a:extLst>
           </p:cNvPr>
@@ -4657,7 +9935,7 @@
             <p:cNvPr id="7" name="그림 6">
               <a:extLst>
                 <a:ext uri="{FF2B5EF4-FFF2-40B4-BE49-F238E27FC236}">
-                  <a16:creationId xmlns:a16="http://schemas.microsoft.com/office/drawing/2014/main" id="{1174873C-EC9E-4B81-9C48-05A366E1EE82}"/>
+                  <a16:creationId xmlns:a16="http://schemas.microsoft.com/office/drawing/2014/main" xmlns="" id="{1174873C-EC9E-4B81-9C48-05A366E1EE82}"/>
                 </a:ext>
               </a:extLst>
             </p:cNvPr>
@@ -4686,7 +9964,7 @@
             <p:cNvPr id="4" name="직사각형 3">
               <a:extLst>
                 <a:ext uri="{FF2B5EF4-FFF2-40B4-BE49-F238E27FC236}">
-                  <a16:creationId xmlns:a16="http://schemas.microsoft.com/office/drawing/2014/main" id="{5EB9DE00-BA4F-4C08-BE6A-66C48EBA9292}"/>
+                  <a16:creationId xmlns:a16="http://schemas.microsoft.com/office/drawing/2014/main" xmlns="" id="{5EB9DE00-BA4F-4C08-BE6A-66C48EBA9292}"/>
                 </a:ext>
               </a:extLst>
             </p:cNvPr>
@@ -4738,7 +10016,7 @@
             <p:cNvPr id="5" name="TextBox 4">
               <a:extLst>
                 <a:ext uri="{FF2B5EF4-FFF2-40B4-BE49-F238E27FC236}">
-                  <a16:creationId xmlns:a16="http://schemas.microsoft.com/office/drawing/2014/main" id="{C8FF2BAF-566D-42C3-98FB-B217F7F83F06}"/>
+                  <a16:creationId xmlns:a16="http://schemas.microsoft.com/office/drawing/2014/main" xmlns="" id="{C8FF2BAF-566D-42C3-98FB-B217F7F83F06}"/>
                 </a:ext>
               </a:extLst>
             </p:cNvPr>
@@ -4842,7 +10120,7 @@
           <p:cNvPr id="10" name="TextBox 9">
             <a:extLst>
               <a:ext uri="{FF2B5EF4-FFF2-40B4-BE49-F238E27FC236}">
-                <a16:creationId xmlns:a16="http://schemas.microsoft.com/office/drawing/2014/main" id="{980B082E-15CC-444C-9A8A-7C639A4EA216}"/>
+                <a16:creationId xmlns:a16="http://schemas.microsoft.com/office/drawing/2014/main" xmlns="" id="{980B082E-15CC-444C-9A8A-7C639A4EA216}"/>
               </a:ext>
             </a:extLst>
           </p:cNvPr>
@@ -5025,7 +10303,7 @@
           <p:cNvPr id="6" name="슬라이드 번호 개체 틀 5">
             <a:extLst>
               <a:ext uri="{FF2B5EF4-FFF2-40B4-BE49-F238E27FC236}">
-                <a16:creationId xmlns:a16="http://schemas.microsoft.com/office/drawing/2014/main" id="{D07836A0-38B7-45E1-B6C1-6BEEAC42BA58}"/>
+                <a16:creationId xmlns:a16="http://schemas.microsoft.com/office/drawing/2014/main" xmlns="" id="{D07836A0-38B7-45E1-B6C1-6BEEAC42BA58}"/>
               </a:ext>
             </a:extLst>
           </p:cNvPr>
@@ -5055,7 +10333,7 @@
           <p:cNvPr id="9" name="TextBox 8">
             <a:extLst>
               <a:ext uri="{FF2B5EF4-FFF2-40B4-BE49-F238E27FC236}">
-                <a16:creationId xmlns:a16="http://schemas.microsoft.com/office/drawing/2014/main" id="{5D8B5EC4-A12D-4385-8680-5D64041688E4}"/>
+                <a16:creationId xmlns:a16="http://schemas.microsoft.com/office/drawing/2014/main" xmlns="" id="{5D8B5EC4-A12D-4385-8680-5D64041688E4}"/>
               </a:ext>
             </a:extLst>
           </p:cNvPr>
@@ -5147,7 +10425,7 @@
           <p:cNvPr id="2" name="그림 1">
             <a:extLst>
               <a:ext uri="{FF2B5EF4-FFF2-40B4-BE49-F238E27FC236}">
-                <a16:creationId xmlns:a16="http://schemas.microsoft.com/office/drawing/2014/main" id="{E2D1C716-06DD-4F42-B6FE-6394F759BDB5}"/>
+                <a16:creationId xmlns:a16="http://schemas.microsoft.com/office/drawing/2014/main" xmlns="" id="{E2D1C716-06DD-4F42-B6FE-6394F759BDB5}"/>
               </a:ext>
             </a:extLst>
           </p:cNvPr>
@@ -5177,7 +10455,7 @@
           <p:cNvPr id="7" name="TextBox 6">
             <a:extLst>
               <a:ext uri="{FF2B5EF4-FFF2-40B4-BE49-F238E27FC236}">
-                <a16:creationId xmlns:a16="http://schemas.microsoft.com/office/drawing/2014/main" id="{FC727D4A-2592-454B-AE0C-923140038D4B}"/>
+                <a16:creationId xmlns:a16="http://schemas.microsoft.com/office/drawing/2014/main" xmlns="" id="{FC727D4A-2592-454B-AE0C-923140038D4B}"/>
               </a:ext>
             </a:extLst>
           </p:cNvPr>
@@ -5226,7 +10504,7 @@
           <p:cNvPr id="5" name="그림 4">
             <a:extLst>
               <a:ext uri="{FF2B5EF4-FFF2-40B4-BE49-F238E27FC236}">
-                <a16:creationId xmlns:a16="http://schemas.microsoft.com/office/drawing/2014/main" id="{4FFA0AF7-59D8-487E-8A53-EE6DC57AA3E3}"/>
+                <a16:creationId xmlns:a16="http://schemas.microsoft.com/office/drawing/2014/main" xmlns="" id="{4FFA0AF7-59D8-487E-8A53-EE6DC57AA3E3}"/>
               </a:ext>
             </a:extLst>
           </p:cNvPr>
@@ -5255,7 +10533,7 @@
           <p:cNvPr id="8" name="직사각형 7">
             <a:extLst>
               <a:ext uri="{FF2B5EF4-FFF2-40B4-BE49-F238E27FC236}">
-                <a16:creationId xmlns:a16="http://schemas.microsoft.com/office/drawing/2014/main" id="{8C2AF7B2-F034-4265-BF66-B18B7CB82578}"/>
+                <a16:creationId xmlns:a16="http://schemas.microsoft.com/office/drawing/2014/main" xmlns="" id="{8C2AF7B2-F034-4265-BF66-B18B7CB82578}"/>
               </a:ext>
             </a:extLst>
           </p:cNvPr>
@@ -5307,7 +10585,7 @@
           <p:cNvPr id="3" name="그림 2">
             <a:extLst>
               <a:ext uri="{FF2B5EF4-FFF2-40B4-BE49-F238E27FC236}">
-                <a16:creationId xmlns:a16="http://schemas.microsoft.com/office/drawing/2014/main" id="{CB7AFCAB-B987-4366-BDD9-FDF858306F48}"/>
+                <a16:creationId xmlns:a16="http://schemas.microsoft.com/office/drawing/2014/main" xmlns="" id="{CB7AFCAB-B987-4366-BDD9-FDF858306F48}"/>
               </a:ext>
             </a:extLst>
           </p:cNvPr>
@@ -5336,7 +10614,7 @@
           <p:cNvPr id="11" name="TextBox 10">
             <a:extLst>
               <a:ext uri="{FF2B5EF4-FFF2-40B4-BE49-F238E27FC236}">
-                <a16:creationId xmlns:a16="http://schemas.microsoft.com/office/drawing/2014/main" id="{44F1D2B6-1DD6-4EAC-9CFC-8E0EB20EEC1A}"/>
+                <a16:creationId xmlns:a16="http://schemas.microsoft.com/office/drawing/2014/main" xmlns="" id="{44F1D2B6-1DD6-4EAC-9CFC-8E0EB20EEC1A}"/>
               </a:ext>
             </a:extLst>
           </p:cNvPr>
@@ -5504,7 +10782,7 @@
           <p:cNvPr id="4" name="직사각형 3">
             <a:extLst>
               <a:ext uri="{FF2B5EF4-FFF2-40B4-BE49-F238E27FC236}">
-                <a16:creationId xmlns:a16="http://schemas.microsoft.com/office/drawing/2014/main" id="{711F3D76-B57D-4CC9-9BB6-4605D7A43708}"/>
+                <a16:creationId xmlns:a16="http://schemas.microsoft.com/office/drawing/2014/main" xmlns="" id="{711F3D76-B57D-4CC9-9BB6-4605D7A43708}"/>
               </a:ext>
             </a:extLst>
           </p:cNvPr>
@@ -5561,7 +10839,7 @@
           <p:cNvPr id="12" name="TextBox 11">
             <a:extLst>
               <a:ext uri="{FF2B5EF4-FFF2-40B4-BE49-F238E27FC236}">
-                <a16:creationId xmlns:a16="http://schemas.microsoft.com/office/drawing/2014/main" id="{1DF99A48-0DE5-49B2-A8DA-2C62FE1AB170}"/>
+                <a16:creationId xmlns:a16="http://schemas.microsoft.com/office/drawing/2014/main" xmlns="" id="{1DF99A48-0DE5-49B2-A8DA-2C62FE1AB170}"/>
               </a:ext>
             </a:extLst>
           </p:cNvPr>
@@ -6115,7 +11393,7 @@
           <p:cNvPr id="6" name="슬라이드 번호 개체 틀 5">
             <a:extLst>
               <a:ext uri="{FF2B5EF4-FFF2-40B4-BE49-F238E27FC236}">
-                <a16:creationId xmlns:a16="http://schemas.microsoft.com/office/drawing/2014/main" id="{D07836A0-38B7-45E1-B6C1-6BEEAC42BA58}"/>
+                <a16:creationId xmlns:a16="http://schemas.microsoft.com/office/drawing/2014/main" xmlns="" id="{D07836A0-38B7-45E1-B6C1-6BEEAC42BA58}"/>
               </a:ext>
             </a:extLst>
           </p:cNvPr>
@@ -6145,7 +11423,7 @@
           <p:cNvPr id="2" name="그림 1">
             <a:extLst>
               <a:ext uri="{FF2B5EF4-FFF2-40B4-BE49-F238E27FC236}">
-                <a16:creationId xmlns:a16="http://schemas.microsoft.com/office/drawing/2014/main" id="{3BD0B9F1-420E-4F31-A347-12F8CD2CB861}"/>
+                <a16:creationId xmlns:a16="http://schemas.microsoft.com/office/drawing/2014/main" xmlns="" id="{3BD0B9F1-420E-4F31-A347-12F8CD2CB861}"/>
               </a:ext>
             </a:extLst>
           </p:cNvPr>
@@ -6175,7 +11453,7 @@
           <p:cNvPr id="7" name="TextBox 6">
             <a:extLst>
               <a:ext uri="{FF2B5EF4-FFF2-40B4-BE49-F238E27FC236}">
-                <a16:creationId xmlns:a16="http://schemas.microsoft.com/office/drawing/2014/main" id="{17BE0842-C910-4D0C-B41F-8A4AD4D9262B}"/>
+                <a16:creationId xmlns:a16="http://schemas.microsoft.com/office/drawing/2014/main" xmlns="" id="{17BE0842-C910-4D0C-B41F-8A4AD4D9262B}"/>
               </a:ext>
             </a:extLst>
           </p:cNvPr>
@@ -6262,6 +11540,208 @@
           </a:p>
         </p:txBody>
       </p:sp>
+      <p:pic>
+        <p:nvPicPr>
+          <p:cNvPr id="5" name="그림 4">
+            <a:extLst>
+              <a:ext uri="{FF2B5EF4-FFF2-40B4-BE49-F238E27FC236}">
+                <a16:creationId xmlns:a16="http://schemas.microsoft.com/office/drawing/2014/main" xmlns="" id="{3BD0B9F1-420E-4F31-A347-12F8CD2CB861}"/>
+              </a:ext>
+            </a:extLst>
+          </p:cNvPr>
+          <p:cNvPicPr>
+            <a:picLocks noChangeAspect="1"/>
+          </p:cNvPicPr>
+          <p:nvPr/>
+        </p:nvPicPr>
+        <p:blipFill rotWithShape="1">
+          <a:blip r:embed="rId2"/>
+          <a:srcRect l="11731" t="17166" b="17621"/>
+          <a:stretch/>
+        </p:blipFill>
+        <p:spPr>
+          <a:xfrm>
+            <a:off x="1632856" y="2188028"/>
+            <a:ext cx="9575712" cy="3832008"/>
+          </a:xfrm>
+          <a:prstGeom prst="rect">
+            <a:avLst/>
+          </a:prstGeom>
+        </p:spPr>
+      </p:pic>
+      <p:sp>
+        <p:nvSpPr>
+          <p:cNvPr id="3" name="직사각형 2"/>
+          <p:cNvSpPr/>
+          <p:nvPr/>
+        </p:nvSpPr>
+        <p:spPr>
+          <a:xfrm>
+            <a:off x="1775520" y="2564904"/>
+            <a:ext cx="9361040" cy="3384376"/>
+          </a:xfrm>
+          <a:prstGeom prst="rect">
+            <a:avLst/>
+          </a:prstGeom>
+          <a:noFill/>
+          <a:ln w="38100">
+            <a:solidFill>
+              <a:srgbClr val="FF0000"/>
+            </a:solidFill>
+          </a:ln>
+        </p:spPr>
+        <p:style>
+          <a:lnRef idx="2">
+            <a:schemeClr val="accent1">
+              <a:shade val="50000"/>
+            </a:schemeClr>
+          </a:lnRef>
+          <a:fillRef idx="1">
+            <a:schemeClr val="accent1"/>
+          </a:fillRef>
+          <a:effectRef idx="0">
+            <a:schemeClr val="accent1"/>
+          </a:effectRef>
+          <a:fontRef idx="minor">
+            <a:schemeClr val="lt1"/>
+          </a:fontRef>
+        </p:style>
+        <p:txBody>
+          <a:bodyPr rot="0" spcFirstLastPara="0" vertOverflow="overflow" horzOverflow="overflow" vert="horz" wrap="square" lIns="91440" tIns="45720" rIns="91440" bIns="45720" numCol="1" spcCol="0" rtlCol="0" fromWordArt="0" anchor="ctr" anchorCtr="0" forceAA="0" compatLnSpc="1">
+            <a:prstTxWarp prst="textNoShape">
+              <a:avLst/>
+            </a:prstTxWarp>
+            <a:noAutofit/>
+          </a:bodyPr>
+          <a:lstStyle/>
+          <a:p>
+            <a:pPr algn="ctr"/>
+            <a:endParaRPr lang="ko-KR" altLang="en-US"/>
+          </a:p>
+        </p:txBody>
+      </p:sp>
+      <p:sp>
+        <p:nvSpPr>
+          <p:cNvPr id="8" name="TextBox 7">
+            <a:extLst>
+              <a:ext uri="{FF2B5EF4-FFF2-40B4-BE49-F238E27FC236}">
+                <a16:creationId xmlns:a16="http://schemas.microsoft.com/office/drawing/2014/main" xmlns="" id="{44F1D2B6-1DD6-4EAC-9CFC-8E0EB20EEC1A}"/>
+              </a:ext>
+            </a:extLst>
+          </p:cNvPr>
+          <p:cNvSpPr txBox="1"/>
+          <p:nvPr/>
+        </p:nvSpPr>
+        <p:spPr>
+          <a:xfrm>
+            <a:off x="8688288" y="1628800"/>
+            <a:ext cx="2448272" cy="461665"/>
+          </a:xfrm>
+          <a:prstGeom prst="rect">
+            <a:avLst/>
+          </a:prstGeom>
+          <a:noFill/>
+        </p:spPr>
+        <p:txBody>
+          <a:bodyPr wrap="square" rtlCol="0">
+            <a:spAutoFit/>
+          </a:bodyPr>
+          <a:lstStyle/>
+          <a:p>
+            <a:pPr algn="ctr"/>
+            <a:r>
+              <a:rPr lang="ko-KR" altLang="en-US" sz="2400" smtClean="0">
+                <a:ln w="12700">
+                  <a:solidFill>
+                    <a:schemeClr val="accent1">
+                      <a:lumMod val="75000"/>
+                    </a:schemeClr>
+                  </a:solidFill>
+                </a:ln>
+                <a:solidFill>
+                  <a:schemeClr val="bg1"/>
+                </a:solidFill>
+                <a:latin typeface="고도 B" panose="02000503000000020004" pitchFamily="2" charset="-127"/>
+                <a:ea typeface="고도 B" panose="02000503000000020004" pitchFamily="2" charset="-127"/>
+              </a:rPr>
+              <a:t>제품 유형별 구분</a:t>
+            </a:r>
+            <a:endParaRPr lang="ko-KR" altLang="en-US" sz="2400" dirty="0">
+              <a:ln w="12700">
+                <a:solidFill>
+                  <a:schemeClr val="accent1">
+                    <a:lumMod val="75000"/>
+                  </a:schemeClr>
+                </a:solidFill>
+              </a:ln>
+              <a:solidFill>
+                <a:schemeClr val="bg1"/>
+              </a:solidFill>
+              <a:latin typeface="고도 B" panose="02000503000000020004" pitchFamily="2" charset="-127"/>
+              <a:ea typeface="고도 B" panose="02000503000000020004" pitchFamily="2" charset="-127"/>
+            </a:endParaRPr>
+          </a:p>
+        </p:txBody>
+      </p:sp>
+      <p:sp>
+        <p:nvSpPr>
+          <p:cNvPr id="9" name="TextBox 8">
+            <a:extLst>
+              <a:ext uri="{FF2B5EF4-FFF2-40B4-BE49-F238E27FC236}">
+                <a16:creationId xmlns:a16="http://schemas.microsoft.com/office/drawing/2014/main" xmlns="" id="{1DF99A48-0DE5-49B2-A8DA-2C62FE1AB170}"/>
+              </a:ext>
+            </a:extLst>
+          </p:cNvPr>
+          <p:cNvSpPr txBox="1"/>
+          <p:nvPr/>
+        </p:nvSpPr>
+        <p:spPr>
+          <a:xfrm>
+            <a:off x="335360" y="6381328"/>
+            <a:ext cx="6984776" cy="246221"/>
+          </a:xfrm>
+          <a:prstGeom prst="rect">
+            <a:avLst/>
+          </a:prstGeom>
+          <a:noFill/>
+        </p:spPr>
+        <p:txBody>
+          <a:bodyPr wrap="square" rtlCol="0">
+            <a:spAutoFit/>
+          </a:bodyPr>
+          <a:lstStyle/>
+          <a:p>
+            <a:pPr algn="l"/>
+            <a:r>
+              <a:rPr lang="ko-KR" altLang="en-US" sz="1000" smtClean="0">
+                <a:solidFill>
+                  <a:schemeClr val="bg1"/>
+                </a:solidFill>
+                <a:latin typeface="고도 B" panose="02000503000000020004" pitchFamily="2" charset="-127"/>
+                <a:ea typeface="고도 B" panose="02000503000000020004" pitchFamily="2" charset="-127"/>
+              </a:rPr>
+              <a:t>제품 유형 이미지 선택시 해당 제품 유형 리스트로 이동한다</a:t>
+            </a:r>
+            <a:r>
+              <a:rPr lang="en-US" altLang="ko-KR" sz="1000" smtClean="0">
+                <a:solidFill>
+                  <a:schemeClr val="bg1"/>
+                </a:solidFill>
+                <a:latin typeface="고도 B" panose="02000503000000020004" pitchFamily="2" charset="-127"/>
+                <a:ea typeface="고도 B" panose="02000503000000020004" pitchFamily="2" charset="-127"/>
+              </a:rPr>
+              <a:t>.</a:t>
+            </a:r>
+            <a:endParaRPr lang="ko-KR" altLang="en-US" sz="1000" dirty="0">
+              <a:solidFill>
+                <a:schemeClr val="bg1"/>
+              </a:solidFill>
+              <a:latin typeface="고도 B" panose="02000503000000020004" pitchFamily="2" charset="-127"/>
+              <a:ea typeface="고도 B" panose="02000503000000020004" pitchFamily="2" charset="-127"/>
+            </a:endParaRPr>
+          </a:p>
+        </p:txBody>
+      </p:sp>
     </p:spTree>
     <p:extLst>
       <p:ext uri="{BB962C8B-B14F-4D97-AF65-F5344CB8AC3E}">
@@ -6272,6 +11752,163 @@
   <p:clrMapOvr>
     <a:masterClrMapping/>
   </p:clrMapOvr>
+  <p:timing>
+    <p:tnLst>
+      <p:par>
+        <p:cTn id="1" dur="indefinite" restart="never" nodeType="tmRoot">
+          <p:childTnLst>
+            <p:seq concurrent="1" nextAc="seek">
+              <p:cTn id="2" dur="indefinite" nodeType="mainSeq">
+                <p:childTnLst>
+                  <p:par>
+                    <p:cTn id="3" fill="hold">
+                      <p:stCondLst>
+                        <p:cond delay="indefinite"/>
+                      </p:stCondLst>
+                      <p:childTnLst>
+                        <p:par>
+                          <p:cTn id="4" fill="hold">
+                            <p:stCondLst>
+                              <p:cond delay="0"/>
+                            </p:stCondLst>
+                            <p:childTnLst>
+                              <p:par>
+                                <p:cTn id="5" presetID="10" presetClass="entr" presetSubtype="0" fill="hold" grpId="0" nodeType="clickEffect">
+                                  <p:stCondLst>
+                                    <p:cond delay="0"/>
+                                  </p:stCondLst>
+                                  <p:childTnLst>
+                                    <p:set>
+                                      <p:cBhvr>
+                                        <p:cTn id="6" dur="1" fill="hold">
+                                          <p:stCondLst>
+                                            <p:cond delay="0"/>
+                                          </p:stCondLst>
+                                        </p:cTn>
+                                        <p:tgtEl>
+                                          <p:spTgt spid="8"/>
+                                        </p:tgtEl>
+                                        <p:attrNameLst>
+                                          <p:attrName>style.visibility</p:attrName>
+                                        </p:attrNameLst>
+                                      </p:cBhvr>
+                                      <p:to>
+                                        <p:strVal val="visible"/>
+                                      </p:to>
+                                    </p:set>
+                                    <p:animEffect transition="in" filter="fade">
+                                      <p:cBhvr>
+                                        <p:cTn id="7" dur="500"/>
+                                        <p:tgtEl>
+                                          <p:spTgt spid="8"/>
+                                        </p:tgtEl>
+                                      </p:cBhvr>
+                                    </p:animEffect>
+                                  </p:childTnLst>
+                                </p:cTn>
+                              </p:par>
+                              <p:par>
+                                <p:cTn id="8" presetID="10" presetClass="entr" presetSubtype="0" fill="hold" nodeType="withEffect">
+                                  <p:stCondLst>
+                                    <p:cond delay="0"/>
+                                  </p:stCondLst>
+                                  <p:childTnLst>
+                                    <p:set>
+                                      <p:cBhvr>
+                                        <p:cTn id="9" dur="1" fill="hold">
+                                          <p:stCondLst>
+                                            <p:cond delay="0"/>
+                                          </p:stCondLst>
+                                        </p:cTn>
+                                        <p:tgtEl>
+                                          <p:spTgt spid="5"/>
+                                        </p:tgtEl>
+                                        <p:attrNameLst>
+                                          <p:attrName>style.visibility</p:attrName>
+                                        </p:attrNameLst>
+                                      </p:cBhvr>
+                                      <p:to>
+                                        <p:strVal val="visible"/>
+                                      </p:to>
+                                    </p:set>
+                                    <p:animEffect transition="in" filter="fade">
+                                      <p:cBhvr>
+                                        <p:cTn id="10" dur="500"/>
+                                        <p:tgtEl>
+                                          <p:spTgt spid="5"/>
+                                        </p:tgtEl>
+                                      </p:cBhvr>
+                                    </p:animEffect>
+                                  </p:childTnLst>
+                                </p:cTn>
+                              </p:par>
+                              <p:par>
+                                <p:cTn id="11" presetID="10" presetClass="entr" presetSubtype="0" fill="hold" grpId="0" nodeType="withEffect">
+                                  <p:stCondLst>
+                                    <p:cond delay="0"/>
+                                  </p:stCondLst>
+                                  <p:childTnLst>
+                                    <p:set>
+                                      <p:cBhvr>
+                                        <p:cTn id="12" dur="1" fill="hold">
+                                          <p:stCondLst>
+                                            <p:cond delay="0"/>
+                                          </p:stCondLst>
+                                        </p:cTn>
+                                        <p:tgtEl>
+                                          <p:spTgt spid="3"/>
+                                        </p:tgtEl>
+                                        <p:attrNameLst>
+                                          <p:attrName>style.visibility</p:attrName>
+                                        </p:attrNameLst>
+                                      </p:cBhvr>
+                                      <p:to>
+                                        <p:strVal val="visible"/>
+                                      </p:to>
+                                    </p:set>
+                                    <p:animEffect transition="in" filter="fade">
+                                      <p:cBhvr>
+                                        <p:cTn id="13" dur="500"/>
+                                        <p:tgtEl>
+                                          <p:spTgt spid="3"/>
+                                        </p:tgtEl>
+                                      </p:cBhvr>
+                                    </p:animEffect>
+                                  </p:childTnLst>
+                                </p:cTn>
+                              </p:par>
+                            </p:childTnLst>
+                          </p:cTn>
+                        </p:par>
+                      </p:childTnLst>
+                    </p:cTn>
+                  </p:par>
+                </p:childTnLst>
+              </p:cTn>
+              <p:prevCondLst>
+                <p:cond evt="onPrev" delay="0">
+                  <p:tgtEl>
+                    <p:sldTgt/>
+                  </p:tgtEl>
+                </p:cond>
+              </p:prevCondLst>
+              <p:nextCondLst>
+                <p:cond evt="onNext" delay="0">
+                  <p:tgtEl>
+                    <p:sldTgt/>
+                  </p:tgtEl>
+                </p:cond>
+              </p:nextCondLst>
+            </p:seq>
+          </p:childTnLst>
+        </p:cTn>
+      </p:par>
+    </p:tnLst>
+    <p:bldLst>
+      <p:bldP spid="3" grpId="0" animBg="1"/>
+      <p:bldP spid="8" grpId="0"/>
+    </p:bldLst>
+  </p:timing>
 </p:sld>
 </file>
 
@@ -6308,7 +11945,7 @@
           <p:cNvPr id="6" name="슬라이드 번호 개체 틀 5">
             <a:extLst>
               <a:ext uri="{FF2B5EF4-FFF2-40B4-BE49-F238E27FC236}">
-                <a16:creationId xmlns:a16="http://schemas.microsoft.com/office/drawing/2014/main" id="{D07836A0-38B7-45E1-B6C1-6BEEAC42BA58}"/>
+                <a16:creationId xmlns:a16="http://schemas.microsoft.com/office/drawing/2014/main" xmlns="" id="{D07836A0-38B7-45E1-B6C1-6BEEAC42BA58}"/>
               </a:ext>
             </a:extLst>
           </p:cNvPr>
@@ -6338,7 +11975,7 @@
           <p:cNvPr id="9" name="TextBox 8">
             <a:extLst>
               <a:ext uri="{FF2B5EF4-FFF2-40B4-BE49-F238E27FC236}">
-                <a16:creationId xmlns:a16="http://schemas.microsoft.com/office/drawing/2014/main" id="{5D8B5EC4-A12D-4385-8680-5D64041688E4}"/>
+                <a16:creationId xmlns:a16="http://schemas.microsoft.com/office/drawing/2014/main" xmlns="" id="{5D8B5EC4-A12D-4385-8680-5D64041688E4}"/>
               </a:ext>
             </a:extLst>
           </p:cNvPr>
@@ -6477,7 +12114,7 @@
           <p:cNvPr id="2" name="그림 1">
             <a:extLst>
               <a:ext uri="{FF2B5EF4-FFF2-40B4-BE49-F238E27FC236}">
-                <a16:creationId xmlns:a16="http://schemas.microsoft.com/office/drawing/2014/main" id="{73CBE348-2F07-49AF-9D80-3877171A75DE}"/>
+                <a16:creationId xmlns:a16="http://schemas.microsoft.com/office/drawing/2014/main" xmlns="" id="{73CBE348-2F07-49AF-9D80-3877171A75DE}"/>
               </a:ext>
             </a:extLst>
           </p:cNvPr>
@@ -6507,7 +12144,7 @@
           <p:cNvPr id="5" name="그림 4">
             <a:extLst>
               <a:ext uri="{FF2B5EF4-FFF2-40B4-BE49-F238E27FC236}">
-                <a16:creationId xmlns:a16="http://schemas.microsoft.com/office/drawing/2014/main" id="{6AE818D6-729E-4E7F-AA1F-42714DC4C877}"/>
+                <a16:creationId xmlns:a16="http://schemas.microsoft.com/office/drawing/2014/main" xmlns="" id="{6AE818D6-729E-4E7F-AA1F-42714DC4C877}"/>
               </a:ext>
             </a:extLst>
           </p:cNvPr>
@@ -6536,7 +12173,7 @@
           <p:cNvPr id="3" name="직사각형 2">
             <a:extLst>
               <a:ext uri="{FF2B5EF4-FFF2-40B4-BE49-F238E27FC236}">
-                <a16:creationId xmlns:a16="http://schemas.microsoft.com/office/drawing/2014/main" id="{3C9E187D-2C54-47A2-9168-23E2283C3EDE}"/>
+                <a16:creationId xmlns:a16="http://schemas.microsoft.com/office/drawing/2014/main" xmlns="" id="{3C9E187D-2C54-47A2-9168-23E2283C3EDE}"/>
               </a:ext>
             </a:extLst>
           </p:cNvPr>
@@ -6593,7 +12230,7 @@
           <p:cNvPr id="7" name="직사각형 6">
             <a:extLst>
               <a:ext uri="{FF2B5EF4-FFF2-40B4-BE49-F238E27FC236}">
-                <a16:creationId xmlns:a16="http://schemas.microsoft.com/office/drawing/2014/main" id="{8C492062-9869-493D-8A02-1E3E53381B71}"/>
+                <a16:creationId xmlns:a16="http://schemas.microsoft.com/office/drawing/2014/main" xmlns="" id="{8C492062-9869-493D-8A02-1E3E53381B71}"/>
               </a:ext>
             </a:extLst>
           </p:cNvPr>
@@ -6650,7 +12287,7 @@
           <p:cNvPr id="8" name="직사각형 7">
             <a:extLst>
               <a:ext uri="{FF2B5EF4-FFF2-40B4-BE49-F238E27FC236}">
-                <a16:creationId xmlns:a16="http://schemas.microsoft.com/office/drawing/2014/main" id="{2DBF8EAC-4CF7-437D-887D-91E292C1B02E}"/>
+                <a16:creationId xmlns:a16="http://schemas.microsoft.com/office/drawing/2014/main" xmlns="" id="{2DBF8EAC-4CF7-437D-887D-91E292C1B02E}"/>
               </a:ext>
             </a:extLst>
           </p:cNvPr>
@@ -6707,7 +12344,7 @@
           <p:cNvPr id="10" name="TextBox 9">
             <a:extLst>
               <a:ext uri="{FF2B5EF4-FFF2-40B4-BE49-F238E27FC236}">
-                <a16:creationId xmlns:a16="http://schemas.microsoft.com/office/drawing/2014/main" id="{AEBA6E2B-4E08-4172-B1C3-D073279B670B}"/>
+                <a16:creationId xmlns:a16="http://schemas.microsoft.com/office/drawing/2014/main" xmlns="" id="{AEBA6E2B-4E08-4172-B1C3-D073279B670B}"/>
               </a:ext>
             </a:extLst>
           </p:cNvPr>
@@ -6790,7 +12427,7 @@
           <p:cNvPr id="11" name="TextBox 10">
             <a:extLst>
               <a:ext uri="{FF2B5EF4-FFF2-40B4-BE49-F238E27FC236}">
-                <a16:creationId xmlns:a16="http://schemas.microsoft.com/office/drawing/2014/main" id="{4F553B15-9ACE-40DD-907E-F8A78E827085}"/>
+                <a16:creationId xmlns:a16="http://schemas.microsoft.com/office/drawing/2014/main" xmlns="" id="{4F553B15-9ACE-40DD-907E-F8A78E827085}"/>
               </a:ext>
             </a:extLst>
           </p:cNvPr>
@@ -6942,7 +12579,7 @@
           <p:cNvPr id="12" name="TextBox 11">
             <a:extLst>
               <a:ext uri="{FF2B5EF4-FFF2-40B4-BE49-F238E27FC236}">
-                <a16:creationId xmlns:a16="http://schemas.microsoft.com/office/drawing/2014/main" id="{D7A03B6E-0CA8-42AB-9F8A-6AC966607EA4}"/>
+                <a16:creationId xmlns:a16="http://schemas.microsoft.com/office/drawing/2014/main" xmlns="" id="{D7A03B6E-0CA8-42AB-9F8A-6AC966607EA4}"/>
               </a:ext>
             </a:extLst>
           </p:cNvPr>
@@ -6991,7 +12628,7 @@
           <p:cNvPr id="13" name="TextBox 12">
             <a:extLst>
               <a:ext uri="{FF2B5EF4-FFF2-40B4-BE49-F238E27FC236}">
-                <a16:creationId xmlns:a16="http://schemas.microsoft.com/office/drawing/2014/main" id="{979680B5-AED6-45D9-A034-867C432401B0}"/>
+                <a16:creationId xmlns:a16="http://schemas.microsoft.com/office/drawing/2014/main" xmlns="" id="{979680B5-AED6-45D9-A034-867C432401B0}"/>
               </a:ext>
             </a:extLst>
           </p:cNvPr>
@@ -7596,7 +13233,7 @@
           <p:cNvPr id="6" name="슬라이드 번호 개체 틀 5">
             <a:extLst>
               <a:ext uri="{FF2B5EF4-FFF2-40B4-BE49-F238E27FC236}">
-                <a16:creationId xmlns:a16="http://schemas.microsoft.com/office/drawing/2014/main" id="{D07836A0-38B7-45E1-B6C1-6BEEAC42BA58}"/>
+                <a16:creationId xmlns:a16="http://schemas.microsoft.com/office/drawing/2014/main" xmlns="" id="{D07836A0-38B7-45E1-B6C1-6BEEAC42BA58}"/>
               </a:ext>
             </a:extLst>
           </p:cNvPr>
@@ -7626,7 +13263,7 @@
           <p:cNvPr id="9" name="TextBox 8">
             <a:extLst>
               <a:ext uri="{FF2B5EF4-FFF2-40B4-BE49-F238E27FC236}">
-                <a16:creationId xmlns:a16="http://schemas.microsoft.com/office/drawing/2014/main" id="{5D8B5EC4-A12D-4385-8680-5D64041688E4}"/>
+                <a16:creationId xmlns:a16="http://schemas.microsoft.com/office/drawing/2014/main" xmlns="" id="{5D8B5EC4-A12D-4385-8680-5D64041688E4}"/>
               </a:ext>
             </a:extLst>
           </p:cNvPr>
@@ -7764,7 +13401,7 @@
           <p:cNvPr id="3" name="그림 2">
             <a:extLst>
               <a:ext uri="{FF2B5EF4-FFF2-40B4-BE49-F238E27FC236}">
-                <a16:creationId xmlns:a16="http://schemas.microsoft.com/office/drawing/2014/main" id="{7F8B7E87-2E94-4670-8411-7D2E2A65EBFE}"/>
+                <a16:creationId xmlns:a16="http://schemas.microsoft.com/office/drawing/2014/main" xmlns="" id="{7F8B7E87-2E94-4670-8411-7D2E2A65EBFE}"/>
               </a:ext>
             </a:extLst>
           </p:cNvPr>
@@ -7794,7 +13431,7 @@
           <p:cNvPr id="5" name="그림 4">
             <a:extLst>
               <a:ext uri="{FF2B5EF4-FFF2-40B4-BE49-F238E27FC236}">
-                <a16:creationId xmlns:a16="http://schemas.microsoft.com/office/drawing/2014/main" id="{C48A8B29-0C6F-4428-B773-3D0C3FE036AE}"/>
+                <a16:creationId xmlns:a16="http://schemas.microsoft.com/office/drawing/2014/main" xmlns="" id="{C48A8B29-0C6F-4428-B773-3D0C3FE036AE}"/>
               </a:ext>
             </a:extLst>
           </p:cNvPr>
@@ -7823,7 +13460,7 @@
           <p:cNvPr id="7" name="그림 6">
             <a:extLst>
               <a:ext uri="{FF2B5EF4-FFF2-40B4-BE49-F238E27FC236}">
-                <a16:creationId xmlns:a16="http://schemas.microsoft.com/office/drawing/2014/main" id="{79A88F02-C206-427E-9E0A-C37FFD827E9A}"/>
+                <a16:creationId xmlns:a16="http://schemas.microsoft.com/office/drawing/2014/main" xmlns="" id="{79A88F02-C206-427E-9E0A-C37FFD827E9A}"/>
               </a:ext>
             </a:extLst>
           </p:cNvPr>
@@ -7852,7 +13489,7 @@
           <p:cNvPr id="8" name="TextBox 7">
             <a:extLst>
               <a:ext uri="{FF2B5EF4-FFF2-40B4-BE49-F238E27FC236}">
-                <a16:creationId xmlns:a16="http://schemas.microsoft.com/office/drawing/2014/main" id="{AEAFA008-5642-47A2-AB78-D3BBB7706F48}"/>
+                <a16:creationId xmlns:a16="http://schemas.microsoft.com/office/drawing/2014/main" xmlns="" id="{AEAFA008-5642-47A2-AB78-D3BBB7706F48}"/>
               </a:ext>
             </a:extLst>
           </p:cNvPr>
@@ -7951,7 +13588,7 @@
           <p:cNvPr id="2" name="직사각형 1">
             <a:extLst>
               <a:ext uri="{FF2B5EF4-FFF2-40B4-BE49-F238E27FC236}">
-                <a16:creationId xmlns:a16="http://schemas.microsoft.com/office/drawing/2014/main" id="{63F79017-0CDC-4B22-A27F-29885265B997}"/>
+                <a16:creationId xmlns:a16="http://schemas.microsoft.com/office/drawing/2014/main" xmlns="" id="{63F79017-0CDC-4B22-A27F-29885265B997}"/>
               </a:ext>
             </a:extLst>
           </p:cNvPr>
@@ -8008,7 +13645,7 @@
           <p:cNvPr id="10" name="TextBox 9">
             <a:extLst>
               <a:ext uri="{FF2B5EF4-FFF2-40B4-BE49-F238E27FC236}">
-                <a16:creationId xmlns:a16="http://schemas.microsoft.com/office/drawing/2014/main" id="{4B0E76CD-6C98-42EA-AC50-F133C61D3E37}"/>
+                <a16:creationId xmlns:a16="http://schemas.microsoft.com/office/drawing/2014/main" xmlns="" id="{4B0E76CD-6C98-42EA-AC50-F133C61D3E37}"/>
               </a:ext>
             </a:extLst>
           </p:cNvPr>
@@ -8057,7 +13694,7 @@
           <p:cNvPr id="11" name="TextBox 10">
             <a:extLst>
               <a:ext uri="{FF2B5EF4-FFF2-40B4-BE49-F238E27FC236}">
-                <a16:creationId xmlns:a16="http://schemas.microsoft.com/office/drawing/2014/main" id="{83BA604D-982B-4620-8B20-4C427EF1DA2C}"/>
+                <a16:creationId xmlns:a16="http://schemas.microsoft.com/office/drawing/2014/main" xmlns="" id="{83BA604D-982B-4620-8B20-4C427EF1DA2C}"/>
               </a:ext>
             </a:extLst>
           </p:cNvPr>
@@ -8106,7 +13743,7 @@
           <p:cNvPr id="12" name="직사각형 11">
             <a:extLst>
               <a:ext uri="{FF2B5EF4-FFF2-40B4-BE49-F238E27FC236}">
-                <a16:creationId xmlns:a16="http://schemas.microsoft.com/office/drawing/2014/main" id="{9638A76D-4BA7-4DE2-9808-0E532DD4C3C5}"/>
+                <a16:creationId xmlns:a16="http://schemas.microsoft.com/office/drawing/2014/main" xmlns="" id="{9638A76D-4BA7-4DE2-9808-0E532DD4C3C5}"/>
               </a:ext>
             </a:extLst>
           </p:cNvPr>
@@ -8163,7 +13800,7 @@
           <p:cNvPr id="4" name="그림 3">
             <a:extLst>
               <a:ext uri="{FF2B5EF4-FFF2-40B4-BE49-F238E27FC236}">
-                <a16:creationId xmlns:a16="http://schemas.microsoft.com/office/drawing/2014/main" id="{D48AC03B-2142-4DDD-B149-9B59AAB80361}"/>
+                <a16:creationId xmlns:a16="http://schemas.microsoft.com/office/drawing/2014/main" xmlns="" id="{D48AC03B-2142-4DDD-B149-9B59AAB80361}"/>
               </a:ext>
             </a:extLst>
           </p:cNvPr>
@@ -8192,7 +13829,7 @@
           <p:cNvPr id="13" name="직사각형 12">
             <a:extLst>
               <a:ext uri="{FF2B5EF4-FFF2-40B4-BE49-F238E27FC236}">
-                <a16:creationId xmlns:a16="http://schemas.microsoft.com/office/drawing/2014/main" id="{5E3A4351-F3A2-494B-933C-6A9BFDB39634}"/>
+                <a16:creationId xmlns:a16="http://schemas.microsoft.com/office/drawing/2014/main" xmlns="" id="{5E3A4351-F3A2-494B-933C-6A9BFDB39634}"/>
               </a:ext>
             </a:extLst>
           </p:cNvPr>
@@ -8249,7 +13886,7 @@
           <p:cNvPr id="14" name="TextBox 13">
             <a:extLst>
               <a:ext uri="{FF2B5EF4-FFF2-40B4-BE49-F238E27FC236}">
-                <a16:creationId xmlns:a16="http://schemas.microsoft.com/office/drawing/2014/main" id="{33F5D9B4-9DF3-47D9-B910-F85D89284E21}"/>
+                <a16:creationId xmlns:a16="http://schemas.microsoft.com/office/drawing/2014/main" xmlns="" id="{33F5D9B4-9DF3-47D9-B910-F85D89284E21}"/>
               </a:ext>
             </a:extLst>
           </p:cNvPr>
@@ -8909,7 +14546,7 @@
           <p:cNvPr id="6" name="슬라이드 번호 개체 틀 5">
             <a:extLst>
               <a:ext uri="{FF2B5EF4-FFF2-40B4-BE49-F238E27FC236}">
-                <a16:creationId xmlns:a16="http://schemas.microsoft.com/office/drawing/2014/main" id="{D07836A0-38B7-45E1-B6C1-6BEEAC42BA58}"/>
+                <a16:creationId xmlns:a16="http://schemas.microsoft.com/office/drawing/2014/main" xmlns="" id="{D07836A0-38B7-45E1-B6C1-6BEEAC42BA58}"/>
               </a:ext>
             </a:extLst>
           </p:cNvPr>
@@ -8939,7 +14576,7 @@
           <p:cNvPr id="4" name="TextBox 3">
             <a:extLst>
               <a:ext uri="{FF2B5EF4-FFF2-40B4-BE49-F238E27FC236}">
-                <a16:creationId xmlns:a16="http://schemas.microsoft.com/office/drawing/2014/main" id="{80EB905D-CFC6-429B-8E13-E71F3BAB749E}"/>
+                <a16:creationId xmlns:a16="http://schemas.microsoft.com/office/drawing/2014/main" xmlns="" id="{80EB905D-CFC6-429B-8E13-E71F3BAB749E}"/>
               </a:ext>
             </a:extLst>
           </p:cNvPr>
@@ -9097,7 +14734,7 @@
           <p:cNvPr id="3" name="그림 2">
             <a:extLst>
               <a:ext uri="{FF2B5EF4-FFF2-40B4-BE49-F238E27FC236}">
-                <a16:creationId xmlns:a16="http://schemas.microsoft.com/office/drawing/2014/main" id="{660C6231-27ED-45ED-BADF-0F0BCF8CE8B3}"/>
+                <a16:creationId xmlns:a16="http://schemas.microsoft.com/office/drawing/2014/main" xmlns="" id="{660C6231-27ED-45ED-BADF-0F0BCF8CE8B3}"/>
               </a:ext>
             </a:extLst>
           </p:cNvPr>
@@ -9127,7 +14764,7 @@
           <p:cNvPr id="5" name="그림 4">
             <a:extLst>
               <a:ext uri="{FF2B5EF4-FFF2-40B4-BE49-F238E27FC236}">
-                <a16:creationId xmlns:a16="http://schemas.microsoft.com/office/drawing/2014/main" id="{9EA395DF-760E-4870-B5EA-BD6F6B58057C}"/>
+                <a16:creationId xmlns:a16="http://schemas.microsoft.com/office/drawing/2014/main" xmlns="" id="{9EA395DF-760E-4870-B5EA-BD6F6B58057C}"/>
               </a:ext>
             </a:extLst>
           </p:cNvPr>
@@ -9156,7 +14793,7 @@
           <p:cNvPr id="7" name="직사각형 6">
             <a:extLst>
               <a:ext uri="{FF2B5EF4-FFF2-40B4-BE49-F238E27FC236}">
-                <a16:creationId xmlns:a16="http://schemas.microsoft.com/office/drawing/2014/main" id="{12BE43D8-1549-4124-8C9A-933E9A44CD05}"/>
+                <a16:creationId xmlns:a16="http://schemas.microsoft.com/office/drawing/2014/main" xmlns="" id="{12BE43D8-1549-4124-8C9A-933E9A44CD05}"/>
               </a:ext>
             </a:extLst>
           </p:cNvPr>
@@ -9213,7 +14850,7 @@
           <p:cNvPr id="8" name="TextBox 7">
             <a:extLst>
               <a:ext uri="{FF2B5EF4-FFF2-40B4-BE49-F238E27FC236}">
-                <a16:creationId xmlns:a16="http://schemas.microsoft.com/office/drawing/2014/main" id="{217DC21C-A45C-4B28-90FF-6DE6FBDF36FD}"/>
+                <a16:creationId xmlns:a16="http://schemas.microsoft.com/office/drawing/2014/main" xmlns="" id="{217DC21C-A45C-4B28-90FF-6DE6FBDF36FD}"/>
               </a:ext>
             </a:extLst>
           </p:cNvPr>
@@ -9262,7 +14899,7 @@
           <p:cNvPr id="9" name="직사각형 8">
             <a:extLst>
               <a:ext uri="{FF2B5EF4-FFF2-40B4-BE49-F238E27FC236}">
-                <a16:creationId xmlns:a16="http://schemas.microsoft.com/office/drawing/2014/main" id="{33E56831-C73C-467B-8334-BF09536F525A}"/>
+                <a16:creationId xmlns:a16="http://schemas.microsoft.com/office/drawing/2014/main" xmlns="" id="{33E56831-C73C-467B-8334-BF09536F525A}"/>
               </a:ext>
             </a:extLst>
           </p:cNvPr>
@@ -9319,7 +14956,7 @@
           <p:cNvPr id="10" name="TextBox 9">
             <a:extLst>
               <a:ext uri="{FF2B5EF4-FFF2-40B4-BE49-F238E27FC236}">
-                <a16:creationId xmlns:a16="http://schemas.microsoft.com/office/drawing/2014/main" id="{DA7FDFC8-A644-4EFE-BD17-11BAD3622A5F}"/>
+                <a16:creationId xmlns:a16="http://schemas.microsoft.com/office/drawing/2014/main" xmlns="" id="{DA7FDFC8-A644-4EFE-BD17-11BAD3622A5F}"/>
               </a:ext>
             </a:extLst>
           </p:cNvPr>
@@ -9385,7 +15022,7 @@
           <p:cNvPr id="11" name="TextBox 10">
             <a:extLst>
               <a:ext uri="{FF2B5EF4-FFF2-40B4-BE49-F238E27FC236}">
-                <a16:creationId xmlns:a16="http://schemas.microsoft.com/office/drawing/2014/main" id="{C3A8116B-1785-4A88-AE9F-5C36C8F48210}"/>
+                <a16:creationId xmlns:a16="http://schemas.microsoft.com/office/drawing/2014/main" xmlns="" id="{C3A8116B-1785-4A88-AE9F-5C36C8F48210}"/>
               </a:ext>
             </a:extLst>
           </p:cNvPr>
@@ -9887,7 +15524,7 @@
           <p:cNvPr id="6" name="슬라이드 번호 개체 틀 5">
             <a:extLst>
               <a:ext uri="{FF2B5EF4-FFF2-40B4-BE49-F238E27FC236}">
-                <a16:creationId xmlns:a16="http://schemas.microsoft.com/office/drawing/2014/main" id="{D07836A0-38B7-45E1-B6C1-6BEEAC42BA58}"/>
+                <a16:creationId xmlns:a16="http://schemas.microsoft.com/office/drawing/2014/main" xmlns="" id="{D07836A0-38B7-45E1-B6C1-6BEEAC42BA58}"/>
               </a:ext>
             </a:extLst>
           </p:cNvPr>
@@ -9917,7 +15554,7 @@
           <p:cNvPr id="9" name="TextBox 8">
             <a:extLst>
               <a:ext uri="{FF2B5EF4-FFF2-40B4-BE49-F238E27FC236}">
-                <a16:creationId xmlns:a16="http://schemas.microsoft.com/office/drawing/2014/main" id="{5D8B5EC4-A12D-4385-8680-5D64041688E4}"/>
+                <a16:creationId xmlns:a16="http://schemas.microsoft.com/office/drawing/2014/main" xmlns="" id="{5D8B5EC4-A12D-4385-8680-5D64041688E4}"/>
               </a:ext>
             </a:extLst>
           </p:cNvPr>
@@ -10055,7 +15692,7 @@
           <p:cNvPr id="2" name="그림 1">
             <a:extLst>
               <a:ext uri="{FF2B5EF4-FFF2-40B4-BE49-F238E27FC236}">
-                <a16:creationId xmlns:a16="http://schemas.microsoft.com/office/drawing/2014/main" id="{72DEFCE2-6A09-4296-A6C8-04861BD85BF0}"/>
+                <a16:creationId xmlns:a16="http://schemas.microsoft.com/office/drawing/2014/main" xmlns="" id="{72DEFCE2-6A09-4296-A6C8-04861BD85BF0}"/>
               </a:ext>
             </a:extLst>
           </p:cNvPr>
@@ -10085,7 +15722,7 @@
           <p:cNvPr id="7" name="그림 6">
             <a:extLst>
               <a:ext uri="{FF2B5EF4-FFF2-40B4-BE49-F238E27FC236}">
-                <a16:creationId xmlns:a16="http://schemas.microsoft.com/office/drawing/2014/main" id="{B362413C-E943-45E5-8930-075FD4A718F3}"/>
+                <a16:creationId xmlns:a16="http://schemas.microsoft.com/office/drawing/2014/main" xmlns="" id="{B362413C-E943-45E5-8930-075FD4A718F3}"/>
               </a:ext>
             </a:extLst>
           </p:cNvPr>
@@ -10114,7 +15751,7 @@
           <p:cNvPr id="4" name="직사각형 3">
             <a:extLst>
               <a:ext uri="{FF2B5EF4-FFF2-40B4-BE49-F238E27FC236}">
-                <a16:creationId xmlns:a16="http://schemas.microsoft.com/office/drawing/2014/main" id="{CA156AA4-848A-4F4E-9F18-9242EC791151}"/>
+                <a16:creationId xmlns:a16="http://schemas.microsoft.com/office/drawing/2014/main" xmlns="" id="{CA156AA4-848A-4F4E-9F18-9242EC791151}"/>
               </a:ext>
             </a:extLst>
           </p:cNvPr>
@@ -10171,7 +15808,7 @@
           <p:cNvPr id="8" name="TextBox 7">
             <a:extLst>
               <a:ext uri="{FF2B5EF4-FFF2-40B4-BE49-F238E27FC236}">
-                <a16:creationId xmlns:a16="http://schemas.microsoft.com/office/drawing/2014/main" id="{2AACB668-25A3-4D17-8BBC-3DC6BB913004}"/>
+                <a16:creationId xmlns:a16="http://schemas.microsoft.com/office/drawing/2014/main" xmlns="" id="{2AACB668-25A3-4D17-8BBC-3DC6BB913004}"/>
               </a:ext>
             </a:extLst>
           </p:cNvPr>
@@ -10220,7 +15857,7 @@
           <p:cNvPr id="10" name="TextBox 9">
             <a:extLst>
               <a:ext uri="{FF2B5EF4-FFF2-40B4-BE49-F238E27FC236}">
-                <a16:creationId xmlns:a16="http://schemas.microsoft.com/office/drawing/2014/main" id="{86FCAB6F-1881-4BC9-BF61-A7E65F02ED1F}"/>
+                <a16:creationId xmlns:a16="http://schemas.microsoft.com/office/drawing/2014/main" xmlns="" id="{86FCAB6F-1881-4BC9-BF61-A7E65F02ED1F}"/>
               </a:ext>
             </a:extLst>
           </p:cNvPr>
@@ -10282,7 +15919,7 @@
           <p:cNvPr id="11" name="직사각형 10">
             <a:extLst>
               <a:ext uri="{FF2B5EF4-FFF2-40B4-BE49-F238E27FC236}">
-                <a16:creationId xmlns:a16="http://schemas.microsoft.com/office/drawing/2014/main" id="{A0FE36F2-07F3-4E49-A0A7-A8719453D023}"/>
+                <a16:creationId xmlns:a16="http://schemas.microsoft.com/office/drawing/2014/main" xmlns="" id="{A0FE36F2-07F3-4E49-A0A7-A8719453D023}"/>
               </a:ext>
             </a:extLst>
           </p:cNvPr>
@@ -10339,7 +15976,7 @@
           <p:cNvPr id="12" name="TextBox 11">
             <a:extLst>
               <a:ext uri="{FF2B5EF4-FFF2-40B4-BE49-F238E27FC236}">
-                <a16:creationId xmlns:a16="http://schemas.microsoft.com/office/drawing/2014/main" id="{F83DFA55-4CD1-4A32-927E-2E16A69A0E3D}"/>
+                <a16:creationId xmlns:a16="http://schemas.microsoft.com/office/drawing/2014/main" xmlns="" id="{F83DFA55-4CD1-4A32-927E-2E16A69A0E3D}"/>
               </a:ext>
             </a:extLst>
           </p:cNvPr>
@@ -11068,7 +16705,7 @@
   <a:extraClrSchemeLst/>
   <a:extLst>
     <a:ext uri="{05A4C25C-085E-4340-85A3-A5531E510DB2}">
-      <thm15:themeFamily xmlns:thm15="http://schemas.microsoft.com/office/thememl/2012/main" name="Office Theme" id="{62F939B6-93AF-4DB8-9C6B-D6C7DFDC589F}" vid="{4A3C46E8-61CC-4603-A589-7422A47A8E4A}"/>
+      <thm15:themeFamily xmlns:thm15="http://schemas.microsoft.com/office/thememl/2012/main" xmlns="" name="Office Theme" id="{62F939B6-93AF-4DB8-9C6B-D6C7DFDC589F}" vid="{4A3C46E8-61CC-4603-A589-7422A47A8E4A}"/>
     </a:ext>
   </a:extLst>
 </a:theme>
@@ -11363,7 +17000,7 @@
   <a:extraClrSchemeLst/>
   <a:extLst>
     <a:ext uri="{05A4C25C-085E-4340-85A3-A5531E510DB2}">
-      <thm15:themeFamily xmlns:thm15="http://schemas.microsoft.com/office/thememl/2012/main" name="Office Theme" id="{62F939B6-93AF-4DB8-9C6B-D6C7DFDC589F}" vid="{4A3C46E8-61CC-4603-A589-7422A47A8E4A}"/>
+      <thm15:themeFamily xmlns:thm15="http://schemas.microsoft.com/office/thememl/2012/main" xmlns="" name="Office Theme" id="{62F939B6-93AF-4DB8-9C6B-D6C7DFDC589F}" vid="{4A3C46E8-61CC-4603-A589-7422A47A8E4A}"/>
     </a:ext>
   </a:extLst>
 </a:theme>
@@ -11658,7 +17295,7 @@
   <a:extraClrSchemeLst/>
   <a:extLst>
     <a:ext uri="{05A4C25C-085E-4340-85A3-A5531E510DB2}">
-      <thm15:themeFamily xmlns:thm15="http://schemas.microsoft.com/office/thememl/2012/main" name="Office Theme" id="{62F939B6-93AF-4DB8-9C6B-D6C7DFDC589F}" vid="{4A3C46E8-61CC-4603-A589-7422A47A8E4A}"/>
+      <thm15:themeFamily xmlns:thm15="http://schemas.microsoft.com/office/thememl/2012/main" xmlns="" name="Office Theme" id="{62F939B6-93AF-4DB8-9C6B-D6C7DFDC589F}" vid="{4A3C46E8-61CC-4603-A589-7422A47A8E4A}"/>
     </a:ext>
   </a:extLst>
 </a:theme>
